--- a/Cryptography Project - meeting2.pptx
+++ b/Cryptography Project - meeting2.pptx
@@ -6,17 +6,22 @@
   </p:sldMasterIdLst>
   <p:sldIdLst>
     <p:sldId id="262" r:id="rId2"/>
-    <p:sldId id="259" r:id="rId3"/>
-    <p:sldId id="261" r:id="rId4"/>
-    <p:sldId id="267" r:id="rId5"/>
-    <p:sldId id="269" r:id="rId6"/>
-    <p:sldId id="263" r:id="rId7"/>
-    <p:sldId id="256" r:id="rId8"/>
-    <p:sldId id="264" r:id="rId9"/>
-    <p:sldId id="258" r:id="rId10"/>
-    <p:sldId id="265" r:id="rId11"/>
-    <p:sldId id="257" r:id="rId12"/>
-    <p:sldId id="268" r:id="rId13"/>
+    <p:sldId id="274" r:id="rId3"/>
+    <p:sldId id="259" r:id="rId4"/>
+    <p:sldId id="261" r:id="rId5"/>
+    <p:sldId id="267" r:id="rId6"/>
+    <p:sldId id="269" r:id="rId7"/>
+    <p:sldId id="263" r:id="rId8"/>
+    <p:sldId id="256" r:id="rId9"/>
+    <p:sldId id="264" r:id="rId10"/>
+    <p:sldId id="270" r:id="rId11"/>
+    <p:sldId id="271" r:id="rId12"/>
+    <p:sldId id="258" r:id="rId13"/>
+    <p:sldId id="265" r:id="rId14"/>
+    <p:sldId id="272" r:id="rId15"/>
+    <p:sldId id="273" r:id="rId16"/>
+    <p:sldId id="257" r:id="rId17"/>
+    <p:sldId id="268" r:id="rId18"/>
   </p:sldIdLst>
   <p:sldSz cx="9144000" cy="6858000" type="screen4x3"/>
   <p:notesSz cx="6858000" cy="9144000"/>
@@ -300,7 +305,7 @@
             <a:fld id="{8A6BFD02-9896-474A-BBBD-D7BB45DBD9CE}" type="datetimeFigureOut">
               <a:rPr lang="en-US" smtClean="0"/>
               <a:pPr/>
-              <a:t>7/11/2011</a:t>
+              <a:t>7/26/2011</a:t>
             </a:fld>
             <a:endParaRPr lang="en-US"/>
           </a:p>
@@ -352,7 +357,7 @@
     </p:spTree>
     <p:extLst>
       <p:ext uri="{BB962C8B-B14F-4D97-AF65-F5344CB8AC3E}">
-        <p14:creationId xmlns="" xmlns:p14="http://schemas.microsoft.com/office/powerpoint/2010/main" val="489375733"/>
+        <p14:creationId xmlns:p14="http://schemas.microsoft.com/office/powerpoint/2010/main" val="489375733"/>
       </p:ext>
     </p:extLst>
   </p:cSld>
@@ -472,7 +477,7 @@
             <a:fld id="{8A6BFD02-9896-474A-BBBD-D7BB45DBD9CE}" type="datetimeFigureOut">
               <a:rPr lang="en-US" smtClean="0"/>
               <a:pPr/>
-              <a:t>7/11/2011</a:t>
+              <a:t>7/26/2011</a:t>
             </a:fld>
             <a:endParaRPr lang="en-US"/>
           </a:p>
@@ -524,7 +529,7 @@
     </p:spTree>
     <p:extLst>
       <p:ext uri="{BB962C8B-B14F-4D97-AF65-F5344CB8AC3E}">
-        <p14:creationId xmlns="" xmlns:p14="http://schemas.microsoft.com/office/powerpoint/2010/main" val="2132658261"/>
+        <p14:creationId xmlns:p14="http://schemas.microsoft.com/office/powerpoint/2010/main" val="2132658261"/>
       </p:ext>
     </p:extLst>
   </p:cSld>
@@ -654,7 +659,7 @@
             <a:fld id="{8A6BFD02-9896-474A-BBBD-D7BB45DBD9CE}" type="datetimeFigureOut">
               <a:rPr lang="en-US" smtClean="0"/>
               <a:pPr/>
-              <a:t>7/11/2011</a:t>
+              <a:t>7/26/2011</a:t>
             </a:fld>
             <a:endParaRPr lang="en-US"/>
           </a:p>
@@ -706,7 +711,7 @@
     </p:spTree>
     <p:extLst>
       <p:ext uri="{BB962C8B-B14F-4D97-AF65-F5344CB8AC3E}">
-        <p14:creationId xmlns="" xmlns:p14="http://schemas.microsoft.com/office/powerpoint/2010/main" val="1463802722"/>
+        <p14:creationId xmlns:p14="http://schemas.microsoft.com/office/powerpoint/2010/main" val="1463802722"/>
       </p:ext>
     </p:extLst>
   </p:cSld>
@@ -826,7 +831,7 @@
             <a:fld id="{8A6BFD02-9896-474A-BBBD-D7BB45DBD9CE}" type="datetimeFigureOut">
               <a:rPr lang="en-US" smtClean="0"/>
               <a:pPr/>
-              <a:t>7/11/2011</a:t>
+              <a:t>7/26/2011</a:t>
             </a:fld>
             <a:endParaRPr lang="en-US"/>
           </a:p>
@@ -878,7 +883,7 @@
     </p:spTree>
     <p:extLst>
       <p:ext uri="{BB962C8B-B14F-4D97-AF65-F5344CB8AC3E}">
-        <p14:creationId xmlns="" xmlns:p14="http://schemas.microsoft.com/office/powerpoint/2010/main" val="1709900930"/>
+        <p14:creationId xmlns:p14="http://schemas.microsoft.com/office/powerpoint/2010/main" val="1709900930"/>
       </p:ext>
     </p:extLst>
   </p:cSld>
@@ -1074,7 +1079,7 @@
             <a:fld id="{8A6BFD02-9896-474A-BBBD-D7BB45DBD9CE}" type="datetimeFigureOut">
               <a:rPr lang="en-US" smtClean="0"/>
               <a:pPr/>
-              <a:t>7/11/2011</a:t>
+              <a:t>7/26/2011</a:t>
             </a:fld>
             <a:endParaRPr lang="en-US"/>
           </a:p>
@@ -1126,7 +1131,7 @@
     </p:spTree>
     <p:extLst>
       <p:ext uri="{BB962C8B-B14F-4D97-AF65-F5344CB8AC3E}">
-        <p14:creationId xmlns="" xmlns:p14="http://schemas.microsoft.com/office/powerpoint/2010/main" val="2811630000"/>
+        <p14:creationId xmlns:p14="http://schemas.microsoft.com/office/powerpoint/2010/main" val="2811630000"/>
       </p:ext>
     </p:extLst>
   </p:cSld>
@@ -1364,7 +1369,7 @@
             <a:fld id="{8A6BFD02-9896-474A-BBBD-D7BB45DBD9CE}" type="datetimeFigureOut">
               <a:rPr lang="en-US" smtClean="0"/>
               <a:pPr/>
-              <a:t>7/11/2011</a:t>
+              <a:t>7/26/2011</a:t>
             </a:fld>
             <a:endParaRPr lang="en-US"/>
           </a:p>
@@ -1416,7 +1421,7 @@
     </p:spTree>
     <p:extLst>
       <p:ext uri="{BB962C8B-B14F-4D97-AF65-F5344CB8AC3E}">
-        <p14:creationId xmlns="" xmlns:p14="http://schemas.microsoft.com/office/powerpoint/2010/main" val="4226307925"/>
+        <p14:creationId xmlns:p14="http://schemas.microsoft.com/office/powerpoint/2010/main" val="4226307925"/>
       </p:ext>
     </p:extLst>
   </p:cSld>
@@ -1788,7 +1793,7 @@
             <a:fld id="{8A6BFD02-9896-474A-BBBD-D7BB45DBD9CE}" type="datetimeFigureOut">
               <a:rPr lang="en-US" smtClean="0"/>
               <a:pPr/>
-              <a:t>7/11/2011</a:t>
+              <a:t>7/26/2011</a:t>
             </a:fld>
             <a:endParaRPr lang="en-US"/>
           </a:p>
@@ -1840,7 +1845,7 @@
     </p:spTree>
     <p:extLst>
       <p:ext uri="{BB962C8B-B14F-4D97-AF65-F5344CB8AC3E}">
-        <p14:creationId xmlns="" xmlns:p14="http://schemas.microsoft.com/office/powerpoint/2010/main" val="136647977"/>
+        <p14:creationId xmlns:p14="http://schemas.microsoft.com/office/powerpoint/2010/main" val="136647977"/>
       </p:ext>
     </p:extLst>
   </p:cSld>
@@ -1908,7 +1913,7 @@
             <a:fld id="{8A6BFD02-9896-474A-BBBD-D7BB45DBD9CE}" type="datetimeFigureOut">
               <a:rPr lang="en-US" smtClean="0"/>
               <a:pPr/>
-              <a:t>7/11/2011</a:t>
+              <a:t>7/26/2011</a:t>
             </a:fld>
             <a:endParaRPr lang="en-US"/>
           </a:p>
@@ -1960,7 +1965,7 @@
     </p:spTree>
     <p:extLst>
       <p:ext uri="{BB962C8B-B14F-4D97-AF65-F5344CB8AC3E}">
-        <p14:creationId xmlns="" xmlns:p14="http://schemas.microsoft.com/office/powerpoint/2010/main" val="3571128729"/>
+        <p14:creationId xmlns:p14="http://schemas.microsoft.com/office/powerpoint/2010/main" val="3571128729"/>
       </p:ext>
     </p:extLst>
   </p:cSld>
@@ -2005,7 +2010,7 @@
             <a:fld id="{8A6BFD02-9896-474A-BBBD-D7BB45DBD9CE}" type="datetimeFigureOut">
               <a:rPr lang="en-US" smtClean="0"/>
               <a:pPr/>
-              <a:t>7/11/2011</a:t>
+              <a:t>7/26/2011</a:t>
             </a:fld>
             <a:endParaRPr lang="en-US"/>
           </a:p>
@@ -2057,7 +2062,7 @@
     </p:spTree>
     <p:extLst>
       <p:ext uri="{BB962C8B-B14F-4D97-AF65-F5344CB8AC3E}">
-        <p14:creationId xmlns="" xmlns:p14="http://schemas.microsoft.com/office/powerpoint/2010/main" val="84365399"/>
+        <p14:creationId xmlns:p14="http://schemas.microsoft.com/office/powerpoint/2010/main" val="84365399"/>
       </p:ext>
     </p:extLst>
   </p:cSld>
@@ -2284,7 +2289,7 @@
             <a:fld id="{8A6BFD02-9896-474A-BBBD-D7BB45DBD9CE}" type="datetimeFigureOut">
               <a:rPr lang="en-US" smtClean="0"/>
               <a:pPr/>
-              <a:t>7/11/2011</a:t>
+              <a:t>7/26/2011</a:t>
             </a:fld>
             <a:endParaRPr lang="en-US"/>
           </a:p>
@@ -2336,7 +2341,7 @@
     </p:spTree>
     <p:extLst>
       <p:ext uri="{BB962C8B-B14F-4D97-AF65-F5344CB8AC3E}">
-        <p14:creationId xmlns="" xmlns:p14="http://schemas.microsoft.com/office/powerpoint/2010/main" val="4000632514"/>
+        <p14:creationId xmlns:p14="http://schemas.microsoft.com/office/powerpoint/2010/main" val="4000632514"/>
       </p:ext>
     </p:extLst>
   </p:cSld>
@@ -2539,7 +2544,7 @@
             <a:fld id="{8A6BFD02-9896-474A-BBBD-D7BB45DBD9CE}" type="datetimeFigureOut">
               <a:rPr lang="en-US" smtClean="0"/>
               <a:pPr/>
-              <a:t>7/11/2011</a:t>
+              <a:t>7/26/2011</a:t>
             </a:fld>
             <a:endParaRPr lang="en-US"/>
           </a:p>
@@ -2591,7 +2596,7 @@
     </p:spTree>
     <p:extLst>
       <p:ext uri="{BB962C8B-B14F-4D97-AF65-F5344CB8AC3E}">
-        <p14:creationId xmlns="" xmlns:p14="http://schemas.microsoft.com/office/powerpoint/2010/main" val="176726723"/>
+        <p14:creationId xmlns:p14="http://schemas.microsoft.com/office/powerpoint/2010/main" val="176726723"/>
       </p:ext>
     </p:extLst>
   </p:cSld>
@@ -2754,7 +2759,7 @@
             <a:fld id="{8A6BFD02-9896-474A-BBBD-D7BB45DBD9CE}" type="datetimeFigureOut">
               <a:rPr lang="en-US" smtClean="0"/>
               <a:pPr/>
-              <a:t>7/11/2011</a:t>
+              <a:t>7/26/2011</a:t>
             </a:fld>
             <a:endParaRPr lang="en-US"/>
           </a:p>
@@ -2842,7 +2847,7 @@
     </p:spTree>
     <p:extLst>
       <p:ext uri="{BB962C8B-B14F-4D97-AF65-F5344CB8AC3E}">
-        <p14:creationId xmlns="" xmlns:p14="http://schemas.microsoft.com/office/powerpoint/2010/main" val="1263949513"/>
+        <p14:creationId xmlns:p14="http://schemas.microsoft.com/office/powerpoint/2010/main" val="1263949513"/>
       </p:ext>
     </p:extLst>
   </p:cSld>
@@ -3147,12 +3152,25 @@
           </a:xfrm>
         </p:spPr>
         <p:txBody>
-          <a:bodyPr/>
+          <a:bodyPr>
+            <a:normAutofit fontScale="90000"/>
+          </a:bodyPr>
           <a:lstStyle/>
           <a:p>
             <a:r>
               <a:rPr lang="en-US" dirty="0" smtClean="0"/>
-              <a:t>System Design &amp; implementation</a:t>
+              <a:t>System Design &amp; </a:t>
+            </a:r>
+            <a:r>
+              <a:rPr lang="en-US" dirty="0" smtClean="0"/>
+              <a:t>implementation</a:t>
+            </a:r>
+            <a:br>
+              <a:rPr lang="en-US" dirty="0" smtClean="0"/>
+            </a:br>
+            <a:r>
+              <a:rPr lang="en-US" dirty="0" smtClean="0"/>
+              <a:t>first design</a:t>
             </a:r>
             <a:endParaRPr lang="he-IL" dirty="0"/>
           </a:p>
@@ -3228,8 +3246,8 @@
         </p:nvSpPr>
         <p:spPr>
           <a:xfrm>
-            <a:off x="335280" y="535376"/>
-            <a:ext cx="8625840" cy="1470025"/>
+            <a:off x="693465" y="535376"/>
+            <a:ext cx="7772400" cy="1470025"/>
           </a:xfrm>
         </p:spPr>
         <p:txBody>
@@ -3238,7 +3256,7 @@
           <a:p>
             <a:r>
               <a:rPr lang="en-US" dirty="0" smtClean="0"/>
-              <a:t>Global agreement - implementation</a:t>
+              <a:t>Average – Example</a:t>
             </a:r>
             <a:endParaRPr lang="en-US" dirty="0"/>
           </a:p>
@@ -3246,14 +3264,14 @@
       </p:sp>
       <p:sp>
         <p:nvSpPr>
-          <p:cNvPr id="6" name="TextBox 5"/>
+          <p:cNvPr id="4" name="TextBox 3"/>
           <p:cNvSpPr txBox="1"/>
           <p:nvPr/>
         </p:nvSpPr>
         <p:spPr>
           <a:xfrm>
-            <a:off x="792480" y="2005400"/>
-            <a:ext cx="7528560" cy="2062103"/>
+            <a:off x="693465" y="2005401"/>
+            <a:ext cx="7772400" cy="4524315"/>
           </a:xfrm>
           <a:prstGeom prst="rect">
             <a:avLst/>
@@ -3268,25 +3286,84 @@
           <a:p>
             <a:r>
               <a:rPr lang="en-US" sz="3200" dirty="0" smtClean="0"/>
-              <a:t>Global Agreement function represents by Boolean gates:</a:t>
+              <a:t>3 secrets – s1=1, s2=2, s3=3.</a:t>
             </a:r>
           </a:p>
           <a:p>
             <a:r>
               <a:rPr lang="en-US" sz="3200" dirty="0" smtClean="0"/>
-              <a:t>And gates of all inputs.</a:t>
-            </a:r>
-            <a:endParaRPr lang="he-IL" sz="3200" dirty="0" smtClean="0"/>
-          </a:p>
-          <a:p>
-            <a:endParaRPr lang="he-IL" sz="3200" dirty="0"/>
+              <a:t>T=1, n  = 3, field = 7.</a:t>
+            </a:r>
+          </a:p>
+          <a:p>
+            <a:endParaRPr lang="en-US" sz="3200" dirty="0" smtClean="0"/>
+          </a:p>
+          <a:p>
+            <a:r>
+              <a:rPr lang="en-US" sz="3200" dirty="0"/>
+              <a:t>secret share for p1 (</a:t>
+            </a:r>
+            <a:r>
+              <a:rPr lang="en-US" sz="3200" dirty="0" smtClean="0"/>
+              <a:t>s1</a:t>
+            </a:r>
+            <a:r>
+              <a:rPr lang="en-US" sz="3200" dirty="0"/>
+              <a:t>)</a:t>
+            </a:r>
+          </a:p>
+          <a:p>
+            <a:r>
+              <a:rPr lang="he-IL" sz="3200" dirty="0"/>
+              <a:t>[(1,0)(2,6)(3,5)]</a:t>
+            </a:r>
+          </a:p>
+          <a:p>
+            <a:r>
+              <a:rPr lang="en-US" sz="3200" dirty="0"/>
+              <a:t>secret share for p1 (</a:t>
+            </a:r>
+            <a:r>
+              <a:rPr lang="en-US" sz="3200" dirty="0" smtClean="0"/>
+              <a:t>s2</a:t>
+            </a:r>
+            <a:r>
+              <a:rPr lang="en-US" sz="3200" dirty="0"/>
+              <a:t>)</a:t>
+            </a:r>
+          </a:p>
+          <a:p>
+            <a:r>
+              <a:rPr lang="he-IL" sz="3200" dirty="0"/>
+              <a:t>[(1,0)(2,5)(3,3)]</a:t>
+            </a:r>
+          </a:p>
+          <a:p>
+            <a:r>
+              <a:rPr lang="en-US" sz="3200" dirty="0"/>
+              <a:t>secret share for p1 (</a:t>
+            </a:r>
+            <a:r>
+              <a:rPr lang="en-US" sz="3200" dirty="0" smtClean="0"/>
+              <a:t>s3</a:t>
+            </a:r>
+            <a:r>
+              <a:rPr lang="en-US" sz="3200" dirty="0"/>
+              <a:t>)</a:t>
+            </a:r>
+          </a:p>
+          <a:p>
+            <a:r>
+              <a:rPr lang="he-IL" sz="3200" dirty="0"/>
+              <a:t>[(1,5)(2,0)(3,2)]</a:t>
+            </a:r>
           </a:p>
         </p:txBody>
       </p:sp>
     </p:spTree>
     <p:extLst>
       <p:ext uri="{BB962C8B-B14F-4D97-AF65-F5344CB8AC3E}">
-        <p14:creationId xmlns="" xmlns:p14="http://schemas.microsoft.com/office/powerpoint/2010/main" val="2400644727"/>
+        <p14:creationId xmlns:p14="http://schemas.microsoft.com/office/powerpoint/2010/main" val="578136230"/>
       </p:ext>
     </p:extLst>
   </p:cSld>
@@ -3332,7 +3409,7 @@
         </p:nvSpPr>
         <p:spPr>
           <a:xfrm>
-            <a:off x="693465" y="267335"/>
+            <a:off x="693465" y="535376"/>
             <a:ext cx="7772400" cy="1470025"/>
           </a:xfrm>
         </p:spPr>
@@ -3342,7 +3419,7 @@
           <a:p>
             <a:r>
               <a:rPr lang="en-US" dirty="0" smtClean="0"/>
-              <a:t>Frequency - Motivation</a:t>
+              <a:t>Average – Example</a:t>
             </a:r>
             <a:endParaRPr lang="en-US" dirty="0"/>
           </a:p>
@@ -3350,69 +3427,71 @@
       </p:sp>
       <p:sp>
         <p:nvSpPr>
-          <p:cNvPr id="3" name="Subtitle 2"/>
-          <p:cNvSpPr>
-            <a:spLocks noGrp="1"/>
-          </p:cNvSpPr>
-          <p:nvPr>
-            <p:ph type="subTitle" idx="1"/>
-          </p:nvPr>
+          <p:cNvPr id="4" name="TextBox 3"/>
+          <p:cNvSpPr txBox="1"/>
+          <p:nvPr/>
         </p:nvSpPr>
         <p:spPr>
           <a:xfrm>
-            <a:off x="693465" y="1737360"/>
-            <a:ext cx="7581855" cy="2515985"/>
+            <a:off x="693465" y="2005401"/>
+            <a:ext cx="7772400" cy="3539430"/>
           </a:xfrm>
+          <a:prstGeom prst="rect">
+            <a:avLst/>
+          </a:prstGeom>
+          <a:noFill/>
         </p:spPr>
         <p:txBody>
-          <a:bodyPr>
-            <a:normAutofit/>
+          <a:bodyPr wrap="square" rtlCol="1">
+            <a:spAutoFit/>
           </a:bodyPr>
           <a:lstStyle/>
           <a:p>
-            <a:pPr algn="l"/>
-            <a:r>
-              <a:rPr lang="en-US" dirty="0" smtClean="0">
-                <a:solidFill>
-                  <a:schemeClr val="tx1"/>
-                </a:solidFill>
-              </a:rPr>
-              <a:t>Useful for:</a:t>
-            </a:r>
-          </a:p>
-          <a:p>
-            <a:pPr marL="514350" indent="-514350" algn="l"/>
-            <a:r>
-              <a:rPr lang="en-US" dirty="0" smtClean="0">
-                <a:solidFill>
-                  <a:schemeClr val="tx1"/>
-                </a:solidFill>
-              </a:rPr>
-              <a:t>Knowing who is the winner in an election.</a:t>
-            </a:r>
-          </a:p>
-          <a:p>
-            <a:pPr marL="514350" indent="-514350" algn="l"/>
-            <a:r>
-              <a:rPr lang="en-US" dirty="0" smtClean="0">
-                <a:solidFill>
-                  <a:schemeClr val="tx1"/>
-                </a:solidFill>
-              </a:rPr>
-              <a:t>(Vector of bits)</a:t>
-            </a:r>
-            <a:endParaRPr lang="en-US" dirty="0">
-              <a:solidFill>
-                <a:schemeClr val="tx1"/>
-              </a:solidFill>
-            </a:endParaRPr>
+            <a:r>
+              <a:rPr lang="en-US" sz="3200" dirty="0" smtClean="0"/>
+              <a:t>Local computation (addition gates):</a:t>
+            </a:r>
+          </a:p>
+          <a:p>
+            <a:r>
+              <a:rPr lang="en-US" sz="3200" dirty="0" smtClean="0"/>
+              <a:t>P1 = [3,5]</a:t>
+            </a:r>
+          </a:p>
+          <a:p>
+            <a:r>
+              <a:rPr lang="en-US" sz="3200" dirty="0" smtClean="0"/>
+              <a:t>P2 = [6,4]</a:t>
+            </a:r>
+          </a:p>
+          <a:p>
+            <a:r>
+              <a:rPr lang="en-US" sz="3200" dirty="0" smtClean="0"/>
+              <a:t>P3 = [2,3]</a:t>
+            </a:r>
+          </a:p>
+          <a:p>
+            <a:endParaRPr lang="en-US" sz="3200" dirty="0"/>
+          </a:p>
+          <a:p>
+            <a:r>
+              <a:rPr lang="en-US" sz="3200" dirty="0" smtClean="0"/>
+              <a:t>Result = -54/12 (mod 7) = 6</a:t>
+            </a:r>
+          </a:p>
+          <a:p>
+            <a:r>
+              <a:rPr lang="en-US" sz="3200" dirty="0" smtClean="0"/>
+              <a:t>And the average is 6/3(mod 7) = 2</a:t>
+            </a:r>
+            <a:endParaRPr lang="he-IL" sz="3200" dirty="0"/>
           </a:p>
         </p:txBody>
       </p:sp>
     </p:spTree>
     <p:extLst>
       <p:ext uri="{BB962C8B-B14F-4D97-AF65-F5344CB8AC3E}">
-        <p14:creationId xmlns="" xmlns:p14="http://schemas.microsoft.com/office/powerpoint/2010/main" val="813698840"/>
+        <p14:creationId xmlns:p14="http://schemas.microsoft.com/office/powerpoint/2010/main" val="1819452929"/>
       </p:ext>
     </p:extLst>
   </p:cSld>
@@ -3458,6 +3537,654 @@
         </p:nvSpPr>
         <p:spPr>
           <a:xfrm>
+            <a:off x="693465" y="535376"/>
+            <a:ext cx="7772400" cy="1470025"/>
+          </a:xfrm>
+        </p:spPr>
+        <p:txBody>
+          <a:bodyPr/>
+          <a:lstStyle/>
+          <a:p>
+            <a:r>
+              <a:rPr lang="en-US" dirty="0" smtClean="0"/>
+              <a:t>Global agreement - motivation</a:t>
+            </a:r>
+            <a:endParaRPr lang="en-US" dirty="0"/>
+          </a:p>
+        </p:txBody>
+      </p:sp>
+      <p:sp>
+        <p:nvSpPr>
+          <p:cNvPr id="3" name="Subtitle 2"/>
+          <p:cNvSpPr>
+            <a:spLocks noGrp="1"/>
+          </p:cNvSpPr>
+          <p:nvPr>
+            <p:ph type="subTitle" idx="1"/>
+          </p:nvPr>
+        </p:nvSpPr>
+        <p:spPr>
+          <a:xfrm>
+            <a:off x="365760" y="2005400"/>
+            <a:ext cx="8564880" cy="3816279"/>
+          </a:xfrm>
+        </p:spPr>
+        <p:txBody>
+          <a:bodyPr>
+            <a:noAutofit/>
+          </a:bodyPr>
+          <a:lstStyle/>
+          <a:p>
+            <a:pPr algn="l">
+              <a:buFont typeface="Arial" pitchFamily="34" charset="0"/>
+              <a:buChar char="•"/>
+            </a:pPr>
+            <a:r>
+              <a:rPr lang="en-US" sz="3600" dirty="0" smtClean="0">
+                <a:solidFill>
+                  <a:schemeClr val="tx1"/>
+                </a:solidFill>
+              </a:rPr>
+              <a:t>   Useful for:</a:t>
+            </a:r>
+          </a:p>
+          <a:p>
+            <a:pPr marL="514350" indent="-514350" algn="l">
+              <a:buAutoNum type="arabicPeriod"/>
+            </a:pPr>
+            <a:r>
+              <a:rPr lang="en-US" sz="3600" dirty="0" smtClean="0">
+                <a:solidFill>
+                  <a:schemeClr val="tx1"/>
+                </a:solidFill>
+              </a:rPr>
+              <a:t>For peace in the Middle East.</a:t>
+            </a:r>
+          </a:p>
+          <a:p>
+            <a:pPr marL="514350" indent="-514350" algn="l">
+              <a:buAutoNum type="arabicPeriod"/>
+            </a:pPr>
+            <a:r>
+              <a:rPr lang="en-US" sz="3600" dirty="0" smtClean="0">
+                <a:solidFill>
+                  <a:schemeClr val="tx1"/>
+                </a:solidFill>
+              </a:rPr>
+              <a:t>Global agreements in Business meetings.</a:t>
+            </a:r>
+          </a:p>
+          <a:p>
+            <a:pPr marL="514350" indent="-514350" algn="l">
+              <a:buAutoNum type="arabicPeriod"/>
+            </a:pPr>
+            <a:endParaRPr lang="en-US" sz="3600" dirty="0">
+              <a:solidFill>
+                <a:schemeClr val="tx1"/>
+              </a:solidFill>
+            </a:endParaRPr>
+          </a:p>
+        </p:txBody>
+      </p:sp>
+    </p:spTree>
+    <p:extLst>
+      <p:ext uri="{BB962C8B-B14F-4D97-AF65-F5344CB8AC3E}">
+        <p14:creationId xmlns:p14="http://schemas.microsoft.com/office/powerpoint/2010/main" val="2400644727"/>
+      </p:ext>
+    </p:extLst>
+  </p:cSld>
+  <p:clrMapOvr>
+    <a:masterClrMapping/>
+  </p:clrMapOvr>
+  <p:timing>
+    <p:tnLst>
+      <p:par>
+        <p:cTn id="1" dur="indefinite" restart="never" nodeType="tmRoot"/>
+      </p:par>
+    </p:tnLst>
+  </p:timing>
+</p:sld>
+</file>
+
+<file path=ppt/slides/slide13.xml><?xml version="1.0" encoding="utf-8"?>
+<p:sld xmlns:a="http://schemas.openxmlformats.org/drawingml/2006/main" xmlns:r="http://schemas.openxmlformats.org/officeDocument/2006/relationships" xmlns:p="http://schemas.openxmlformats.org/presentationml/2006/main">
+  <p:cSld>
+    <p:spTree>
+      <p:nvGrpSpPr>
+        <p:cNvPr id="1" name=""/>
+        <p:cNvGrpSpPr/>
+        <p:nvPr/>
+      </p:nvGrpSpPr>
+      <p:grpSpPr>
+        <a:xfrm>
+          <a:off x="0" y="0"/>
+          <a:ext cx="0" cy="0"/>
+          <a:chOff x="0" y="0"/>
+          <a:chExt cx="0" cy="0"/>
+        </a:xfrm>
+      </p:grpSpPr>
+      <p:sp>
+        <p:nvSpPr>
+          <p:cNvPr id="2" name="Title 1"/>
+          <p:cNvSpPr>
+            <a:spLocks noGrp="1"/>
+          </p:cNvSpPr>
+          <p:nvPr>
+            <p:ph type="ctrTitle"/>
+          </p:nvPr>
+        </p:nvSpPr>
+        <p:spPr>
+          <a:xfrm>
+            <a:off x="335280" y="535376"/>
+            <a:ext cx="8625840" cy="1470025"/>
+          </a:xfrm>
+        </p:spPr>
+        <p:txBody>
+          <a:bodyPr/>
+          <a:lstStyle/>
+          <a:p>
+            <a:r>
+              <a:rPr lang="en-US" dirty="0" smtClean="0"/>
+              <a:t>Global agreement - implementation</a:t>
+            </a:r>
+            <a:endParaRPr lang="en-US" dirty="0"/>
+          </a:p>
+        </p:txBody>
+      </p:sp>
+      <p:sp>
+        <p:nvSpPr>
+          <p:cNvPr id="6" name="TextBox 5"/>
+          <p:cNvSpPr txBox="1"/>
+          <p:nvPr/>
+        </p:nvSpPr>
+        <p:spPr>
+          <a:xfrm>
+            <a:off x="792480" y="2005400"/>
+            <a:ext cx="7528560" cy="2062103"/>
+          </a:xfrm>
+          <a:prstGeom prst="rect">
+            <a:avLst/>
+          </a:prstGeom>
+          <a:noFill/>
+        </p:spPr>
+        <p:txBody>
+          <a:bodyPr wrap="square" rtlCol="1">
+            <a:spAutoFit/>
+          </a:bodyPr>
+          <a:lstStyle/>
+          <a:p>
+            <a:r>
+              <a:rPr lang="en-US" sz="3200" dirty="0" smtClean="0"/>
+              <a:t>Global Agreement function represents by Boolean gates:</a:t>
+            </a:r>
+          </a:p>
+          <a:p>
+            <a:r>
+              <a:rPr lang="en-US" sz="3200" dirty="0" smtClean="0"/>
+              <a:t>And gates of all inputs.</a:t>
+            </a:r>
+            <a:endParaRPr lang="he-IL" sz="3200" dirty="0" smtClean="0"/>
+          </a:p>
+          <a:p>
+            <a:endParaRPr lang="he-IL" sz="3200" dirty="0"/>
+          </a:p>
+        </p:txBody>
+      </p:sp>
+    </p:spTree>
+    <p:extLst>
+      <p:ext uri="{BB962C8B-B14F-4D97-AF65-F5344CB8AC3E}">
+        <p14:creationId xmlns:p14="http://schemas.microsoft.com/office/powerpoint/2010/main" val="2400644727"/>
+      </p:ext>
+    </p:extLst>
+  </p:cSld>
+  <p:clrMapOvr>
+    <a:masterClrMapping/>
+  </p:clrMapOvr>
+  <p:timing>
+    <p:tnLst>
+      <p:par>
+        <p:cTn id="1" dur="indefinite" restart="never" nodeType="tmRoot"/>
+      </p:par>
+    </p:tnLst>
+  </p:timing>
+</p:sld>
+</file>
+
+<file path=ppt/slides/slide14.xml><?xml version="1.0" encoding="utf-8"?>
+<p:sld xmlns:a="http://schemas.openxmlformats.org/drawingml/2006/main" xmlns:r="http://schemas.openxmlformats.org/officeDocument/2006/relationships" xmlns:p="http://schemas.openxmlformats.org/presentationml/2006/main">
+  <p:cSld>
+    <p:spTree>
+      <p:nvGrpSpPr>
+        <p:cNvPr id="1" name=""/>
+        <p:cNvGrpSpPr/>
+        <p:nvPr/>
+      </p:nvGrpSpPr>
+      <p:grpSpPr>
+        <a:xfrm>
+          <a:off x="0" y="0"/>
+          <a:ext cx="0" cy="0"/>
+          <a:chOff x="0" y="0"/>
+          <a:chExt cx="0" cy="0"/>
+        </a:xfrm>
+      </p:grpSpPr>
+      <p:sp>
+        <p:nvSpPr>
+          <p:cNvPr id="2" name="Title 1"/>
+          <p:cNvSpPr>
+            <a:spLocks noGrp="1"/>
+          </p:cNvSpPr>
+          <p:nvPr>
+            <p:ph type="ctrTitle"/>
+          </p:nvPr>
+        </p:nvSpPr>
+        <p:spPr>
+          <a:xfrm>
+            <a:off x="335280" y="535376"/>
+            <a:ext cx="8625840" cy="1470025"/>
+          </a:xfrm>
+        </p:spPr>
+        <p:txBody>
+          <a:bodyPr/>
+          <a:lstStyle/>
+          <a:p>
+            <a:r>
+              <a:rPr lang="en-US" dirty="0" smtClean="0"/>
+              <a:t>Global agreement - Example</a:t>
+            </a:r>
+            <a:endParaRPr lang="en-US" dirty="0"/>
+          </a:p>
+        </p:txBody>
+      </p:sp>
+      <p:sp>
+        <p:nvSpPr>
+          <p:cNvPr id="6" name="TextBox 5"/>
+          <p:cNvSpPr txBox="1"/>
+          <p:nvPr/>
+        </p:nvSpPr>
+        <p:spPr>
+          <a:xfrm>
+            <a:off x="792480" y="2005400"/>
+            <a:ext cx="7528560" cy="1077218"/>
+          </a:xfrm>
+          <a:prstGeom prst="rect">
+            <a:avLst/>
+          </a:prstGeom>
+          <a:noFill/>
+        </p:spPr>
+        <p:txBody>
+          <a:bodyPr wrap="square" rtlCol="1">
+            <a:spAutoFit/>
+          </a:bodyPr>
+          <a:lstStyle/>
+          <a:p>
+            <a:endParaRPr lang="he-IL" sz="3200" dirty="0" smtClean="0"/>
+          </a:p>
+          <a:p>
+            <a:endParaRPr lang="he-IL" sz="3200" dirty="0"/>
+          </a:p>
+        </p:txBody>
+      </p:sp>
+      <p:sp>
+        <p:nvSpPr>
+          <p:cNvPr id="4" name="TextBox 3"/>
+          <p:cNvSpPr txBox="1"/>
+          <p:nvPr/>
+        </p:nvSpPr>
+        <p:spPr>
+          <a:xfrm>
+            <a:off x="693465" y="2005401"/>
+            <a:ext cx="7772400" cy="4524315"/>
+          </a:xfrm>
+          <a:prstGeom prst="rect">
+            <a:avLst/>
+          </a:prstGeom>
+          <a:noFill/>
+        </p:spPr>
+        <p:txBody>
+          <a:bodyPr wrap="square" rtlCol="1">
+            <a:spAutoFit/>
+          </a:bodyPr>
+          <a:lstStyle/>
+          <a:p>
+            <a:r>
+              <a:rPr lang="en-US" sz="3200" dirty="0" smtClean="0"/>
+              <a:t>3 secrets – s1=1, s2=0, s3=1.</a:t>
+            </a:r>
+          </a:p>
+          <a:p>
+            <a:r>
+              <a:rPr lang="en-US" sz="3200" dirty="0" smtClean="0"/>
+              <a:t>T=1, n  = 3, field = 7.</a:t>
+            </a:r>
+          </a:p>
+          <a:p>
+            <a:endParaRPr lang="en-US" sz="3200" dirty="0" smtClean="0"/>
+          </a:p>
+          <a:p>
+            <a:r>
+              <a:rPr lang="en-US" sz="3200" dirty="0"/>
+              <a:t>secret share for p1 (</a:t>
+            </a:r>
+            <a:r>
+              <a:rPr lang="en-US" sz="3200" dirty="0" smtClean="0"/>
+              <a:t>s1</a:t>
+            </a:r>
+            <a:r>
+              <a:rPr lang="en-US" sz="3200" dirty="0"/>
+              <a:t>)</a:t>
+            </a:r>
+          </a:p>
+          <a:p>
+            <a:r>
+              <a:rPr lang="he-IL" sz="3200" dirty="0"/>
+              <a:t>[(1,0)(2,6)(3,5)]</a:t>
+            </a:r>
+          </a:p>
+          <a:p>
+            <a:r>
+              <a:rPr lang="en-US" sz="3200" dirty="0"/>
+              <a:t>secret share for p1 (</a:t>
+            </a:r>
+            <a:r>
+              <a:rPr lang="en-US" sz="3200" dirty="0" smtClean="0"/>
+              <a:t>s2)</a:t>
+            </a:r>
+            <a:endParaRPr lang="en-US" sz="3200" dirty="0"/>
+          </a:p>
+          <a:p>
+            <a:r>
+              <a:rPr lang="he-IL" sz="3200" dirty="0"/>
+              <a:t>[(1,5)(2,3)(3,1)]</a:t>
+            </a:r>
+          </a:p>
+          <a:p>
+            <a:r>
+              <a:rPr lang="en-US" sz="3200" dirty="0"/>
+              <a:t>secret share for p1 (</a:t>
+            </a:r>
+            <a:r>
+              <a:rPr lang="en-US" sz="3200" dirty="0" smtClean="0"/>
+              <a:t>s3)</a:t>
+            </a:r>
+            <a:endParaRPr lang="en-US" sz="3200" dirty="0"/>
+          </a:p>
+          <a:p>
+            <a:r>
+              <a:rPr lang="he-IL" sz="3200" dirty="0"/>
+              <a:t>[(1,4)(2,0)(3,3)]</a:t>
+            </a:r>
+          </a:p>
+        </p:txBody>
+      </p:sp>
+    </p:spTree>
+    <p:extLst>
+      <p:ext uri="{BB962C8B-B14F-4D97-AF65-F5344CB8AC3E}">
+        <p14:creationId xmlns:p14="http://schemas.microsoft.com/office/powerpoint/2010/main" val="3481794422"/>
+      </p:ext>
+    </p:extLst>
+  </p:cSld>
+  <p:clrMapOvr>
+    <a:masterClrMapping/>
+  </p:clrMapOvr>
+  <p:timing>
+    <p:tnLst>
+      <p:par>
+        <p:cTn id="1" dur="indefinite" restart="never" nodeType="tmRoot"/>
+      </p:par>
+    </p:tnLst>
+  </p:timing>
+</p:sld>
+</file>
+
+<file path=ppt/slides/slide15.xml><?xml version="1.0" encoding="utf-8"?>
+<p:sld xmlns:a="http://schemas.openxmlformats.org/drawingml/2006/main" xmlns:r="http://schemas.openxmlformats.org/officeDocument/2006/relationships" xmlns:p="http://schemas.openxmlformats.org/presentationml/2006/main">
+  <p:cSld>
+    <p:spTree>
+      <p:nvGrpSpPr>
+        <p:cNvPr id="1" name=""/>
+        <p:cNvGrpSpPr/>
+        <p:nvPr/>
+      </p:nvGrpSpPr>
+      <p:grpSpPr>
+        <a:xfrm>
+          <a:off x="0" y="0"/>
+          <a:ext cx="0" cy="0"/>
+          <a:chOff x="0" y="0"/>
+          <a:chExt cx="0" cy="0"/>
+        </a:xfrm>
+      </p:grpSpPr>
+      <p:sp>
+        <p:nvSpPr>
+          <p:cNvPr id="2" name="Title 1"/>
+          <p:cNvSpPr>
+            <a:spLocks noGrp="1"/>
+          </p:cNvSpPr>
+          <p:nvPr>
+            <p:ph type="ctrTitle"/>
+          </p:nvPr>
+        </p:nvSpPr>
+        <p:spPr>
+          <a:xfrm>
+            <a:off x="335280" y="535376"/>
+            <a:ext cx="8625840" cy="1470025"/>
+          </a:xfrm>
+        </p:spPr>
+        <p:txBody>
+          <a:bodyPr/>
+          <a:lstStyle/>
+          <a:p>
+            <a:r>
+              <a:rPr lang="en-US" dirty="0" smtClean="0"/>
+              <a:t>Global agreement - Example</a:t>
+            </a:r>
+            <a:endParaRPr lang="en-US" dirty="0"/>
+          </a:p>
+        </p:txBody>
+      </p:sp>
+      <p:sp>
+        <p:nvSpPr>
+          <p:cNvPr id="6" name="TextBox 5"/>
+          <p:cNvSpPr txBox="1"/>
+          <p:nvPr/>
+        </p:nvSpPr>
+        <p:spPr>
+          <a:xfrm>
+            <a:off x="792480" y="2005400"/>
+            <a:ext cx="7528560" cy="1077218"/>
+          </a:xfrm>
+          <a:prstGeom prst="rect">
+            <a:avLst/>
+          </a:prstGeom>
+          <a:noFill/>
+        </p:spPr>
+        <p:txBody>
+          <a:bodyPr wrap="square" rtlCol="1">
+            <a:spAutoFit/>
+          </a:bodyPr>
+          <a:lstStyle/>
+          <a:p>
+            <a:endParaRPr lang="he-IL" sz="3200" dirty="0" smtClean="0"/>
+          </a:p>
+          <a:p>
+            <a:endParaRPr lang="he-IL" sz="3200" dirty="0"/>
+          </a:p>
+        </p:txBody>
+      </p:sp>
+    </p:spTree>
+    <p:extLst>
+      <p:ext uri="{BB962C8B-B14F-4D97-AF65-F5344CB8AC3E}">
+        <p14:creationId xmlns:p14="http://schemas.microsoft.com/office/powerpoint/2010/main" val="2087727253"/>
+      </p:ext>
+    </p:extLst>
+  </p:cSld>
+  <p:clrMapOvr>
+    <a:masterClrMapping/>
+  </p:clrMapOvr>
+  <p:timing>
+    <p:tnLst>
+      <p:par>
+        <p:cTn id="1" dur="indefinite" restart="never" nodeType="tmRoot"/>
+      </p:par>
+    </p:tnLst>
+  </p:timing>
+</p:sld>
+</file>
+
+<file path=ppt/slides/slide16.xml><?xml version="1.0" encoding="utf-8"?>
+<p:sld xmlns:a="http://schemas.openxmlformats.org/drawingml/2006/main" xmlns:r="http://schemas.openxmlformats.org/officeDocument/2006/relationships" xmlns:p="http://schemas.openxmlformats.org/presentationml/2006/main">
+  <p:cSld>
+    <p:spTree>
+      <p:nvGrpSpPr>
+        <p:cNvPr id="1" name=""/>
+        <p:cNvGrpSpPr/>
+        <p:nvPr/>
+      </p:nvGrpSpPr>
+      <p:grpSpPr>
+        <a:xfrm>
+          <a:off x="0" y="0"/>
+          <a:ext cx="0" cy="0"/>
+          <a:chOff x="0" y="0"/>
+          <a:chExt cx="0" cy="0"/>
+        </a:xfrm>
+      </p:grpSpPr>
+      <p:sp>
+        <p:nvSpPr>
+          <p:cNvPr id="2" name="Title 1"/>
+          <p:cNvSpPr>
+            <a:spLocks noGrp="1"/>
+          </p:cNvSpPr>
+          <p:nvPr>
+            <p:ph type="ctrTitle"/>
+          </p:nvPr>
+        </p:nvSpPr>
+        <p:spPr>
+          <a:xfrm>
+            <a:off x="693465" y="267335"/>
+            <a:ext cx="7772400" cy="1470025"/>
+          </a:xfrm>
+        </p:spPr>
+        <p:txBody>
+          <a:bodyPr/>
+          <a:lstStyle/>
+          <a:p>
+            <a:r>
+              <a:rPr lang="en-US" dirty="0" smtClean="0"/>
+              <a:t>Frequency - Motivation</a:t>
+            </a:r>
+            <a:endParaRPr lang="en-US" dirty="0"/>
+          </a:p>
+        </p:txBody>
+      </p:sp>
+      <p:sp>
+        <p:nvSpPr>
+          <p:cNvPr id="3" name="Subtitle 2"/>
+          <p:cNvSpPr>
+            <a:spLocks noGrp="1"/>
+          </p:cNvSpPr>
+          <p:nvPr>
+            <p:ph type="subTitle" idx="1"/>
+          </p:nvPr>
+        </p:nvSpPr>
+        <p:spPr>
+          <a:xfrm>
+            <a:off x="693465" y="1737360"/>
+            <a:ext cx="7581855" cy="2515985"/>
+          </a:xfrm>
+        </p:spPr>
+        <p:txBody>
+          <a:bodyPr>
+            <a:normAutofit/>
+          </a:bodyPr>
+          <a:lstStyle/>
+          <a:p>
+            <a:pPr algn="l"/>
+            <a:r>
+              <a:rPr lang="en-US" dirty="0" smtClean="0">
+                <a:solidFill>
+                  <a:schemeClr val="tx1"/>
+                </a:solidFill>
+              </a:rPr>
+              <a:t>Useful for:</a:t>
+            </a:r>
+          </a:p>
+          <a:p>
+            <a:pPr marL="514350" indent="-514350" algn="l"/>
+            <a:r>
+              <a:rPr lang="en-US" dirty="0" smtClean="0">
+                <a:solidFill>
+                  <a:schemeClr val="tx1"/>
+                </a:solidFill>
+              </a:rPr>
+              <a:t>Knowing who is the winner in an election.</a:t>
+            </a:r>
+          </a:p>
+          <a:p>
+            <a:pPr marL="514350" indent="-514350" algn="l"/>
+            <a:r>
+              <a:rPr lang="en-US" dirty="0" smtClean="0">
+                <a:solidFill>
+                  <a:schemeClr val="tx1"/>
+                </a:solidFill>
+              </a:rPr>
+              <a:t>(Vector of bits)</a:t>
+            </a:r>
+            <a:endParaRPr lang="en-US" dirty="0">
+              <a:solidFill>
+                <a:schemeClr val="tx1"/>
+              </a:solidFill>
+            </a:endParaRPr>
+          </a:p>
+        </p:txBody>
+      </p:sp>
+    </p:spTree>
+    <p:extLst>
+      <p:ext uri="{BB962C8B-B14F-4D97-AF65-F5344CB8AC3E}">
+        <p14:creationId xmlns:p14="http://schemas.microsoft.com/office/powerpoint/2010/main" val="813698840"/>
+      </p:ext>
+    </p:extLst>
+  </p:cSld>
+  <p:clrMapOvr>
+    <a:masterClrMapping/>
+  </p:clrMapOvr>
+  <p:timing>
+    <p:tnLst>
+      <p:par>
+        <p:cTn id="1" dur="indefinite" restart="never" nodeType="tmRoot"/>
+      </p:par>
+    </p:tnLst>
+  </p:timing>
+</p:sld>
+</file>
+
+<file path=ppt/slides/slide17.xml><?xml version="1.0" encoding="utf-8"?>
+<p:sld xmlns:a="http://schemas.openxmlformats.org/drawingml/2006/main" xmlns:r="http://schemas.openxmlformats.org/officeDocument/2006/relationships" xmlns:p="http://schemas.openxmlformats.org/presentationml/2006/main">
+  <p:cSld>
+    <p:spTree>
+      <p:nvGrpSpPr>
+        <p:cNvPr id="1" name=""/>
+        <p:cNvGrpSpPr/>
+        <p:nvPr/>
+      </p:nvGrpSpPr>
+      <p:grpSpPr>
+        <a:xfrm>
+          <a:off x="0" y="0"/>
+          <a:ext cx="0" cy="0"/>
+          <a:chOff x="0" y="0"/>
+          <a:chExt cx="0" cy="0"/>
+        </a:xfrm>
+      </p:grpSpPr>
+      <p:sp>
+        <p:nvSpPr>
+          <p:cNvPr id="2" name="Title 1"/>
+          <p:cNvSpPr>
+            <a:spLocks noGrp="1"/>
+          </p:cNvSpPr>
+          <p:nvPr>
+            <p:ph type="ctrTitle"/>
+          </p:nvPr>
+        </p:nvSpPr>
+        <p:spPr>
+          <a:xfrm>
             <a:off x="693465" y="0"/>
             <a:ext cx="7772400" cy="1470025"/>
           </a:xfrm>
@@ -3468,11 +4195,7 @@
           <a:p>
             <a:r>
               <a:rPr lang="en-US" dirty="0" smtClean="0"/>
-              <a:t>Frequency – </a:t>
-            </a:r>
-            <a:r>
-              <a:rPr lang="en-US" dirty="0" smtClean="0"/>
-              <a:t>implementation</a:t>
+              <a:t>Frequency – implementation</a:t>
             </a:r>
             <a:endParaRPr lang="en-US" dirty="0"/>
           </a:p>
@@ -3572,7 +4295,7 @@
     </p:spTree>
     <p:extLst>
       <p:ext uri="{BB962C8B-B14F-4D97-AF65-F5344CB8AC3E}">
-        <p14:creationId xmlns="" xmlns:p14="http://schemas.microsoft.com/office/powerpoint/2010/main" val="813698840"/>
+        <p14:creationId xmlns:p14="http://schemas.microsoft.com/office/powerpoint/2010/main" val="813698840"/>
       </p:ext>
     </p:extLst>
   </p:cSld>
@@ -3613,160 +4336,85 @@
             <a:spLocks noGrp="1"/>
           </p:cNvSpPr>
           <p:nvPr>
-            <p:ph type="ctrTitle"/>
+            <p:ph type="title"/>
           </p:nvPr>
         </p:nvSpPr>
         <p:spPr>
           <a:xfrm>
-            <a:off x="611560" y="188640"/>
-            <a:ext cx="7772400" cy="1470025"/>
+            <a:off x="457200" y="472440"/>
+            <a:ext cx="8229600" cy="1143000"/>
           </a:xfrm>
         </p:spPr>
         <p:txBody>
-          <a:bodyPr/>
+          <a:bodyPr>
+            <a:normAutofit fontScale="90000"/>
+          </a:bodyPr>
           <a:lstStyle/>
           <a:p>
             <a:r>
               <a:rPr lang="en-US" dirty="0" smtClean="0"/>
-              <a:t>Graph Representation </a:t>
+              <a:t>System Design &amp; </a:t>
+            </a:r>
+            <a:r>
+              <a:rPr lang="en-US" dirty="0" smtClean="0"/>
+              <a:t>implementation</a:t>
+            </a:r>
+            <a:br>
+              <a:rPr lang="en-US" dirty="0" smtClean="0"/>
+            </a:br>
+            <a:r>
+              <a:rPr lang="en-US" dirty="0" smtClean="0"/>
+              <a:t>final design</a:t>
             </a:r>
             <a:endParaRPr lang="he-IL" dirty="0"/>
           </a:p>
         </p:txBody>
       </p:sp>
-      <p:sp>
-        <p:nvSpPr>
-          <p:cNvPr id="3" name="Subtitle 2"/>
-          <p:cNvSpPr>
-            <a:spLocks noGrp="1"/>
-          </p:cNvSpPr>
-          <p:nvPr>
-            <p:ph type="subTitle" idx="1"/>
-          </p:nvPr>
-        </p:nvSpPr>
-        <p:spPr>
+      <p:pic>
+        <p:nvPicPr>
+          <p:cNvPr id="3" name="Picture 2" descr="C:\Users\Etai\Desktop\class-diagram2.jpg"/>
+          <p:cNvPicPr>
+            <a:picLocks noChangeAspect="1" noChangeArrowheads="1"/>
+          </p:cNvPicPr>
+          <p:nvPr/>
+        </p:nvPicPr>
+        <p:blipFill>
+          <a:blip r:embed="rId2">
+            <a:extLst>
+              <a:ext uri="{28A0092B-C50C-407E-A947-70E740481C1C}">
+                <a14:useLocalDpi xmlns:a14="http://schemas.microsoft.com/office/drawing/2010/main" val="0"/>
+              </a:ext>
+            </a:extLst>
+          </a:blip>
+          <a:srcRect/>
+          <a:stretch>
+            <a:fillRect/>
+          </a:stretch>
+        </p:blipFill>
+        <p:spPr bwMode="auto">
           <a:xfrm>
-            <a:off x="827584" y="1412776"/>
-            <a:ext cx="7704856" cy="5040560"/>
+            <a:off x="228600" y="1615440"/>
+            <a:ext cx="8915400" cy="4705350"/>
           </a:xfrm>
+          <a:prstGeom prst="rect">
+            <a:avLst/>
+          </a:prstGeom>
+          <a:noFill/>
+          <a:extLst>
+            <a:ext uri="{909E8E84-426E-40DD-AFC4-6F175D3DCCD1}">
+              <a14:hiddenFill xmlns:a14="http://schemas.microsoft.com/office/drawing/2010/main">
+                <a:solidFill>
+                  <a:srgbClr val="FFFFFF"/>
+                </a:solidFill>
+              </a14:hiddenFill>
+            </a:ext>
+          </a:extLst>
         </p:spPr>
-        <p:txBody>
-          <a:bodyPr>
-            <a:normAutofit/>
-          </a:bodyPr>
-          <a:lstStyle/>
-          <a:p>
-            <a:pPr algn="l" rtl="0">
-              <a:buFont typeface="Arial" pitchFamily="34" charset="0"/>
-              <a:buChar char="•"/>
-            </a:pPr>
-            <a:r>
-              <a:rPr lang="en-US" dirty="0" smtClean="0">
-                <a:solidFill>
-                  <a:schemeClr val="tx1"/>
-                </a:solidFill>
-              </a:rPr>
-              <a:t> Each arithmetic gate is a node in the graph</a:t>
-            </a:r>
-          </a:p>
-          <a:p>
-            <a:pPr algn="l" rtl="0">
-              <a:buFont typeface="Arial" pitchFamily="34" charset="0"/>
-              <a:buChar char="•"/>
-            </a:pPr>
-            <a:r>
-              <a:rPr lang="en-US" dirty="0" smtClean="0">
-                <a:solidFill>
-                  <a:schemeClr val="tx1"/>
-                </a:solidFill>
-              </a:rPr>
-              <a:t> Directed edge from node A to node B exists if the output of arithmetic gate A is the input of the arithmetic gate B.</a:t>
-            </a:r>
-          </a:p>
-          <a:p>
-            <a:pPr algn="l" rtl="0">
-              <a:buFont typeface="Arial" pitchFamily="34" charset="0"/>
-              <a:buChar char="•"/>
-            </a:pPr>
-            <a:r>
-              <a:rPr lang="en-US" dirty="0" smtClean="0">
-                <a:solidFill>
-                  <a:schemeClr val="tx1"/>
-                </a:solidFill>
-              </a:rPr>
-              <a:t> Class Node contains:</a:t>
-            </a:r>
-          </a:p>
-          <a:p>
-            <a:pPr lvl="1" algn="l" rtl="0">
-              <a:buFont typeface="Arial" pitchFamily="34" charset="0"/>
-              <a:buChar char="•"/>
-            </a:pPr>
-            <a:r>
-              <a:rPr lang="en-US" dirty="0" smtClean="0">
-                <a:solidFill>
-                  <a:schemeClr val="tx1"/>
-                </a:solidFill>
-              </a:rPr>
-              <a:t> input vector.</a:t>
-            </a:r>
-          </a:p>
-          <a:p>
-            <a:pPr lvl="1" algn="l" rtl="0">
-              <a:buFont typeface="Arial" pitchFamily="34" charset="0"/>
-              <a:buChar char="•"/>
-            </a:pPr>
-            <a:r>
-              <a:rPr lang="en-US" dirty="0" smtClean="0">
-                <a:solidFill>
-                  <a:schemeClr val="tx1"/>
-                </a:solidFill>
-              </a:rPr>
-              <a:t> result  - the result of the computation.</a:t>
-            </a:r>
-          </a:p>
-          <a:p>
-            <a:pPr lvl="1" algn="l" rtl="0">
-              <a:buFont typeface="Arial" pitchFamily="34" charset="0"/>
-              <a:buChar char="•"/>
-            </a:pPr>
-            <a:r>
-              <a:rPr lang="en-US" dirty="0" smtClean="0">
-                <a:solidFill>
-                  <a:schemeClr val="tx1"/>
-                </a:solidFill>
-              </a:rPr>
-              <a:t> output vector – vector of nodes(Gates) that will get the result after this computation.	</a:t>
-            </a:r>
-          </a:p>
-          <a:p>
-            <a:pPr algn="l" rtl="0">
-              <a:buFont typeface="Arial" pitchFamily="34" charset="0"/>
-              <a:buChar char="•"/>
-            </a:pPr>
-            <a:endParaRPr lang="en-US" dirty="0" smtClean="0">
-              <a:solidFill>
-                <a:schemeClr val="tx1"/>
-              </a:solidFill>
-            </a:endParaRPr>
-          </a:p>
-          <a:p>
-            <a:pPr algn="l" rtl="0">
-              <a:buFont typeface="Arial" pitchFamily="34" charset="0"/>
-              <a:buChar char="•"/>
-            </a:pPr>
-            <a:endParaRPr lang="he-IL" dirty="0">
-              <a:solidFill>
-                <a:schemeClr val="tx1"/>
-              </a:solidFill>
-            </a:endParaRPr>
-          </a:p>
-        </p:txBody>
-      </p:sp>
+      </p:pic>
     </p:spTree>
     <p:extLst>
       <p:ext uri="{BB962C8B-B14F-4D97-AF65-F5344CB8AC3E}">
-        <p14:creationId xmlns="" xmlns:p14="http://schemas.microsoft.com/office/powerpoint/2010/main" val="3080280808"/>
+        <p14:creationId xmlns:p14="http://schemas.microsoft.com/office/powerpoint/2010/main" val="723750216"/>
       </p:ext>
     </p:extLst>
   </p:cSld>
@@ -3807,17 +4455,22 @@
             <a:spLocks noGrp="1"/>
           </p:cNvSpPr>
           <p:nvPr>
-            <p:ph type="title"/>
-          </p:nvPr>
-        </p:nvSpPr>
-        <p:spPr/>
+            <p:ph type="ctrTitle"/>
+          </p:nvPr>
+        </p:nvSpPr>
+        <p:spPr>
+          <a:xfrm>
+            <a:off x="611560" y="188640"/>
+            <a:ext cx="7772400" cy="1470025"/>
+          </a:xfrm>
+        </p:spPr>
         <p:txBody>
           <a:bodyPr/>
           <a:lstStyle/>
           <a:p>
             <a:r>
               <a:rPr lang="en-US" dirty="0" smtClean="0"/>
-              <a:t>Graph Computation</a:t>
+              <a:t>Graph Representation </a:t>
             </a:r>
             <a:endParaRPr lang="he-IL" dirty="0"/>
           </a:p>
@@ -3825,60 +4478,139 @@
       </p:sp>
       <p:sp>
         <p:nvSpPr>
-          <p:cNvPr id="3" name="Content Placeholder 2"/>
-          <p:cNvSpPr>
-            <a:spLocks noGrp="1"/>
-          </p:cNvSpPr>
-          <p:nvPr>
-            <p:ph idx="1"/>
-          </p:nvPr>
-        </p:nvSpPr>
-        <p:spPr/>
+          <p:cNvPr id="3" name="Subtitle 2"/>
+          <p:cNvSpPr>
+            <a:spLocks noGrp="1"/>
+          </p:cNvSpPr>
+          <p:nvPr>
+            <p:ph type="subTitle" idx="1"/>
+          </p:nvPr>
+        </p:nvSpPr>
+        <p:spPr>
+          <a:xfrm>
+            <a:off x="827584" y="1412776"/>
+            <a:ext cx="7704856" cy="5040560"/>
+          </a:xfrm>
+        </p:spPr>
         <p:txBody>
           <a:bodyPr>
-            <a:normAutofit fontScale="92500" lnSpcReduction="10000"/>
+            <a:normAutofit/>
           </a:bodyPr>
           <a:lstStyle/>
           <a:p>
-            <a:r>
-              <a:rPr lang="en-US" dirty="0" smtClean="0"/>
-              <a:t>Define a topological sort on the graph to solve synchronization problems.</a:t>
-            </a:r>
-          </a:p>
-          <a:p>
-            <a:r>
-              <a:rPr lang="en-US" dirty="0" smtClean="0"/>
-              <a:t>Compute the function by the topological order.</a:t>
-            </a:r>
-          </a:p>
-          <a:p>
-            <a:r>
-              <a:rPr lang="en-US" dirty="0" smtClean="0"/>
-              <a:t>Three phases:</a:t>
-            </a:r>
-          </a:p>
-          <a:p>
-            <a:r>
-              <a:rPr lang="en-US" dirty="0" smtClean="0"/>
-              <a:t>Input phase – build t-out-of-n secret sharing for each secret. (known n and t).</a:t>
-            </a:r>
-          </a:p>
-          <a:p>
-            <a:r>
-              <a:rPr lang="en-US" dirty="0" smtClean="0"/>
-              <a:t>Computation phase – compute the graph.</a:t>
-            </a:r>
-          </a:p>
-          <a:p>
-            <a:r>
-              <a:rPr lang="en-US" dirty="0" smtClean="0"/>
-              <a:t>Output phase – construct the output by LaGrange interpolation. </a:t>
-            </a:r>
-            <a:endParaRPr lang="he-IL" dirty="0"/>
+            <a:pPr algn="l" rtl="0">
+              <a:buFont typeface="Arial" pitchFamily="34" charset="0"/>
+              <a:buChar char="•"/>
+            </a:pPr>
+            <a:r>
+              <a:rPr lang="en-US" dirty="0" smtClean="0">
+                <a:solidFill>
+                  <a:schemeClr val="tx1"/>
+                </a:solidFill>
+              </a:rPr>
+              <a:t> Each arithmetic gate is a node in the graph</a:t>
+            </a:r>
+          </a:p>
+          <a:p>
+            <a:pPr algn="l" rtl="0">
+              <a:buFont typeface="Arial" pitchFamily="34" charset="0"/>
+              <a:buChar char="•"/>
+            </a:pPr>
+            <a:r>
+              <a:rPr lang="en-US" dirty="0" smtClean="0">
+                <a:solidFill>
+                  <a:schemeClr val="tx1"/>
+                </a:solidFill>
+              </a:rPr>
+              <a:t> Directed edge from node A to node B exists if the output of arithmetic gate A is the input of the arithmetic gate B.</a:t>
+            </a:r>
+          </a:p>
+          <a:p>
+            <a:pPr algn="l" rtl="0">
+              <a:buFont typeface="Arial" pitchFamily="34" charset="0"/>
+              <a:buChar char="•"/>
+            </a:pPr>
+            <a:r>
+              <a:rPr lang="en-US" dirty="0" smtClean="0">
+                <a:solidFill>
+                  <a:schemeClr val="tx1"/>
+                </a:solidFill>
+              </a:rPr>
+              <a:t> Class Node contains:</a:t>
+            </a:r>
+          </a:p>
+          <a:p>
+            <a:pPr lvl="1" algn="l" rtl="0">
+              <a:buFont typeface="Arial" pitchFamily="34" charset="0"/>
+              <a:buChar char="•"/>
+            </a:pPr>
+            <a:r>
+              <a:rPr lang="en-US" dirty="0" smtClean="0">
+                <a:solidFill>
+                  <a:schemeClr val="tx1"/>
+                </a:solidFill>
+              </a:rPr>
+              <a:t> input vector.</a:t>
+            </a:r>
+          </a:p>
+          <a:p>
+            <a:pPr lvl="1" algn="l" rtl="0">
+              <a:buFont typeface="Arial" pitchFamily="34" charset="0"/>
+              <a:buChar char="•"/>
+            </a:pPr>
+            <a:r>
+              <a:rPr lang="en-US" dirty="0" smtClean="0">
+                <a:solidFill>
+                  <a:schemeClr val="tx1"/>
+                </a:solidFill>
+              </a:rPr>
+              <a:t> result  - the result of the computation.</a:t>
+            </a:r>
+          </a:p>
+          <a:p>
+            <a:pPr lvl="1" algn="l" rtl="0">
+              <a:buFont typeface="Arial" pitchFamily="34" charset="0"/>
+              <a:buChar char="•"/>
+            </a:pPr>
+            <a:r>
+              <a:rPr lang="en-US" dirty="0" smtClean="0">
+                <a:solidFill>
+                  <a:schemeClr val="tx1"/>
+                </a:solidFill>
+              </a:rPr>
+              <a:t> output vector – vector of nodes(Gates) that will get the result after this computation.	</a:t>
+            </a:r>
+          </a:p>
+          <a:p>
+            <a:pPr algn="l" rtl="0">
+              <a:buFont typeface="Arial" pitchFamily="34" charset="0"/>
+              <a:buChar char="•"/>
+            </a:pPr>
+            <a:endParaRPr lang="en-US" dirty="0" smtClean="0">
+              <a:solidFill>
+                <a:schemeClr val="tx1"/>
+              </a:solidFill>
+            </a:endParaRPr>
+          </a:p>
+          <a:p>
+            <a:pPr algn="l" rtl="0">
+              <a:buFont typeface="Arial" pitchFamily="34" charset="0"/>
+              <a:buChar char="•"/>
+            </a:pPr>
+            <a:endParaRPr lang="he-IL" dirty="0">
+              <a:solidFill>
+                <a:schemeClr val="tx1"/>
+              </a:solidFill>
+            </a:endParaRPr>
           </a:p>
         </p:txBody>
       </p:sp>
     </p:spTree>
+    <p:extLst>
+      <p:ext uri="{BB962C8B-B14F-4D97-AF65-F5344CB8AC3E}">
+        <p14:creationId xmlns:p14="http://schemas.microsoft.com/office/powerpoint/2010/main" val="3080280808"/>
+      </p:ext>
+    </p:extLst>
   </p:cSld>
   <p:clrMapOvr>
     <a:masterClrMapping/>
@@ -3927,7 +4659,7 @@
           <a:p>
             <a:r>
               <a:rPr lang="en-US" dirty="0" smtClean="0"/>
-              <a:t>Gates</a:t>
+              <a:t>Graph Computation</a:t>
             </a:r>
             <a:endParaRPr lang="he-IL" dirty="0"/>
           </a:p>
@@ -3945,54 +4677,44 @@
         </p:nvSpPr>
         <p:spPr/>
         <p:txBody>
-          <a:bodyPr/>
+          <a:bodyPr>
+            <a:normAutofit fontScale="92500" lnSpcReduction="10000"/>
+          </a:bodyPr>
           <a:lstStyle/>
           <a:p>
             <a:r>
               <a:rPr lang="en-US" dirty="0" smtClean="0"/>
-              <a:t>Arithmetic gates:</a:t>
-            </a:r>
-          </a:p>
-          <a:p>
-            <a:pPr>
-              <a:buNone/>
-            </a:pPr>
+              <a:t>Define a topological sort on the graph to solve synchronization problems.</a:t>
+            </a:r>
+          </a:p>
+          <a:p>
             <a:r>
               <a:rPr lang="en-US" dirty="0" smtClean="0"/>
-              <a:t>	using addition and multiplication gates.</a:t>
-            </a:r>
-          </a:p>
-          <a:p>
-            <a:pPr>
-              <a:buNone/>
-            </a:pPr>
+              <a:t>Compute the function by the topological order.</a:t>
+            </a:r>
+          </a:p>
+          <a:p>
             <a:r>
               <a:rPr lang="en-US" dirty="0" smtClean="0"/>
-              <a:t>	input is algebraic representation. </a:t>
+              <a:t>Three phases:</a:t>
             </a:r>
           </a:p>
           <a:p>
             <a:r>
               <a:rPr lang="en-US" dirty="0" smtClean="0"/>
-              <a:t>Boolean gates:</a:t>
-            </a:r>
-          </a:p>
-          <a:p>
-            <a:pPr>
-              <a:buNone/>
-            </a:pPr>
+              <a:t>Input phase – build t-out-of-n secret sharing for each secret. (known n and t).</a:t>
+            </a:r>
+          </a:p>
+          <a:p>
             <a:r>
               <a:rPr lang="en-US" dirty="0" smtClean="0"/>
-              <a:t>	using And / Or / Not gates.</a:t>
-            </a:r>
-          </a:p>
-          <a:p>
-            <a:pPr>
-              <a:buNone/>
-            </a:pPr>
+              <a:t>Computation phase – compute the graph.</a:t>
+            </a:r>
+          </a:p>
+          <a:p>
             <a:r>
               <a:rPr lang="en-US" dirty="0" smtClean="0"/>
-              <a:t>	input is BitSet Representation.</a:t>
+              <a:t>Output phase – construct the output by LaGrange interpolation. </a:t>
             </a:r>
             <a:endParaRPr lang="he-IL" dirty="0"/>
           </a:p>
@@ -4040,47 +4762,84 @@
             <p:ph type="title"/>
           </p:nvPr>
         </p:nvSpPr>
-        <p:spPr>
-          <a:xfrm>
-            <a:off x="457200" y="-296862"/>
-            <a:ext cx="8229600" cy="1143000"/>
-          </a:xfrm>
-        </p:spPr>
-        <p:txBody>
-          <a:bodyPr/>
-          <a:lstStyle/>
-          <a:p>
-            <a:r>
-              <a:rPr lang="en-US" sz="2800" dirty="0" smtClean="0"/>
-              <a:t>Example</a:t>
+        <p:spPr/>
+        <p:txBody>
+          <a:bodyPr/>
+          <a:lstStyle/>
+          <a:p>
+            <a:r>
+              <a:rPr lang="en-US" dirty="0" smtClean="0"/>
+              <a:t>Gates</a:t>
             </a:r>
             <a:endParaRPr lang="he-IL" dirty="0"/>
           </a:p>
         </p:txBody>
       </p:sp>
-      <p:pic>
-        <p:nvPicPr>
-          <p:cNvPr id="6" name="Content Placeholder 5" descr="mult example.jpg"/>
-          <p:cNvPicPr>
-            <a:picLocks noGrp="1" noChangeAspect="1"/>
-          </p:cNvPicPr>
+      <p:sp>
+        <p:nvSpPr>
+          <p:cNvPr id="3" name="Content Placeholder 2"/>
+          <p:cNvSpPr>
+            <a:spLocks noGrp="1"/>
+          </p:cNvSpPr>
           <p:nvPr>
             <p:ph idx="1"/>
           </p:nvPr>
-        </p:nvPicPr>
-        <p:blipFill>
-          <a:blip r:embed="rId2"/>
-          <a:stretch>
-            <a:fillRect/>
-          </a:stretch>
-        </p:blipFill>
-        <p:spPr>
-          <a:xfrm>
-            <a:off x="0" y="441960"/>
-            <a:ext cx="8686800" cy="6416040"/>
-          </a:xfrm>
-        </p:spPr>
-      </p:pic>
+        </p:nvSpPr>
+        <p:spPr/>
+        <p:txBody>
+          <a:bodyPr/>
+          <a:lstStyle/>
+          <a:p>
+            <a:r>
+              <a:rPr lang="en-US" dirty="0" smtClean="0"/>
+              <a:t>Arithmetic gates:</a:t>
+            </a:r>
+          </a:p>
+          <a:p>
+            <a:pPr>
+              <a:buNone/>
+            </a:pPr>
+            <a:r>
+              <a:rPr lang="en-US" dirty="0" smtClean="0"/>
+              <a:t>	using addition and multiplication gates.</a:t>
+            </a:r>
+          </a:p>
+          <a:p>
+            <a:pPr>
+              <a:buNone/>
+            </a:pPr>
+            <a:r>
+              <a:rPr lang="en-US" dirty="0" smtClean="0"/>
+              <a:t>	input is algebraic representation. </a:t>
+            </a:r>
+          </a:p>
+          <a:p>
+            <a:r>
+              <a:rPr lang="en-US" dirty="0" smtClean="0"/>
+              <a:t>Boolean gates:</a:t>
+            </a:r>
+          </a:p>
+          <a:p>
+            <a:pPr>
+              <a:buNone/>
+            </a:pPr>
+            <a:r>
+              <a:rPr lang="en-US" dirty="0" smtClean="0"/>
+              <a:t>	using And / Or / Not gates.</a:t>
+            </a:r>
+          </a:p>
+          <a:p>
+            <a:pPr>
+              <a:buNone/>
+            </a:pPr>
+            <a:r>
+              <a:rPr lang="en-US" dirty="0" smtClean="0"/>
+              <a:t>	input is BitSet Representation.</a:t>
+            </a:r>
+            <a:endParaRPr lang="he-IL" dirty="0"/>
+          </a:p>
+        </p:txBody>
+      </p:sp>
     </p:spTree>
   </p:cSld>
   <p:clrMapOvr>
@@ -4123,56 +4882,47 @@
             <p:ph type="title"/>
           </p:nvPr>
         </p:nvSpPr>
-        <p:spPr/>
-        <p:txBody>
-          <a:bodyPr/>
-          <a:lstStyle/>
-          <a:p>
-            <a:r>
-              <a:rPr lang="en-US" dirty="0" smtClean="0"/>
-              <a:t>Functions</a:t>
+        <p:spPr>
+          <a:xfrm>
+            <a:off x="457200" y="-296862"/>
+            <a:ext cx="8229600" cy="1143000"/>
+          </a:xfrm>
+        </p:spPr>
+        <p:txBody>
+          <a:bodyPr/>
+          <a:lstStyle/>
+          <a:p>
+            <a:r>
+              <a:rPr lang="en-US" sz="2800" dirty="0" smtClean="0"/>
+              <a:t>Example</a:t>
             </a:r>
             <a:endParaRPr lang="he-IL" dirty="0"/>
           </a:p>
         </p:txBody>
       </p:sp>
-      <p:sp>
-        <p:nvSpPr>
-          <p:cNvPr id="3" name="Content Placeholder 2"/>
-          <p:cNvSpPr>
-            <a:spLocks noGrp="1"/>
-          </p:cNvSpPr>
+      <p:pic>
+        <p:nvPicPr>
+          <p:cNvPr id="6" name="Content Placeholder 5" descr="mult example.jpg"/>
+          <p:cNvPicPr>
+            <a:picLocks noGrp="1" noChangeAspect="1"/>
+          </p:cNvPicPr>
           <p:nvPr>
             <p:ph idx="1"/>
           </p:nvPr>
-        </p:nvSpPr>
-        <p:spPr/>
-        <p:txBody>
-          <a:bodyPr/>
-          <a:lstStyle/>
-          <a:p>
-            <a:r>
-              <a:rPr lang="en-US" dirty="0" smtClean="0"/>
-              <a:t>Average.</a:t>
-            </a:r>
-          </a:p>
-          <a:p>
-            <a:r>
-              <a:rPr lang="en-US" dirty="0" smtClean="0"/>
-              <a:t>Global Agreement.</a:t>
-            </a:r>
-          </a:p>
-          <a:p>
-            <a:r>
-              <a:rPr lang="en-US" dirty="0" smtClean="0"/>
-              <a:t>Frequency.</a:t>
-            </a:r>
-          </a:p>
-          <a:p>
-            <a:endParaRPr lang="he-IL" dirty="0"/>
-          </a:p>
-        </p:txBody>
-      </p:sp>
+        </p:nvPicPr>
+        <p:blipFill>
+          <a:blip r:embed="rId2"/>
+          <a:stretch>
+            <a:fillRect/>
+          </a:stretch>
+        </p:blipFill>
+        <p:spPr>
+          <a:xfrm>
+            <a:off x="0" y="441960"/>
+            <a:ext cx="8686800" cy="6416040"/>
+          </a:xfrm>
+        </p:spPr>
+      </p:pic>
     </p:spTree>
   </p:cSld>
   <p:clrMapOvr>
@@ -4212,116 +4962,60 @@
             <a:spLocks noGrp="1"/>
           </p:cNvSpPr>
           <p:nvPr>
-            <p:ph type="ctrTitle"/>
-          </p:nvPr>
-        </p:nvSpPr>
-        <p:spPr>
-          <a:xfrm>
-            <a:off x="693465" y="182880"/>
-            <a:ext cx="7772400" cy="1470025"/>
-          </a:xfrm>
-        </p:spPr>
+            <p:ph type="title"/>
+          </p:nvPr>
+        </p:nvSpPr>
+        <p:spPr/>
         <p:txBody>
           <a:bodyPr/>
           <a:lstStyle/>
           <a:p>
             <a:r>
               <a:rPr lang="en-US" dirty="0" smtClean="0"/>
-              <a:t>Average - motivation</a:t>
-            </a:r>
-            <a:endParaRPr lang="en-US" dirty="0"/>
-          </a:p>
-        </p:txBody>
-      </p:sp>
-      <p:sp>
-        <p:nvSpPr>
-          <p:cNvPr id="3" name="Subtitle 2"/>
-          <p:cNvSpPr>
-            <a:spLocks noGrp="1"/>
-          </p:cNvSpPr>
-          <p:nvPr>
-            <p:ph type="subTitle" idx="1"/>
-          </p:nvPr>
-        </p:nvSpPr>
-        <p:spPr>
-          <a:xfrm>
-            <a:off x="457201" y="1652905"/>
-            <a:ext cx="7315200" cy="4273479"/>
-          </a:xfrm>
-        </p:spPr>
-        <p:txBody>
-          <a:bodyPr>
-            <a:noAutofit/>
-          </a:bodyPr>
-          <a:lstStyle/>
-          <a:p>
-            <a:pPr algn="l">
-              <a:buFont typeface="Arial" pitchFamily="34" charset="0"/>
-              <a:buChar char="•"/>
-            </a:pPr>
-            <a:r>
-              <a:rPr lang="en-US" sz="2800" dirty="0" smtClean="0">
-                <a:solidFill>
-                  <a:schemeClr val="tx1"/>
-                </a:solidFill>
-              </a:rPr>
-              <a:t>     Useful for:</a:t>
-            </a:r>
-          </a:p>
-          <a:p>
-            <a:pPr marL="514350" indent="-514350" algn="l">
-              <a:buAutoNum type="arabicPeriod"/>
-            </a:pPr>
-            <a:r>
-              <a:rPr lang="en-US" sz="2800" dirty="0" smtClean="0">
-                <a:solidFill>
-                  <a:schemeClr val="tx1"/>
-                </a:solidFill>
-              </a:rPr>
-              <a:t>Average of a course, without knowing other peoples grades.</a:t>
-            </a:r>
-          </a:p>
-          <a:p>
-            <a:pPr marL="514350" indent="-514350" algn="l">
-              <a:buAutoNum type="arabicPeriod"/>
-            </a:pPr>
-            <a:r>
-              <a:rPr lang="en-US" sz="2800" dirty="0" smtClean="0">
-                <a:solidFill>
-                  <a:schemeClr val="tx1"/>
-                </a:solidFill>
-              </a:rPr>
-              <a:t>Average Salaries in a company, without knowing the other employees salaries.</a:t>
-            </a:r>
-          </a:p>
-          <a:p>
-            <a:pPr marL="514350" indent="-514350" algn="l">
-              <a:buAutoNum type="arabicPeriod"/>
-            </a:pPr>
-            <a:endParaRPr lang="en-US" sz="2800" dirty="0" smtClean="0">
-              <a:solidFill>
-                <a:schemeClr val="tx1"/>
-              </a:solidFill>
-            </a:endParaRPr>
-          </a:p>
-          <a:p>
-            <a:pPr marL="514350" indent="-514350" algn="l">
-              <a:buAutoNum type="arabicPeriod"/>
-            </a:pPr>
-            <a:endParaRPr lang="en-US" sz="2800" dirty="0">
-              <a:solidFill>
-                <a:schemeClr val="tx1"/>
-              </a:solidFill>
-            </a:endParaRPr>
+              <a:t>Functions</a:t>
+            </a:r>
+            <a:endParaRPr lang="he-IL" dirty="0"/>
+          </a:p>
+        </p:txBody>
+      </p:sp>
+      <p:sp>
+        <p:nvSpPr>
+          <p:cNvPr id="3" name="Content Placeholder 2"/>
+          <p:cNvSpPr>
+            <a:spLocks noGrp="1"/>
+          </p:cNvSpPr>
+          <p:nvPr>
+            <p:ph idx="1"/>
+          </p:nvPr>
+        </p:nvSpPr>
+        <p:spPr/>
+        <p:txBody>
+          <a:bodyPr/>
+          <a:lstStyle/>
+          <a:p>
+            <a:r>
+              <a:rPr lang="en-US" dirty="0" smtClean="0"/>
+              <a:t>Average.</a:t>
+            </a:r>
+          </a:p>
+          <a:p>
+            <a:r>
+              <a:rPr lang="en-US" dirty="0" smtClean="0"/>
+              <a:t>Global Agreement.</a:t>
+            </a:r>
+          </a:p>
+          <a:p>
+            <a:r>
+              <a:rPr lang="en-US" dirty="0" smtClean="0"/>
+              <a:t>Frequency.</a:t>
+            </a:r>
+          </a:p>
+          <a:p>
+            <a:endParaRPr lang="he-IL" dirty="0"/>
           </a:p>
         </p:txBody>
       </p:sp>
     </p:spTree>
-    <p:extLst>
-      <p:ext uri="{BB962C8B-B14F-4D97-AF65-F5344CB8AC3E}">
-        <p14:creationId xmlns="" xmlns:p14="http://schemas.microsoft.com/office/powerpoint/2010/main" val="3509708932"/>
-      </p:ext>
-    </p:extLst>
   </p:cSld>
   <p:clrMapOvr>
     <a:masterClrMapping/>
@@ -4365,7 +5059,7 @@
         </p:nvSpPr>
         <p:spPr>
           <a:xfrm>
-            <a:off x="693465" y="535376"/>
+            <a:off x="693465" y="182880"/>
             <a:ext cx="7772400" cy="1470025"/>
           </a:xfrm>
         </p:spPr>
@@ -4375,7 +5069,7 @@
           <a:p>
             <a:r>
               <a:rPr lang="en-US" dirty="0" smtClean="0"/>
-              <a:t>Average - implementation</a:t>
+              <a:t>Average - motivation</a:t>
             </a:r>
             <a:endParaRPr lang="en-US" dirty="0"/>
           </a:p>
@@ -4383,50 +5077,91 @@
       </p:sp>
       <p:sp>
         <p:nvSpPr>
-          <p:cNvPr id="4" name="TextBox 3"/>
-          <p:cNvSpPr txBox="1"/>
-          <p:nvPr/>
+          <p:cNvPr id="3" name="Subtitle 2"/>
+          <p:cNvSpPr>
+            <a:spLocks noGrp="1"/>
+          </p:cNvSpPr>
+          <p:nvPr>
+            <p:ph type="subTitle" idx="1"/>
+          </p:nvPr>
         </p:nvSpPr>
         <p:spPr>
           <a:xfrm>
-            <a:off x="693465" y="2005401"/>
-            <a:ext cx="7772400" cy="2554545"/>
+            <a:off x="457201" y="1652905"/>
+            <a:ext cx="7315200" cy="4273479"/>
           </a:xfrm>
-          <a:prstGeom prst="rect">
-            <a:avLst/>
-          </a:prstGeom>
-          <a:noFill/>
         </p:spPr>
         <p:txBody>
-          <a:bodyPr wrap="square" rtlCol="1">
-            <a:spAutoFit/>
+          <a:bodyPr>
+            <a:noAutofit/>
           </a:bodyPr>
           <a:lstStyle/>
           <a:p>
-            <a:r>
-              <a:rPr lang="en-US" sz="3200" dirty="0" smtClean="0"/>
-              <a:t>Average function represents by arithmetic gates:</a:t>
-            </a:r>
-          </a:p>
-          <a:p>
-            <a:r>
-              <a:rPr lang="en-US" sz="3200" dirty="0" smtClean="0"/>
-              <a:t>level one - Addition gates.</a:t>
-            </a:r>
-          </a:p>
-          <a:p>
-            <a:r>
-              <a:rPr lang="en-US" sz="3200" dirty="0" smtClean="0"/>
-              <a:t>Level 2 – single multiplication gate of level one’s result and constant (1/n).</a:t>
-            </a:r>
-            <a:endParaRPr lang="he-IL" sz="3200" dirty="0"/>
+            <a:pPr algn="l">
+              <a:buFont typeface="Arial" pitchFamily="34" charset="0"/>
+              <a:buChar char="•"/>
+            </a:pPr>
+            <a:r>
+              <a:rPr lang="en-US" sz="2800" dirty="0" smtClean="0">
+                <a:solidFill>
+                  <a:schemeClr val="tx1"/>
+                </a:solidFill>
+              </a:rPr>
+              <a:t>     Useful for:</a:t>
+            </a:r>
+          </a:p>
+          <a:p>
+            <a:pPr marL="514350" indent="-514350" algn="l">
+              <a:buAutoNum type="arabicPeriod"/>
+            </a:pPr>
+            <a:r>
+              <a:rPr lang="en-US" sz="2800" dirty="0" smtClean="0">
+                <a:solidFill>
+                  <a:schemeClr val="tx1"/>
+                </a:solidFill>
+              </a:rPr>
+              <a:t>Average of a course, without knowing other peoples grades.</a:t>
+            </a:r>
+          </a:p>
+          <a:p>
+            <a:pPr marL="514350" indent="-514350" algn="l">
+              <a:buAutoNum type="arabicPeriod"/>
+            </a:pPr>
+            <a:r>
+              <a:rPr lang="en-US" sz="2800" dirty="0" smtClean="0">
+                <a:solidFill>
+                  <a:schemeClr val="tx1"/>
+                </a:solidFill>
+              </a:rPr>
+              <a:t>Average Salaries in a company, without knowing the other employees salaries.</a:t>
+            </a:r>
+          </a:p>
+          <a:p>
+            <a:pPr marL="514350" indent="-514350" algn="l">
+              <a:buAutoNum type="arabicPeriod"/>
+            </a:pPr>
+            <a:endParaRPr lang="en-US" sz="2800" dirty="0" smtClean="0">
+              <a:solidFill>
+                <a:schemeClr val="tx1"/>
+              </a:solidFill>
+            </a:endParaRPr>
+          </a:p>
+          <a:p>
+            <a:pPr marL="514350" indent="-514350" algn="l">
+              <a:buAutoNum type="arabicPeriod"/>
+            </a:pPr>
+            <a:endParaRPr lang="en-US" sz="2800" dirty="0">
+              <a:solidFill>
+                <a:schemeClr val="tx1"/>
+              </a:solidFill>
+            </a:endParaRPr>
           </a:p>
         </p:txBody>
       </p:sp>
     </p:spTree>
     <p:extLst>
       <p:ext uri="{BB962C8B-B14F-4D97-AF65-F5344CB8AC3E}">
-        <p14:creationId xmlns="" xmlns:p14="http://schemas.microsoft.com/office/powerpoint/2010/main" val="3509708932"/>
+        <p14:creationId xmlns:p14="http://schemas.microsoft.com/office/powerpoint/2010/main" val="3509708932"/>
       </p:ext>
     </p:extLst>
   </p:cSld>
@@ -4482,7 +5217,7 @@
           <a:p>
             <a:r>
               <a:rPr lang="en-US" dirty="0" smtClean="0"/>
-              <a:t>Global agreement - motivation</a:t>
+              <a:t>Average - implementation</a:t>
             </a:r>
             <a:endParaRPr lang="en-US" dirty="0"/>
           </a:p>
@@ -4490,81 +5225,50 @@
       </p:sp>
       <p:sp>
         <p:nvSpPr>
-          <p:cNvPr id="3" name="Subtitle 2"/>
-          <p:cNvSpPr>
-            <a:spLocks noGrp="1"/>
-          </p:cNvSpPr>
-          <p:nvPr>
-            <p:ph type="subTitle" idx="1"/>
-          </p:nvPr>
+          <p:cNvPr id="4" name="TextBox 3"/>
+          <p:cNvSpPr txBox="1"/>
+          <p:nvPr/>
         </p:nvSpPr>
         <p:spPr>
           <a:xfrm>
-            <a:off x="365760" y="2005400"/>
-            <a:ext cx="8564880" cy="3816279"/>
+            <a:off x="693465" y="2005401"/>
+            <a:ext cx="7772400" cy="2554545"/>
           </a:xfrm>
+          <a:prstGeom prst="rect">
+            <a:avLst/>
+          </a:prstGeom>
+          <a:noFill/>
         </p:spPr>
         <p:txBody>
-          <a:bodyPr>
-            <a:noAutofit/>
+          <a:bodyPr wrap="square" rtlCol="1">
+            <a:spAutoFit/>
           </a:bodyPr>
           <a:lstStyle/>
           <a:p>
-            <a:pPr algn="l">
-              <a:buFont typeface="Arial" pitchFamily="34" charset="0"/>
-              <a:buChar char="•"/>
-            </a:pPr>
-            <a:r>
-              <a:rPr lang="en-US" sz="3600" dirty="0" smtClean="0">
-                <a:solidFill>
-                  <a:schemeClr val="tx1"/>
-                </a:solidFill>
-              </a:rPr>
-              <a:t>   Useful for:</a:t>
-            </a:r>
-          </a:p>
-          <a:p>
-            <a:pPr marL="514350" indent="-514350" algn="l">
-              <a:buAutoNum type="arabicPeriod"/>
-            </a:pPr>
-            <a:r>
-              <a:rPr lang="en-US" sz="3600" dirty="0" smtClean="0">
-                <a:solidFill>
-                  <a:schemeClr val="tx1"/>
-                </a:solidFill>
-              </a:rPr>
-              <a:t>For peace in the Middle East.</a:t>
-            </a:r>
-          </a:p>
-          <a:p>
-            <a:pPr marL="514350" indent="-514350" algn="l">
-              <a:buAutoNum type="arabicPeriod"/>
-            </a:pPr>
-            <a:r>
-              <a:rPr lang="en-US" sz="3600" dirty="0" smtClean="0">
-                <a:solidFill>
-                  <a:schemeClr val="tx1"/>
-                </a:solidFill>
-              </a:rPr>
-              <a:t>Global agreements in Business meetings.</a:t>
-            </a:r>
-          </a:p>
-          <a:p>
-            <a:pPr marL="514350" indent="-514350" algn="l">
-              <a:buAutoNum type="arabicPeriod"/>
-            </a:pPr>
-            <a:endParaRPr lang="en-US" sz="3600" dirty="0">
-              <a:solidFill>
-                <a:schemeClr val="tx1"/>
-              </a:solidFill>
-            </a:endParaRPr>
+            <a:r>
+              <a:rPr lang="en-US" sz="3200" dirty="0" smtClean="0"/>
+              <a:t>Average function represents by arithmetic gates:</a:t>
+            </a:r>
+          </a:p>
+          <a:p>
+            <a:r>
+              <a:rPr lang="en-US" sz="3200" dirty="0" smtClean="0"/>
+              <a:t>level one - Addition gates.</a:t>
+            </a:r>
+          </a:p>
+          <a:p>
+            <a:r>
+              <a:rPr lang="en-US" sz="3200" dirty="0" smtClean="0"/>
+              <a:t>Level 2 – single multiplication gate of level one’s result and constant (1/n).</a:t>
+            </a:r>
+            <a:endParaRPr lang="he-IL" sz="3200" dirty="0"/>
           </a:p>
         </p:txBody>
       </p:sp>
     </p:spTree>
     <p:extLst>
       <p:ext uri="{BB962C8B-B14F-4D97-AF65-F5344CB8AC3E}">
-        <p14:creationId xmlns="" xmlns:p14="http://schemas.microsoft.com/office/powerpoint/2010/main" val="2400644727"/>
+        <p14:creationId xmlns:p14="http://schemas.microsoft.com/office/powerpoint/2010/main" val="3509708932"/>
       </p:ext>
     </p:extLst>
   </p:cSld>

--- a/Cryptography Project - meeting2.pptx
+++ b/Cryptography Project - meeting2.pptx
@@ -4,24 +4,27 @@
   <p:sldMasterIdLst>
     <p:sldMasterId id="2147483648" r:id="rId1"/>
   </p:sldMasterIdLst>
+  <p:notesMasterIdLst>
+    <p:notesMasterId r:id="rId19"/>
+  </p:notesMasterIdLst>
   <p:sldIdLst>
     <p:sldId id="262" r:id="rId2"/>
     <p:sldId id="274" r:id="rId3"/>
     <p:sldId id="259" r:id="rId4"/>
     <p:sldId id="261" r:id="rId5"/>
-    <p:sldId id="267" r:id="rId6"/>
-    <p:sldId id="269" r:id="rId7"/>
-    <p:sldId id="263" r:id="rId8"/>
-    <p:sldId id="256" r:id="rId9"/>
-    <p:sldId id="264" r:id="rId10"/>
-    <p:sldId id="270" r:id="rId11"/>
-    <p:sldId id="271" r:id="rId12"/>
-    <p:sldId id="258" r:id="rId13"/>
-    <p:sldId id="265" r:id="rId14"/>
-    <p:sldId id="272" r:id="rId15"/>
-    <p:sldId id="273" r:id="rId16"/>
-    <p:sldId id="257" r:id="rId17"/>
-    <p:sldId id="268" r:id="rId18"/>
+    <p:sldId id="263" r:id="rId6"/>
+    <p:sldId id="256" r:id="rId7"/>
+    <p:sldId id="264" r:id="rId8"/>
+    <p:sldId id="270" r:id="rId9"/>
+    <p:sldId id="271" r:id="rId10"/>
+    <p:sldId id="258" r:id="rId11"/>
+    <p:sldId id="265" r:id="rId12"/>
+    <p:sldId id="272" r:id="rId13"/>
+    <p:sldId id="273" r:id="rId14"/>
+    <p:sldId id="257" r:id="rId15"/>
+    <p:sldId id="268" r:id="rId16"/>
+    <p:sldId id="276" r:id="rId17"/>
+    <p:sldId id="275" r:id="rId18"/>
   </p:sldIdLst>
   <p:sldSz cx="9144000" cy="6858000" type="screen4x3"/>
   <p:notesSz cx="6858000" cy="9144000"/>
@@ -123,6 +126,1184 @@
 </p:presentation>
 </file>
 
+<file path=ppt/notesMasters/notesMaster1.xml><?xml version="1.0" encoding="utf-8"?>
+<p:notesMaster xmlns:a="http://schemas.openxmlformats.org/drawingml/2006/main" xmlns:r="http://schemas.openxmlformats.org/officeDocument/2006/relationships" xmlns:p="http://schemas.openxmlformats.org/presentationml/2006/main">
+  <p:cSld>
+    <p:bg>
+      <p:bgRef idx="1001">
+        <a:schemeClr val="bg1"/>
+      </p:bgRef>
+    </p:bg>
+    <p:spTree>
+      <p:nvGrpSpPr>
+        <p:cNvPr id="1" name=""/>
+        <p:cNvGrpSpPr/>
+        <p:nvPr/>
+      </p:nvGrpSpPr>
+      <p:grpSpPr>
+        <a:xfrm>
+          <a:off x="0" y="0"/>
+          <a:ext cx="0" cy="0"/>
+          <a:chOff x="0" y="0"/>
+          <a:chExt cx="0" cy="0"/>
+        </a:xfrm>
+      </p:grpSpPr>
+      <p:sp>
+        <p:nvSpPr>
+          <p:cNvPr id="2" name="Header Placeholder 1"/>
+          <p:cNvSpPr>
+            <a:spLocks noGrp="1"/>
+          </p:cNvSpPr>
+          <p:nvPr>
+            <p:ph type="hdr" sz="quarter"/>
+          </p:nvPr>
+        </p:nvSpPr>
+        <p:spPr>
+          <a:xfrm>
+            <a:off x="3886200" y="0"/>
+            <a:ext cx="2971800" cy="457200"/>
+          </a:xfrm>
+          <a:prstGeom prst="rect">
+            <a:avLst/>
+          </a:prstGeom>
+        </p:spPr>
+        <p:txBody>
+          <a:bodyPr vert="horz" lIns="91440" tIns="45720" rIns="91440" bIns="45720" rtlCol="1"/>
+          <a:lstStyle>
+            <a:lvl1pPr algn="r">
+              <a:defRPr sz="1200"/>
+            </a:lvl1pPr>
+          </a:lstStyle>
+          <a:p>
+            <a:endParaRPr lang="he-IL"/>
+          </a:p>
+        </p:txBody>
+      </p:sp>
+      <p:sp>
+        <p:nvSpPr>
+          <p:cNvPr id="3" name="Date Placeholder 2"/>
+          <p:cNvSpPr>
+            <a:spLocks noGrp="1"/>
+          </p:cNvSpPr>
+          <p:nvPr>
+            <p:ph type="dt" idx="1"/>
+          </p:nvPr>
+        </p:nvSpPr>
+        <p:spPr>
+          <a:xfrm>
+            <a:off x="1588" y="0"/>
+            <a:ext cx="2971800" cy="457200"/>
+          </a:xfrm>
+          <a:prstGeom prst="rect">
+            <a:avLst/>
+          </a:prstGeom>
+        </p:spPr>
+        <p:txBody>
+          <a:bodyPr vert="horz" lIns="91440" tIns="45720" rIns="91440" bIns="45720" rtlCol="1"/>
+          <a:lstStyle>
+            <a:lvl1pPr algn="l">
+              <a:defRPr sz="1200"/>
+            </a:lvl1pPr>
+          </a:lstStyle>
+          <a:p>
+            <a:fld id="{90D7094D-992A-4E02-AF83-600B139626E8}" type="datetimeFigureOut">
+              <a:rPr lang="he-IL" smtClean="0"/>
+              <a:t>כ"ה/תמוז/תשע"א</a:t>
+            </a:fld>
+            <a:endParaRPr lang="he-IL"/>
+          </a:p>
+        </p:txBody>
+      </p:sp>
+      <p:sp>
+        <p:nvSpPr>
+          <p:cNvPr id="4" name="Slide Image Placeholder 3"/>
+          <p:cNvSpPr>
+            <a:spLocks noGrp="1" noRot="1" noChangeAspect="1"/>
+          </p:cNvSpPr>
+          <p:nvPr>
+            <p:ph type="sldImg" idx="2"/>
+          </p:nvPr>
+        </p:nvSpPr>
+        <p:spPr>
+          <a:xfrm>
+            <a:off x="1143000" y="685800"/>
+            <a:ext cx="4572000" cy="3429000"/>
+          </a:xfrm>
+          <a:prstGeom prst="rect">
+            <a:avLst/>
+          </a:prstGeom>
+          <a:noFill/>
+          <a:ln w="12700">
+            <a:solidFill>
+              <a:prstClr val="black"/>
+            </a:solidFill>
+          </a:ln>
+        </p:spPr>
+        <p:txBody>
+          <a:bodyPr vert="horz" lIns="91440" tIns="45720" rIns="91440" bIns="45720" rtlCol="1" anchor="ctr"/>
+          <a:lstStyle/>
+          <a:p>
+            <a:endParaRPr lang="he-IL"/>
+          </a:p>
+        </p:txBody>
+      </p:sp>
+      <p:sp>
+        <p:nvSpPr>
+          <p:cNvPr id="5" name="Notes Placeholder 4"/>
+          <p:cNvSpPr>
+            <a:spLocks noGrp="1"/>
+          </p:cNvSpPr>
+          <p:nvPr>
+            <p:ph type="body" sz="quarter" idx="3"/>
+          </p:nvPr>
+        </p:nvSpPr>
+        <p:spPr>
+          <a:xfrm>
+            <a:off x="685800" y="4343400"/>
+            <a:ext cx="5486400" cy="4114800"/>
+          </a:xfrm>
+          <a:prstGeom prst="rect">
+            <a:avLst/>
+          </a:prstGeom>
+        </p:spPr>
+        <p:txBody>
+          <a:bodyPr vert="horz" lIns="91440" tIns="45720" rIns="91440" bIns="45720" rtlCol="1"/>
+          <a:lstStyle/>
+          <a:p>
+            <a:pPr lvl="0"/>
+            <a:r>
+              <a:rPr lang="en-US" smtClean="0"/>
+              <a:t>Click to edit Master text styles</a:t>
+            </a:r>
+          </a:p>
+          <a:p>
+            <a:pPr lvl="1"/>
+            <a:r>
+              <a:rPr lang="en-US" smtClean="0"/>
+              <a:t>Second level</a:t>
+            </a:r>
+          </a:p>
+          <a:p>
+            <a:pPr lvl="2"/>
+            <a:r>
+              <a:rPr lang="en-US" smtClean="0"/>
+              <a:t>Third level</a:t>
+            </a:r>
+          </a:p>
+          <a:p>
+            <a:pPr lvl="3"/>
+            <a:r>
+              <a:rPr lang="en-US" smtClean="0"/>
+              <a:t>Fourth level</a:t>
+            </a:r>
+          </a:p>
+          <a:p>
+            <a:pPr lvl="4"/>
+            <a:r>
+              <a:rPr lang="en-US" smtClean="0"/>
+              <a:t>Fifth level</a:t>
+            </a:r>
+            <a:endParaRPr lang="he-IL"/>
+          </a:p>
+        </p:txBody>
+      </p:sp>
+      <p:sp>
+        <p:nvSpPr>
+          <p:cNvPr id="6" name="Footer Placeholder 5"/>
+          <p:cNvSpPr>
+            <a:spLocks noGrp="1"/>
+          </p:cNvSpPr>
+          <p:nvPr>
+            <p:ph type="ftr" sz="quarter" idx="4"/>
+          </p:nvPr>
+        </p:nvSpPr>
+        <p:spPr>
+          <a:xfrm>
+            <a:off x="3886200" y="8685213"/>
+            <a:ext cx="2971800" cy="457200"/>
+          </a:xfrm>
+          <a:prstGeom prst="rect">
+            <a:avLst/>
+          </a:prstGeom>
+        </p:spPr>
+        <p:txBody>
+          <a:bodyPr vert="horz" lIns="91440" tIns="45720" rIns="91440" bIns="45720" rtlCol="1" anchor="b"/>
+          <a:lstStyle>
+            <a:lvl1pPr algn="r">
+              <a:defRPr sz="1200"/>
+            </a:lvl1pPr>
+          </a:lstStyle>
+          <a:p>
+            <a:endParaRPr lang="he-IL"/>
+          </a:p>
+        </p:txBody>
+      </p:sp>
+      <p:sp>
+        <p:nvSpPr>
+          <p:cNvPr id="7" name="Slide Number Placeholder 6"/>
+          <p:cNvSpPr>
+            <a:spLocks noGrp="1"/>
+          </p:cNvSpPr>
+          <p:nvPr>
+            <p:ph type="sldNum" sz="quarter" idx="5"/>
+          </p:nvPr>
+        </p:nvSpPr>
+        <p:spPr>
+          <a:xfrm>
+            <a:off x="1588" y="8685213"/>
+            <a:ext cx="2971800" cy="457200"/>
+          </a:xfrm>
+          <a:prstGeom prst="rect">
+            <a:avLst/>
+          </a:prstGeom>
+        </p:spPr>
+        <p:txBody>
+          <a:bodyPr vert="horz" lIns="91440" tIns="45720" rIns="91440" bIns="45720" rtlCol="1" anchor="b"/>
+          <a:lstStyle>
+            <a:lvl1pPr algn="l">
+              <a:defRPr sz="1200"/>
+            </a:lvl1pPr>
+          </a:lstStyle>
+          <a:p>
+            <a:fld id="{71A030DD-CCE1-46BC-A70B-39D1A5376273}" type="slidenum">
+              <a:rPr lang="he-IL" smtClean="0"/>
+              <a:t>‹#›</a:t>
+            </a:fld>
+            <a:endParaRPr lang="he-IL"/>
+          </a:p>
+        </p:txBody>
+      </p:sp>
+    </p:spTree>
+    <p:extLst>
+      <p:ext uri="{BB962C8B-B14F-4D97-AF65-F5344CB8AC3E}">
+        <p14:creationId xmlns:p14="http://schemas.microsoft.com/office/powerpoint/2010/main" val="4011433181"/>
+      </p:ext>
+    </p:extLst>
+  </p:cSld>
+  <p:clrMap bg1="lt1" tx1="dk1" bg2="lt2" tx2="dk2" accent1="accent1" accent2="accent2" accent3="accent3" accent4="accent4" accent5="accent5" accent6="accent6" hlink="hlink" folHlink="folHlink"/>
+  <p:notesStyle>
+    <a:lvl1pPr marL="0" algn="r" defTabSz="914400" rtl="1" eaLnBrk="1" latinLnBrk="0" hangingPunct="1">
+      <a:defRPr sz="1200" kern="1200">
+        <a:solidFill>
+          <a:schemeClr val="tx1"/>
+        </a:solidFill>
+        <a:latin typeface="+mn-lt"/>
+        <a:ea typeface="+mn-ea"/>
+        <a:cs typeface="+mn-cs"/>
+      </a:defRPr>
+    </a:lvl1pPr>
+    <a:lvl2pPr marL="457200" algn="r" defTabSz="914400" rtl="1" eaLnBrk="1" latinLnBrk="0" hangingPunct="1">
+      <a:defRPr sz="1200" kern="1200">
+        <a:solidFill>
+          <a:schemeClr val="tx1"/>
+        </a:solidFill>
+        <a:latin typeface="+mn-lt"/>
+        <a:ea typeface="+mn-ea"/>
+        <a:cs typeface="+mn-cs"/>
+      </a:defRPr>
+    </a:lvl2pPr>
+    <a:lvl3pPr marL="914400" algn="r" defTabSz="914400" rtl="1" eaLnBrk="1" latinLnBrk="0" hangingPunct="1">
+      <a:defRPr sz="1200" kern="1200">
+        <a:solidFill>
+          <a:schemeClr val="tx1"/>
+        </a:solidFill>
+        <a:latin typeface="+mn-lt"/>
+        <a:ea typeface="+mn-ea"/>
+        <a:cs typeface="+mn-cs"/>
+      </a:defRPr>
+    </a:lvl3pPr>
+    <a:lvl4pPr marL="1371600" algn="r" defTabSz="914400" rtl="1" eaLnBrk="1" latinLnBrk="0" hangingPunct="1">
+      <a:defRPr sz="1200" kern="1200">
+        <a:solidFill>
+          <a:schemeClr val="tx1"/>
+        </a:solidFill>
+        <a:latin typeface="+mn-lt"/>
+        <a:ea typeface="+mn-ea"/>
+        <a:cs typeface="+mn-cs"/>
+      </a:defRPr>
+    </a:lvl4pPr>
+    <a:lvl5pPr marL="1828800" algn="r" defTabSz="914400" rtl="1" eaLnBrk="1" latinLnBrk="0" hangingPunct="1">
+      <a:defRPr sz="1200" kern="1200">
+        <a:solidFill>
+          <a:schemeClr val="tx1"/>
+        </a:solidFill>
+        <a:latin typeface="+mn-lt"/>
+        <a:ea typeface="+mn-ea"/>
+        <a:cs typeface="+mn-cs"/>
+      </a:defRPr>
+    </a:lvl5pPr>
+    <a:lvl6pPr marL="2286000" algn="r" defTabSz="914400" rtl="1" eaLnBrk="1" latinLnBrk="0" hangingPunct="1">
+      <a:defRPr sz="1200" kern="1200">
+        <a:solidFill>
+          <a:schemeClr val="tx1"/>
+        </a:solidFill>
+        <a:latin typeface="+mn-lt"/>
+        <a:ea typeface="+mn-ea"/>
+        <a:cs typeface="+mn-cs"/>
+      </a:defRPr>
+    </a:lvl6pPr>
+    <a:lvl7pPr marL="2743200" algn="r" defTabSz="914400" rtl="1" eaLnBrk="1" latinLnBrk="0" hangingPunct="1">
+      <a:defRPr sz="1200" kern="1200">
+        <a:solidFill>
+          <a:schemeClr val="tx1"/>
+        </a:solidFill>
+        <a:latin typeface="+mn-lt"/>
+        <a:ea typeface="+mn-ea"/>
+        <a:cs typeface="+mn-cs"/>
+      </a:defRPr>
+    </a:lvl7pPr>
+    <a:lvl8pPr marL="3200400" algn="r" defTabSz="914400" rtl="1" eaLnBrk="1" latinLnBrk="0" hangingPunct="1">
+      <a:defRPr sz="1200" kern="1200">
+        <a:solidFill>
+          <a:schemeClr val="tx1"/>
+        </a:solidFill>
+        <a:latin typeface="+mn-lt"/>
+        <a:ea typeface="+mn-ea"/>
+        <a:cs typeface="+mn-cs"/>
+      </a:defRPr>
+    </a:lvl8pPr>
+    <a:lvl9pPr marL="3657600" algn="r" defTabSz="914400" rtl="1" eaLnBrk="1" latinLnBrk="0" hangingPunct="1">
+      <a:defRPr sz="1200" kern="1200">
+        <a:solidFill>
+          <a:schemeClr val="tx1"/>
+        </a:solidFill>
+        <a:latin typeface="+mn-lt"/>
+        <a:ea typeface="+mn-ea"/>
+        <a:cs typeface="+mn-cs"/>
+      </a:defRPr>
+    </a:lvl9pPr>
+  </p:notesStyle>
+</p:notesMaster>
+</file>
+
+<file path=ppt/notesSlides/notesSlide1.xml><?xml version="1.0" encoding="utf-8"?>
+<p:notes xmlns:a="http://schemas.openxmlformats.org/drawingml/2006/main" xmlns:r="http://schemas.openxmlformats.org/officeDocument/2006/relationships" xmlns:p="http://schemas.openxmlformats.org/presentationml/2006/main">
+  <p:cSld>
+    <p:spTree>
+      <p:nvGrpSpPr>
+        <p:cNvPr id="1" name=""/>
+        <p:cNvGrpSpPr/>
+        <p:nvPr/>
+      </p:nvGrpSpPr>
+      <p:grpSpPr>
+        <a:xfrm>
+          <a:off x="0" y="0"/>
+          <a:ext cx="0" cy="0"/>
+          <a:chOff x="0" y="0"/>
+          <a:chExt cx="0" cy="0"/>
+        </a:xfrm>
+      </p:grpSpPr>
+      <p:sp>
+        <p:nvSpPr>
+          <p:cNvPr id="2" name="Slide Image Placeholder 1"/>
+          <p:cNvSpPr>
+            <a:spLocks noGrp="1" noRot="1" noChangeAspect="1"/>
+          </p:cNvSpPr>
+          <p:nvPr>
+            <p:ph type="sldImg"/>
+          </p:nvPr>
+        </p:nvSpPr>
+        <p:spPr/>
+      </p:sp>
+      <p:sp>
+        <p:nvSpPr>
+          <p:cNvPr id="3" name="Notes Placeholder 2"/>
+          <p:cNvSpPr>
+            <a:spLocks noGrp="1"/>
+          </p:cNvSpPr>
+          <p:nvPr>
+            <p:ph type="body" idx="1"/>
+          </p:nvPr>
+        </p:nvSpPr>
+        <p:spPr/>
+        <p:txBody>
+          <a:bodyPr/>
+          <a:lstStyle/>
+          <a:p>
+            <a:pPr lvl="1" algn="l" rtl="0">
+              <a:buFont typeface="Arial" pitchFamily="34" charset="0"/>
+              <a:buChar char="•"/>
+            </a:pPr>
+            <a:r>
+              <a:rPr lang="en-US" b="1" dirty="0" smtClean="0">
+                <a:solidFill>
+                  <a:schemeClr val="tx1"/>
+                </a:solidFill>
+              </a:rPr>
+              <a:t> Reference to gate.</a:t>
+            </a:r>
+          </a:p>
+          <a:p>
+            <a:pPr lvl="1" algn="l" rtl="0">
+              <a:buFont typeface="Arial" pitchFamily="34" charset="0"/>
+              <a:buChar char="•"/>
+            </a:pPr>
+            <a:r>
+              <a:rPr lang="en-US" b="1" dirty="0" smtClean="0">
+                <a:solidFill>
+                  <a:schemeClr val="tx1"/>
+                </a:solidFill>
+              </a:rPr>
+              <a:t> 2-dimensions array of secret shares</a:t>
+            </a:r>
+            <a:r>
+              <a:rPr lang="en-US" b="1" baseline="0" dirty="0" smtClean="0">
+                <a:solidFill>
+                  <a:schemeClr val="tx1"/>
+                </a:solidFill>
+              </a:rPr>
+              <a:t> </a:t>
+            </a:r>
+            <a:r>
+              <a:rPr lang="en-US" b="0" dirty="0" smtClean="0">
+                <a:solidFill>
+                  <a:schemeClr val="tx1"/>
+                </a:solidFill>
+              </a:rPr>
+              <a:t>–</a:t>
+            </a:r>
+            <a:r>
+              <a:rPr lang="en-US" b="0" baseline="0" dirty="0" smtClean="0">
+                <a:solidFill>
+                  <a:schemeClr val="tx1"/>
+                </a:solidFill>
+              </a:rPr>
+              <a:t> the input for the gate</a:t>
+            </a:r>
+            <a:endParaRPr lang="en-US" b="1" dirty="0" smtClean="0">
+              <a:solidFill>
+                <a:schemeClr val="tx1"/>
+              </a:solidFill>
+            </a:endParaRPr>
+          </a:p>
+          <a:p>
+            <a:pPr lvl="1" algn="l" rtl="0">
+              <a:buFont typeface="Arial" pitchFamily="34" charset="0"/>
+              <a:buChar char="•"/>
+            </a:pPr>
+            <a:r>
+              <a:rPr lang="en-US" b="1" dirty="0" smtClean="0">
+                <a:solidFill>
+                  <a:schemeClr val="tx1"/>
+                </a:solidFill>
+              </a:rPr>
+              <a:t> index of the gate </a:t>
+            </a:r>
+            <a:r>
+              <a:rPr lang="en-US" b="0" dirty="0" smtClean="0">
+                <a:solidFill>
+                  <a:schemeClr val="tx1"/>
+                </a:solidFill>
+              </a:rPr>
+              <a:t> </a:t>
+            </a:r>
+            <a:endParaRPr lang="en-US" b="1" dirty="0" smtClean="0">
+              <a:solidFill>
+                <a:schemeClr val="tx1"/>
+              </a:solidFill>
+            </a:endParaRPr>
+          </a:p>
+          <a:p>
+            <a:pPr lvl="1" algn="l" rtl="0">
+              <a:buFont typeface="Arial" pitchFamily="34" charset="0"/>
+              <a:buChar char="•"/>
+            </a:pPr>
+            <a:r>
+              <a:rPr lang="en-US" b="1" dirty="0" smtClean="0">
+                <a:solidFill>
+                  <a:schemeClr val="tx1"/>
+                </a:solidFill>
+              </a:rPr>
+              <a:t> index of the output gate – </a:t>
+            </a:r>
+            <a:r>
+              <a:rPr lang="en-US" b="0" dirty="0" smtClean="0">
+                <a:solidFill>
+                  <a:schemeClr val="tx1"/>
+                </a:solidFill>
+              </a:rPr>
+              <a:t>index of the gate that the output vector will be deliver to</a:t>
+            </a:r>
+            <a:endParaRPr lang="en-US" b="1" dirty="0" smtClean="0">
+              <a:solidFill>
+                <a:schemeClr val="tx1"/>
+              </a:solidFill>
+            </a:endParaRPr>
+          </a:p>
+          <a:p>
+            <a:pPr lvl="1" algn="l" rtl="0">
+              <a:buFont typeface="Arial" pitchFamily="34" charset="0"/>
+              <a:buChar char="•"/>
+            </a:pPr>
+            <a:r>
+              <a:rPr lang="en-US" b="1" dirty="0" smtClean="0">
+                <a:solidFill>
+                  <a:schemeClr val="tx1"/>
+                </a:solidFill>
+              </a:rPr>
+              <a:t> type of the gate</a:t>
+            </a:r>
+            <a:r>
+              <a:rPr lang="en-US" b="0" dirty="0" smtClean="0">
+                <a:solidFill>
+                  <a:schemeClr val="tx1"/>
+                </a:solidFill>
+              </a:rPr>
+              <a:t> - </a:t>
+            </a:r>
+            <a:r>
+              <a:rPr lang="en-US" sz="1200" kern="1200" dirty="0" smtClean="0">
+                <a:solidFill>
+                  <a:schemeClr val="tx1"/>
+                </a:solidFill>
+                <a:latin typeface="+mn-lt"/>
+                <a:ea typeface="+mn-ea"/>
+                <a:cs typeface="+mn-cs"/>
+              </a:rPr>
+              <a:t>//0 = addition, 1 = multiplication, 2 = </a:t>
+            </a:r>
+            <a:r>
+              <a:rPr lang="en-US" sz="1200" u="none" kern="1200" dirty="0" err="1" smtClean="0">
+                <a:solidFill>
+                  <a:schemeClr val="tx1"/>
+                </a:solidFill>
+                <a:latin typeface="+mn-lt"/>
+                <a:ea typeface="+mn-ea"/>
+                <a:cs typeface="+mn-cs"/>
+              </a:rPr>
+              <a:t>constmult</a:t>
+            </a:r>
+            <a:r>
+              <a:rPr lang="en-US" sz="1200" u="none" kern="1200" dirty="0" smtClean="0">
+                <a:solidFill>
+                  <a:schemeClr val="tx1"/>
+                </a:solidFill>
+                <a:latin typeface="+mn-lt"/>
+                <a:ea typeface="+mn-ea"/>
+                <a:cs typeface="+mn-cs"/>
+              </a:rPr>
+              <a:t>, 3 = maximum</a:t>
+            </a:r>
+            <a:endParaRPr lang="en-US" b="1" u="none" dirty="0" smtClean="0">
+              <a:solidFill>
+                <a:schemeClr val="tx1"/>
+              </a:solidFill>
+            </a:endParaRPr>
+          </a:p>
+          <a:p>
+            <a:pPr lvl="1" algn="l" rtl="0">
+              <a:buFont typeface="Arial" pitchFamily="34" charset="0"/>
+              <a:buChar char="•"/>
+            </a:pPr>
+            <a:r>
+              <a:rPr lang="en-US" b="1" dirty="0" smtClean="0">
+                <a:solidFill>
+                  <a:schemeClr val="tx1"/>
+                </a:solidFill>
+              </a:rPr>
+              <a:t> array of secret share – output</a:t>
+            </a:r>
+            <a:r>
+              <a:rPr lang="en-US" b="0" dirty="0" smtClean="0">
+                <a:solidFill>
+                  <a:schemeClr val="tx1"/>
+                </a:solidFill>
+              </a:rPr>
+              <a:t> –</a:t>
+            </a:r>
+            <a:r>
+              <a:rPr lang="en-US" b="0" baseline="0" dirty="0" smtClean="0">
+                <a:solidFill>
+                  <a:schemeClr val="tx1"/>
+                </a:solidFill>
+              </a:rPr>
+              <a:t> the result after the gate has been calculated</a:t>
+            </a:r>
+            <a:endParaRPr lang="en-US" b="1" dirty="0" smtClean="0">
+              <a:solidFill>
+                <a:schemeClr val="tx1"/>
+              </a:solidFill>
+            </a:endParaRPr>
+          </a:p>
+          <a:p>
+            <a:pPr lvl="1" algn="l" rtl="0">
+              <a:buFont typeface="Arial" pitchFamily="34" charset="0"/>
+              <a:buChar char="•"/>
+            </a:pPr>
+            <a:r>
+              <a:rPr lang="en-US" b="1" dirty="0" smtClean="0">
+                <a:solidFill>
+                  <a:schemeClr val="tx1"/>
+                </a:solidFill>
+              </a:rPr>
+              <a:t> constant – relevant only for </a:t>
+            </a:r>
+            <a:r>
+              <a:rPr lang="en-US" b="1" dirty="0" err="1" smtClean="0">
+                <a:solidFill>
+                  <a:schemeClr val="tx1"/>
+                </a:solidFill>
+              </a:rPr>
+              <a:t>constMult</a:t>
+            </a:r>
+            <a:r>
+              <a:rPr lang="en-US" b="1" dirty="0" smtClean="0">
+                <a:solidFill>
+                  <a:schemeClr val="tx1"/>
+                </a:solidFill>
+              </a:rPr>
+              <a:t> gate –</a:t>
+            </a:r>
+            <a:r>
+              <a:rPr lang="en-US" b="0" baseline="0" dirty="0" smtClean="0">
+                <a:solidFill>
+                  <a:schemeClr val="tx1"/>
+                </a:solidFill>
+              </a:rPr>
+              <a:t> the constant of the </a:t>
+            </a:r>
+            <a:r>
+              <a:rPr lang="en-US" b="0" baseline="0" dirty="0" err="1" smtClean="0">
+                <a:solidFill>
+                  <a:schemeClr val="tx1"/>
+                </a:solidFill>
+              </a:rPr>
+              <a:t>constMult</a:t>
+            </a:r>
+            <a:r>
+              <a:rPr lang="en-US" b="0" baseline="0" dirty="0" smtClean="0">
+                <a:solidFill>
+                  <a:schemeClr val="tx1"/>
+                </a:solidFill>
+              </a:rPr>
+              <a:t> gate</a:t>
+            </a:r>
+            <a:endParaRPr lang="en-US" b="1" dirty="0" smtClean="0">
+              <a:solidFill>
+                <a:schemeClr val="tx1"/>
+              </a:solidFill>
+            </a:endParaRPr>
+          </a:p>
+          <a:p>
+            <a:endParaRPr lang="he-IL" b="1" dirty="0"/>
+          </a:p>
+        </p:txBody>
+      </p:sp>
+      <p:sp>
+        <p:nvSpPr>
+          <p:cNvPr id="4" name="Slide Number Placeholder 3"/>
+          <p:cNvSpPr>
+            <a:spLocks noGrp="1"/>
+          </p:cNvSpPr>
+          <p:nvPr>
+            <p:ph type="sldNum" sz="quarter" idx="10"/>
+          </p:nvPr>
+        </p:nvSpPr>
+        <p:spPr/>
+        <p:txBody>
+          <a:bodyPr/>
+          <a:lstStyle/>
+          <a:p>
+            <a:fld id="{71A030DD-CCE1-46BC-A70B-39D1A5376273}" type="slidenum">
+              <a:rPr lang="he-IL" smtClean="0"/>
+              <a:t>3</a:t>
+            </a:fld>
+            <a:endParaRPr lang="he-IL"/>
+          </a:p>
+        </p:txBody>
+      </p:sp>
+    </p:spTree>
+    <p:extLst>
+      <p:ext uri="{BB962C8B-B14F-4D97-AF65-F5344CB8AC3E}">
+        <p14:creationId xmlns:p14="http://schemas.microsoft.com/office/powerpoint/2010/main" val="3250338580"/>
+      </p:ext>
+    </p:extLst>
+  </p:cSld>
+  <p:clrMapOvr>
+    <a:masterClrMapping/>
+  </p:clrMapOvr>
+</p:notes>
+</file>
+
+<file path=ppt/notesSlides/notesSlide2.xml><?xml version="1.0" encoding="utf-8"?>
+<p:notes xmlns:a="http://schemas.openxmlformats.org/drawingml/2006/main" xmlns:r="http://schemas.openxmlformats.org/officeDocument/2006/relationships" xmlns:p="http://schemas.openxmlformats.org/presentationml/2006/main">
+  <p:cSld>
+    <p:spTree>
+      <p:nvGrpSpPr>
+        <p:cNvPr id="1" name=""/>
+        <p:cNvGrpSpPr/>
+        <p:nvPr/>
+      </p:nvGrpSpPr>
+      <p:grpSpPr>
+        <a:xfrm>
+          <a:off x="0" y="0"/>
+          <a:ext cx="0" cy="0"/>
+          <a:chOff x="0" y="0"/>
+          <a:chExt cx="0" cy="0"/>
+        </a:xfrm>
+      </p:grpSpPr>
+      <p:sp>
+        <p:nvSpPr>
+          <p:cNvPr id="2" name="Slide Image Placeholder 1"/>
+          <p:cNvSpPr>
+            <a:spLocks noGrp="1" noRot="1" noChangeAspect="1"/>
+          </p:cNvSpPr>
+          <p:nvPr>
+            <p:ph type="sldImg"/>
+          </p:nvPr>
+        </p:nvSpPr>
+        <p:spPr/>
+      </p:sp>
+      <p:sp>
+        <p:nvSpPr>
+          <p:cNvPr id="3" name="Notes Placeholder 2"/>
+          <p:cNvSpPr>
+            <a:spLocks noGrp="1"/>
+          </p:cNvSpPr>
+          <p:nvPr>
+            <p:ph type="body" idx="1"/>
+          </p:nvPr>
+        </p:nvSpPr>
+        <p:spPr/>
+        <p:txBody>
+          <a:bodyPr/>
+          <a:lstStyle/>
+          <a:p>
+            <a:pPr marL="171450" indent="-171450" algn="l" rtl="0">
+              <a:buFont typeface="Arial" pitchFamily="34" charset="0"/>
+              <a:buChar char="•"/>
+            </a:pPr>
+            <a:r>
+              <a:rPr lang="en-US" dirty="0" smtClean="0"/>
+              <a:t>The topological sort done by inserting the</a:t>
+            </a:r>
+            <a:r>
+              <a:rPr lang="en-US" baseline="0" dirty="0" smtClean="0"/>
+              <a:t> gates to the circuit in the right order.</a:t>
+            </a:r>
+          </a:p>
+          <a:p>
+            <a:pPr marL="171450" indent="-171450" algn="l" rtl="0">
+              <a:buFont typeface="Arial" pitchFamily="34" charset="0"/>
+              <a:buChar char="•"/>
+            </a:pPr>
+            <a:r>
+              <a:rPr lang="en-US" baseline="0" dirty="0" smtClean="0"/>
+              <a:t>The computation is according to the indexes of the gates</a:t>
+            </a:r>
+          </a:p>
+          <a:p>
+            <a:pPr marL="171450" indent="-171450" algn="l" rtl="0">
+              <a:buFont typeface="Arial" pitchFamily="34" charset="0"/>
+              <a:buChar char="•"/>
+            </a:pPr>
+            <a:r>
+              <a:rPr lang="en-US" baseline="0" dirty="0" smtClean="0"/>
+              <a:t>Three phases:</a:t>
+            </a:r>
+          </a:p>
+          <a:p>
+            <a:pPr lvl="1" algn="l" rtl="0">
+              <a:buFont typeface="Arial" pitchFamily="34" charset="0"/>
+              <a:buChar char="•"/>
+            </a:pPr>
+            <a:r>
+              <a:rPr lang="en-US" dirty="0" smtClean="0"/>
+              <a:t> Calculation – calculate the output according</a:t>
+            </a:r>
+            <a:r>
+              <a:rPr lang="en-US" baseline="0" dirty="0" smtClean="0"/>
+              <a:t> to the input and the type of the gate (use compute())</a:t>
+            </a:r>
+            <a:endParaRPr lang="en-US" dirty="0" smtClean="0"/>
+          </a:p>
+          <a:p>
+            <a:pPr lvl="1" algn="l" rtl="0">
+              <a:buFont typeface="Arial" pitchFamily="34" charset="0"/>
+              <a:buChar char="•"/>
+            </a:pPr>
+            <a:r>
+              <a:rPr lang="en-US" dirty="0" smtClean="0"/>
+              <a:t> Update output – assign the result to output</a:t>
+            </a:r>
+          </a:p>
+          <a:p>
+            <a:pPr lvl="1" algn="l" rtl="0">
+              <a:buFont typeface="Arial" pitchFamily="34" charset="0"/>
+              <a:buChar char="•"/>
+            </a:pPr>
+            <a:r>
+              <a:rPr lang="en-US" dirty="0" smtClean="0"/>
+              <a:t> Update </a:t>
+            </a:r>
+            <a:r>
+              <a:rPr lang="en-US" smtClean="0"/>
+              <a:t>next sextuple input </a:t>
+            </a:r>
+            <a:r>
+              <a:rPr lang="en-US" dirty="0" smtClean="0"/>
+              <a:t>– find next sextuple</a:t>
+            </a:r>
+            <a:r>
+              <a:rPr lang="en-US" baseline="0" dirty="0" smtClean="0"/>
+              <a:t> according to next index and initialize its input.</a:t>
+            </a:r>
+            <a:endParaRPr lang="he-IL" baseline="0" dirty="0" smtClean="0"/>
+          </a:p>
+        </p:txBody>
+      </p:sp>
+      <p:sp>
+        <p:nvSpPr>
+          <p:cNvPr id="4" name="Slide Number Placeholder 3"/>
+          <p:cNvSpPr>
+            <a:spLocks noGrp="1"/>
+          </p:cNvSpPr>
+          <p:nvPr>
+            <p:ph type="sldNum" sz="quarter" idx="10"/>
+          </p:nvPr>
+        </p:nvSpPr>
+        <p:spPr/>
+        <p:txBody>
+          <a:bodyPr/>
+          <a:lstStyle/>
+          <a:p>
+            <a:fld id="{71A030DD-CCE1-46BC-A70B-39D1A5376273}" type="slidenum">
+              <a:rPr lang="he-IL" smtClean="0"/>
+              <a:t>4</a:t>
+            </a:fld>
+            <a:endParaRPr lang="he-IL"/>
+          </a:p>
+        </p:txBody>
+      </p:sp>
+    </p:spTree>
+    <p:extLst>
+      <p:ext uri="{BB962C8B-B14F-4D97-AF65-F5344CB8AC3E}">
+        <p14:creationId xmlns:p14="http://schemas.microsoft.com/office/powerpoint/2010/main" val="3236920046"/>
+      </p:ext>
+    </p:extLst>
+  </p:cSld>
+  <p:clrMapOvr>
+    <a:masterClrMapping/>
+  </p:clrMapOvr>
+</p:notes>
+</file>
+
+<file path=ppt/notesSlides/notesSlide3.xml><?xml version="1.0" encoding="utf-8"?>
+<p:notes xmlns:a="http://schemas.openxmlformats.org/drawingml/2006/main" xmlns:r="http://schemas.openxmlformats.org/officeDocument/2006/relationships" xmlns:p="http://schemas.openxmlformats.org/presentationml/2006/main">
+  <p:cSld>
+    <p:spTree>
+      <p:nvGrpSpPr>
+        <p:cNvPr id="1" name=""/>
+        <p:cNvGrpSpPr/>
+        <p:nvPr/>
+      </p:nvGrpSpPr>
+      <p:grpSpPr>
+        <a:xfrm>
+          <a:off x="0" y="0"/>
+          <a:ext cx="0" cy="0"/>
+          <a:chOff x="0" y="0"/>
+          <a:chExt cx="0" cy="0"/>
+        </a:xfrm>
+      </p:grpSpPr>
+      <p:sp>
+        <p:nvSpPr>
+          <p:cNvPr id="2" name="Slide Image Placeholder 1"/>
+          <p:cNvSpPr>
+            <a:spLocks noGrp="1" noRot="1" noChangeAspect="1"/>
+          </p:cNvSpPr>
+          <p:nvPr>
+            <p:ph type="sldImg"/>
+          </p:nvPr>
+        </p:nvSpPr>
+        <p:spPr/>
+      </p:sp>
+      <p:sp>
+        <p:nvSpPr>
+          <p:cNvPr id="3" name="Notes Placeholder 2"/>
+          <p:cNvSpPr>
+            <a:spLocks noGrp="1"/>
+          </p:cNvSpPr>
+          <p:nvPr>
+            <p:ph type="body" idx="1"/>
+          </p:nvPr>
+        </p:nvSpPr>
+        <p:spPr/>
+        <p:txBody>
+          <a:bodyPr/>
+          <a:lstStyle/>
+          <a:p>
+            <a:r>
+              <a:rPr lang="en-US" dirty="0" smtClean="0"/>
+              <a:t>(s1*s2)*s3</a:t>
+            </a:r>
+          </a:p>
+          <a:p>
+            <a:endParaRPr lang="he-IL" dirty="0"/>
+          </a:p>
+        </p:txBody>
+      </p:sp>
+      <p:sp>
+        <p:nvSpPr>
+          <p:cNvPr id="4" name="Slide Number Placeholder 3"/>
+          <p:cNvSpPr>
+            <a:spLocks noGrp="1"/>
+          </p:cNvSpPr>
+          <p:nvPr>
+            <p:ph type="sldNum" sz="quarter" idx="10"/>
+          </p:nvPr>
+        </p:nvSpPr>
+        <p:spPr/>
+        <p:txBody>
+          <a:bodyPr/>
+          <a:lstStyle/>
+          <a:p>
+            <a:fld id="{71A030DD-CCE1-46BC-A70B-39D1A5376273}" type="slidenum">
+              <a:rPr lang="he-IL" smtClean="0"/>
+              <a:t>12</a:t>
+            </a:fld>
+            <a:endParaRPr lang="he-IL"/>
+          </a:p>
+        </p:txBody>
+      </p:sp>
+    </p:spTree>
+    <p:extLst>
+      <p:ext uri="{BB962C8B-B14F-4D97-AF65-F5344CB8AC3E}">
+        <p14:creationId xmlns:p14="http://schemas.microsoft.com/office/powerpoint/2010/main" val="3037502692"/>
+      </p:ext>
+    </p:extLst>
+  </p:cSld>
+  <p:clrMapOvr>
+    <a:masterClrMapping/>
+  </p:clrMapOvr>
+</p:notes>
+</file>
+
+<file path=ppt/notesSlides/notesSlide4.xml><?xml version="1.0" encoding="utf-8"?>
+<p:notes xmlns:a="http://schemas.openxmlformats.org/drawingml/2006/main" xmlns:r="http://schemas.openxmlformats.org/officeDocument/2006/relationships" xmlns:p="http://schemas.openxmlformats.org/presentationml/2006/main">
+  <p:cSld>
+    <p:spTree>
+      <p:nvGrpSpPr>
+        <p:cNvPr id="1" name=""/>
+        <p:cNvGrpSpPr/>
+        <p:nvPr/>
+      </p:nvGrpSpPr>
+      <p:grpSpPr>
+        <a:xfrm>
+          <a:off x="0" y="0"/>
+          <a:ext cx="0" cy="0"/>
+          <a:chOff x="0" y="0"/>
+          <a:chExt cx="0" cy="0"/>
+        </a:xfrm>
+      </p:grpSpPr>
+      <p:sp>
+        <p:nvSpPr>
+          <p:cNvPr id="2" name="Slide Image Placeholder 1"/>
+          <p:cNvSpPr>
+            <a:spLocks noGrp="1" noRot="1" noChangeAspect="1"/>
+          </p:cNvSpPr>
+          <p:nvPr>
+            <p:ph type="sldImg"/>
+          </p:nvPr>
+        </p:nvSpPr>
+        <p:spPr/>
+      </p:sp>
+      <p:sp>
+        <p:nvSpPr>
+          <p:cNvPr id="3" name="Notes Placeholder 2"/>
+          <p:cNvSpPr>
+            <a:spLocks noGrp="1"/>
+          </p:cNvSpPr>
+          <p:nvPr>
+            <p:ph type="body" idx="1"/>
+          </p:nvPr>
+        </p:nvSpPr>
+        <p:spPr/>
+        <p:txBody>
+          <a:bodyPr/>
+          <a:lstStyle/>
+          <a:p>
+            <a:r>
+              <a:rPr lang="en-US" dirty="0" smtClean="0"/>
+              <a:t>S1 = [0,0,1]</a:t>
+            </a:r>
+          </a:p>
+          <a:p>
+            <a:r>
+              <a:rPr lang="en-US" dirty="0" smtClean="0"/>
+              <a:t>S2 = [1,0,0]</a:t>
+            </a:r>
+          </a:p>
+          <a:p>
+            <a:r>
+              <a:rPr lang="en-US" dirty="0" smtClean="0"/>
+              <a:t>s3</a:t>
+            </a:r>
+            <a:r>
+              <a:rPr lang="en-US" baseline="0" dirty="0" smtClean="0"/>
+              <a:t> = [1,0,0]</a:t>
+            </a:r>
+            <a:endParaRPr lang="he-IL" baseline="0" dirty="0" smtClean="0"/>
+          </a:p>
+          <a:p>
+            <a:endParaRPr lang="en-US" baseline="0" dirty="0" smtClean="0"/>
+          </a:p>
+          <a:p>
+            <a:r>
+              <a:rPr lang="he-IL" baseline="0" dirty="0" smtClean="0"/>
+              <a:t>לאחר החיבור וקטור של שלשות</a:t>
+            </a:r>
+          </a:p>
+          <a:p>
+            <a:r>
+              <a:rPr lang="he-IL" baseline="0" dirty="0" smtClean="0"/>
+              <a:t>שער המקס מקבל 2 שלשות ומחזיר 0 או 1 שמבטא מי יותר גדול.</a:t>
+            </a:r>
+          </a:p>
+          <a:p>
+            <a:r>
+              <a:rPr lang="en-US" baseline="0" dirty="0" smtClean="0"/>
+              <a:t>a*z + (1-z)*z</a:t>
+            </a:r>
+            <a:endParaRPr lang="he-IL" baseline="0" dirty="0" smtClean="0"/>
+          </a:p>
+          <a:p>
+            <a:endParaRPr lang="he-IL" baseline="0" dirty="0" smtClean="0"/>
+          </a:p>
+          <a:p>
+            <a:r>
+              <a:rPr lang="he-IL" baseline="0" dirty="0" smtClean="0"/>
+              <a:t>בסוף קיבלנו שלשה וממנה נחשב את המקסימום.</a:t>
+            </a:r>
+          </a:p>
+          <a:p>
+            <a:r>
+              <a:rPr lang="he-IL" baseline="0" dirty="0" smtClean="0"/>
+              <a:t>מחבר כל אינדקס</a:t>
+            </a:r>
+            <a:endParaRPr lang="he-IL" dirty="0"/>
+          </a:p>
+        </p:txBody>
+      </p:sp>
+      <p:sp>
+        <p:nvSpPr>
+          <p:cNvPr id="4" name="Slide Number Placeholder 3"/>
+          <p:cNvSpPr>
+            <a:spLocks noGrp="1"/>
+          </p:cNvSpPr>
+          <p:nvPr>
+            <p:ph type="sldNum" sz="quarter" idx="10"/>
+          </p:nvPr>
+        </p:nvSpPr>
+        <p:spPr/>
+        <p:txBody>
+          <a:bodyPr/>
+          <a:lstStyle/>
+          <a:p>
+            <a:fld id="{71A030DD-CCE1-46BC-A70B-39D1A5376273}" type="slidenum">
+              <a:rPr lang="he-IL" smtClean="0"/>
+              <a:t>16</a:t>
+            </a:fld>
+            <a:endParaRPr lang="he-IL"/>
+          </a:p>
+        </p:txBody>
+      </p:sp>
+    </p:spTree>
+    <p:extLst>
+      <p:ext uri="{BB962C8B-B14F-4D97-AF65-F5344CB8AC3E}">
+        <p14:creationId xmlns:p14="http://schemas.microsoft.com/office/powerpoint/2010/main" val="585360157"/>
+      </p:ext>
+    </p:extLst>
+  </p:cSld>
+  <p:clrMapOvr>
+    <a:masterClrMapping/>
+  </p:clrMapOvr>
+</p:notes>
+</file>
+
+<file path=ppt/notesSlides/notesSlide5.xml><?xml version="1.0" encoding="utf-8"?>
+<p:notes xmlns:a="http://schemas.openxmlformats.org/drawingml/2006/main" xmlns:r="http://schemas.openxmlformats.org/officeDocument/2006/relationships" xmlns:p="http://schemas.openxmlformats.org/presentationml/2006/main">
+  <p:cSld>
+    <p:spTree>
+      <p:nvGrpSpPr>
+        <p:cNvPr id="1" name=""/>
+        <p:cNvGrpSpPr/>
+        <p:nvPr/>
+      </p:nvGrpSpPr>
+      <p:grpSpPr>
+        <a:xfrm>
+          <a:off x="0" y="0"/>
+          <a:ext cx="0" cy="0"/>
+          <a:chOff x="0" y="0"/>
+          <a:chExt cx="0" cy="0"/>
+        </a:xfrm>
+      </p:grpSpPr>
+      <p:sp>
+        <p:nvSpPr>
+          <p:cNvPr id="2" name="Slide Image Placeholder 1"/>
+          <p:cNvSpPr>
+            <a:spLocks noGrp="1" noRot="1" noChangeAspect="1"/>
+          </p:cNvSpPr>
+          <p:nvPr>
+            <p:ph type="sldImg"/>
+          </p:nvPr>
+        </p:nvSpPr>
+        <p:spPr/>
+      </p:sp>
+      <p:sp>
+        <p:nvSpPr>
+          <p:cNvPr id="3" name="Notes Placeholder 2"/>
+          <p:cNvSpPr>
+            <a:spLocks noGrp="1"/>
+          </p:cNvSpPr>
+          <p:nvPr>
+            <p:ph type="body" idx="1"/>
+          </p:nvPr>
+        </p:nvSpPr>
+        <p:spPr/>
+        <p:txBody>
+          <a:bodyPr/>
+          <a:lstStyle/>
+          <a:p>
+            <a:endParaRPr lang="he-IL" dirty="0"/>
+          </a:p>
+        </p:txBody>
+      </p:sp>
+      <p:sp>
+        <p:nvSpPr>
+          <p:cNvPr id="4" name="Slide Number Placeholder 3"/>
+          <p:cNvSpPr>
+            <a:spLocks noGrp="1"/>
+          </p:cNvSpPr>
+          <p:nvPr>
+            <p:ph type="sldNum" sz="quarter" idx="10"/>
+          </p:nvPr>
+        </p:nvSpPr>
+        <p:spPr/>
+        <p:txBody>
+          <a:bodyPr/>
+          <a:lstStyle/>
+          <a:p>
+            <a:fld id="{71A030DD-CCE1-46BC-A70B-39D1A5376273}" type="slidenum">
+              <a:rPr lang="he-IL" smtClean="0"/>
+              <a:t>17</a:t>
+            </a:fld>
+            <a:endParaRPr lang="he-IL"/>
+          </a:p>
+        </p:txBody>
+      </p:sp>
+    </p:spTree>
+    <p:extLst>
+      <p:ext uri="{BB962C8B-B14F-4D97-AF65-F5344CB8AC3E}">
+        <p14:creationId xmlns:p14="http://schemas.microsoft.com/office/powerpoint/2010/main" val="3190834465"/>
+      </p:ext>
+    </p:extLst>
+  </p:cSld>
+  <p:clrMapOvr>
+    <a:masterClrMapping/>
+  </p:clrMapOvr>
+</p:notes>
+</file>
+
 <file path=ppt/slideLayouts/slideLayout1.xml><?xml version="1.0" encoding="utf-8"?>
 <p:sldLayout xmlns:a="http://schemas.openxmlformats.org/drawingml/2006/main" xmlns:r="http://schemas.openxmlformats.org/officeDocument/2006/relationships" xmlns:p="http://schemas.openxmlformats.org/presentationml/2006/main" type="title" preserve="1">
   <p:cSld name="Title Slide">
@@ -305,7 +1486,7 @@
             <a:fld id="{8A6BFD02-9896-474A-BBBD-D7BB45DBD9CE}" type="datetimeFigureOut">
               <a:rPr lang="en-US" smtClean="0"/>
               <a:pPr/>
-              <a:t>7/26/2011</a:t>
+              <a:t>7/27/2011</a:t>
             </a:fld>
             <a:endParaRPr lang="en-US"/>
           </a:p>
@@ -477,7 +1658,7 @@
             <a:fld id="{8A6BFD02-9896-474A-BBBD-D7BB45DBD9CE}" type="datetimeFigureOut">
               <a:rPr lang="en-US" smtClean="0"/>
               <a:pPr/>
-              <a:t>7/26/2011</a:t>
+              <a:t>7/27/2011</a:t>
             </a:fld>
             <a:endParaRPr lang="en-US"/>
           </a:p>
@@ -659,7 +1840,7 @@
             <a:fld id="{8A6BFD02-9896-474A-BBBD-D7BB45DBD9CE}" type="datetimeFigureOut">
               <a:rPr lang="en-US" smtClean="0"/>
               <a:pPr/>
-              <a:t>7/26/2011</a:t>
+              <a:t>7/27/2011</a:t>
             </a:fld>
             <a:endParaRPr lang="en-US"/>
           </a:p>
@@ -831,7 +2012,7 @@
             <a:fld id="{8A6BFD02-9896-474A-BBBD-D7BB45DBD9CE}" type="datetimeFigureOut">
               <a:rPr lang="en-US" smtClean="0"/>
               <a:pPr/>
-              <a:t>7/26/2011</a:t>
+              <a:t>7/27/2011</a:t>
             </a:fld>
             <a:endParaRPr lang="en-US"/>
           </a:p>
@@ -1079,7 +2260,7 @@
             <a:fld id="{8A6BFD02-9896-474A-BBBD-D7BB45DBD9CE}" type="datetimeFigureOut">
               <a:rPr lang="en-US" smtClean="0"/>
               <a:pPr/>
-              <a:t>7/26/2011</a:t>
+              <a:t>7/27/2011</a:t>
             </a:fld>
             <a:endParaRPr lang="en-US"/>
           </a:p>
@@ -1369,7 +2550,7 @@
             <a:fld id="{8A6BFD02-9896-474A-BBBD-D7BB45DBD9CE}" type="datetimeFigureOut">
               <a:rPr lang="en-US" smtClean="0"/>
               <a:pPr/>
-              <a:t>7/26/2011</a:t>
+              <a:t>7/27/2011</a:t>
             </a:fld>
             <a:endParaRPr lang="en-US"/>
           </a:p>
@@ -1793,7 +2974,7 @@
             <a:fld id="{8A6BFD02-9896-474A-BBBD-D7BB45DBD9CE}" type="datetimeFigureOut">
               <a:rPr lang="en-US" smtClean="0"/>
               <a:pPr/>
-              <a:t>7/26/2011</a:t>
+              <a:t>7/27/2011</a:t>
             </a:fld>
             <a:endParaRPr lang="en-US"/>
           </a:p>
@@ -1913,7 +3094,7 @@
             <a:fld id="{8A6BFD02-9896-474A-BBBD-D7BB45DBD9CE}" type="datetimeFigureOut">
               <a:rPr lang="en-US" smtClean="0"/>
               <a:pPr/>
-              <a:t>7/26/2011</a:t>
+              <a:t>7/27/2011</a:t>
             </a:fld>
             <a:endParaRPr lang="en-US"/>
           </a:p>
@@ -2010,7 +3191,7 @@
             <a:fld id="{8A6BFD02-9896-474A-BBBD-D7BB45DBD9CE}" type="datetimeFigureOut">
               <a:rPr lang="en-US" smtClean="0"/>
               <a:pPr/>
-              <a:t>7/26/2011</a:t>
+              <a:t>7/27/2011</a:t>
             </a:fld>
             <a:endParaRPr lang="en-US"/>
           </a:p>
@@ -2289,7 +3470,7 @@
             <a:fld id="{8A6BFD02-9896-474A-BBBD-D7BB45DBD9CE}" type="datetimeFigureOut">
               <a:rPr lang="en-US" smtClean="0"/>
               <a:pPr/>
-              <a:t>7/26/2011</a:t>
+              <a:t>7/27/2011</a:t>
             </a:fld>
             <a:endParaRPr lang="en-US"/>
           </a:p>
@@ -2544,7 +3725,7 @@
             <a:fld id="{8A6BFD02-9896-474A-BBBD-D7BB45DBD9CE}" type="datetimeFigureOut">
               <a:rPr lang="en-US" smtClean="0"/>
               <a:pPr/>
-              <a:t>7/26/2011</a:t>
+              <a:t>7/27/2011</a:t>
             </a:fld>
             <a:endParaRPr lang="en-US"/>
           </a:p>
@@ -2759,7 +3940,7 @@
             <a:fld id="{8A6BFD02-9896-474A-BBBD-D7BB45DBD9CE}" type="datetimeFigureOut">
               <a:rPr lang="en-US" smtClean="0"/>
               <a:pPr/>
-              <a:t>7/26/2011</a:t>
+              <a:t>7/27/2011</a:t>
             </a:fld>
             <a:endParaRPr lang="en-US"/>
           </a:p>
@@ -3159,11 +4340,7 @@
           <a:p>
             <a:r>
               <a:rPr lang="en-US" dirty="0" smtClean="0"/>
-              <a:t>System Design &amp; </a:t>
-            </a:r>
-            <a:r>
-              <a:rPr lang="en-US" dirty="0" smtClean="0"/>
-              <a:t>implementation</a:t>
+              <a:t>System Design &amp; implementation</a:t>
             </a:r>
             <a:br>
               <a:rPr lang="en-US" dirty="0" smtClean="0"/>
@@ -3256,7 +4433,7 @@
           <a:p>
             <a:r>
               <a:rPr lang="en-US" dirty="0" smtClean="0"/>
-              <a:t>Average – Example</a:t>
+              <a:t>Global agreement - motivation</a:t>
             </a:r>
             <a:endParaRPr lang="en-US" dirty="0"/>
           </a:p>
@@ -3264,106 +4441,81 @@
       </p:sp>
       <p:sp>
         <p:nvSpPr>
-          <p:cNvPr id="4" name="TextBox 3"/>
-          <p:cNvSpPr txBox="1"/>
-          <p:nvPr/>
+          <p:cNvPr id="3" name="Subtitle 2"/>
+          <p:cNvSpPr>
+            <a:spLocks noGrp="1"/>
+          </p:cNvSpPr>
+          <p:nvPr>
+            <p:ph type="subTitle" idx="1"/>
+          </p:nvPr>
         </p:nvSpPr>
         <p:spPr>
           <a:xfrm>
-            <a:off x="693465" y="2005401"/>
-            <a:ext cx="7772400" cy="4524315"/>
+            <a:off x="365760" y="2005400"/>
+            <a:ext cx="8564880" cy="3816279"/>
           </a:xfrm>
-          <a:prstGeom prst="rect">
-            <a:avLst/>
-          </a:prstGeom>
-          <a:noFill/>
         </p:spPr>
         <p:txBody>
-          <a:bodyPr wrap="square" rtlCol="1">
-            <a:spAutoFit/>
+          <a:bodyPr>
+            <a:noAutofit/>
           </a:bodyPr>
           <a:lstStyle/>
           <a:p>
-            <a:r>
-              <a:rPr lang="en-US" sz="3200" dirty="0" smtClean="0"/>
-              <a:t>3 secrets – s1=1, s2=2, s3=3.</a:t>
-            </a:r>
-          </a:p>
-          <a:p>
-            <a:r>
-              <a:rPr lang="en-US" sz="3200" dirty="0" smtClean="0"/>
-              <a:t>T=1, n  = 3, field = 7.</a:t>
-            </a:r>
-          </a:p>
-          <a:p>
-            <a:endParaRPr lang="en-US" sz="3200" dirty="0" smtClean="0"/>
-          </a:p>
-          <a:p>
-            <a:r>
-              <a:rPr lang="en-US" sz="3200" dirty="0"/>
-              <a:t>secret share for p1 (</a:t>
-            </a:r>
-            <a:r>
-              <a:rPr lang="en-US" sz="3200" dirty="0" smtClean="0"/>
-              <a:t>s1</a:t>
-            </a:r>
-            <a:r>
-              <a:rPr lang="en-US" sz="3200" dirty="0"/>
-              <a:t>)</a:t>
-            </a:r>
-          </a:p>
-          <a:p>
-            <a:r>
-              <a:rPr lang="he-IL" sz="3200" dirty="0"/>
-              <a:t>[(1,0)(2,6)(3,5)]</a:t>
-            </a:r>
-          </a:p>
-          <a:p>
-            <a:r>
-              <a:rPr lang="en-US" sz="3200" dirty="0"/>
-              <a:t>secret share for p1 (</a:t>
-            </a:r>
-            <a:r>
-              <a:rPr lang="en-US" sz="3200" dirty="0" smtClean="0"/>
-              <a:t>s2</a:t>
-            </a:r>
-            <a:r>
-              <a:rPr lang="en-US" sz="3200" dirty="0"/>
-              <a:t>)</a:t>
-            </a:r>
-          </a:p>
-          <a:p>
-            <a:r>
-              <a:rPr lang="he-IL" sz="3200" dirty="0"/>
-              <a:t>[(1,0)(2,5)(3,3)]</a:t>
-            </a:r>
-          </a:p>
-          <a:p>
-            <a:r>
-              <a:rPr lang="en-US" sz="3200" dirty="0"/>
-              <a:t>secret share for p1 (</a:t>
-            </a:r>
-            <a:r>
-              <a:rPr lang="en-US" sz="3200" dirty="0" smtClean="0"/>
-              <a:t>s3</a:t>
-            </a:r>
-            <a:r>
-              <a:rPr lang="en-US" sz="3200" dirty="0"/>
-              <a:t>)</a:t>
-            </a:r>
-          </a:p>
-          <a:p>
-            <a:r>
-              <a:rPr lang="he-IL" sz="3200" dirty="0"/>
-              <a:t>[(1,5)(2,0)(3,2)]</a:t>
-            </a:r>
+            <a:pPr algn="l">
+              <a:buFont typeface="Arial" pitchFamily="34" charset="0"/>
+              <a:buChar char="•"/>
+            </a:pPr>
+            <a:r>
+              <a:rPr lang="en-US" sz="3600" dirty="0" smtClean="0">
+                <a:solidFill>
+                  <a:schemeClr val="tx1"/>
+                </a:solidFill>
+              </a:rPr>
+              <a:t>   Useful for:</a:t>
+            </a:r>
+          </a:p>
+          <a:p>
+            <a:pPr marL="514350" indent="-514350" algn="l">
+              <a:buAutoNum type="arabicPeriod"/>
+            </a:pPr>
+            <a:r>
+              <a:rPr lang="en-US" sz="3600" dirty="0" smtClean="0">
+                <a:solidFill>
+                  <a:schemeClr val="tx1"/>
+                </a:solidFill>
+              </a:rPr>
+              <a:t>For peace in the Middle East.</a:t>
+            </a:r>
+          </a:p>
+          <a:p>
+            <a:pPr marL="514350" indent="-514350" algn="l">
+              <a:buAutoNum type="arabicPeriod"/>
+            </a:pPr>
+            <a:r>
+              <a:rPr lang="en-US" sz="3600" dirty="0" smtClean="0">
+                <a:solidFill>
+                  <a:schemeClr val="tx1"/>
+                </a:solidFill>
+              </a:rPr>
+              <a:t>Global agreements in Business meetings.</a:t>
+            </a:r>
+          </a:p>
+          <a:p>
+            <a:pPr marL="514350" indent="-514350" algn="l">
+              <a:buAutoNum type="arabicPeriod"/>
+            </a:pPr>
+            <a:endParaRPr lang="en-US" sz="3600" dirty="0">
+              <a:solidFill>
+                <a:schemeClr val="tx1"/>
+              </a:solidFill>
+            </a:endParaRPr>
           </a:p>
         </p:txBody>
       </p:sp>
     </p:spTree>
     <p:extLst>
       <p:ext uri="{BB962C8B-B14F-4D97-AF65-F5344CB8AC3E}">
-        <p14:creationId xmlns:p14="http://schemas.microsoft.com/office/powerpoint/2010/main" val="578136230"/>
+        <p14:creationId xmlns:p14="http://schemas.microsoft.com/office/powerpoint/2010/main" val="2400644727"/>
       </p:ext>
     </p:extLst>
   </p:cSld>
@@ -3409,8 +4561,8 @@
         </p:nvSpPr>
         <p:spPr>
           <a:xfrm>
-            <a:off x="693465" y="535376"/>
-            <a:ext cx="7772400" cy="1470025"/>
+            <a:off x="335280" y="535376"/>
+            <a:ext cx="8625840" cy="1470025"/>
           </a:xfrm>
         </p:spPr>
         <p:txBody>
@@ -3419,7 +4571,7 @@
           <a:p>
             <a:r>
               <a:rPr lang="en-US" dirty="0" smtClean="0"/>
-              <a:t>Average – Example</a:t>
+              <a:t>Global agreement - implementation</a:t>
             </a:r>
             <a:endParaRPr lang="en-US" dirty="0"/>
           </a:p>
@@ -3427,14 +4579,14 @@
       </p:sp>
       <p:sp>
         <p:nvSpPr>
-          <p:cNvPr id="4" name="TextBox 3"/>
+          <p:cNvPr id="6" name="TextBox 5"/>
           <p:cNvSpPr txBox="1"/>
           <p:nvPr/>
         </p:nvSpPr>
         <p:spPr>
           <a:xfrm>
-            <a:off x="693465" y="2005401"/>
-            <a:ext cx="7772400" cy="3539430"/>
+            <a:off x="792480" y="2005400"/>
+            <a:ext cx="7528560" cy="2062103"/>
           </a:xfrm>
           <a:prstGeom prst="rect">
             <a:avLst/>
@@ -3449,41 +4601,17 @@
           <a:p>
             <a:r>
               <a:rPr lang="en-US" sz="3200" dirty="0" smtClean="0"/>
-              <a:t>Local computation (addition gates):</a:t>
+              <a:t>Global Agreement function represents by Boolean gates:</a:t>
             </a:r>
           </a:p>
           <a:p>
             <a:r>
               <a:rPr lang="en-US" sz="3200" dirty="0" smtClean="0"/>
-              <a:t>P1 = [3,5]</a:t>
-            </a:r>
-          </a:p>
-          <a:p>
-            <a:r>
-              <a:rPr lang="en-US" sz="3200" dirty="0" smtClean="0"/>
-              <a:t>P2 = [6,4]</a:t>
-            </a:r>
-          </a:p>
-          <a:p>
-            <a:r>
-              <a:rPr lang="en-US" sz="3200" dirty="0" smtClean="0"/>
-              <a:t>P3 = [2,3]</a:t>
-            </a:r>
-          </a:p>
-          <a:p>
-            <a:endParaRPr lang="en-US" sz="3200" dirty="0"/>
-          </a:p>
-          <a:p>
-            <a:r>
-              <a:rPr lang="en-US" sz="3200" dirty="0" smtClean="0"/>
-              <a:t>Result = -54/12 (mod 7) = 6</a:t>
-            </a:r>
-          </a:p>
-          <a:p>
-            <a:r>
-              <a:rPr lang="en-US" sz="3200" dirty="0" smtClean="0"/>
-              <a:t>And the average is 6/3(mod 7) = 2</a:t>
-            </a:r>
+              <a:t>And gates of all inputs.</a:t>
+            </a:r>
+            <a:endParaRPr lang="he-IL" sz="3200" dirty="0" smtClean="0"/>
+          </a:p>
+          <a:p>
             <a:endParaRPr lang="he-IL" sz="3200" dirty="0"/>
           </a:p>
         </p:txBody>
@@ -3491,7 +4619,7 @@
     </p:spTree>
     <p:extLst>
       <p:ext uri="{BB962C8B-B14F-4D97-AF65-F5344CB8AC3E}">
-        <p14:creationId xmlns:p14="http://schemas.microsoft.com/office/powerpoint/2010/main" val="1819452929"/>
+        <p14:creationId xmlns:p14="http://schemas.microsoft.com/office/powerpoint/2010/main" val="2400644727"/>
       </p:ext>
     </p:extLst>
   </p:cSld>
@@ -3537,8 +4665,8 @@
         </p:nvSpPr>
         <p:spPr>
           <a:xfrm>
-            <a:off x="693465" y="535376"/>
-            <a:ext cx="7772400" cy="1470025"/>
+            <a:off x="335280" y="535376"/>
+            <a:ext cx="8625840" cy="1470025"/>
           </a:xfrm>
         </p:spPr>
         <p:txBody>
@@ -3547,7 +4675,7 @@
           <a:p>
             <a:r>
               <a:rPr lang="en-US" dirty="0" smtClean="0"/>
-              <a:t>Global agreement - motivation</a:t>
+              <a:t>Global agreement - Example</a:t>
             </a:r>
             <a:endParaRPr lang="en-US" dirty="0"/>
           </a:p>
@@ -3555,81 +4683,129 @@
       </p:sp>
       <p:sp>
         <p:nvSpPr>
-          <p:cNvPr id="3" name="Subtitle 2"/>
-          <p:cNvSpPr>
-            <a:spLocks noGrp="1"/>
-          </p:cNvSpPr>
-          <p:nvPr>
-            <p:ph type="subTitle" idx="1"/>
-          </p:nvPr>
+          <p:cNvPr id="6" name="TextBox 5"/>
+          <p:cNvSpPr txBox="1"/>
+          <p:nvPr/>
         </p:nvSpPr>
         <p:spPr>
           <a:xfrm>
-            <a:off x="365760" y="2005400"/>
-            <a:ext cx="8564880" cy="3816279"/>
+            <a:off x="792480" y="2005400"/>
+            <a:ext cx="7528560" cy="1077218"/>
           </a:xfrm>
+          <a:prstGeom prst="rect">
+            <a:avLst/>
+          </a:prstGeom>
+          <a:noFill/>
         </p:spPr>
         <p:txBody>
-          <a:bodyPr>
-            <a:noAutofit/>
+          <a:bodyPr wrap="square" rtlCol="1">
+            <a:spAutoFit/>
           </a:bodyPr>
           <a:lstStyle/>
           <a:p>
-            <a:pPr algn="l">
-              <a:buFont typeface="Arial" pitchFamily="34" charset="0"/>
-              <a:buChar char="•"/>
-            </a:pPr>
-            <a:r>
-              <a:rPr lang="en-US" sz="3600" dirty="0" smtClean="0">
-                <a:solidFill>
-                  <a:schemeClr val="tx1"/>
-                </a:solidFill>
-              </a:rPr>
-              <a:t>   Useful for:</a:t>
-            </a:r>
-          </a:p>
-          <a:p>
-            <a:pPr marL="514350" indent="-514350" algn="l">
-              <a:buAutoNum type="arabicPeriod"/>
-            </a:pPr>
-            <a:r>
-              <a:rPr lang="en-US" sz="3600" dirty="0" smtClean="0">
-                <a:solidFill>
-                  <a:schemeClr val="tx1"/>
-                </a:solidFill>
-              </a:rPr>
-              <a:t>For peace in the Middle East.</a:t>
-            </a:r>
-          </a:p>
-          <a:p>
-            <a:pPr marL="514350" indent="-514350" algn="l">
-              <a:buAutoNum type="arabicPeriod"/>
-            </a:pPr>
-            <a:r>
-              <a:rPr lang="en-US" sz="3600" dirty="0" smtClean="0">
-                <a:solidFill>
-                  <a:schemeClr val="tx1"/>
-                </a:solidFill>
-              </a:rPr>
-              <a:t>Global agreements in Business meetings.</a:t>
-            </a:r>
-          </a:p>
-          <a:p>
-            <a:pPr marL="514350" indent="-514350" algn="l">
-              <a:buAutoNum type="arabicPeriod"/>
-            </a:pPr>
-            <a:endParaRPr lang="en-US" sz="3600" dirty="0">
-              <a:solidFill>
-                <a:schemeClr val="tx1"/>
-              </a:solidFill>
-            </a:endParaRPr>
+            <a:endParaRPr lang="he-IL" sz="3200" dirty="0" smtClean="0"/>
+          </a:p>
+          <a:p>
+            <a:endParaRPr lang="he-IL" sz="3200" dirty="0"/>
+          </a:p>
+        </p:txBody>
+      </p:sp>
+      <p:sp>
+        <p:nvSpPr>
+          <p:cNvPr id="4" name="TextBox 3"/>
+          <p:cNvSpPr txBox="1"/>
+          <p:nvPr/>
+        </p:nvSpPr>
+        <p:spPr>
+          <a:xfrm>
+            <a:off x="693465" y="2005401"/>
+            <a:ext cx="7772400" cy="4524315"/>
+          </a:xfrm>
+          <a:prstGeom prst="rect">
+            <a:avLst/>
+          </a:prstGeom>
+          <a:noFill/>
+        </p:spPr>
+        <p:txBody>
+          <a:bodyPr wrap="square" rtlCol="1">
+            <a:spAutoFit/>
+          </a:bodyPr>
+          <a:lstStyle/>
+          <a:p>
+            <a:r>
+              <a:rPr lang="en-US" sz="3200" dirty="0" smtClean="0"/>
+              <a:t>3 secrets – s1=1, s2=0, s3=1.</a:t>
+            </a:r>
+          </a:p>
+          <a:p>
+            <a:r>
+              <a:rPr lang="en-US" sz="3200" dirty="0" smtClean="0"/>
+              <a:t>T=1, n  = 3, field = 7.</a:t>
+            </a:r>
+          </a:p>
+          <a:p>
+            <a:endParaRPr lang="en-US" sz="3200" dirty="0" smtClean="0"/>
+          </a:p>
+          <a:p>
+            <a:r>
+              <a:rPr lang="en-US" sz="3200" dirty="0"/>
+              <a:t>secret share for p1 (</a:t>
+            </a:r>
+            <a:r>
+              <a:rPr lang="en-US" sz="3200" dirty="0" smtClean="0"/>
+              <a:t>s1</a:t>
+            </a:r>
+            <a:r>
+              <a:rPr lang="en-US" sz="3200" dirty="0"/>
+              <a:t>)</a:t>
+            </a:r>
+          </a:p>
+          <a:p>
+            <a:r>
+              <a:rPr lang="he-IL" sz="3200" dirty="0"/>
+              <a:t>[(1,0)(2,6)(3,5)]</a:t>
+            </a:r>
+          </a:p>
+          <a:p>
+            <a:r>
+              <a:rPr lang="en-US" sz="3200" dirty="0"/>
+              <a:t>secret share for p1 (</a:t>
+            </a:r>
+            <a:r>
+              <a:rPr lang="en-US" sz="3200" dirty="0" smtClean="0"/>
+              <a:t>s2)</a:t>
+            </a:r>
+            <a:endParaRPr lang="en-US" sz="3200" dirty="0"/>
+          </a:p>
+          <a:p>
+            <a:r>
+              <a:rPr lang="he-IL" sz="3200" dirty="0"/>
+              <a:t>[(1,5)(2,3)(3,1)]</a:t>
+            </a:r>
+          </a:p>
+          <a:p>
+            <a:r>
+              <a:rPr lang="en-US" sz="3200" dirty="0"/>
+              <a:t>secret share for p1 (</a:t>
+            </a:r>
+            <a:r>
+              <a:rPr lang="en-US" sz="3200" dirty="0" smtClean="0"/>
+              <a:t>s3)</a:t>
+            </a:r>
+            <a:endParaRPr lang="en-US" sz="3200" dirty="0"/>
+          </a:p>
+          <a:p>
+            <a:r>
+              <a:rPr lang="he-IL" sz="3200" dirty="0"/>
+              <a:t>[(1,4)(2,0)(3,3)]</a:t>
+            </a:r>
           </a:p>
         </p:txBody>
       </p:sp>
     </p:spTree>
     <p:extLst>
       <p:ext uri="{BB962C8B-B14F-4D97-AF65-F5344CB8AC3E}">
-        <p14:creationId xmlns:p14="http://schemas.microsoft.com/office/powerpoint/2010/main" val="2400644727"/>
+        <p14:creationId xmlns:p14="http://schemas.microsoft.com/office/powerpoint/2010/main" val="3481794422"/>
       </p:ext>
     </p:extLst>
   </p:cSld>
@@ -3685,7 +4861,7 @@
           <a:p>
             <a:r>
               <a:rPr lang="en-US" dirty="0" smtClean="0"/>
-              <a:t>Global agreement - implementation</a:t>
+              <a:t>Global agreement - Example</a:t>
             </a:r>
             <a:endParaRPr lang="en-US" dirty="0"/>
           </a:p>
@@ -3700,7 +4876,7 @@
         <p:spPr>
           <a:xfrm>
             <a:off x="792480" y="2005400"/>
-            <a:ext cx="7528560" cy="2062103"/>
+            <a:ext cx="7528560" cy="1077218"/>
           </a:xfrm>
           <a:prstGeom prst="rect">
             <a:avLst/>
@@ -3713,16 +4889,6 @@
           </a:bodyPr>
           <a:lstStyle/>
           <a:p>
-            <a:r>
-              <a:rPr lang="en-US" sz="3200" dirty="0" smtClean="0"/>
-              <a:t>Global Agreement function represents by Boolean gates:</a:t>
-            </a:r>
-          </a:p>
-          <a:p>
-            <a:r>
-              <a:rPr lang="en-US" sz="3200" dirty="0" smtClean="0"/>
-              <a:t>And gates of all inputs.</a:t>
-            </a:r>
             <a:endParaRPr lang="he-IL" sz="3200" dirty="0" smtClean="0"/>
           </a:p>
           <a:p>
@@ -3733,7 +4899,7 @@
     </p:spTree>
     <p:extLst>
       <p:ext uri="{BB962C8B-B14F-4D97-AF65-F5344CB8AC3E}">
-        <p14:creationId xmlns:p14="http://schemas.microsoft.com/office/powerpoint/2010/main" val="2400644727"/>
+        <p14:creationId xmlns:p14="http://schemas.microsoft.com/office/powerpoint/2010/main" val="2087727253"/>
       </p:ext>
     </p:extLst>
   </p:cSld>
@@ -3779,8 +4945,8 @@
         </p:nvSpPr>
         <p:spPr>
           <a:xfrm>
-            <a:off x="335280" y="535376"/>
-            <a:ext cx="8625840" cy="1470025"/>
+            <a:off x="693465" y="267335"/>
+            <a:ext cx="7772400" cy="1470025"/>
           </a:xfrm>
         </p:spPr>
         <p:txBody>
@@ -3789,7 +4955,7 @@
           <a:p>
             <a:r>
               <a:rPr lang="en-US" dirty="0" smtClean="0"/>
-              <a:t>Global agreement - Example</a:t>
+              <a:t>Frequency - Motivation</a:t>
             </a:r>
             <a:endParaRPr lang="en-US" dirty="0"/>
           </a:p>
@@ -3797,129 +4963,69 @@
       </p:sp>
       <p:sp>
         <p:nvSpPr>
-          <p:cNvPr id="6" name="TextBox 5"/>
-          <p:cNvSpPr txBox="1"/>
-          <p:nvPr/>
+          <p:cNvPr id="3" name="Subtitle 2"/>
+          <p:cNvSpPr>
+            <a:spLocks noGrp="1"/>
+          </p:cNvSpPr>
+          <p:nvPr>
+            <p:ph type="subTitle" idx="1"/>
+          </p:nvPr>
         </p:nvSpPr>
         <p:spPr>
           <a:xfrm>
-            <a:off x="792480" y="2005400"/>
-            <a:ext cx="7528560" cy="1077218"/>
+            <a:off x="693465" y="1737360"/>
+            <a:ext cx="7581855" cy="2515985"/>
           </a:xfrm>
-          <a:prstGeom prst="rect">
-            <a:avLst/>
-          </a:prstGeom>
-          <a:noFill/>
         </p:spPr>
         <p:txBody>
-          <a:bodyPr wrap="square" rtlCol="1">
-            <a:spAutoFit/>
+          <a:bodyPr>
+            <a:normAutofit/>
           </a:bodyPr>
           <a:lstStyle/>
           <a:p>
-            <a:endParaRPr lang="he-IL" sz="3200" dirty="0" smtClean="0"/>
-          </a:p>
-          <a:p>
-            <a:endParaRPr lang="he-IL" sz="3200" dirty="0"/>
-          </a:p>
-        </p:txBody>
-      </p:sp>
-      <p:sp>
-        <p:nvSpPr>
-          <p:cNvPr id="4" name="TextBox 3"/>
-          <p:cNvSpPr txBox="1"/>
-          <p:nvPr/>
-        </p:nvSpPr>
-        <p:spPr>
-          <a:xfrm>
-            <a:off x="693465" y="2005401"/>
-            <a:ext cx="7772400" cy="4524315"/>
-          </a:xfrm>
-          <a:prstGeom prst="rect">
-            <a:avLst/>
-          </a:prstGeom>
-          <a:noFill/>
-        </p:spPr>
-        <p:txBody>
-          <a:bodyPr wrap="square" rtlCol="1">
-            <a:spAutoFit/>
-          </a:bodyPr>
-          <a:lstStyle/>
-          <a:p>
-            <a:r>
-              <a:rPr lang="en-US" sz="3200" dirty="0" smtClean="0"/>
-              <a:t>3 secrets – s1=1, s2=0, s3=1.</a:t>
-            </a:r>
-          </a:p>
-          <a:p>
-            <a:r>
-              <a:rPr lang="en-US" sz="3200" dirty="0" smtClean="0"/>
-              <a:t>T=1, n  = 3, field = 7.</a:t>
-            </a:r>
-          </a:p>
-          <a:p>
-            <a:endParaRPr lang="en-US" sz="3200" dirty="0" smtClean="0"/>
-          </a:p>
-          <a:p>
-            <a:r>
-              <a:rPr lang="en-US" sz="3200" dirty="0"/>
-              <a:t>secret share for p1 (</a:t>
-            </a:r>
-            <a:r>
-              <a:rPr lang="en-US" sz="3200" dirty="0" smtClean="0"/>
-              <a:t>s1</a:t>
-            </a:r>
-            <a:r>
-              <a:rPr lang="en-US" sz="3200" dirty="0"/>
-              <a:t>)</a:t>
-            </a:r>
-          </a:p>
-          <a:p>
-            <a:r>
-              <a:rPr lang="he-IL" sz="3200" dirty="0"/>
-              <a:t>[(1,0)(2,6)(3,5)]</a:t>
-            </a:r>
-          </a:p>
-          <a:p>
-            <a:r>
-              <a:rPr lang="en-US" sz="3200" dirty="0"/>
-              <a:t>secret share for p1 (</a:t>
-            </a:r>
-            <a:r>
-              <a:rPr lang="en-US" sz="3200" dirty="0" smtClean="0"/>
-              <a:t>s2)</a:t>
-            </a:r>
-            <a:endParaRPr lang="en-US" sz="3200" dirty="0"/>
-          </a:p>
-          <a:p>
-            <a:r>
-              <a:rPr lang="he-IL" sz="3200" dirty="0"/>
-              <a:t>[(1,5)(2,3)(3,1)]</a:t>
-            </a:r>
-          </a:p>
-          <a:p>
-            <a:r>
-              <a:rPr lang="en-US" sz="3200" dirty="0"/>
-              <a:t>secret share for p1 (</a:t>
-            </a:r>
-            <a:r>
-              <a:rPr lang="en-US" sz="3200" dirty="0" smtClean="0"/>
-              <a:t>s3)</a:t>
-            </a:r>
-            <a:endParaRPr lang="en-US" sz="3200" dirty="0"/>
-          </a:p>
-          <a:p>
-            <a:r>
-              <a:rPr lang="he-IL" sz="3200" dirty="0"/>
-              <a:t>[(1,4)(2,0)(3,3)]</a:t>
-            </a:r>
+            <a:pPr algn="l"/>
+            <a:r>
+              <a:rPr lang="en-US" dirty="0" smtClean="0">
+                <a:solidFill>
+                  <a:schemeClr val="tx1"/>
+                </a:solidFill>
+              </a:rPr>
+              <a:t>Useful for:</a:t>
+            </a:r>
+          </a:p>
+          <a:p>
+            <a:pPr marL="514350" indent="-514350" algn="l"/>
+            <a:r>
+              <a:rPr lang="en-US" dirty="0" smtClean="0">
+                <a:solidFill>
+                  <a:schemeClr val="tx1"/>
+                </a:solidFill>
+              </a:rPr>
+              <a:t>Knowing who is the winner in an election.</a:t>
+            </a:r>
+          </a:p>
+          <a:p>
+            <a:pPr marL="514350" indent="-514350" algn="l"/>
+            <a:r>
+              <a:rPr lang="en-US" dirty="0" smtClean="0">
+                <a:solidFill>
+                  <a:schemeClr val="tx1"/>
+                </a:solidFill>
+              </a:rPr>
+              <a:t>(Vector of bits)</a:t>
+            </a:r>
+            <a:endParaRPr lang="en-US" dirty="0">
+              <a:solidFill>
+                <a:schemeClr val="tx1"/>
+              </a:solidFill>
+            </a:endParaRPr>
           </a:p>
         </p:txBody>
       </p:sp>
     </p:spTree>
     <p:extLst>
       <p:ext uri="{BB962C8B-B14F-4D97-AF65-F5344CB8AC3E}">
-        <p14:creationId xmlns:p14="http://schemas.microsoft.com/office/powerpoint/2010/main" val="3481794422"/>
+        <p14:creationId xmlns:p14="http://schemas.microsoft.com/office/powerpoint/2010/main" val="813698840"/>
       </p:ext>
     </p:extLst>
   </p:cSld>
@@ -3965,8 +5071,8 @@
         </p:nvSpPr>
         <p:spPr>
           <a:xfrm>
-            <a:off x="335280" y="535376"/>
-            <a:ext cx="8625840" cy="1470025"/>
+            <a:off x="693465" y="0"/>
+            <a:ext cx="7772400" cy="1470025"/>
           </a:xfrm>
         </p:spPr>
         <p:txBody>
@@ -3975,7 +5081,7 @@
           <a:p>
             <a:r>
               <a:rPr lang="en-US" dirty="0" smtClean="0"/>
-              <a:t>Global agreement - Example</a:t>
+              <a:t>Frequency – implementation</a:t>
             </a:r>
             <a:endParaRPr lang="en-US" dirty="0"/>
           </a:p>
@@ -3983,14 +5089,14 @@
       </p:sp>
       <p:sp>
         <p:nvSpPr>
-          <p:cNvPr id="6" name="TextBox 5"/>
+          <p:cNvPr id="5" name="TextBox 4"/>
           <p:cNvSpPr txBox="1"/>
           <p:nvPr/>
         </p:nvSpPr>
         <p:spPr>
           <a:xfrm>
-            <a:off x="792480" y="2005400"/>
-            <a:ext cx="7528560" cy="1077218"/>
+            <a:off x="1143000" y="1470025"/>
+            <a:ext cx="6918960" cy="4893647"/>
           </a:xfrm>
           <a:prstGeom prst="rect">
             <a:avLst/>
@@ -4003,17 +5109,79 @@
           </a:bodyPr>
           <a:lstStyle/>
           <a:p>
-            <a:endParaRPr lang="he-IL" sz="3200" dirty="0" smtClean="0"/>
-          </a:p>
-          <a:p>
-            <a:endParaRPr lang="he-IL" sz="3200" dirty="0"/>
+            <a:r>
+              <a:rPr lang="en-US" sz="2400" dirty="0" smtClean="0"/>
+              <a:t>Phase 1 – input is Vector of integers. For each element(Candidate) run BGW with sum function.</a:t>
+            </a:r>
+          </a:p>
+          <a:p>
+            <a:r>
+              <a:rPr lang="en-US" sz="2400" dirty="0" smtClean="0"/>
+              <a:t>Phase 2 – input is vector of sum of votes for each candidate. V[</a:t>
+            </a:r>
+            <a:r>
+              <a:rPr lang="en-US" sz="2400" dirty="0" err="1" smtClean="0"/>
+              <a:t>i</a:t>
+            </a:r>
+            <a:r>
+              <a:rPr lang="en-US" sz="2400" dirty="0" smtClean="0"/>
+              <a:t>] is the sum for candidate </a:t>
+            </a:r>
+            <a:r>
+              <a:rPr lang="en-US" sz="2400" dirty="0" err="1" smtClean="0"/>
+              <a:t>i</a:t>
+            </a:r>
+            <a:r>
+              <a:rPr lang="en-US" sz="2400" dirty="0" smtClean="0"/>
+              <a:t>.</a:t>
+            </a:r>
+          </a:p>
+          <a:p>
+            <a:r>
+              <a:rPr lang="en-US" sz="2400" dirty="0" smtClean="0"/>
+              <a:t>From now on, no party (or t parties) can study anything from the Vector about the original secretes.</a:t>
+            </a:r>
+          </a:p>
+          <a:p>
+            <a:r>
+              <a:rPr lang="en-US" sz="2400" dirty="0" smtClean="0"/>
+              <a:t>Give V to one of the parties. He will calculates the maximum of V.</a:t>
+            </a:r>
+          </a:p>
+          <a:p>
+            <a:r>
+              <a:rPr lang="en-US" sz="2400" dirty="0" smtClean="0"/>
+              <a:t>Phase 3 – input – V(the sum vector), and the maximum.  Compare (binary Compare) the maximum for each V[</a:t>
+            </a:r>
+            <a:r>
+              <a:rPr lang="en-US" sz="2400" dirty="0" err="1" smtClean="0"/>
+              <a:t>i</a:t>
+            </a:r>
+            <a:r>
+              <a:rPr lang="en-US" sz="2400" dirty="0" smtClean="0"/>
+              <a:t>]. If match found – return </a:t>
+            </a:r>
+            <a:r>
+              <a:rPr lang="en-US" sz="2400" dirty="0" err="1" smtClean="0"/>
+              <a:t>i</a:t>
+            </a:r>
+            <a:r>
+              <a:rPr lang="en-US" sz="2400" dirty="0" smtClean="0"/>
+              <a:t>. </a:t>
+            </a:r>
+          </a:p>
+          <a:p>
+            <a:endParaRPr lang="en-US" sz="2400" dirty="0" smtClean="0"/>
+          </a:p>
+          <a:p>
+            <a:endParaRPr lang="he-IL" sz="2400" dirty="0"/>
           </a:p>
         </p:txBody>
       </p:sp>
     </p:spTree>
     <p:extLst>
       <p:ext uri="{BB962C8B-B14F-4D97-AF65-F5344CB8AC3E}">
-        <p14:creationId xmlns:p14="http://schemas.microsoft.com/office/powerpoint/2010/main" val="2087727253"/>
+        <p14:creationId xmlns:p14="http://schemas.microsoft.com/office/powerpoint/2010/main" val="813698840"/>
       </p:ext>
     </p:extLst>
   </p:cSld>
@@ -4059,7 +5227,7 @@
         </p:nvSpPr>
         <p:spPr>
           <a:xfrm>
-            <a:off x="693465" y="267335"/>
+            <a:off x="693465" y="0"/>
             <a:ext cx="7772400" cy="1470025"/>
           </a:xfrm>
         </p:spPr>
@@ -4069,77 +5237,16 @@
           <a:p>
             <a:r>
               <a:rPr lang="en-US" dirty="0" smtClean="0"/>
-              <a:t>Frequency - Motivation</a:t>
+              <a:t>Frequency – implementation</a:t>
             </a:r>
             <a:endParaRPr lang="en-US" dirty="0"/>
-          </a:p>
-        </p:txBody>
-      </p:sp>
-      <p:sp>
-        <p:nvSpPr>
-          <p:cNvPr id="3" name="Subtitle 2"/>
-          <p:cNvSpPr>
-            <a:spLocks noGrp="1"/>
-          </p:cNvSpPr>
-          <p:nvPr>
-            <p:ph type="subTitle" idx="1"/>
-          </p:nvPr>
-        </p:nvSpPr>
-        <p:spPr>
-          <a:xfrm>
-            <a:off x="693465" y="1737360"/>
-            <a:ext cx="7581855" cy="2515985"/>
-          </a:xfrm>
-        </p:spPr>
-        <p:txBody>
-          <a:bodyPr>
-            <a:normAutofit/>
-          </a:bodyPr>
-          <a:lstStyle/>
-          <a:p>
-            <a:pPr algn="l"/>
-            <a:r>
-              <a:rPr lang="en-US" dirty="0" smtClean="0">
-                <a:solidFill>
-                  <a:schemeClr val="tx1"/>
-                </a:solidFill>
-              </a:rPr>
-              <a:t>Useful for:</a:t>
-            </a:r>
-          </a:p>
-          <a:p>
-            <a:pPr marL="514350" indent="-514350" algn="l"/>
-            <a:r>
-              <a:rPr lang="en-US" dirty="0" smtClean="0">
-                <a:solidFill>
-                  <a:schemeClr val="tx1"/>
-                </a:solidFill>
-              </a:rPr>
-              <a:t>Knowing who is the winner in an election.</a:t>
-            </a:r>
-          </a:p>
-          <a:p>
-            <a:pPr marL="514350" indent="-514350" algn="l"/>
-            <a:r>
-              <a:rPr lang="en-US" dirty="0" smtClean="0">
-                <a:solidFill>
-                  <a:schemeClr val="tx1"/>
-                </a:solidFill>
-              </a:rPr>
-              <a:t>(Vector of bits)</a:t>
-            </a:r>
-            <a:endParaRPr lang="en-US" dirty="0">
-              <a:solidFill>
-                <a:schemeClr val="tx1"/>
-              </a:solidFill>
-            </a:endParaRPr>
           </a:p>
         </p:txBody>
       </p:sp>
     </p:spTree>
     <p:extLst>
       <p:ext uri="{BB962C8B-B14F-4D97-AF65-F5344CB8AC3E}">
-        <p14:creationId xmlns:p14="http://schemas.microsoft.com/office/powerpoint/2010/main" val="813698840"/>
+        <p14:creationId xmlns:p14="http://schemas.microsoft.com/office/powerpoint/2010/main" val="4115421829"/>
       </p:ext>
     </p:extLst>
   </p:cSld>
@@ -4180,135 +5287,47 @@
             <a:spLocks noGrp="1"/>
           </p:cNvSpPr>
           <p:nvPr>
-            <p:ph type="ctrTitle"/>
-          </p:nvPr>
-        </p:nvSpPr>
-        <p:spPr>
-          <a:xfrm>
-            <a:off x="693465" y="0"/>
-            <a:ext cx="7772400" cy="1470025"/>
-          </a:xfrm>
-        </p:spPr>
-        <p:txBody>
-          <a:bodyPr/>
-          <a:lstStyle/>
-          <a:p>
-            <a:r>
-              <a:rPr lang="en-US" dirty="0" smtClean="0"/>
-              <a:t>Frequency – implementation</a:t>
-            </a:r>
-            <a:endParaRPr lang="en-US" dirty="0"/>
-          </a:p>
-        </p:txBody>
-      </p:sp>
-      <p:sp>
-        <p:nvSpPr>
-          <p:cNvPr id="5" name="TextBox 4"/>
-          <p:cNvSpPr txBox="1"/>
-          <p:nvPr/>
-        </p:nvSpPr>
-        <p:spPr>
-          <a:xfrm>
-            <a:off x="1143000" y="1470025"/>
-            <a:ext cx="6918960" cy="4893647"/>
-          </a:xfrm>
-          <a:prstGeom prst="rect">
-            <a:avLst/>
-          </a:prstGeom>
-          <a:noFill/>
-        </p:spPr>
-        <p:txBody>
-          <a:bodyPr wrap="square" rtlCol="1">
-            <a:spAutoFit/>
-          </a:bodyPr>
-          <a:lstStyle/>
-          <a:p>
-            <a:r>
-              <a:rPr lang="en-US" sz="2400" dirty="0" smtClean="0"/>
-              <a:t>Phase 1 – input is Vector of integers. For each element(Candidate) run BGW with sum function.</a:t>
-            </a:r>
-          </a:p>
-          <a:p>
-            <a:r>
-              <a:rPr lang="en-US" sz="2400" dirty="0" smtClean="0"/>
-              <a:t>Phase 2 – input is vector of sum of votes for each candidate. V[</a:t>
-            </a:r>
-            <a:r>
-              <a:rPr lang="en-US" sz="2400" dirty="0" err="1" smtClean="0"/>
-              <a:t>i</a:t>
-            </a:r>
-            <a:r>
-              <a:rPr lang="en-US" sz="2400" dirty="0" smtClean="0"/>
-              <a:t>] is the sum for candidate </a:t>
-            </a:r>
-            <a:r>
-              <a:rPr lang="en-US" sz="2400" dirty="0" err="1" smtClean="0"/>
-              <a:t>i</a:t>
-            </a:r>
-            <a:r>
-              <a:rPr lang="en-US" sz="2400" dirty="0" smtClean="0"/>
-              <a:t>.</a:t>
-            </a:r>
-          </a:p>
-          <a:p>
-            <a:r>
-              <a:rPr lang="en-US" sz="2400" dirty="0" smtClean="0"/>
-              <a:t>From now on, no party (or t parties) can study anything from the Vector about the original secretes.</a:t>
-            </a:r>
-          </a:p>
-          <a:p>
-            <a:r>
-              <a:rPr lang="en-US" sz="2400" dirty="0" smtClean="0"/>
-              <a:t>Give V to one of the parties. He will calculates the maximum of V.</a:t>
-            </a:r>
-          </a:p>
-          <a:p>
-            <a:r>
-              <a:rPr lang="en-US" sz="2400" dirty="0" smtClean="0"/>
-              <a:t>Phase 3 – input – V(the sum vector), and the maximum.  Compare (binary Compare) the maximum for each V[</a:t>
-            </a:r>
-            <a:r>
-              <a:rPr lang="en-US" sz="2400" dirty="0" err="1" smtClean="0"/>
-              <a:t>i</a:t>
-            </a:r>
-            <a:r>
-              <a:rPr lang="en-US" sz="2400" dirty="0" smtClean="0"/>
-              <a:t>]. If match found – return </a:t>
-            </a:r>
-            <a:r>
-              <a:rPr lang="en-US" sz="2400" dirty="0" err="1" smtClean="0"/>
-              <a:t>i</a:t>
-            </a:r>
-            <a:r>
-              <a:rPr lang="en-US" sz="2400" dirty="0" smtClean="0"/>
-              <a:t>. </a:t>
-            </a:r>
-          </a:p>
-          <a:p>
-            <a:endParaRPr lang="en-US" sz="2400" dirty="0" smtClean="0"/>
-          </a:p>
-          <a:p>
-            <a:endParaRPr lang="he-IL" sz="2400" dirty="0"/>
+            <p:ph type="title"/>
+          </p:nvPr>
+        </p:nvSpPr>
+        <p:spPr/>
+        <p:txBody>
+          <a:bodyPr/>
+          <a:lstStyle/>
+          <a:p>
+            <a:endParaRPr lang="he-IL"/>
+          </a:p>
+        </p:txBody>
+      </p:sp>
+      <p:sp>
+        <p:nvSpPr>
+          <p:cNvPr id="3" name="Content Placeholder 2"/>
+          <p:cNvSpPr>
+            <a:spLocks noGrp="1"/>
+          </p:cNvSpPr>
+          <p:nvPr>
+            <p:ph idx="1"/>
+          </p:nvPr>
+        </p:nvSpPr>
+        <p:spPr/>
+        <p:txBody>
+          <a:bodyPr/>
+          <a:lstStyle/>
+          <a:p>
+            <a:endParaRPr lang="he-IL"/>
           </a:p>
         </p:txBody>
       </p:sp>
     </p:spTree>
     <p:extLst>
       <p:ext uri="{BB962C8B-B14F-4D97-AF65-F5344CB8AC3E}">
-        <p14:creationId xmlns:p14="http://schemas.microsoft.com/office/powerpoint/2010/main" val="813698840"/>
+        <p14:creationId xmlns:p14="http://schemas.microsoft.com/office/powerpoint/2010/main" val="2727165143"/>
       </p:ext>
     </p:extLst>
   </p:cSld>
   <p:clrMapOvr>
     <a:masterClrMapping/>
   </p:clrMapOvr>
-  <p:timing>
-    <p:tnLst>
-      <p:par>
-        <p:cTn id="1" dur="indefinite" restart="never" nodeType="tmRoot"/>
-      </p:par>
-    </p:tnLst>
-  </p:timing>
 </p:sld>
 </file>
 
@@ -4353,11 +5372,7 @@
           <a:p>
             <a:r>
               <a:rPr lang="en-US" dirty="0" smtClean="0"/>
-              <a:t>System Design &amp; </a:t>
-            </a:r>
-            <a:r>
-              <a:rPr lang="en-US" dirty="0" smtClean="0"/>
-              <a:t>implementation</a:t>
+              <a:t>System Design &amp; implementation</a:t>
             </a:r>
             <a:br>
               <a:rPr lang="en-US" dirty="0" smtClean="0"/>
@@ -4372,7 +5387,7 @@
       </p:sp>
       <p:pic>
         <p:nvPicPr>
-          <p:cNvPr id="3" name="Picture 2" descr="C:\Users\Etai\Desktop\class-diagram2.jpg"/>
+          <p:cNvPr id="1026" name="Picture 2" descr="C:\Users\Etai\Documents\לימודים\סמסטר ו'\פרוייקט קובי\class-diagram2.jpg"/>
           <p:cNvPicPr>
             <a:picLocks noChangeAspect="1" noChangeArrowheads="1"/>
           </p:cNvPicPr>
@@ -4393,8 +5408,8 @@
         </p:blipFill>
         <p:spPr bwMode="auto">
           <a:xfrm>
-            <a:off x="228600" y="1615440"/>
-            <a:ext cx="8915400" cy="4705350"/>
+            <a:off x="457200" y="1774950"/>
+            <a:ext cx="8515350" cy="4511550"/>
           </a:xfrm>
           <a:prstGeom prst="rect">
             <a:avLst/>
@@ -4494,7 +5509,7 @@
         </p:spPr>
         <p:txBody>
           <a:bodyPr>
-            <a:normAutofit/>
+            <a:normAutofit fontScale="92500" lnSpcReduction="20000"/>
           </a:bodyPr>
           <a:lstStyle/>
           <a:p>
@@ -4526,7 +5541,7 @@
             </a:r>
           </a:p>
           <a:p>
-            <a:pPr algn="l" rtl="0">
+            <a:pPr algn="l">
               <a:buFont typeface="Arial" pitchFamily="34" charset="0"/>
               <a:buChar char="•"/>
             </a:pPr>
@@ -4536,8 +5551,21 @@
                   <a:schemeClr val="tx1"/>
                 </a:solidFill>
               </a:rPr>
-              <a:t> Class Node contains:</a:t>
-            </a:r>
+              <a:t> Class </a:t>
+            </a:r>
+            <a:r>
+              <a:rPr lang="en-US" dirty="0" smtClean="0">
+                <a:solidFill>
+                  <a:schemeClr val="tx1"/>
+                </a:solidFill>
+              </a:rPr>
+              <a:t>Sextuple contains:</a:t>
+            </a:r>
+            <a:endParaRPr lang="en-US" dirty="0" smtClean="0">
+              <a:solidFill>
+                <a:schemeClr val="tx1"/>
+              </a:solidFill>
+            </a:endParaRPr>
           </a:p>
           <a:p>
             <a:pPr lvl="1" algn="l" rtl="0">
@@ -4550,8 +5578,21 @@
                   <a:schemeClr val="tx1"/>
                 </a:solidFill>
               </a:rPr>
-              <a:t> input vector.</a:t>
-            </a:r>
+              <a:t> </a:t>
+            </a:r>
+            <a:r>
+              <a:rPr lang="en-US" dirty="0" smtClean="0">
+                <a:solidFill>
+                  <a:schemeClr val="tx1"/>
+                </a:solidFill>
+              </a:rPr>
+              <a:t>Reference to gate.</a:t>
+            </a:r>
+            <a:endParaRPr lang="en-US" dirty="0" smtClean="0">
+              <a:solidFill>
+                <a:schemeClr val="tx1"/>
+              </a:solidFill>
+            </a:endParaRPr>
           </a:p>
           <a:p>
             <a:pPr lvl="1" algn="l" rtl="0">
@@ -4564,7 +5605,15 @@
                   <a:schemeClr val="tx1"/>
                 </a:solidFill>
               </a:rPr>
-              <a:t> result  - the result of the computation.</a:t>
+              <a:t> </a:t>
+            </a:r>
+            <a:r>
+              <a:rPr lang="en-US" dirty="0" smtClean="0">
+                <a:solidFill>
+                  <a:schemeClr val="tx1"/>
+                </a:solidFill>
+              </a:rPr>
+              <a:t>2-dimensions array of secret shares - input</a:t>
             </a:r>
           </a:p>
           <a:p>
@@ -4573,16 +5622,128 @@
               <a:buChar char="•"/>
             </a:pPr>
             <a:r>
+              <a:rPr lang="en-US" dirty="0">
+                <a:solidFill>
+                  <a:schemeClr val="tx1"/>
+                </a:solidFill>
+              </a:rPr>
+              <a:t> </a:t>
+            </a:r>
+            <a:r>
               <a:rPr lang="en-US" dirty="0" smtClean="0">
                 <a:solidFill>
                   <a:schemeClr val="tx1"/>
                 </a:solidFill>
               </a:rPr>
-              <a:t> output vector – vector of nodes(Gates) that will get the result after this computation.	</a:t>
-            </a:r>
-          </a:p>
-          <a:p>
-            <a:pPr algn="l" rtl="0">
+              <a:t>index of the gate</a:t>
+            </a:r>
+          </a:p>
+          <a:p>
+            <a:pPr lvl="1" algn="l" rtl="0">
+              <a:buFont typeface="Arial" pitchFamily="34" charset="0"/>
+              <a:buChar char="•"/>
+            </a:pPr>
+            <a:r>
+              <a:rPr lang="en-US" dirty="0">
+                <a:solidFill>
+                  <a:schemeClr val="tx1"/>
+                </a:solidFill>
+              </a:rPr>
+              <a:t> </a:t>
+            </a:r>
+            <a:r>
+              <a:rPr lang="en-US" dirty="0" smtClean="0">
+                <a:solidFill>
+                  <a:schemeClr val="tx1"/>
+                </a:solidFill>
+              </a:rPr>
+              <a:t>index of the output gate</a:t>
+            </a:r>
+          </a:p>
+          <a:p>
+            <a:pPr lvl="1" algn="l" rtl="0">
+              <a:buFont typeface="Arial" pitchFamily="34" charset="0"/>
+              <a:buChar char="•"/>
+            </a:pPr>
+            <a:r>
+              <a:rPr lang="en-US" dirty="0">
+                <a:solidFill>
+                  <a:schemeClr val="tx1"/>
+                </a:solidFill>
+              </a:rPr>
+              <a:t> </a:t>
+            </a:r>
+            <a:r>
+              <a:rPr lang="en-US" dirty="0" smtClean="0">
+                <a:solidFill>
+                  <a:schemeClr val="tx1"/>
+                </a:solidFill>
+              </a:rPr>
+              <a:t>type of the gate</a:t>
+            </a:r>
+          </a:p>
+          <a:p>
+            <a:pPr lvl="1" algn="l" rtl="0">
+              <a:buFont typeface="Arial" pitchFamily="34" charset="0"/>
+              <a:buChar char="•"/>
+            </a:pPr>
+            <a:r>
+              <a:rPr lang="en-US" dirty="0">
+                <a:solidFill>
+                  <a:schemeClr val="tx1"/>
+                </a:solidFill>
+              </a:rPr>
+              <a:t> </a:t>
+            </a:r>
+            <a:r>
+              <a:rPr lang="en-US" dirty="0" smtClean="0">
+                <a:solidFill>
+                  <a:schemeClr val="tx1"/>
+                </a:solidFill>
+              </a:rPr>
+              <a:t>array of secret share – output</a:t>
+            </a:r>
+          </a:p>
+          <a:p>
+            <a:pPr lvl="1" algn="l" rtl="0">
+              <a:buFont typeface="Arial" pitchFamily="34" charset="0"/>
+              <a:buChar char="•"/>
+            </a:pPr>
+            <a:r>
+              <a:rPr lang="en-US" dirty="0">
+                <a:solidFill>
+                  <a:schemeClr val="tx1"/>
+                </a:solidFill>
+              </a:rPr>
+              <a:t> </a:t>
+            </a:r>
+            <a:r>
+              <a:rPr lang="en-US" dirty="0" smtClean="0">
+                <a:solidFill>
+                  <a:schemeClr val="tx1"/>
+                </a:solidFill>
+              </a:rPr>
+              <a:t>constant – relevant only for </a:t>
+            </a:r>
+            <a:r>
+              <a:rPr lang="en-US" dirty="0" err="1" smtClean="0">
+                <a:solidFill>
+                  <a:schemeClr val="tx1"/>
+                </a:solidFill>
+              </a:rPr>
+              <a:t>constMult</a:t>
+            </a:r>
+            <a:r>
+              <a:rPr lang="en-US" dirty="0" smtClean="0">
+                <a:solidFill>
+                  <a:schemeClr val="tx1"/>
+                </a:solidFill>
+              </a:rPr>
+              <a:t> gate </a:t>
+            </a:r>
+          </a:p>
+          <a:p>
+            <a:pPr lvl="1" algn="l" rtl="0">
               <a:buFont typeface="Arial" pitchFamily="34" charset="0"/>
               <a:buChar char="•"/>
             </a:pPr>
@@ -4678,14 +5839,19 @@
         <p:spPr/>
         <p:txBody>
           <a:bodyPr>
-            <a:normAutofit fontScale="92500" lnSpcReduction="10000"/>
+            <a:normAutofit lnSpcReduction="10000"/>
           </a:bodyPr>
           <a:lstStyle/>
           <a:p>
             <a:r>
               <a:rPr lang="en-US" dirty="0" smtClean="0"/>
-              <a:t>Define a topological sort on the graph to solve synchronization problems.</a:t>
-            </a:r>
+              <a:t>Define a topological sort on the graph to solve synchronization </a:t>
+            </a:r>
+            <a:r>
+              <a:rPr lang="en-US" dirty="0" smtClean="0"/>
+              <a:t>problems (done by the programmer).</a:t>
+            </a:r>
+            <a:endParaRPr lang="en-US" dirty="0" smtClean="0"/>
           </a:p>
           <a:p>
             <a:r>
@@ -4696,27 +5862,43 @@
           <a:p>
             <a:r>
               <a:rPr lang="en-US" dirty="0" smtClean="0"/>
-              <a:t>Three phases:</a:t>
-            </a:r>
-          </a:p>
-          <a:p>
+              <a:t>Three phases</a:t>
+            </a:r>
             <a:r>
               <a:rPr lang="en-US" dirty="0" smtClean="0"/>
-              <a:t>Input phase – build t-out-of-n secret sharing for each secret. (known n and t).</a:t>
-            </a:r>
-          </a:p>
-          <a:p>
+              <a:t>:</a:t>
+            </a:r>
+          </a:p>
+          <a:p>
+            <a:pPr lvl="1">
+              <a:buFont typeface="Arial" pitchFamily="34" charset="0"/>
+              <a:buChar char="•"/>
+            </a:pPr>
             <a:r>
               <a:rPr lang="en-US" dirty="0" smtClean="0"/>
-              <a:t>Computation phase – compute the graph.</a:t>
-            </a:r>
-          </a:p>
-          <a:p>
+              <a:t>Calculation</a:t>
+            </a:r>
+          </a:p>
+          <a:p>
+            <a:pPr lvl="1">
+              <a:buFont typeface="Arial" pitchFamily="34" charset="0"/>
+              <a:buChar char="•"/>
+            </a:pPr>
             <a:r>
               <a:rPr lang="en-US" dirty="0" smtClean="0"/>
-              <a:t>Output phase – construct the output by LaGrange interpolation. </a:t>
-            </a:r>
-            <a:endParaRPr lang="he-IL" dirty="0"/>
+              <a:t>Update output</a:t>
+            </a:r>
+          </a:p>
+          <a:p>
+            <a:pPr lvl="1">
+              <a:buFont typeface="Arial" pitchFamily="34" charset="0"/>
+              <a:buChar char="•"/>
+            </a:pPr>
+            <a:r>
+              <a:rPr lang="en-US" dirty="0" smtClean="0"/>
+              <a:t>Update next sextuple input</a:t>
+            </a:r>
+            <a:endParaRPr lang="en-US" dirty="0" smtClean="0"/>
           </a:p>
         </p:txBody>
       </p:sp>
@@ -4769,7 +5951,7 @@
           <a:p>
             <a:r>
               <a:rPr lang="en-US" dirty="0" smtClean="0"/>
-              <a:t>Gates</a:t>
+              <a:t>Functions</a:t>
             </a:r>
             <a:endParaRPr lang="he-IL" dirty="0"/>
           </a:p>
@@ -4792,50 +5974,22 @@
           <a:p>
             <a:r>
               <a:rPr lang="en-US" dirty="0" smtClean="0"/>
-              <a:t>Arithmetic gates:</a:t>
-            </a:r>
-          </a:p>
-          <a:p>
-            <a:pPr>
-              <a:buNone/>
-            </a:pPr>
+              <a:t>Average.</a:t>
+            </a:r>
+          </a:p>
+          <a:p>
             <a:r>
               <a:rPr lang="en-US" dirty="0" smtClean="0"/>
-              <a:t>	using addition and multiplication gates.</a:t>
-            </a:r>
-          </a:p>
-          <a:p>
-            <a:pPr>
-              <a:buNone/>
-            </a:pPr>
+              <a:t>Global Agreement.</a:t>
+            </a:r>
+          </a:p>
+          <a:p>
             <a:r>
               <a:rPr lang="en-US" dirty="0" smtClean="0"/>
-              <a:t>	input is algebraic representation. </a:t>
-            </a:r>
-          </a:p>
-          <a:p>
-            <a:r>
-              <a:rPr lang="en-US" dirty="0" smtClean="0"/>
-              <a:t>Boolean gates:</a:t>
-            </a:r>
-          </a:p>
-          <a:p>
-            <a:pPr>
-              <a:buNone/>
-            </a:pPr>
-            <a:r>
-              <a:rPr lang="en-US" dirty="0" smtClean="0"/>
-              <a:t>	using And / Or / Not gates.</a:t>
-            </a:r>
-          </a:p>
-          <a:p>
-            <a:pPr>
-              <a:buNone/>
-            </a:pPr>
-            <a:r>
-              <a:rPr lang="en-US" dirty="0" smtClean="0"/>
-              <a:t>	input is BitSet Representation.</a:t>
-            </a:r>
+              <a:t>Frequency.</a:t>
+            </a:r>
+          </a:p>
+          <a:p>
             <a:endParaRPr lang="he-IL" dirty="0"/>
           </a:p>
         </p:txBody>
@@ -4879,13 +6033,13 @@
             <a:spLocks noGrp="1"/>
           </p:cNvSpPr>
           <p:nvPr>
-            <p:ph type="title"/>
+            <p:ph type="ctrTitle"/>
           </p:nvPr>
         </p:nvSpPr>
         <p:spPr>
           <a:xfrm>
-            <a:off x="457200" y="-296862"/>
-            <a:ext cx="8229600" cy="1143000"/>
+            <a:off x="693465" y="182880"/>
+            <a:ext cx="7772400" cy="1470025"/>
           </a:xfrm>
         </p:spPr>
         <p:txBody>
@@ -4893,37 +6047,102 @@
           <a:lstStyle/>
           <a:p>
             <a:r>
-              <a:rPr lang="en-US" sz="2800" dirty="0" smtClean="0"/>
-              <a:t>Example</a:t>
-            </a:r>
-            <a:endParaRPr lang="he-IL" dirty="0"/>
-          </a:p>
-        </p:txBody>
-      </p:sp>
-      <p:pic>
-        <p:nvPicPr>
-          <p:cNvPr id="6" name="Content Placeholder 5" descr="mult example.jpg"/>
-          <p:cNvPicPr>
-            <a:picLocks noGrp="1" noChangeAspect="1"/>
-          </p:cNvPicPr>
-          <p:nvPr>
-            <p:ph idx="1"/>
-          </p:nvPr>
-        </p:nvPicPr>
-        <p:blipFill>
-          <a:blip r:embed="rId2"/>
-          <a:stretch>
-            <a:fillRect/>
-          </a:stretch>
-        </p:blipFill>
+              <a:rPr lang="en-US" dirty="0" smtClean="0"/>
+              <a:t>Average - motivation</a:t>
+            </a:r>
+            <a:endParaRPr lang="en-US" dirty="0"/>
+          </a:p>
+        </p:txBody>
+      </p:sp>
+      <p:sp>
+        <p:nvSpPr>
+          <p:cNvPr id="3" name="Subtitle 2"/>
+          <p:cNvSpPr>
+            <a:spLocks noGrp="1"/>
+          </p:cNvSpPr>
+          <p:nvPr>
+            <p:ph type="subTitle" idx="1"/>
+          </p:nvPr>
+        </p:nvSpPr>
         <p:spPr>
           <a:xfrm>
-            <a:off x="0" y="441960"/>
-            <a:ext cx="8686800" cy="6416040"/>
+            <a:off x="457201" y="1652905"/>
+            <a:ext cx="7315200" cy="4273479"/>
           </a:xfrm>
         </p:spPr>
-      </p:pic>
+        <p:txBody>
+          <a:bodyPr>
+            <a:noAutofit/>
+          </a:bodyPr>
+          <a:lstStyle/>
+          <a:p>
+            <a:pPr algn="l">
+              <a:buFont typeface="Arial" pitchFamily="34" charset="0"/>
+              <a:buChar char="•"/>
+            </a:pPr>
+            <a:r>
+              <a:rPr lang="en-US" sz="2800" dirty="0" smtClean="0">
+                <a:solidFill>
+                  <a:schemeClr val="tx1"/>
+                </a:solidFill>
+              </a:rPr>
+              <a:t>     Useful for:</a:t>
+            </a:r>
+          </a:p>
+          <a:p>
+            <a:pPr marL="514350" indent="-514350" algn="l">
+              <a:buAutoNum type="arabicPeriod"/>
+            </a:pPr>
+            <a:r>
+              <a:rPr lang="en-US" sz="2800" dirty="0" smtClean="0">
+                <a:solidFill>
+                  <a:schemeClr val="tx1"/>
+                </a:solidFill>
+              </a:rPr>
+              <a:t>Average of a course, without knowing other peoples grades.</a:t>
+            </a:r>
+          </a:p>
+          <a:p>
+            <a:pPr marL="514350" indent="-514350" algn="l">
+              <a:buAutoNum type="arabicPeriod"/>
+            </a:pPr>
+            <a:r>
+              <a:rPr lang="en-US" sz="2800" dirty="0" smtClean="0">
+                <a:solidFill>
+                  <a:schemeClr val="tx1"/>
+                </a:solidFill>
+              </a:rPr>
+              <a:t>Average Salaries in a company, without knowing the other employees salaries.</a:t>
+            </a:r>
+          </a:p>
+          <a:p>
+            <a:pPr marL="514350" indent="-514350" algn="l">
+              <a:buAutoNum type="arabicPeriod"/>
+            </a:pPr>
+            <a:endParaRPr lang="en-US" sz="2800" dirty="0" smtClean="0">
+              <a:solidFill>
+                <a:schemeClr val="tx1"/>
+              </a:solidFill>
+            </a:endParaRPr>
+          </a:p>
+          <a:p>
+            <a:pPr marL="514350" indent="-514350" algn="l">
+              <a:buAutoNum type="arabicPeriod"/>
+            </a:pPr>
+            <a:endParaRPr lang="en-US" sz="2800" dirty="0">
+              <a:solidFill>
+                <a:schemeClr val="tx1"/>
+              </a:solidFill>
+            </a:endParaRPr>
+          </a:p>
+        </p:txBody>
+      </p:sp>
     </p:spTree>
+    <p:extLst>
+      <p:ext uri="{BB962C8B-B14F-4D97-AF65-F5344CB8AC3E}">
+        <p14:creationId xmlns:p14="http://schemas.microsoft.com/office/powerpoint/2010/main" val="3509708932"/>
+      </p:ext>
+    </p:extLst>
   </p:cSld>
   <p:clrMapOvr>
     <a:masterClrMapping/>
@@ -4962,60 +6181,75 @@
             <a:spLocks noGrp="1"/>
           </p:cNvSpPr>
           <p:nvPr>
-            <p:ph type="title"/>
-          </p:nvPr>
-        </p:nvSpPr>
-        <p:spPr/>
+            <p:ph type="ctrTitle"/>
+          </p:nvPr>
+        </p:nvSpPr>
+        <p:spPr>
+          <a:xfrm>
+            <a:off x="693465" y="535376"/>
+            <a:ext cx="7772400" cy="1470025"/>
+          </a:xfrm>
+        </p:spPr>
         <p:txBody>
           <a:bodyPr/>
           <a:lstStyle/>
           <a:p>
             <a:r>
               <a:rPr lang="en-US" dirty="0" smtClean="0"/>
-              <a:t>Functions</a:t>
-            </a:r>
-            <a:endParaRPr lang="he-IL" dirty="0"/>
-          </a:p>
-        </p:txBody>
-      </p:sp>
-      <p:sp>
-        <p:nvSpPr>
-          <p:cNvPr id="3" name="Content Placeholder 2"/>
-          <p:cNvSpPr>
-            <a:spLocks noGrp="1"/>
-          </p:cNvSpPr>
-          <p:nvPr>
-            <p:ph idx="1"/>
-          </p:nvPr>
-        </p:nvSpPr>
-        <p:spPr/>
-        <p:txBody>
-          <a:bodyPr/>
-          <a:lstStyle/>
-          <a:p>
-            <a:r>
-              <a:rPr lang="en-US" dirty="0" smtClean="0"/>
-              <a:t>Average.</a:t>
-            </a:r>
-          </a:p>
-          <a:p>
-            <a:r>
-              <a:rPr lang="en-US" dirty="0" smtClean="0"/>
-              <a:t>Global Agreement.</a:t>
-            </a:r>
-          </a:p>
-          <a:p>
-            <a:r>
-              <a:rPr lang="en-US" dirty="0" smtClean="0"/>
-              <a:t>Frequency.</a:t>
-            </a:r>
-          </a:p>
-          <a:p>
-            <a:endParaRPr lang="he-IL" dirty="0"/>
+              <a:t>Average - implementation</a:t>
+            </a:r>
+            <a:endParaRPr lang="en-US" dirty="0"/>
+          </a:p>
+        </p:txBody>
+      </p:sp>
+      <p:sp>
+        <p:nvSpPr>
+          <p:cNvPr id="4" name="TextBox 3"/>
+          <p:cNvSpPr txBox="1"/>
+          <p:nvPr/>
+        </p:nvSpPr>
+        <p:spPr>
+          <a:xfrm>
+            <a:off x="693465" y="2005401"/>
+            <a:ext cx="7772400" cy="2554545"/>
+          </a:xfrm>
+          <a:prstGeom prst="rect">
+            <a:avLst/>
+          </a:prstGeom>
+          <a:noFill/>
+        </p:spPr>
+        <p:txBody>
+          <a:bodyPr wrap="square" rtlCol="1">
+            <a:spAutoFit/>
+          </a:bodyPr>
+          <a:lstStyle/>
+          <a:p>
+            <a:r>
+              <a:rPr lang="en-US" sz="3200" dirty="0" smtClean="0"/>
+              <a:t>Average function represents by arithmetic gates:</a:t>
+            </a:r>
+          </a:p>
+          <a:p>
+            <a:r>
+              <a:rPr lang="en-US" sz="3200" dirty="0" smtClean="0"/>
+              <a:t>level one - Addition gates.</a:t>
+            </a:r>
+          </a:p>
+          <a:p>
+            <a:r>
+              <a:rPr lang="en-US" sz="3200" dirty="0" smtClean="0"/>
+              <a:t>Level 2 – single multiplication gate of level one’s result and constant (1/n).</a:t>
+            </a:r>
+            <a:endParaRPr lang="he-IL" sz="3200" dirty="0"/>
           </a:p>
         </p:txBody>
       </p:sp>
     </p:spTree>
+    <p:extLst>
+      <p:ext uri="{BB962C8B-B14F-4D97-AF65-F5344CB8AC3E}">
+        <p14:creationId xmlns:p14="http://schemas.microsoft.com/office/powerpoint/2010/main" val="3509708932"/>
+      </p:ext>
+    </p:extLst>
   </p:cSld>
   <p:clrMapOvr>
     <a:masterClrMapping/>
@@ -5059,7 +6293,7 @@
         </p:nvSpPr>
         <p:spPr>
           <a:xfrm>
-            <a:off x="693465" y="182880"/>
+            <a:off x="693465" y="535376"/>
             <a:ext cx="7772400" cy="1470025"/>
           </a:xfrm>
         </p:spPr>
@@ -5069,7 +6303,7 @@
           <a:p>
             <a:r>
               <a:rPr lang="en-US" dirty="0" smtClean="0"/>
-              <a:t>Average - motivation</a:t>
+              <a:t>Average – Example</a:t>
             </a:r>
             <a:endParaRPr lang="en-US" dirty="0"/>
           </a:p>
@@ -5077,91 +6311,106 @@
       </p:sp>
       <p:sp>
         <p:nvSpPr>
-          <p:cNvPr id="3" name="Subtitle 2"/>
-          <p:cNvSpPr>
-            <a:spLocks noGrp="1"/>
-          </p:cNvSpPr>
-          <p:nvPr>
-            <p:ph type="subTitle" idx="1"/>
-          </p:nvPr>
+          <p:cNvPr id="4" name="TextBox 3"/>
+          <p:cNvSpPr txBox="1"/>
+          <p:nvPr/>
         </p:nvSpPr>
         <p:spPr>
           <a:xfrm>
-            <a:off x="457201" y="1652905"/>
-            <a:ext cx="7315200" cy="4273479"/>
+            <a:off x="693465" y="2005401"/>
+            <a:ext cx="7772400" cy="4524315"/>
           </a:xfrm>
+          <a:prstGeom prst="rect">
+            <a:avLst/>
+          </a:prstGeom>
+          <a:noFill/>
         </p:spPr>
         <p:txBody>
-          <a:bodyPr>
-            <a:noAutofit/>
+          <a:bodyPr wrap="square" rtlCol="1">
+            <a:spAutoFit/>
           </a:bodyPr>
           <a:lstStyle/>
           <a:p>
-            <a:pPr algn="l">
-              <a:buFont typeface="Arial" pitchFamily="34" charset="0"/>
-              <a:buChar char="•"/>
-            </a:pPr>
-            <a:r>
-              <a:rPr lang="en-US" sz="2800" dirty="0" smtClean="0">
-                <a:solidFill>
-                  <a:schemeClr val="tx1"/>
-                </a:solidFill>
-              </a:rPr>
-              <a:t>     Useful for:</a:t>
-            </a:r>
-          </a:p>
-          <a:p>
-            <a:pPr marL="514350" indent="-514350" algn="l">
-              <a:buAutoNum type="arabicPeriod"/>
-            </a:pPr>
-            <a:r>
-              <a:rPr lang="en-US" sz="2800" dirty="0" smtClean="0">
-                <a:solidFill>
-                  <a:schemeClr val="tx1"/>
-                </a:solidFill>
-              </a:rPr>
-              <a:t>Average of a course, without knowing other peoples grades.</a:t>
-            </a:r>
-          </a:p>
-          <a:p>
-            <a:pPr marL="514350" indent="-514350" algn="l">
-              <a:buAutoNum type="arabicPeriod"/>
-            </a:pPr>
-            <a:r>
-              <a:rPr lang="en-US" sz="2800" dirty="0" smtClean="0">
-                <a:solidFill>
-                  <a:schemeClr val="tx1"/>
-                </a:solidFill>
-              </a:rPr>
-              <a:t>Average Salaries in a company, without knowing the other employees salaries.</a:t>
-            </a:r>
-          </a:p>
-          <a:p>
-            <a:pPr marL="514350" indent="-514350" algn="l">
-              <a:buAutoNum type="arabicPeriod"/>
-            </a:pPr>
-            <a:endParaRPr lang="en-US" sz="2800" dirty="0" smtClean="0">
-              <a:solidFill>
-                <a:schemeClr val="tx1"/>
-              </a:solidFill>
-            </a:endParaRPr>
-          </a:p>
-          <a:p>
-            <a:pPr marL="514350" indent="-514350" algn="l">
-              <a:buAutoNum type="arabicPeriod"/>
-            </a:pPr>
-            <a:endParaRPr lang="en-US" sz="2800" dirty="0">
-              <a:solidFill>
-                <a:schemeClr val="tx1"/>
-              </a:solidFill>
-            </a:endParaRPr>
+            <a:r>
+              <a:rPr lang="en-US" sz="3200" dirty="0" smtClean="0"/>
+              <a:t>3 secrets – s1=1, s2=2, s3=3.</a:t>
+            </a:r>
+          </a:p>
+          <a:p>
+            <a:r>
+              <a:rPr lang="en-US" sz="3200" dirty="0" smtClean="0"/>
+              <a:t>T=1, n  = 3, field = 7.</a:t>
+            </a:r>
+          </a:p>
+          <a:p>
+            <a:endParaRPr lang="en-US" sz="3200" dirty="0" smtClean="0"/>
+          </a:p>
+          <a:p>
+            <a:r>
+              <a:rPr lang="en-US" sz="3200" dirty="0"/>
+              <a:t>secret share for p1 (</a:t>
+            </a:r>
+            <a:r>
+              <a:rPr lang="en-US" sz="3200" dirty="0" smtClean="0"/>
+              <a:t>s1</a:t>
+            </a:r>
+            <a:r>
+              <a:rPr lang="en-US" sz="3200" dirty="0"/>
+              <a:t>)</a:t>
+            </a:r>
+          </a:p>
+          <a:p>
+            <a:r>
+              <a:rPr lang="he-IL" sz="3200" dirty="0"/>
+              <a:t>[(1,0)(2,6)(3,5)]</a:t>
+            </a:r>
+          </a:p>
+          <a:p>
+            <a:r>
+              <a:rPr lang="en-US" sz="3200" dirty="0"/>
+              <a:t>secret share for p1 (</a:t>
+            </a:r>
+            <a:r>
+              <a:rPr lang="en-US" sz="3200" dirty="0" smtClean="0"/>
+              <a:t>s2</a:t>
+            </a:r>
+            <a:r>
+              <a:rPr lang="en-US" sz="3200" dirty="0"/>
+              <a:t>)</a:t>
+            </a:r>
+          </a:p>
+          <a:p>
+            <a:r>
+              <a:rPr lang="he-IL" sz="3200" dirty="0"/>
+              <a:t>[(1,0)(2,5)(3,3)]</a:t>
+            </a:r>
+          </a:p>
+          <a:p>
+            <a:r>
+              <a:rPr lang="en-US" sz="3200" dirty="0"/>
+              <a:t>secret share for p1 (</a:t>
+            </a:r>
+            <a:r>
+              <a:rPr lang="en-US" sz="3200" dirty="0" smtClean="0"/>
+              <a:t>s3</a:t>
+            </a:r>
+            <a:r>
+              <a:rPr lang="en-US" sz="3200" dirty="0"/>
+              <a:t>)</a:t>
+            </a:r>
+          </a:p>
+          <a:p>
+            <a:r>
+              <a:rPr lang="he-IL" sz="3200" dirty="0"/>
+              <a:t>[(1,5)(2,0)(3,2)]</a:t>
+            </a:r>
           </a:p>
         </p:txBody>
       </p:sp>
     </p:spTree>
     <p:extLst>
       <p:ext uri="{BB962C8B-B14F-4D97-AF65-F5344CB8AC3E}">
-        <p14:creationId xmlns:p14="http://schemas.microsoft.com/office/powerpoint/2010/main" val="3509708932"/>
+        <p14:creationId xmlns:p14="http://schemas.microsoft.com/office/powerpoint/2010/main" val="578136230"/>
       </p:ext>
     </p:extLst>
   </p:cSld>
@@ -5217,7 +6466,7 @@
           <a:p>
             <a:r>
               <a:rPr lang="en-US" dirty="0" smtClean="0"/>
-              <a:t>Average - implementation</a:t>
+              <a:t>Average – Example</a:t>
             </a:r>
             <a:endParaRPr lang="en-US" dirty="0"/>
           </a:p>
@@ -5232,7 +6481,7 @@
         <p:spPr>
           <a:xfrm>
             <a:off x="693465" y="2005401"/>
-            <a:ext cx="7772400" cy="2554545"/>
+            <a:ext cx="7772400" cy="3539430"/>
           </a:xfrm>
           <a:prstGeom prst="rect">
             <a:avLst/>
@@ -5247,19 +6496,40 @@
           <a:p>
             <a:r>
               <a:rPr lang="en-US" sz="3200" dirty="0" smtClean="0"/>
-              <a:t>Average function represents by arithmetic gates:</a:t>
+              <a:t>Local computation (addition gates):</a:t>
             </a:r>
           </a:p>
           <a:p>
             <a:r>
               <a:rPr lang="en-US" sz="3200" dirty="0" smtClean="0"/>
-              <a:t>level one - Addition gates.</a:t>
+              <a:t>P1 = [3,5]</a:t>
             </a:r>
           </a:p>
           <a:p>
             <a:r>
               <a:rPr lang="en-US" sz="3200" dirty="0" smtClean="0"/>
-              <a:t>Level 2 – single multiplication gate of level one’s result and constant (1/n).</a:t>
+              <a:t>P2 = [6,4]</a:t>
+            </a:r>
+          </a:p>
+          <a:p>
+            <a:r>
+              <a:rPr lang="en-US" sz="3200" dirty="0" smtClean="0"/>
+              <a:t>P3 = [2,3]</a:t>
+            </a:r>
+          </a:p>
+          <a:p>
+            <a:endParaRPr lang="en-US" sz="3200" dirty="0"/>
+          </a:p>
+          <a:p>
+            <a:r>
+              <a:rPr lang="en-US" sz="3200" dirty="0" smtClean="0"/>
+              <a:t>Result = -54/12 (mod 7) = 6</a:t>
+            </a:r>
+          </a:p>
+          <a:p>
+            <a:r>
+              <a:rPr lang="en-US" sz="3200" dirty="0" smtClean="0"/>
+              <a:t>And the average is 6/3(mod 7) = 2</a:t>
             </a:r>
             <a:endParaRPr lang="he-IL" sz="3200" dirty="0"/>
           </a:p>
@@ -5268,7 +6538,7 @@
     </p:spTree>
     <p:extLst>
       <p:ext uri="{BB962C8B-B14F-4D97-AF65-F5344CB8AC3E}">
-        <p14:creationId xmlns:p14="http://schemas.microsoft.com/office/powerpoint/2010/main" val="3509708932"/>
+        <p14:creationId xmlns:p14="http://schemas.microsoft.com/office/powerpoint/2010/main" val="1819452929"/>
       </p:ext>
     </p:extLst>
   </p:cSld>
@@ -5603,4 +6873,289 @@
   </a:objectDefaults>
   <a:extraClrSchemeLst/>
 </a:theme>
+</file>
+
+<file path=ppt/theme/theme2.xml><?xml version="1.0" encoding="utf-8"?>
+<a:theme xmlns:a="http://schemas.openxmlformats.org/drawingml/2006/main" name="Office Theme">
+  <a:themeElements>
+    <a:clrScheme name="Office">
+      <a:dk1>
+        <a:sysClr val="windowText" lastClr="000000"/>
+      </a:dk1>
+      <a:lt1>
+        <a:sysClr val="window" lastClr="FFFFFF"/>
+      </a:lt1>
+      <a:dk2>
+        <a:srgbClr val="1F497D"/>
+      </a:dk2>
+      <a:lt2>
+        <a:srgbClr val="EEECE1"/>
+      </a:lt2>
+      <a:accent1>
+        <a:srgbClr val="4F81BD"/>
+      </a:accent1>
+      <a:accent2>
+        <a:srgbClr val="C0504D"/>
+      </a:accent2>
+      <a:accent3>
+        <a:srgbClr val="9BBB59"/>
+      </a:accent3>
+      <a:accent4>
+        <a:srgbClr val="8064A2"/>
+      </a:accent4>
+      <a:accent5>
+        <a:srgbClr val="4BACC6"/>
+      </a:accent5>
+      <a:accent6>
+        <a:srgbClr val="F79646"/>
+      </a:accent6>
+      <a:hlink>
+        <a:srgbClr val="0000FF"/>
+      </a:hlink>
+      <a:folHlink>
+        <a:srgbClr val="800080"/>
+      </a:folHlink>
+    </a:clrScheme>
+    <a:fontScheme name="Office">
+      <a:majorFont>
+        <a:latin typeface="Calibri"/>
+        <a:ea typeface=""/>
+        <a:cs typeface=""/>
+        <a:font script="Jpan" typeface="ＭＳ Ｐゴシック"/>
+        <a:font script="Hang" typeface="맑은 고딕"/>
+        <a:font script="Hans" typeface="宋体"/>
+        <a:font script="Hant" typeface="新細明體"/>
+        <a:font script="Arab" typeface="Times New Roman"/>
+        <a:font script="Hebr" typeface="Times New Roman"/>
+        <a:font script="Thai" typeface="Angsana New"/>
+        <a:font script="Ethi" typeface="Nyala"/>
+        <a:font script="Beng" typeface="Vrinda"/>
+        <a:font script="Gujr" typeface="Shruti"/>
+        <a:font script="Khmr" typeface="MoolBoran"/>
+        <a:font script="Knda" typeface="Tunga"/>
+        <a:font script="Guru" typeface="Raavi"/>
+        <a:font script="Cans" typeface="Euphemia"/>
+        <a:font script="Cher" typeface="Plantagenet Cherokee"/>
+        <a:font script="Yiii" typeface="Microsoft Yi Baiti"/>
+        <a:font script="Tibt" typeface="Microsoft Himalaya"/>
+        <a:font script="Thaa" typeface="MV Boli"/>
+        <a:font script="Deva" typeface="Mangal"/>
+        <a:font script="Telu" typeface="Gautami"/>
+        <a:font script="Taml" typeface="Latha"/>
+        <a:font script="Syrc" typeface="Estrangelo Edessa"/>
+        <a:font script="Orya" typeface="Kalinga"/>
+        <a:font script="Mlym" typeface="Kartika"/>
+        <a:font script="Laoo" typeface="DokChampa"/>
+        <a:font script="Sinh" typeface="Iskoola Pota"/>
+        <a:font script="Mong" typeface="Mongolian Baiti"/>
+        <a:font script="Viet" typeface="Times New Roman"/>
+        <a:font script="Uigh" typeface="Microsoft Uighur"/>
+        <a:font script="Geor" typeface="Sylfaen"/>
+      </a:majorFont>
+      <a:minorFont>
+        <a:latin typeface="Calibri"/>
+        <a:ea typeface=""/>
+        <a:cs typeface=""/>
+        <a:font script="Jpan" typeface="ＭＳ Ｐゴシック"/>
+        <a:font script="Hang" typeface="맑은 고딕"/>
+        <a:font script="Hans" typeface="宋体"/>
+        <a:font script="Hant" typeface="新細明體"/>
+        <a:font script="Arab" typeface="Arial"/>
+        <a:font script="Hebr" typeface="Arial"/>
+        <a:font script="Thai" typeface="Cordia New"/>
+        <a:font script="Ethi" typeface="Nyala"/>
+        <a:font script="Beng" typeface="Vrinda"/>
+        <a:font script="Gujr" typeface="Shruti"/>
+        <a:font script="Khmr" typeface="DaunPenh"/>
+        <a:font script="Knda" typeface="Tunga"/>
+        <a:font script="Guru" typeface="Raavi"/>
+        <a:font script="Cans" typeface="Euphemia"/>
+        <a:font script="Cher" typeface="Plantagenet Cherokee"/>
+        <a:font script="Yiii" typeface="Microsoft Yi Baiti"/>
+        <a:font script="Tibt" typeface="Microsoft Himalaya"/>
+        <a:font script="Thaa" typeface="MV Boli"/>
+        <a:font script="Deva" typeface="Mangal"/>
+        <a:font script="Telu" typeface="Gautami"/>
+        <a:font script="Taml" typeface="Latha"/>
+        <a:font script="Syrc" typeface="Estrangelo Edessa"/>
+        <a:font script="Orya" typeface="Kalinga"/>
+        <a:font script="Mlym" typeface="Kartika"/>
+        <a:font script="Laoo" typeface="DokChampa"/>
+        <a:font script="Sinh" typeface="Iskoola Pota"/>
+        <a:font script="Mong" typeface="Mongolian Baiti"/>
+        <a:font script="Viet" typeface="Arial"/>
+        <a:font script="Uigh" typeface="Microsoft Uighur"/>
+        <a:font script="Geor" typeface="Sylfaen"/>
+      </a:minorFont>
+    </a:fontScheme>
+    <a:fmtScheme name="Office">
+      <a:fillStyleLst>
+        <a:solidFill>
+          <a:schemeClr val="phClr"/>
+        </a:solidFill>
+        <a:gradFill rotWithShape="1">
+          <a:gsLst>
+            <a:gs pos="0">
+              <a:schemeClr val="phClr">
+                <a:tint val="50000"/>
+                <a:satMod val="300000"/>
+              </a:schemeClr>
+            </a:gs>
+            <a:gs pos="35000">
+              <a:schemeClr val="phClr">
+                <a:tint val="37000"/>
+                <a:satMod val="300000"/>
+              </a:schemeClr>
+            </a:gs>
+            <a:gs pos="100000">
+              <a:schemeClr val="phClr">
+                <a:tint val="15000"/>
+                <a:satMod val="350000"/>
+              </a:schemeClr>
+            </a:gs>
+          </a:gsLst>
+          <a:lin ang="16200000" scaled="1"/>
+        </a:gradFill>
+        <a:gradFill rotWithShape="1">
+          <a:gsLst>
+            <a:gs pos="0">
+              <a:schemeClr val="phClr">
+                <a:shade val="51000"/>
+                <a:satMod val="130000"/>
+              </a:schemeClr>
+            </a:gs>
+            <a:gs pos="80000">
+              <a:schemeClr val="phClr">
+                <a:shade val="93000"/>
+                <a:satMod val="130000"/>
+              </a:schemeClr>
+            </a:gs>
+            <a:gs pos="100000">
+              <a:schemeClr val="phClr">
+                <a:shade val="94000"/>
+                <a:satMod val="135000"/>
+              </a:schemeClr>
+            </a:gs>
+          </a:gsLst>
+          <a:lin ang="16200000" scaled="0"/>
+        </a:gradFill>
+      </a:fillStyleLst>
+      <a:lnStyleLst>
+        <a:ln w="9525" cap="flat" cmpd="sng" algn="ctr">
+          <a:solidFill>
+            <a:schemeClr val="phClr">
+              <a:shade val="95000"/>
+              <a:satMod val="105000"/>
+            </a:schemeClr>
+          </a:solidFill>
+          <a:prstDash val="solid"/>
+        </a:ln>
+        <a:ln w="25400" cap="flat" cmpd="sng" algn="ctr">
+          <a:solidFill>
+            <a:schemeClr val="phClr"/>
+          </a:solidFill>
+          <a:prstDash val="solid"/>
+        </a:ln>
+        <a:ln w="38100" cap="flat" cmpd="sng" algn="ctr">
+          <a:solidFill>
+            <a:schemeClr val="phClr"/>
+          </a:solidFill>
+          <a:prstDash val="solid"/>
+        </a:ln>
+      </a:lnStyleLst>
+      <a:effectStyleLst>
+        <a:effectStyle>
+          <a:effectLst>
+            <a:outerShdw blurRad="40000" dist="20000" dir="5400000" rotWithShape="0">
+              <a:srgbClr val="000000">
+                <a:alpha val="38000"/>
+              </a:srgbClr>
+            </a:outerShdw>
+          </a:effectLst>
+        </a:effectStyle>
+        <a:effectStyle>
+          <a:effectLst>
+            <a:outerShdw blurRad="40000" dist="23000" dir="5400000" rotWithShape="0">
+              <a:srgbClr val="000000">
+                <a:alpha val="35000"/>
+              </a:srgbClr>
+            </a:outerShdw>
+          </a:effectLst>
+        </a:effectStyle>
+        <a:effectStyle>
+          <a:effectLst>
+            <a:outerShdw blurRad="40000" dist="23000" dir="5400000" rotWithShape="0">
+              <a:srgbClr val="000000">
+                <a:alpha val="35000"/>
+              </a:srgbClr>
+            </a:outerShdw>
+          </a:effectLst>
+          <a:scene3d>
+            <a:camera prst="orthographicFront">
+              <a:rot lat="0" lon="0" rev="0"/>
+            </a:camera>
+            <a:lightRig rig="threePt" dir="t">
+              <a:rot lat="0" lon="0" rev="1200000"/>
+            </a:lightRig>
+          </a:scene3d>
+          <a:sp3d>
+            <a:bevelT w="63500" h="25400"/>
+          </a:sp3d>
+        </a:effectStyle>
+      </a:effectStyleLst>
+      <a:bgFillStyleLst>
+        <a:solidFill>
+          <a:schemeClr val="phClr"/>
+        </a:solidFill>
+        <a:gradFill rotWithShape="1">
+          <a:gsLst>
+            <a:gs pos="0">
+              <a:schemeClr val="phClr">
+                <a:tint val="40000"/>
+                <a:satMod val="350000"/>
+              </a:schemeClr>
+            </a:gs>
+            <a:gs pos="40000">
+              <a:schemeClr val="phClr">
+                <a:tint val="45000"/>
+                <a:shade val="99000"/>
+                <a:satMod val="350000"/>
+              </a:schemeClr>
+            </a:gs>
+            <a:gs pos="100000">
+              <a:schemeClr val="phClr">
+                <a:shade val="20000"/>
+                <a:satMod val="255000"/>
+              </a:schemeClr>
+            </a:gs>
+          </a:gsLst>
+          <a:path path="circle">
+            <a:fillToRect l="50000" t="-80000" r="50000" b="180000"/>
+          </a:path>
+        </a:gradFill>
+        <a:gradFill rotWithShape="1">
+          <a:gsLst>
+            <a:gs pos="0">
+              <a:schemeClr val="phClr">
+                <a:tint val="80000"/>
+                <a:satMod val="300000"/>
+              </a:schemeClr>
+            </a:gs>
+            <a:gs pos="100000">
+              <a:schemeClr val="phClr">
+                <a:shade val="30000"/>
+                <a:satMod val="200000"/>
+              </a:schemeClr>
+            </a:gs>
+          </a:gsLst>
+          <a:path path="circle">
+            <a:fillToRect l="50000" t="50000" r="50000" b="50000"/>
+          </a:path>
+        </a:gradFill>
+      </a:bgFillStyleLst>
+    </a:fmtScheme>
+  </a:themeElements>
+  <a:objectDefaults/>
+  <a:extraClrSchemeLst/>
+</a:theme>
 </file>
--- a/Cryptography Project - meeting2.pptx
+++ b/Cryptography Project - meeting2.pptx
@@ -8,23 +8,23 @@
     <p:notesMasterId r:id="rId19"/>
   </p:notesMasterIdLst>
   <p:sldIdLst>
-    <p:sldId id="262" r:id="rId2"/>
-    <p:sldId id="274" r:id="rId3"/>
-    <p:sldId id="259" r:id="rId4"/>
-    <p:sldId id="261" r:id="rId5"/>
-    <p:sldId id="263" r:id="rId6"/>
-    <p:sldId id="256" r:id="rId7"/>
-    <p:sldId id="264" r:id="rId8"/>
-    <p:sldId id="270" r:id="rId9"/>
-    <p:sldId id="271" r:id="rId10"/>
-    <p:sldId id="258" r:id="rId11"/>
-    <p:sldId id="265" r:id="rId12"/>
-    <p:sldId id="272" r:id="rId13"/>
-    <p:sldId id="273" r:id="rId14"/>
-    <p:sldId id="257" r:id="rId15"/>
-    <p:sldId id="268" r:id="rId16"/>
-    <p:sldId id="276" r:id="rId17"/>
-    <p:sldId id="275" r:id="rId18"/>
+    <p:sldId id="277" r:id="rId2"/>
+    <p:sldId id="262" r:id="rId3"/>
+    <p:sldId id="274" r:id="rId4"/>
+    <p:sldId id="259" r:id="rId5"/>
+    <p:sldId id="261" r:id="rId6"/>
+    <p:sldId id="263" r:id="rId7"/>
+    <p:sldId id="256" r:id="rId8"/>
+    <p:sldId id="264" r:id="rId9"/>
+    <p:sldId id="270" r:id="rId10"/>
+    <p:sldId id="271" r:id="rId11"/>
+    <p:sldId id="258" r:id="rId12"/>
+    <p:sldId id="265" r:id="rId13"/>
+    <p:sldId id="272" r:id="rId14"/>
+    <p:sldId id="273" r:id="rId15"/>
+    <p:sldId id="257" r:id="rId16"/>
+    <p:sldId id="268" r:id="rId17"/>
+    <p:sldId id="276" r:id="rId18"/>
   </p:sldIdLst>
   <p:sldSz cx="9144000" cy="6858000" type="screen4x3"/>
   <p:notesSz cx="6858000" cy="9144000"/>
@@ -208,6 +208,7 @@
           <a:p>
             <a:fld id="{90D7094D-992A-4E02-AF83-600B139626E8}" type="datetimeFigureOut">
               <a:rPr lang="he-IL" smtClean="0"/>
+              <a:pPr/>
               <a:t>כ"ה/תמוז/תשע"א</a:t>
             </a:fld>
             <a:endParaRPr lang="he-IL"/>
@@ -367,6 +368,7 @@
           <a:p>
             <a:fld id="{71A030DD-CCE1-46BC-A70B-39D1A5376273}" type="slidenum">
               <a:rPr lang="he-IL" smtClean="0"/>
+              <a:pPr/>
               <a:t>‹#›</a:t>
             </a:fld>
             <a:endParaRPr lang="he-IL"/>
@@ -376,7 +378,7 @@
     </p:spTree>
     <p:extLst>
       <p:ext uri="{BB962C8B-B14F-4D97-AF65-F5344CB8AC3E}">
-        <p14:creationId xmlns:p14="http://schemas.microsoft.com/office/powerpoint/2010/main" val="4011433181"/>
+        <p14:creationId xmlns:p14="http://schemas.microsoft.com/office/powerpoint/2010/main" xmlns="" val="4011433181"/>
       </p:ext>
     </p:extLst>
   </p:cSld>
@@ -806,7 +808,8 @@
           <a:p>
             <a:fld id="{71A030DD-CCE1-46BC-A70B-39D1A5376273}" type="slidenum">
               <a:rPr lang="he-IL" smtClean="0"/>
-              <a:t>3</a:t>
+              <a:pPr/>
+              <a:t>4</a:t>
             </a:fld>
             <a:endParaRPr lang="he-IL"/>
           </a:p>
@@ -815,7 +818,7 @@
     </p:spTree>
     <p:extLst>
       <p:ext uri="{BB962C8B-B14F-4D97-AF65-F5344CB8AC3E}">
-        <p14:creationId xmlns:p14="http://schemas.microsoft.com/office/powerpoint/2010/main" val="3250338580"/>
+        <p14:creationId xmlns:p14="http://schemas.microsoft.com/office/powerpoint/2010/main" xmlns="" val="3250338580"/>
       </p:ext>
     </p:extLst>
   </p:cSld>
@@ -969,7 +972,8 @@
           <a:p>
             <a:fld id="{71A030DD-CCE1-46BC-A70B-39D1A5376273}" type="slidenum">
               <a:rPr lang="he-IL" smtClean="0"/>
-              <a:t>4</a:t>
+              <a:pPr/>
+              <a:t>5</a:t>
             </a:fld>
             <a:endParaRPr lang="he-IL"/>
           </a:p>
@@ -978,7 +982,7 @@
     </p:spTree>
     <p:extLst>
       <p:ext uri="{BB962C8B-B14F-4D97-AF65-F5344CB8AC3E}">
-        <p14:creationId xmlns:p14="http://schemas.microsoft.com/office/powerpoint/2010/main" val="3236920046"/>
+        <p14:creationId xmlns:p14="http://schemas.microsoft.com/office/powerpoint/2010/main" xmlns="" val="3236920046"/>
       </p:ext>
     </p:extLst>
   </p:cSld>
@@ -1059,7 +1063,8 @@
           <a:p>
             <a:fld id="{71A030DD-CCE1-46BC-A70B-39D1A5376273}" type="slidenum">
               <a:rPr lang="he-IL" smtClean="0"/>
-              <a:t>12</a:t>
+              <a:pPr/>
+              <a:t>13</a:t>
             </a:fld>
             <a:endParaRPr lang="he-IL"/>
           </a:p>
@@ -1068,7 +1073,7 @@
     </p:spTree>
     <p:extLst>
       <p:ext uri="{BB962C8B-B14F-4D97-AF65-F5344CB8AC3E}">
-        <p14:creationId xmlns:p14="http://schemas.microsoft.com/office/powerpoint/2010/main" val="3037502692"/>
+        <p14:creationId xmlns:p14="http://schemas.microsoft.com/office/powerpoint/2010/main" xmlns="" val="3037502692"/>
       </p:ext>
     </p:extLst>
   </p:cSld>
@@ -1201,7 +1206,8 @@
           <a:p>
             <a:fld id="{71A030DD-CCE1-46BC-A70B-39D1A5376273}" type="slidenum">
               <a:rPr lang="he-IL" smtClean="0"/>
-              <a:t>16</a:t>
+              <a:pPr/>
+              <a:t>17</a:t>
             </a:fld>
             <a:endParaRPr lang="he-IL"/>
           </a:p>
@@ -1210,91 +1216,7 @@
     </p:spTree>
     <p:extLst>
       <p:ext uri="{BB962C8B-B14F-4D97-AF65-F5344CB8AC3E}">
-        <p14:creationId xmlns:p14="http://schemas.microsoft.com/office/powerpoint/2010/main" val="585360157"/>
-      </p:ext>
-    </p:extLst>
-  </p:cSld>
-  <p:clrMapOvr>
-    <a:masterClrMapping/>
-  </p:clrMapOvr>
-</p:notes>
-</file>
-
-<file path=ppt/notesSlides/notesSlide5.xml><?xml version="1.0" encoding="utf-8"?>
-<p:notes xmlns:a="http://schemas.openxmlformats.org/drawingml/2006/main" xmlns:r="http://schemas.openxmlformats.org/officeDocument/2006/relationships" xmlns:p="http://schemas.openxmlformats.org/presentationml/2006/main">
-  <p:cSld>
-    <p:spTree>
-      <p:nvGrpSpPr>
-        <p:cNvPr id="1" name=""/>
-        <p:cNvGrpSpPr/>
-        <p:nvPr/>
-      </p:nvGrpSpPr>
-      <p:grpSpPr>
-        <a:xfrm>
-          <a:off x="0" y="0"/>
-          <a:ext cx="0" cy="0"/>
-          <a:chOff x="0" y="0"/>
-          <a:chExt cx="0" cy="0"/>
-        </a:xfrm>
-      </p:grpSpPr>
-      <p:sp>
-        <p:nvSpPr>
-          <p:cNvPr id="2" name="Slide Image Placeholder 1"/>
-          <p:cNvSpPr>
-            <a:spLocks noGrp="1" noRot="1" noChangeAspect="1"/>
-          </p:cNvSpPr>
-          <p:nvPr>
-            <p:ph type="sldImg"/>
-          </p:nvPr>
-        </p:nvSpPr>
-        <p:spPr/>
-      </p:sp>
-      <p:sp>
-        <p:nvSpPr>
-          <p:cNvPr id="3" name="Notes Placeholder 2"/>
-          <p:cNvSpPr>
-            <a:spLocks noGrp="1"/>
-          </p:cNvSpPr>
-          <p:nvPr>
-            <p:ph type="body" idx="1"/>
-          </p:nvPr>
-        </p:nvSpPr>
-        <p:spPr/>
-        <p:txBody>
-          <a:bodyPr/>
-          <a:lstStyle/>
-          <a:p>
-            <a:endParaRPr lang="he-IL" dirty="0"/>
-          </a:p>
-        </p:txBody>
-      </p:sp>
-      <p:sp>
-        <p:nvSpPr>
-          <p:cNvPr id="4" name="Slide Number Placeholder 3"/>
-          <p:cNvSpPr>
-            <a:spLocks noGrp="1"/>
-          </p:cNvSpPr>
-          <p:nvPr>
-            <p:ph type="sldNum" sz="quarter" idx="10"/>
-          </p:nvPr>
-        </p:nvSpPr>
-        <p:spPr/>
-        <p:txBody>
-          <a:bodyPr/>
-          <a:lstStyle/>
-          <a:p>
-            <a:fld id="{71A030DD-CCE1-46BC-A70B-39D1A5376273}" type="slidenum">
-              <a:rPr lang="he-IL" smtClean="0"/>
-              <a:t>17</a:t>
-            </a:fld>
-            <a:endParaRPr lang="he-IL"/>
-          </a:p>
-        </p:txBody>
-      </p:sp>
-    </p:spTree>
-    <p:extLst>
-      <p:ext uri="{BB962C8B-B14F-4D97-AF65-F5344CB8AC3E}">
-        <p14:creationId xmlns:p14="http://schemas.microsoft.com/office/powerpoint/2010/main" val="3190834465"/>
+        <p14:creationId xmlns:p14="http://schemas.microsoft.com/office/powerpoint/2010/main" xmlns="" val="585360157"/>
       </p:ext>
     </p:extLst>
   </p:cSld>
@@ -1538,7 +1460,7 @@
     </p:spTree>
     <p:extLst>
       <p:ext uri="{BB962C8B-B14F-4D97-AF65-F5344CB8AC3E}">
-        <p14:creationId xmlns:p14="http://schemas.microsoft.com/office/powerpoint/2010/main" val="489375733"/>
+        <p14:creationId xmlns:p14="http://schemas.microsoft.com/office/powerpoint/2010/main" xmlns="" val="489375733"/>
       </p:ext>
     </p:extLst>
   </p:cSld>
@@ -1710,7 +1632,7 @@
     </p:spTree>
     <p:extLst>
       <p:ext uri="{BB962C8B-B14F-4D97-AF65-F5344CB8AC3E}">
-        <p14:creationId xmlns:p14="http://schemas.microsoft.com/office/powerpoint/2010/main" val="2132658261"/>
+        <p14:creationId xmlns:p14="http://schemas.microsoft.com/office/powerpoint/2010/main" xmlns="" val="2132658261"/>
       </p:ext>
     </p:extLst>
   </p:cSld>
@@ -1892,7 +1814,7 @@
     </p:spTree>
     <p:extLst>
       <p:ext uri="{BB962C8B-B14F-4D97-AF65-F5344CB8AC3E}">
-        <p14:creationId xmlns:p14="http://schemas.microsoft.com/office/powerpoint/2010/main" val="1463802722"/>
+        <p14:creationId xmlns:p14="http://schemas.microsoft.com/office/powerpoint/2010/main" xmlns="" val="1463802722"/>
       </p:ext>
     </p:extLst>
   </p:cSld>
@@ -2064,7 +1986,7 @@
     </p:spTree>
     <p:extLst>
       <p:ext uri="{BB962C8B-B14F-4D97-AF65-F5344CB8AC3E}">
-        <p14:creationId xmlns:p14="http://schemas.microsoft.com/office/powerpoint/2010/main" val="1709900930"/>
+        <p14:creationId xmlns:p14="http://schemas.microsoft.com/office/powerpoint/2010/main" xmlns="" val="1709900930"/>
       </p:ext>
     </p:extLst>
   </p:cSld>
@@ -2312,7 +2234,7 @@
     </p:spTree>
     <p:extLst>
       <p:ext uri="{BB962C8B-B14F-4D97-AF65-F5344CB8AC3E}">
-        <p14:creationId xmlns:p14="http://schemas.microsoft.com/office/powerpoint/2010/main" val="2811630000"/>
+        <p14:creationId xmlns:p14="http://schemas.microsoft.com/office/powerpoint/2010/main" xmlns="" val="2811630000"/>
       </p:ext>
     </p:extLst>
   </p:cSld>
@@ -2602,7 +2524,7 @@
     </p:spTree>
     <p:extLst>
       <p:ext uri="{BB962C8B-B14F-4D97-AF65-F5344CB8AC3E}">
-        <p14:creationId xmlns:p14="http://schemas.microsoft.com/office/powerpoint/2010/main" val="4226307925"/>
+        <p14:creationId xmlns:p14="http://schemas.microsoft.com/office/powerpoint/2010/main" xmlns="" val="4226307925"/>
       </p:ext>
     </p:extLst>
   </p:cSld>
@@ -3026,7 +2948,7 @@
     </p:spTree>
     <p:extLst>
       <p:ext uri="{BB962C8B-B14F-4D97-AF65-F5344CB8AC3E}">
-        <p14:creationId xmlns:p14="http://schemas.microsoft.com/office/powerpoint/2010/main" val="136647977"/>
+        <p14:creationId xmlns:p14="http://schemas.microsoft.com/office/powerpoint/2010/main" xmlns="" val="136647977"/>
       </p:ext>
     </p:extLst>
   </p:cSld>
@@ -3146,7 +3068,7 @@
     </p:spTree>
     <p:extLst>
       <p:ext uri="{BB962C8B-B14F-4D97-AF65-F5344CB8AC3E}">
-        <p14:creationId xmlns:p14="http://schemas.microsoft.com/office/powerpoint/2010/main" val="3571128729"/>
+        <p14:creationId xmlns:p14="http://schemas.microsoft.com/office/powerpoint/2010/main" xmlns="" val="3571128729"/>
       </p:ext>
     </p:extLst>
   </p:cSld>
@@ -3243,7 +3165,7 @@
     </p:spTree>
     <p:extLst>
       <p:ext uri="{BB962C8B-B14F-4D97-AF65-F5344CB8AC3E}">
-        <p14:creationId xmlns:p14="http://schemas.microsoft.com/office/powerpoint/2010/main" val="84365399"/>
+        <p14:creationId xmlns:p14="http://schemas.microsoft.com/office/powerpoint/2010/main" xmlns="" val="84365399"/>
       </p:ext>
     </p:extLst>
   </p:cSld>
@@ -3522,7 +3444,7 @@
     </p:spTree>
     <p:extLst>
       <p:ext uri="{BB962C8B-B14F-4D97-AF65-F5344CB8AC3E}">
-        <p14:creationId xmlns:p14="http://schemas.microsoft.com/office/powerpoint/2010/main" val="4000632514"/>
+        <p14:creationId xmlns:p14="http://schemas.microsoft.com/office/powerpoint/2010/main" xmlns="" val="4000632514"/>
       </p:ext>
     </p:extLst>
   </p:cSld>
@@ -3777,7 +3699,7 @@
     </p:spTree>
     <p:extLst>
       <p:ext uri="{BB962C8B-B14F-4D97-AF65-F5344CB8AC3E}">
-        <p14:creationId xmlns:p14="http://schemas.microsoft.com/office/powerpoint/2010/main" val="176726723"/>
+        <p14:creationId xmlns:p14="http://schemas.microsoft.com/office/powerpoint/2010/main" xmlns="" val="176726723"/>
       </p:ext>
     </p:extLst>
   </p:cSld>
@@ -4028,7 +3950,7 @@
     </p:spTree>
     <p:extLst>
       <p:ext uri="{BB962C8B-B14F-4D97-AF65-F5344CB8AC3E}">
-        <p14:creationId xmlns:p14="http://schemas.microsoft.com/office/powerpoint/2010/main" val="1263949513"/>
+        <p14:creationId xmlns:p14="http://schemas.microsoft.com/office/powerpoint/2010/main" xmlns="" val="1263949513"/>
       </p:ext>
     </p:extLst>
   </p:cSld>
@@ -4326,6 +4248,1135 @@
             <p:ph type="title"/>
           </p:nvPr>
         </p:nvSpPr>
+        <p:spPr/>
+        <p:txBody>
+          <a:bodyPr>
+            <a:normAutofit fontScale="90000"/>
+          </a:bodyPr>
+          <a:lstStyle/>
+          <a:p>
+            <a:r>
+              <a:rPr lang="he-IL" sz="1100" dirty="0" smtClean="0"/>
+              <a:t>בס"ד</a:t>
+            </a:r>
+            <a:br>
+              <a:rPr lang="he-IL" sz="1100" dirty="0" smtClean="0"/>
+            </a:br>
+            <a:r>
+              <a:rPr lang="he-IL" u="sng" dirty="0" smtClean="0"/>
+              <a:t/>
+            </a:r>
+            <a:br>
+              <a:rPr lang="he-IL" u="sng" dirty="0" smtClean="0"/>
+            </a:br>
+            <a:r>
+              <a:rPr lang="en-US" u="sng" dirty="0" smtClean="0"/>
+              <a:t>Cryptography Project</a:t>
+            </a:r>
+            <a:endParaRPr lang="he-IL" u="sng" dirty="0"/>
+          </a:p>
+        </p:txBody>
+      </p:sp>
+      <p:sp>
+        <p:nvSpPr>
+          <p:cNvPr id="3" name="Content Placeholder 2"/>
+          <p:cNvSpPr>
+            <a:spLocks noGrp="1"/>
+          </p:cNvSpPr>
+          <p:nvPr>
+            <p:ph idx="1"/>
+          </p:nvPr>
+        </p:nvSpPr>
+        <p:spPr/>
+        <p:txBody>
+          <a:bodyPr>
+            <a:normAutofit fontScale="92500" lnSpcReduction="20000"/>
+          </a:bodyPr>
+          <a:lstStyle/>
+          <a:p>
+            <a:pPr algn="ctr">
+              <a:buNone/>
+            </a:pPr>
+            <a:r>
+              <a:rPr lang="en-US" sz="5800" dirty="0" smtClean="0"/>
+              <a:t>Safe, secret based computation system.</a:t>
+            </a:r>
+          </a:p>
+          <a:p>
+            <a:endParaRPr lang="en-US" dirty="0" smtClean="0"/>
+          </a:p>
+          <a:p>
+            <a:endParaRPr lang="en-US" dirty="0" smtClean="0"/>
+          </a:p>
+          <a:p>
+            <a:endParaRPr lang="en-US" dirty="0" smtClean="0"/>
+          </a:p>
+          <a:p>
+            <a:endParaRPr lang="en-US" dirty="0" smtClean="0"/>
+          </a:p>
+          <a:p>
+            <a:r>
+              <a:rPr lang="en-US" dirty="0" smtClean="0"/>
+              <a:t>Authors:</a:t>
+            </a:r>
+          </a:p>
+          <a:p>
+            <a:r>
+              <a:rPr lang="en-US" dirty="0" smtClean="0"/>
+              <a:t>Nir Amar, Etay Hazan and Yarden Eitan.</a:t>
+            </a:r>
+            <a:endParaRPr lang="he-IL" dirty="0"/>
+          </a:p>
+        </p:txBody>
+      </p:sp>
+    </p:spTree>
+  </p:cSld>
+  <p:clrMapOvr>
+    <a:masterClrMapping/>
+  </p:clrMapOvr>
+</p:sld>
+</file>
+
+<file path=ppt/slides/slide10.xml><?xml version="1.0" encoding="utf-8"?>
+<p:sld xmlns:a="http://schemas.openxmlformats.org/drawingml/2006/main" xmlns:r="http://schemas.openxmlformats.org/officeDocument/2006/relationships" xmlns:p="http://schemas.openxmlformats.org/presentationml/2006/main">
+  <p:cSld>
+    <p:spTree>
+      <p:nvGrpSpPr>
+        <p:cNvPr id="1" name=""/>
+        <p:cNvGrpSpPr/>
+        <p:nvPr/>
+      </p:nvGrpSpPr>
+      <p:grpSpPr>
+        <a:xfrm>
+          <a:off x="0" y="0"/>
+          <a:ext cx="0" cy="0"/>
+          <a:chOff x="0" y="0"/>
+          <a:chExt cx="0" cy="0"/>
+        </a:xfrm>
+      </p:grpSpPr>
+      <p:sp>
+        <p:nvSpPr>
+          <p:cNvPr id="2" name="Title 1"/>
+          <p:cNvSpPr>
+            <a:spLocks noGrp="1"/>
+          </p:cNvSpPr>
+          <p:nvPr>
+            <p:ph type="ctrTitle"/>
+          </p:nvPr>
+        </p:nvSpPr>
+        <p:spPr>
+          <a:xfrm>
+            <a:off x="693465" y="535376"/>
+            <a:ext cx="7772400" cy="1470025"/>
+          </a:xfrm>
+        </p:spPr>
+        <p:txBody>
+          <a:bodyPr/>
+          <a:lstStyle/>
+          <a:p>
+            <a:r>
+              <a:rPr lang="en-US" dirty="0" smtClean="0"/>
+              <a:t>Average – Example</a:t>
+            </a:r>
+            <a:endParaRPr lang="en-US" dirty="0"/>
+          </a:p>
+        </p:txBody>
+      </p:sp>
+      <p:sp>
+        <p:nvSpPr>
+          <p:cNvPr id="4" name="TextBox 3"/>
+          <p:cNvSpPr txBox="1"/>
+          <p:nvPr/>
+        </p:nvSpPr>
+        <p:spPr>
+          <a:xfrm>
+            <a:off x="693465" y="2005401"/>
+            <a:ext cx="7772400" cy="3539430"/>
+          </a:xfrm>
+          <a:prstGeom prst="rect">
+            <a:avLst/>
+          </a:prstGeom>
+          <a:noFill/>
+        </p:spPr>
+        <p:txBody>
+          <a:bodyPr wrap="square" rtlCol="1">
+            <a:spAutoFit/>
+          </a:bodyPr>
+          <a:lstStyle/>
+          <a:p>
+            <a:r>
+              <a:rPr lang="en-US" sz="3200" dirty="0" smtClean="0"/>
+              <a:t>Local computation (addition gates):</a:t>
+            </a:r>
+          </a:p>
+          <a:p>
+            <a:r>
+              <a:rPr lang="en-US" sz="3200" dirty="0" smtClean="0"/>
+              <a:t>P1 = [3,5]</a:t>
+            </a:r>
+          </a:p>
+          <a:p>
+            <a:r>
+              <a:rPr lang="en-US" sz="3200" dirty="0" smtClean="0"/>
+              <a:t>P2 = [6,4]</a:t>
+            </a:r>
+          </a:p>
+          <a:p>
+            <a:r>
+              <a:rPr lang="en-US" sz="3200" dirty="0" smtClean="0"/>
+              <a:t>P3 = [2,3]</a:t>
+            </a:r>
+          </a:p>
+          <a:p>
+            <a:endParaRPr lang="en-US" sz="3200" dirty="0"/>
+          </a:p>
+          <a:p>
+            <a:r>
+              <a:rPr lang="en-US" sz="3200" dirty="0" smtClean="0"/>
+              <a:t>Result = -54/12 (mod 7) = 6</a:t>
+            </a:r>
+          </a:p>
+          <a:p>
+            <a:r>
+              <a:rPr lang="en-US" sz="3200" dirty="0" smtClean="0"/>
+              <a:t>And the average is 6/3(mod 7) = 2</a:t>
+            </a:r>
+            <a:endParaRPr lang="he-IL" sz="3200" dirty="0"/>
+          </a:p>
+        </p:txBody>
+      </p:sp>
+    </p:spTree>
+    <p:extLst>
+      <p:ext uri="{BB962C8B-B14F-4D97-AF65-F5344CB8AC3E}">
+        <p14:creationId xmlns:p14="http://schemas.microsoft.com/office/powerpoint/2010/main" xmlns="" val="1819452929"/>
+      </p:ext>
+    </p:extLst>
+  </p:cSld>
+  <p:clrMapOvr>
+    <a:masterClrMapping/>
+  </p:clrMapOvr>
+  <p:timing>
+    <p:tnLst>
+      <p:par>
+        <p:cTn id="1" dur="indefinite" restart="never" nodeType="tmRoot"/>
+      </p:par>
+    </p:tnLst>
+  </p:timing>
+</p:sld>
+</file>
+
+<file path=ppt/slides/slide11.xml><?xml version="1.0" encoding="utf-8"?>
+<p:sld xmlns:a="http://schemas.openxmlformats.org/drawingml/2006/main" xmlns:r="http://schemas.openxmlformats.org/officeDocument/2006/relationships" xmlns:p="http://schemas.openxmlformats.org/presentationml/2006/main">
+  <p:cSld>
+    <p:spTree>
+      <p:nvGrpSpPr>
+        <p:cNvPr id="1" name=""/>
+        <p:cNvGrpSpPr/>
+        <p:nvPr/>
+      </p:nvGrpSpPr>
+      <p:grpSpPr>
+        <a:xfrm>
+          <a:off x="0" y="0"/>
+          <a:ext cx="0" cy="0"/>
+          <a:chOff x="0" y="0"/>
+          <a:chExt cx="0" cy="0"/>
+        </a:xfrm>
+      </p:grpSpPr>
+      <p:sp>
+        <p:nvSpPr>
+          <p:cNvPr id="2" name="Title 1"/>
+          <p:cNvSpPr>
+            <a:spLocks noGrp="1"/>
+          </p:cNvSpPr>
+          <p:nvPr>
+            <p:ph type="ctrTitle"/>
+          </p:nvPr>
+        </p:nvSpPr>
+        <p:spPr>
+          <a:xfrm>
+            <a:off x="693465" y="535376"/>
+            <a:ext cx="7772400" cy="1470025"/>
+          </a:xfrm>
+        </p:spPr>
+        <p:txBody>
+          <a:bodyPr/>
+          <a:lstStyle/>
+          <a:p>
+            <a:r>
+              <a:rPr lang="en-US" dirty="0" smtClean="0"/>
+              <a:t>Global agreement - motivation</a:t>
+            </a:r>
+            <a:endParaRPr lang="en-US" dirty="0"/>
+          </a:p>
+        </p:txBody>
+      </p:sp>
+      <p:sp>
+        <p:nvSpPr>
+          <p:cNvPr id="3" name="Subtitle 2"/>
+          <p:cNvSpPr>
+            <a:spLocks noGrp="1"/>
+          </p:cNvSpPr>
+          <p:nvPr>
+            <p:ph type="subTitle" idx="1"/>
+          </p:nvPr>
+        </p:nvSpPr>
+        <p:spPr>
+          <a:xfrm>
+            <a:off x="365760" y="2005400"/>
+            <a:ext cx="8564880" cy="3816279"/>
+          </a:xfrm>
+        </p:spPr>
+        <p:txBody>
+          <a:bodyPr>
+            <a:noAutofit/>
+          </a:bodyPr>
+          <a:lstStyle/>
+          <a:p>
+            <a:pPr algn="l">
+              <a:buFont typeface="Arial" pitchFamily="34" charset="0"/>
+              <a:buChar char="•"/>
+            </a:pPr>
+            <a:r>
+              <a:rPr lang="en-US" sz="3600" dirty="0" smtClean="0">
+                <a:solidFill>
+                  <a:schemeClr val="tx1"/>
+                </a:solidFill>
+              </a:rPr>
+              <a:t>   Useful for:</a:t>
+            </a:r>
+          </a:p>
+          <a:p>
+            <a:pPr marL="514350" indent="-514350" algn="l">
+              <a:buAutoNum type="arabicPeriod"/>
+            </a:pPr>
+            <a:r>
+              <a:rPr lang="en-US" sz="3600" dirty="0" smtClean="0">
+                <a:solidFill>
+                  <a:schemeClr val="tx1"/>
+                </a:solidFill>
+              </a:rPr>
+              <a:t>For peace in the Middle East.</a:t>
+            </a:r>
+          </a:p>
+          <a:p>
+            <a:pPr marL="514350" indent="-514350" algn="l">
+              <a:buAutoNum type="arabicPeriod"/>
+            </a:pPr>
+            <a:r>
+              <a:rPr lang="en-US" sz="3600" dirty="0" smtClean="0">
+                <a:solidFill>
+                  <a:schemeClr val="tx1"/>
+                </a:solidFill>
+              </a:rPr>
+              <a:t>Global agreements in Business meetings.</a:t>
+            </a:r>
+          </a:p>
+          <a:p>
+            <a:pPr marL="514350" indent="-514350" algn="l">
+              <a:buAutoNum type="arabicPeriod"/>
+            </a:pPr>
+            <a:endParaRPr lang="en-US" sz="3600" dirty="0">
+              <a:solidFill>
+                <a:schemeClr val="tx1"/>
+              </a:solidFill>
+            </a:endParaRPr>
+          </a:p>
+        </p:txBody>
+      </p:sp>
+    </p:spTree>
+    <p:extLst>
+      <p:ext uri="{BB962C8B-B14F-4D97-AF65-F5344CB8AC3E}">
+        <p14:creationId xmlns:p14="http://schemas.microsoft.com/office/powerpoint/2010/main" xmlns="" val="2400644727"/>
+      </p:ext>
+    </p:extLst>
+  </p:cSld>
+  <p:clrMapOvr>
+    <a:masterClrMapping/>
+  </p:clrMapOvr>
+  <p:timing>
+    <p:tnLst>
+      <p:par>
+        <p:cTn id="1" dur="indefinite" restart="never" nodeType="tmRoot"/>
+      </p:par>
+    </p:tnLst>
+  </p:timing>
+</p:sld>
+</file>
+
+<file path=ppt/slides/slide12.xml><?xml version="1.0" encoding="utf-8"?>
+<p:sld xmlns:a="http://schemas.openxmlformats.org/drawingml/2006/main" xmlns:r="http://schemas.openxmlformats.org/officeDocument/2006/relationships" xmlns:p="http://schemas.openxmlformats.org/presentationml/2006/main">
+  <p:cSld>
+    <p:spTree>
+      <p:nvGrpSpPr>
+        <p:cNvPr id="1" name=""/>
+        <p:cNvGrpSpPr/>
+        <p:nvPr/>
+      </p:nvGrpSpPr>
+      <p:grpSpPr>
+        <a:xfrm>
+          <a:off x="0" y="0"/>
+          <a:ext cx="0" cy="0"/>
+          <a:chOff x="0" y="0"/>
+          <a:chExt cx="0" cy="0"/>
+        </a:xfrm>
+      </p:grpSpPr>
+      <p:sp>
+        <p:nvSpPr>
+          <p:cNvPr id="2" name="Title 1"/>
+          <p:cNvSpPr>
+            <a:spLocks noGrp="1"/>
+          </p:cNvSpPr>
+          <p:nvPr>
+            <p:ph type="ctrTitle"/>
+          </p:nvPr>
+        </p:nvSpPr>
+        <p:spPr>
+          <a:xfrm>
+            <a:off x="335280" y="535376"/>
+            <a:ext cx="8625840" cy="1470025"/>
+          </a:xfrm>
+        </p:spPr>
+        <p:txBody>
+          <a:bodyPr/>
+          <a:lstStyle/>
+          <a:p>
+            <a:r>
+              <a:rPr lang="en-US" dirty="0" smtClean="0"/>
+              <a:t>Global agreement - implementation</a:t>
+            </a:r>
+            <a:endParaRPr lang="en-US" dirty="0"/>
+          </a:p>
+        </p:txBody>
+      </p:sp>
+      <p:sp>
+        <p:nvSpPr>
+          <p:cNvPr id="6" name="TextBox 5"/>
+          <p:cNvSpPr txBox="1"/>
+          <p:nvPr/>
+        </p:nvSpPr>
+        <p:spPr>
+          <a:xfrm>
+            <a:off x="792480" y="2005400"/>
+            <a:ext cx="7528560" cy="2062103"/>
+          </a:xfrm>
+          <a:prstGeom prst="rect">
+            <a:avLst/>
+          </a:prstGeom>
+          <a:noFill/>
+        </p:spPr>
+        <p:txBody>
+          <a:bodyPr wrap="square" rtlCol="1">
+            <a:spAutoFit/>
+          </a:bodyPr>
+          <a:lstStyle/>
+          <a:p>
+            <a:r>
+              <a:rPr lang="en-US" sz="3200" dirty="0" smtClean="0"/>
+              <a:t>Global Agreement function represents by Boolean gates:</a:t>
+            </a:r>
+          </a:p>
+          <a:p>
+            <a:r>
+              <a:rPr lang="en-US" sz="3200" dirty="0" smtClean="0"/>
+              <a:t>And gates of all inputs.</a:t>
+            </a:r>
+            <a:endParaRPr lang="he-IL" sz="3200" dirty="0" smtClean="0"/>
+          </a:p>
+          <a:p>
+            <a:endParaRPr lang="he-IL" sz="3200" dirty="0"/>
+          </a:p>
+        </p:txBody>
+      </p:sp>
+    </p:spTree>
+    <p:extLst>
+      <p:ext uri="{BB962C8B-B14F-4D97-AF65-F5344CB8AC3E}">
+        <p14:creationId xmlns:p14="http://schemas.microsoft.com/office/powerpoint/2010/main" xmlns="" val="2400644727"/>
+      </p:ext>
+    </p:extLst>
+  </p:cSld>
+  <p:clrMapOvr>
+    <a:masterClrMapping/>
+  </p:clrMapOvr>
+  <p:timing>
+    <p:tnLst>
+      <p:par>
+        <p:cTn id="1" dur="indefinite" restart="never" nodeType="tmRoot"/>
+      </p:par>
+    </p:tnLst>
+  </p:timing>
+</p:sld>
+</file>
+
+<file path=ppt/slides/slide13.xml><?xml version="1.0" encoding="utf-8"?>
+<p:sld xmlns:a="http://schemas.openxmlformats.org/drawingml/2006/main" xmlns:r="http://schemas.openxmlformats.org/officeDocument/2006/relationships" xmlns:p="http://schemas.openxmlformats.org/presentationml/2006/main">
+  <p:cSld>
+    <p:spTree>
+      <p:nvGrpSpPr>
+        <p:cNvPr id="1" name=""/>
+        <p:cNvGrpSpPr/>
+        <p:nvPr/>
+      </p:nvGrpSpPr>
+      <p:grpSpPr>
+        <a:xfrm>
+          <a:off x="0" y="0"/>
+          <a:ext cx="0" cy="0"/>
+          <a:chOff x="0" y="0"/>
+          <a:chExt cx="0" cy="0"/>
+        </a:xfrm>
+      </p:grpSpPr>
+      <p:sp>
+        <p:nvSpPr>
+          <p:cNvPr id="2" name="Title 1"/>
+          <p:cNvSpPr>
+            <a:spLocks noGrp="1"/>
+          </p:cNvSpPr>
+          <p:nvPr>
+            <p:ph type="ctrTitle"/>
+          </p:nvPr>
+        </p:nvSpPr>
+        <p:spPr>
+          <a:xfrm>
+            <a:off x="335280" y="535376"/>
+            <a:ext cx="8625840" cy="1470025"/>
+          </a:xfrm>
+        </p:spPr>
+        <p:txBody>
+          <a:bodyPr/>
+          <a:lstStyle/>
+          <a:p>
+            <a:r>
+              <a:rPr lang="en-US" dirty="0" smtClean="0"/>
+              <a:t>Global agreement - Example</a:t>
+            </a:r>
+            <a:endParaRPr lang="en-US" dirty="0"/>
+          </a:p>
+        </p:txBody>
+      </p:sp>
+      <p:sp>
+        <p:nvSpPr>
+          <p:cNvPr id="6" name="TextBox 5"/>
+          <p:cNvSpPr txBox="1"/>
+          <p:nvPr/>
+        </p:nvSpPr>
+        <p:spPr>
+          <a:xfrm>
+            <a:off x="792480" y="2005400"/>
+            <a:ext cx="7528560" cy="1077218"/>
+          </a:xfrm>
+          <a:prstGeom prst="rect">
+            <a:avLst/>
+          </a:prstGeom>
+          <a:noFill/>
+        </p:spPr>
+        <p:txBody>
+          <a:bodyPr wrap="square" rtlCol="1">
+            <a:spAutoFit/>
+          </a:bodyPr>
+          <a:lstStyle/>
+          <a:p>
+            <a:endParaRPr lang="he-IL" sz="3200" dirty="0" smtClean="0"/>
+          </a:p>
+          <a:p>
+            <a:endParaRPr lang="he-IL" sz="3200" dirty="0"/>
+          </a:p>
+        </p:txBody>
+      </p:sp>
+      <p:sp>
+        <p:nvSpPr>
+          <p:cNvPr id="4" name="TextBox 3"/>
+          <p:cNvSpPr txBox="1"/>
+          <p:nvPr/>
+        </p:nvSpPr>
+        <p:spPr>
+          <a:xfrm>
+            <a:off x="693465" y="2005401"/>
+            <a:ext cx="7772400" cy="4524315"/>
+          </a:xfrm>
+          <a:prstGeom prst="rect">
+            <a:avLst/>
+          </a:prstGeom>
+          <a:noFill/>
+        </p:spPr>
+        <p:txBody>
+          <a:bodyPr wrap="square" rtlCol="1">
+            <a:spAutoFit/>
+          </a:bodyPr>
+          <a:lstStyle/>
+          <a:p>
+            <a:r>
+              <a:rPr lang="en-US" sz="3200" dirty="0" smtClean="0"/>
+              <a:t>3 secrets – s1=1, s2=0, s3=1.</a:t>
+            </a:r>
+          </a:p>
+          <a:p>
+            <a:r>
+              <a:rPr lang="en-US" sz="3200" dirty="0" smtClean="0"/>
+              <a:t>T=1, n  = 3, field = 7.</a:t>
+            </a:r>
+          </a:p>
+          <a:p>
+            <a:endParaRPr lang="en-US" sz="3200" dirty="0" smtClean="0"/>
+          </a:p>
+          <a:p>
+            <a:r>
+              <a:rPr lang="en-US" sz="3200" dirty="0"/>
+              <a:t>secret share for p1 (</a:t>
+            </a:r>
+            <a:r>
+              <a:rPr lang="en-US" sz="3200" dirty="0" smtClean="0"/>
+              <a:t>s1</a:t>
+            </a:r>
+            <a:r>
+              <a:rPr lang="en-US" sz="3200" dirty="0"/>
+              <a:t>)</a:t>
+            </a:r>
+          </a:p>
+          <a:p>
+            <a:r>
+              <a:rPr lang="he-IL" sz="3200" dirty="0"/>
+              <a:t>[(1,0)(2,6)(3,5)]</a:t>
+            </a:r>
+          </a:p>
+          <a:p>
+            <a:r>
+              <a:rPr lang="en-US" sz="3200" dirty="0"/>
+              <a:t>secret share for </a:t>
+            </a:r>
+            <a:r>
+              <a:rPr lang="en-US" sz="3200" dirty="0" smtClean="0"/>
+              <a:t>p2 </a:t>
+            </a:r>
+            <a:r>
+              <a:rPr lang="en-US" sz="3200" dirty="0"/>
+              <a:t>(</a:t>
+            </a:r>
+            <a:r>
+              <a:rPr lang="en-US" sz="3200" dirty="0" smtClean="0"/>
+              <a:t>s2)</a:t>
+            </a:r>
+            <a:endParaRPr lang="en-US" sz="3200" dirty="0"/>
+          </a:p>
+          <a:p>
+            <a:r>
+              <a:rPr lang="he-IL" sz="3200" dirty="0"/>
+              <a:t>[(1,5)(2,3)(3,1)]</a:t>
+            </a:r>
+          </a:p>
+          <a:p>
+            <a:r>
+              <a:rPr lang="en-US" sz="3200" dirty="0"/>
+              <a:t>secret share for </a:t>
+            </a:r>
+            <a:r>
+              <a:rPr lang="en-US" sz="3200" dirty="0" smtClean="0"/>
+              <a:t>p3 </a:t>
+            </a:r>
+            <a:r>
+              <a:rPr lang="en-US" sz="3200" dirty="0"/>
+              <a:t>(</a:t>
+            </a:r>
+            <a:r>
+              <a:rPr lang="en-US" sz="3200" dirty="0" smtClean="0"/>
+              <a:t>s3)</a:t>
+            </a:r>
+            <a:endParaRPr lang="en-US" sz="3200" dirty="0"/>
+          </a:p>
+          <a:p>
+            <a:r>
+              <a:rPr lang="he-IL" sz="3200" dirty="0"/>
+              <a:t>[(1,4)(2,0)(3,3)]</a:t>
+            </a:r>
+          </a:p>
+        </p:txBody>
+      </p:sp>
+    </p:spTree>
+    <p:extLst>
+      <p:ext uri="{BB962C8B-B14F-4D97-AF65-F5344CB8AC3E}">
+        <p14:creationId xmlns:p14="http://schemas.microsoft.com/office/powerpoint/2010/main" xmlns="" val="3481794422"/>
+      </p:ext>
+    </p:extLst>
+  </p:cSld>
+  <p:clrMapOvr>
+    <a:masterClrMapping/>
+  </p:clrMapOvr>
+  <p:timing>
+    <p:tnLst>
+      <p:par>
+        <p:cTn id="1" dur="indefinite" restart="never" nodeType="tmRoot"/>
+      </p:par>
+    </p:tnLst>
+  </p:timing>
+</p:sld>
+</file>
+
+<file path=ppt/slides/slide14.xml><?xml version="1.0" encoding="utf-8"?>
+<p:sld xmlns:a="http://schemas.openxmlformats.org/drawingml/2006/main" xmlns:r="http://schemas.openxmlformats.org/officeDocument/2006/relationships" xmlns:p="http://schemas.openxmlformats.org/presentationml/2006/main">
+  <p:cSld>
+    <p:spTree>
+      <p:nvGrpSpPr>
+        <p:cNvPr id="1" name=""/>
+        <p:cNvGrpSpPr/>
+        <p:nvPr/>
+      </p:nvGrpSpPr>
+      <p:grpSpPr>
+        <a:xfrm>
+          <a:off x="0" y="0"/>
+          <a:ext cx="0" cy="0"/>
+          <a:chOff x="0" y="0"/>
+          <a:chExt cx="0" cy="0"/>
+        </a:xfrm>
+      </p:grpSpPr>
+      <p:sp>
+        <p:nvSpPr>
+          <p:cNvPr id="2" name="Title 1"/>
+          <p:cNvSpPr>
+            <a:spLocks noGrp="1"/>
+          </p:cNvSpPr>
+          <p:nvPr>
+            <p:ph type="ctrTitle"/>
+          </p:nvPr>
+        </p:nvSpPr>
+        <p:spPr>
+          <a:xfrm>
+            <a:off x="335280" y="535376"/>
+            <a:ext cx="8625840" cy="1470025"/>
+          </a:xfrm>
+        </p:spPr>
+        <p:txBody>
+          <a:bodyPr/>
+          <a:lstStyle/>
+          <a:p>
+            <a:r>
+              <a:rPr lang="en-US" dirty="0" smtClean="0"/>
+              <a:t>Global agreement - Example</a:t>
+            </a:r>
+            <a:endParaRPr lang="en-US" dirty="0"/>
+          </a:p>
+        </p:txBody>
+      </p:sp>
+      <p:sp>
+        <p:nvSpPr>
+          <p:cNvPr id="6" name="TextBox 5"/>
+          <p:cNvSpPr txBox="1"/>
+          <p:nvPr/>
+        </p:nvSpPr>
+        <p:spPr>
+          <a:xfrm>
+            <a:off x="792480" y="2005400"/>
+            <a:ext cx="7528560" cy="1077218"/>
+          </a:xfrm>
+          <a:prstGeom prst="rect">
+            <a:avLst/>
+          </a:prstGeom>
+          <a:noFill/>
+        </p:spPr>
+        <p:txBody>
+          <a:bodyPr wrap="square" rtlCol="1">
+            <a:spAutoFit/>
+          </a:bodyPr>
+          <a:lstStyle/>
+          <a:p>
+            <a:endParaRPr lang="he-IL" sz="3200" dirty="0" smtClean="0"/>
+          </a:p>
+          <a:p>
+            <a:endParaRPr lang="he-IL" sz="3200" dirty="0"/>
+          </a:p>
+        </p:txBody>
+      </p:sp>
+    </p:spTree>
+    <p:extLst>
+      <p:ext uri="{BB962C8B-B14F-4D97-AF65-F5344CB8AC3E}">
+        <p14:creationId xmlns:p14="http://schemas.microsoft.com/office/powerpoint/2010/main" xmlns="" val="2087727253"/>
+      </p:ext>
+    </p:extLst>
+  </p:cSld>
+  <p:clrMapOvr>
+    <a:masterClrMapping/>
+  </p:clrMapOvr>
+  <p:timing>
+    <p:tnLst>
+      <p:par>
+        <p:cTn id="1" dur="indefinite" restart="never" nodeType="tmRoot"/>
+      </p:par>
+    </p:tnLst>
+  </p:timing>
+</p:sld>
+</file>
+
+<file path=ppt/slides/slide15.xml><?xml version="1.0" encoding="utf-8"?>
+<p:sld xmlns:a="http://schemas.openxmlformats.org/drawingml/2006/main" xmlns:r="http://schemas.openxmlformats.org/officeDocument/2006/relationships" xmlns:p="http://schemas.openxmlformats.org/presentationml/2006/main">
+  <p:cSld>
+    <p:spTree>
+      <p:nvGrpSpPr>
+        <p:cNvPr id="1" name=""/>
+        <p:cNvGrpSpPr/>
+        <p:nvPr/>
+      </p:nvGrpSpPr>
+      <p:grpSpPr>
+        <a:xfrm>
+          <a:off x="0" y="0"/>
+          <a:ext cx="0" cy="0"/>
+          <a:chOff x="0" y="0"/>
+          <a:chExt cx="0" cy="0"/>
+        </a:xfrm>
+      </p:grpSpPr>
+      <p:sp>
+        <p:nvSpPr>
+          <p:cNvPr id="2" name="Title 1"/>
+          <p:cNvSpPr>
+            <a:spLocks noGrp="1"/>
+          </p:cNvSpPr>
+          <p:nvPr>
+            <p:ph type="ctrTitle"/>
+          </p:nvPr>
+        </p:nvSpPr>
+        <p:spPr>
+          <a:xfrm>
+            <a:off x="693465" y="267335"/>
+            <a:ext cx="7772400" cy="1470025"/>
+          </a:xfrm>
+        </p:spPr>
+        <p:txBody>
+          <a:bodyPr/>
+          <a:lstStyle/>
+          <a:p>
+            <a:r>
+              <a:rPr lang="en-US" dirty="0" smtClean="0"/>
+              <a:t>Frequency - Motivation</a:t>
+            </a:r>
+            <a:endParaRPr lang="en-US" dirty="0"/>
+          </a:p>
+        </p:txBody>
+      </p:sp>
+      <p:sp>
+        <p:nvSpPr>
+          <p:cNvPr id="3" name="Subtitle 2"/>
+          <p:cNvSpPr>
+            <a:spLocks noGrp="1"/>
+          </p:cNvSpPr>
+          <p:nvPr>
+            <p:ph type="subTitle" idx="1"/>
+          </p:nvPr>
+        </p:nvSpPr>
+        <p:spPr>
+          <a:xfrm>
+            <a:off x="693465" y="1737360"/>
+            <a:ext cx="7581855" cy="2515985"/>
+          </a:xfrm>
+        </p:spPr>
+        <p:txBody>
+          <a:bodyPr>
+            <a:normAutofit/>
+          </a:bodyPr>
+          <a:lstStyle/>
+          <a:p>
+            <a:pPr algn="l"/>
+            <a:r>
+              <a:rPr lang="en-US" dirty="0" smtClean="0">
+                <a:solidFill>
+                  <a:schemeClr val="tx1"/>
+                </a:solidFill>
+              </a:rPr>
+              <a:t>Useful for:</a:t>
+            </a:r>
+          </a:p>
+          <a:p>
+            <a:pPr marL="514350" indent="-514350" algn="l"/>
+            <a:r>
+              <a:rPr lang="en-US" dirty="0" smtClean="0">
+                <a:solidFill>
+                  <a:schemeClr val="tx1"/>
+                </a:solidFill>
+              </a:rPr>
+              <a:t>Knowing who is the winner in an election.</a:t>
+            </a:r>
+          </a:p>
+          <a:p>
+            <a:pPr marL="514350" indent="-514350" algn="l"/>
+            <a:r>
+              <a:rPr lang="en-US" dirty="0" smtClean="0">
+                <a:solidFill>
+                  <a:schemeClr val="tx1"/>
+                </a:solidFill>
+              </a:rPr>
+              <a:t>(Vector of bits)</a:t>
+            </a:r>
+            <a:endParaRPr lang="en-US" dirty="0">
+              <a:solidFill>
+                <a:schemeClr val="tx1"/>
+              </a:solidFill>
+            </a:endParaRPr>
+          </a:p>
+        </p:txBody>
+      </p:sp>
+    </p:spTree>
+    <p:extLst>
+      <p:ext uri="{BB962C8B-B14F-4D97-AF65-F5344CB8AC3E}">
+        <p14:creationId xmlns:p14="http://schemas.microsoft.com/office/powerpoint/2010/main" xmlns="" val="813698840"/>
+      </p:ext>
+    </p:extLst>
+  </p:cSld>
+  <p:clrMapOvr>
+    <a:masterClrMapping/>
+  </p:clrMapOvr>
+  <p:timing>
+    <p:tnLst>
+      <p:par>
+        <p:cTn id="1" dur="indefinite" restart="never" nodeType="tmRoot"/>
+      </p:par>
+    </p:tnLst>
+  </p:timing>
+</p:sld>
+</file>
+
+<file path=ppt/slides/slide16.xml><?xml version="1.0" encoding="utf-8"?>
+<p:sld xmlns:a="http://schemas.openxmlformats.org/drawingml/2006/main" xmlns:r="http://schemas.openxmlformats.org/officeDocument/2006/relationships" xmlns:p="http://schemas.openxmlformats.org/presentationml/2006/main">
+  <p:cSld>
+    <p:spTree>
+      <p:nvGrpSpPr>
+        <p:cNvPr id="1" name=""/>
+        <p:cNvGrpSpPr/>
+        <p:nvPr/>
+      </p:nvGrpSpPr>
+      <p:grpSpPr>
+        <a:xfrm>
+          <a:off x="0" y="0"/>
+          <a:ext cx="0" cy="0"/>
+          <a:chOff x="0" y="0"/>
+          <a:chExt cx="0" cy="0"/>
+        </a:xfrm>
+      </p:grpSpPr>
+      <p:sp>
+        <p:nvSpPr>
+          <p:cNvPr id="2" name="Title 1"/>
+          <p:cNvSpPr>
+            <a:spLocks noGrp="1"/>
+          </p:cNvSpPr>
+          <p:nvPr>
+            <p:ph type="ctrTitle"/>
+          </p:nvPr>
+        </p:nvSpPr>
+        <p:spPr>
+          <a:xfrm>
+            <a:off x="693465" y="0"/>
+            <a:ext cx="7772400" cy="1470025"/>
+          </a:xfrm>
+        </p:spPr>
+        <p:txBody>
+          <a:bodyPr/>
+          <a:lstStyle/>
+          <a:p>
+            <a:r>
+              <a:rPr lang="en-US" dirty="0" smtClean="0"/>
+              <a:t>Frequency – implementation</a:t>
+            </a:r>
+            <a:endParaRPr lang="en-US" dirty="0"/>
+          </a:p>
+        </p:txBody>
+      </p:sp>
+      <p:sp>
+        <p:nvSpPr>
+          <p:cNvPr id="5" name="TextBox 4"/>
+          <p:cNvSpPr txBox="1"/>
+          <p:nvPr/>
+        </p:nvSpPr>
+        <p:spPr>
+          <a:xfrm>
+            <a:off x="1143000" y="1470025"/>
+            <a:ext cx="6918960" cy="4893647"/>
+          </a:xfrm>
+          <a:prstGeom prst="rect">
+            <a:avLst/>
+          </a:prstGeom>
+          <a:noFill/>
+        </p:spPr>
+        <p:txBody>
+          <a:bodyPr wrap="square" rtlCol="1">
+            <a:spAutoFit/>
+          </a:bodyPr>
+          <a:lstStyle/>
+          <a:p>
+            <a:r>
+              <a:rPr lang="en-US" sz="2400" dirty="0" smtClean="0"/>
+              <a:t>Phase 1 – input is Vector of integers. For each element(Candidate) run BGW with sum function.</a:t>
+            </a:r>
+          </a:p>
+          <a:p>
+            <a:r>
+              <a:rPr lang="en-US" sz="2400" dirty="0" smtClean="0"/>
+              <a:t>Phase 2 – input is vector of sum of votes for each candidate. V[</a:t>
+            </a:r>
+            <a:r>
+              <a:rPr lang="en-US" sz="2400" dirty="0" err="1" smtClean="0"/>
+              <a:t>i</a:t>
+            </a:r>
+            <a:r>
+              <a:rPr lang="en-US" sz="2400" dirty="0" smtClean="0"/>
+              <a:t>] is the sum for candidate </a:t>
+            </a:r>
+            <a:r>
+              <a:rPr lang="en-US" sz="2400" dirty="0" err="1" smtClean="0"/>
+              <a:t>i</a:t>
+            </a:r>
+            <a:r>
+              <a:rPr lang="en-US" sz="2400" dirty="0" smtClean="0"/>
+              <a:t>.</a:t>
+            </a:r>
+          </a:p>
+          <a:p>
+            <a:r>
+              <a:rPr lang="en-US" sz="2400" dirty="0" smtClean="0"/>
+              <a:t>From now on, no party (or t parties) can study anything from the Vector about the original secretes.</a:t>
+            </a:r>
+          </a:p>
+          <a:p>
+            <a:r>
+              <a:rPr lang="en-US" sz="2400" dirty="0" smtClean="0"/>
+              <a:t>Give V to one of the parties. He will calculates the maximum of V.</a:t>
+            </a:r>
+          </a:p>
+          <a:p>
+            <a:r>
+              <a:rPr lang="en-US" sz="2400" dirty="0" smtClean="0"/>
+              <a:t>Phase 3 – input – V(the sum vector), and the maximum.  Compare (binary Compare) the maximum for each V[</a:t>
+            </a:r>
+            <a:r>
+              <a:rPr lang="en-US" sz="2400" dirty="0" err="1" smtClean="0"/>
+              <a:t>i</a:t>
+            </a:r>
+            <a:r>
+              <a:rPr lang="en-US" sz="2400" dirty="0" smtClean="0"/>
+              <a:t>]. If match found – return </a:t>
+            </a:r>
+            <a:r>
+              <a:rPr lang="en-US" sz="2400" dirty="0" err="1" smtClean="0"/>
+              <a:t>i</a:t>
+            </a:r>
+            <a:r>
+              <a:rPr lang="en-US" sz="2400" dirty="0" smtClean="0"/>
+              <a:t>. </a:t>
+            </a:r>
+          </a:p>
+          <a:p>
+            <a:endParaRPr lang="en-US" sz="2400" dirty="0" smtClean="0"/>
+          </a:p>
+          <a:p>
+            <a:endParaRPr lang="he-IL" sz="2400" dirty="0"/>
+          </a:p>
+        </p:txBody>
+      </p:sp>
+    </p:spTree>
+    <p:extLst>
+      <p:ext uri="{BB962C8B-B14F-4D97-AF65-F5344CB8AC3E}">
+        <p14:creationId xmlns:p14="http://schemas.microsoft.com/office/powerpoint/2010/main" xmlns="" val="813698840"/>
+      </p:ext>
+    </p:extLst>
+  </p:cSld>
+  <p:clrMapOvr>
+    <a:masterClrMapping/>
+  </p:clrMapOvr>
+  <p:timing>
+    <p:tnLst>
+      <p:par>
+        <p:cTn id="1" dur="indefinite" restart="never" nodeType="tmRoot"/>
+      </p:par>
+    </p:tnLst>
+  </p:timing>
+</p:sld>
+</file>
+
+<file path=ppt/slides/slide17.xml><?xml version="1.0" encoding="utf-8"?>
+<p:sld xmlns:a="http://schemas.openxmlformats.org/drawingml/2006/main" xmlns:r="http://schemas.openxmlformats.org/officeDocument/2006/relationships" xmlns:p="http://schemas.openxmlformats.org/presentationml/2006/main">
+  <p:cSld>
+    <p:spTree>
+      <p:nvGrpSpPr>
+        <p:cNvPr id="1" name=""/>
+        <p:cNvGrpSpPr/>
+        <p:nvPr/>
+      </p:nvGrpSpPr>
+      <p:grpSpPr>
+        <a:xfrm>
+          <a:off x="0" y="0"/>
+          <a:ext cx="0" cy="0"/>
+          <a:chOff x="0" y="0"/>
+          <a:chExt cx="0" cy="0"/>
+        </a:xfrm>
+      </p:grpSpPr>
+      <p:sp>
+        <p:nvSpPr>
+          <p:cNvPr id="2" name="Title 1"/>
+          <p:cNvSpPr>
+            <a:spLocks noGrp="1"/>
+          </p:cNvSpPr>
+          <p:nvPr>
+            <p:ph type="ctrTitle"/>
+          </p:nvPr>
+        </p:nvSpPr>
+        <p:spPr>
+          <a:xfrm>
+            <a:off x="693465" y="0"/>
+            <a:ext cx="7772400" cy="1470025"/>
+          </a:xfrm>
+        </p:spPr>
+        <p:txBody>
+          <a:bodyPr/>
+          <a:lstStyle/>
+          <a:p>
+            <a:r>
+              <a:rPr lang="en-US" dirty="0" smtClean="0"/>
+              <a:t>Frequency – implementation</a:t>
+            </a:r>
+            <a:endParaRPr lang="en-US" dirty="0"/>
+          </a:p>
+        </p:txBody>
+      </p:sp>
+    </p:spTree>
+    <p:extLst>
+      <p:ext uri="{BB962C8B-B14F-4D97-AF65-F5344CB8AC3E}">
+        <p14:creationId xmlns:p14="http://schemas.microsoft.com/office/powerpoint/2010/main" xmlns="" val="4115421829"/>
+      </p:ext>
+    </p:extLst>
+  </p:cSld>
+  <p:clrMapOvr>
+    <a:masterClrMapping/>
+  </p:clrMapOvr>
+  <p:timing>
+    <p:tnLst>
+      <p:par>
+        <p:cTn id="1" dur="indefinite" restart="never" nodeType="tmRoot"/>
+      </p:par>
+    </p:tnLst>
+  </p:timing>
+</p:sld>
+</file>
+
+<file path=ppt/slides/slide2.xml><?xml version="1.0" encoding="utf-8"?>
+<p:sld xmlns:a="http://schemas.openxmlformats.org/drawingml/2006/main" xmlns:r="http://schemas.openxmlformats.org/officeDocument/2006/relationships" xmlns:p="http://schemas.openxmlformats.org/presentationml/2006/main">
+  <p:cSld>
+    <p:spTree>
+      <p:nvGrpSpPr>
+        <p:cNvPr id="1" name=""/>
+        <p:cNvGrpSpPr/>
+        <p:nvPr/>
+      </p:nvGrpSpPr>
+      <p:grpSpPr>
+        <a:xfrm>
+          <a:off x="0" y="0"/>
+          <a:ext cx="0" cy="0"/>
+          <a:chOff x="0" y="0"/>
+          <a:chExt cx="0" cy="0"/>
+        </a:xfrm>
+      </p:grpSpPr>
+      <p:sp>
+        <p:nvSpPr>
+          <p:cNvPr id="2" name="Title 1"/>
+          <p:cNvSpPr>
+            <a:spLocks noGrp="1"/>
+          </p:cNvSpPr>
+          <p:nvPr>
+            <p:ph type="title"/>
+          </p:nvPr>
+        </p:nvSpPr>
         <p:spPr>
           <a:xfrm>
             <a:off x="457200" y="472440"/>
@@ -4346,10 +5397,10 @@
               <a:rPr lang="en-US" dirty="0" smtClean="0"/>
             </a:br>
             <a:r>
-              <a:rPr lang="en-US" dirty="0" smtClean="0"/>
+              <a:rPr lang="en-US" u="sng" dirty="0" smtClean="0"/>
               <a:t>first design</a:t>
             </a:r>
-            <a:endParaRPr lang="he-IL" dirty="0"/>
+            <a:endParaRPr lang="he-IL" u="sng" dirty="0"/>
           </a:p>
         </p:txBody>
       </p:sp>
@@ -4394,7 +5445,7 @@
 </p:sld>
 </file>
 
-<file path=ppt/slides/slide10.xml><?xml version="1.0" encoding="utf-8"?>
+<file path=ppt/slides/slide3.xml><?xml version="1.0" encoding="utf-8"?>
 <p:sld xmlns:a="http://schemas.openxmlformats.org/drawingml/2006/main" xmlns:r="http://schemas.openxmlformats.org/officeDocument/2006/relationships" xmlns:p="http://schemas.openxmlformats.org/presentationml/2006/main">
   <p:cSld>
     <p:spTree>
@@ -4418,943 +5469,6 @@
             <a:spLocks noGrp="1"/>
           </p:cNvSpPr>
           <p:nvPr>
-            <p:ph type="ctrTitle"/>
-          </p:nvPr>
-        </p:nvSpPr>
-        <p:spPr>
-          <a:xfrm>
-            <a:off x="693465" y="535376"/>
-            <a:ext cx="7772400" cy="1470025"/>
-          </a:xfrm>
-        </p:spPr>
-        <p:txBody>
-          <a:bodyPr/>
-          <a:lstStyle/>
-          <a:p>
-            <a:r>
-              <a:rPr lang="en-US" dirty="0" smtClean="0"/>
-              <a:t>Global agreement - motivation</a:t>
-            </a:r>
-            <a:endParaRPr lang="en-US" dirty="0"/>
-          </a:p>
-        </p:txBody>
-      </p:sp>
-      <p:sp>
-        <p:nvSpPr>
-          <p:cNvPr id="3" name="Subtitle 2"/>
-          <p:cNvSpPr>
-            <a:spLocks noGrp="1"/>
-          </p:cNvSpPr>
-          <p:nvPr>
-            <p:ph type="subTitle" idx="1"/>
-          </p:nvPr>
-        </p:nvSpPr>
-        <p:spPr>
-          <a:xfrm>
-            <a:off x="365760" y="2005400"/>
-            <a:ext cx="8564880" cy="3816279"/>
-          </a:xfrm>
-        </p:spPr>
-        <p:txBody>
-          <a:bodyPr>
-            <a:noAutofit/>
-          </a:bodyPr>
-          <a:lstStyle/>
-          <a:p>
-            <a:pPr algn="l">
-              <a:buFont typeface="Arial" pitchFamily="34" charset="0"/>
-              <a:buChar char="•"/>
-            </a:pPr>
-            <a:r>
-              <a:rPr lang="en-US" sz="3600" dirty="0" smtClean="0">
-                <a:solidFill>
-                  <a:schemeClr val="tx1"/>
-                </a:solidFill>
-              </a:rPr>
-              <a:t>   Useful for:</a:t>
-            </a:r>
-          </a:p>
-          <a:p>
-            <a:pPr marL="514350" indent="-514350" algn="l">
-              <a:buAutoNum type="arabicPeriod"/>
-            </a:pPr>
-            <a:r>
-              <a:rPr lang="en-US" sz="3600" dirty="0" smtClean="0">
-                <a:solidFill>
-                  <a:schemeClr val="tx1"/>
-                </a:solidFill>
-              </a:rPr>
-              <a:t>For peace in the Middle East.</a:t>
-            </a:r>
-          </a:p>
-          <a:p>
-            <a:pPr marL="514350" indent="-514350" algn="l">
-              <a:buAutoNum type="arabicPeriod"/>
-            </a:pPr>
-            <a:r>
-              <a:rPr lang="en-US" sz="3600" dirty="0" smtClean="0">
-                <a:solidFill>
-                  <a:schemeClr val="tx1"/>
-                </a:solidFill>
-              </a:rPr>
-              <a:t>Global agreements in Business meetings.</a:t>
-            </a:r>
-          </a:p>
-          <a:p>
-            <a:pPr marL="514350" indent="-514350" algn="l">
-              <a:buAutoNum type="arabicPeriod"/>
-            </a:pPr>
-            <a:endParaRPr lang="en-US" sz="3600" dirty="0">
-              <a:solidFill>
-                <a:schemeClr val="tx1"/>
-              </a:solidFill>
-            </a:endParaRPr>
-          </a:p>
-        </p:txBody>
-      </p:sp>
-    </p:spTree>
-    <p:extLst>
-      <p:ext uri="{BB962C8B-B14F-4D97-AF65-F5344CB8AC3E}">
-        <p14:creationId xmlns:p14="http://schemas.microsoft.com/office/powerpoint/2010/main" val="2400644727"/>
-      </p:ext>
-    </p:extLst>
-  </p:cSld>
-  <p:clrMapOvr>
-    <a:masterClrMapping/>
-  </p:clrMapOvr>
-  <p:timing>
-    <p:tnLst>
-      <p:par>
-        <p:cTn id="1" dur="indefinite" restart="never" nodeType="tmRoot"/>
-      </p:par>
-    </p:tnLst>
-  </p:timing>
-</p:sld>
-</file>
-
-<file path=ppt/slides/slide11.xml><?xml version="1.0" encoding="utf-8"?>
-<p:sld xmlns:a="http://schemas.openxmlformats.org/drawingml/2006/main" xmlns:r="http://schemas.openxmlformats.org/officeDocument/2006/relationships" xmlns:p="http://schemas.openxmlformats.org/presentationml/2006/main">
-  <p:cSld>
-    <p:spTree>
-      <p:nvGrpSpPr>
-        <p:cNvPr id="1" name=""/>
-        <p:cNvGrpSpPr/>
-        <p:nvPr/>
-      </p:nvGrpSpPr>
-      <p:grpSpPr>
-        <a:xfrm>
-          <a:off x="0" y="0"/>
-          <a:ext cx="0" cy="0"/>
-          <a:chOff x="0" y="0"/>
-          <a:chExt cx="0" cy="0"/>
-        </a:xfrm>
-      </p:grpSpPr>
-      <p:sp>
-        <p:nvSpPr>
-          <p:cNvPr id="2" name="Title 1"/>
-          <p:cNvSpPr>
-            <a:spLocks noGrp="1"/>
-          </p:cNvSpPr>
-          <p:nvPr>
-            <p:ph type="ctrTitle"/>
-          </p:nvPr>
-        </p:nvSpPr>
-        <p:spPr>
-          <a:xfrm>
-            <a:off x="335280" y="535376"/>
-            <a:ext cx="8625840" cy="1470025"/>
-          </a:xfrm>
-        </p:spPr>
-        <p:txBody>
-          <a:bodyPr/>
-          <a:lstStyle/>
-          <a:p>
-            <a:r>
-              <a:rPr lang="en-US" dirty="0" smtClean="0"/>
-              <a:t>Global agreement - implementation</a:t>
-            </a:r>
-            <a:endParaRPr lang="en-US" dirty="0"/>
-          </a:p>
-        </p:txBody>
-      </p:sp>
-      <p:sp>
-        <p:nvSpPr>
-          <p:cNvPr id="6" name="TextBox 5"/>
-          <p:cNvSpPr txBox="1"/>
-          <p:nvPr/>
-        </p:nvSpPr>
-        <p:spPr>
-          <a:xfrm>
-            <a:off x="792480" y="2005400"/>
-            <a:ext cx="7528560" cy="2062103"/>
-          </a:xfrm>
-          <a:prstGeom prst="rect">
-            <a:avLst/>
-          </a:prstGeom>
-          <a:noFill/>
-        </p:spPr>
-        <p:txBody>
-          <a:bodyPr wrap="square" rtlCol="1">
-            <a:spAutoFit/>
-          </a:bodyPr>
-          <a:lstStyle/>
-          <a:p>
-            <a:r>
-              <a:rPr lang="en-US" sz="3200" dirty="0" smtClean="0"/>
-              <a:t>Global Agreement function represents by Boolean gates:</a:t>
-            </a:r>
-          </a:p>
-          <a:p>
-            <a:r>
-              <a:rPr lang="en-US" sz="3200" dirty="0" smtClean="0"/>
-              <a:t>And gates of all inputs.</a:t>
-            </a:r>
-            <a:endParaRPr lang="he-IL" sz="3200" dirty="0" smtClean="0"/>
-          </a:p>
-          <a:p>
-            <a:endParaRPr lang="he-IL" sz="3200" dirty="0"/>
-          </a:p>
-        </p:txBody>
-      </p:sp>
-    </p:spTree>
-    <p:extLst>
-      <p:ext uri="{BB962C8B-B14F-4D97-AF65-F5344CB8AC3E}">
-        <p14:creationId xmlns:p14="http://schemas.microsoft.com/office/powerpoint/2010/main" val="2400644727"/>
-      </p:ext>
-    </p:extLst>
-  </p:cSld>
-  <p:clrMapOvr>
-    <a:masterClrMapping/>
-  </p:clrMapOvr>
-  <p:timing>
-    <p:tnLst>
-      <p:par>
-        <p:cTn id="1" dur="indefinite" restart="never" nodeType="tmRoot"/>
-      </p:par>
-    </p:tnLst>
-  </p:timing>
-</p:sld>
-</file>
-
-<file path=ppt/slides/slide12.xml><?xml version="1.0" encoding="utf-8"?>
-<p:sld xmlns:a="http://schemas.openxmlformats.org/drawingml/2006/main" xmlns:r="http://schemas.openxmlformats.org/officeDocument/2006/relationships" xmlns:p="http://schemas.openxmlformats.org/presentationml/2006/main">
-  <p:cSld>
-    <p:spTree>
-      <p:nvGrpSpPr>
-        <p:cNvPr id="1" name=""/>
-        <p:cNvGrpSpPr/>
-        <p:nvPr/>
-      </p:nvGrpSpPr>
-      <p:grpSpPr>
-        <a:xfrm>
-          <a:off x="0" y="0"/>
-          <a:ext cx="0" cy="0"/>
-          <a:chOff x="0" y="0"/>
-          <a:chExt cx="0" cy="0"/>
-        </a:xfrm>
-      </p:grpSpPr>
-      <p:sp>
-        <p:nvSpPr>
-          <p:cNvPr id="2" name="Title 1"/>
-          <p:cNvSpPr>
-            <a:spLocks noGrp="1"/>
-          </p:cNvSpPr>
-          <p:nvPr>
-            <p:ph type="ctrTitle"/>
-          </p:nvPr>
-        </p:nvSpPr>
-        <p:spPr>
-          <a:xfrm>
-            <a:off x="335280" y="535376"/>
-            <a:ext cx="8625840" cy="1470025"/>
-          </a:xfrm>
-        </p:spPr>
-        <p:txBody>
-          <a:bodyPr/>
-          <a:lstStyle/>
-          <a:p>
-            <a:r>
-              <a:rPr lang="en-US" dirty="0" smtClean="0"/>
-              <a:t>Global agreement - Example</a:t>
-            </a:r>
-            <a:endParaRPr lang="en-US" dirty="0"/>
-          </a:p>
-        </p:txBody>
-      </p:sp>
-      <p:sp>
-        <p:nvSpPr>
-          <p:cNvPr id="6" name="TextBox 5"/>
-          <p:cNvSpPr txBox="1"/>
-          <p:nvPr/>
-        </p:nvSpPr>
-        <p:spPr>
-          <a:xfrm>
-            <a:off x="792480" y="2005400"/>
-            <a:ext cx="7528560" cy="1077218"/>
-          </a:xfrm>
-          <a:prstGeom prst="rect">
-            <a:avLst/>
-          </a:prstGeom>
-          <a:noFill/>
-        </p:spPr>
-        <p:txBody>
-          <a:bodyPr wrap="square" rtlCol="1">
-            <a:spAutoFit/>
-          </a:bodyPr>
-          <a:lstStyle/>
-          <a:p>
-            <a:endParaRPr lang="he-IL" sz="3200" dirty="0" smtClean="0"/>
-          </a:p>
-          <a:p>
-            <a:endParaRPr lang="he-IL" sz="3200" dirty="0"/>
-          </a:p>
-        </p:txBody>
-      </p:sp>
-      <p:sp>
-        <p:nvSpPr>
-          <p:cNvPr id="4" name="TextBox 3"/>
-          <p:cNvSpPr txBox="1"/>
-          <p:nvPr/>
-        </p:nvSpPr>
-        <p:spPr>
-          <a:xfrm>
-            <a:off x="693465" y="2005401"/>
-            <a:ext cx="7772400" cy="4524315"/>
-          </a:xfrm>
-          <a:prstGeom prst="rect">
-            <a:avLst/>
-          </a:prstGeom>
-          <a:noFill/>
-        </p:spPr>
-        <p:txBody>
-          <a:bodyPr wrap="square" rtlCol="1">
-            <a:spAutoFit/>
-          </a:bodyPr>
-          <a:lstStyle/>
-          <a:p>
-            <a:r>
-              <a:rPr lang="en-US" sz="3200" dirty="0" smtClean="0"/>
-              <a:t>3 secrets – s1=1, s2=0, s3=1.</a:t>
-            </a:r>
-          </a:p>
-          <a:p>
-            <a:r>
-              <a:rPr lang="en-US" sz="3200" dirty="0" smtClean="0"/>
-              <a:t>T=1, n  = 3, field = 7.</a:t>
-            </a:r>
-          </a:p>
-          <a:p>
-            <a:endParaRPr lang="en-US" sz="3200" dirty="0" smtClean="0"/>
-          </a:p>
-          <a:p>
-            <a:r>
-              <a:rPr lang="en-US" sz="3200" dirty="0"/>
-              <a:t>secret share for p1 (</a:t>
-            </a:r>
-            <a:r>
-              <a:rPr lang="en-US" sz="3200" dirty="0" smtClean="0"/>
-              <a:t>s1</a:t>
-            </a:r>
-            <a:r>
-              <a:rPr lang="en-US" sz="3200" dirty="0"/>
-              <a:t>)</a:t>
-            </a:r>
-          </a:p>
-          <a:p>
-            <a:r>
-              <a:rPr lang="he-IL" sz="3200" dirty="0"/>
-              <a:t>[(1,0)(2,6)(3,5)]</a:t>
-            </a:r>
-          </a:p>
-          <a:p>
-            <a:r>
-              <a:rPr lang="en-US" sz="3200" dirty="0"/>
-              <a:t>secret share for p1 (</a:t>
-            </a:r>
-            <a:r>
-              <a:rPr lang="en-US" sz="3200" dirty="0" smtClean="0"/>
-              <a:t>s2)</a:t>
-            </a:r>
-            <a:endParaRPr lang="en-US" sz="3200" dirty="0"/>
-          </a:p>
-          <a:p>
-            <a:r>
-              <a:rPr lang="he-IL" sz="3200" dirty="0"/>
-              <a:t>[(1,5)(2,3)(3,1)]</a:t>
-            </a:r>
-          </a:p>
-          <a:p>
-            <a:r>
-              <a:rPr lang="en-US" sz="3200" dirty="0"/>
-              <a:t>secret share for p1 (</a:t>
-            </a:r>
-            <a:r>
-              <a:rPr lang="en-US" sz="3200" dirty="0" smtClean="0"/>
-              <a:t>s3)</a:t>
-            </a:r>
-            <a:endParaRPr lang="en-US" sz="3200" dirty="0"/>
-          </a:p>
-          <a:p>
-            <a:r>
-              <a:rPr lang="he-IL" sz="3200" dirty="0"/>
-              <a:t>[(1,4)(2,0)(3,3)]</a:t>
-            </a:r>
-          </a:p>
-        </p:txBody>
-      </p:sp>
-    </p:spTree>
-    <p:extLst>
-      <p:ext uri="{BB962C8B-B14F-4D97-AF65-F5344CB8AC3E}">
-        <p14:creationId xmlns:p14="http://schemas.microsoft.com/office/powerpoint/2010/main" val="3481794422"/>
-      </p:ext>
-    </p:extLst>
-  </p:cSld>
-  <p:clrMapOvr>
-    <a:masterClrMapping/>
-  </p:clrMapOvr>
-  <p:timing>
-    <p:tnLst>
-      <p:par>
-        <p:cTn id="1" dur="indefinite" restart="never" nodeType="tmRoot"/>
-      </p:par>
-    </p:tnLst>
-  </p:timing>
-</p:sld>
-</file>
-
-<file path=ppt/slides/slide13.xml><?xml version="1.0" encoding="utf-8"?>
-<p:sld xmlns:a="http://schemas.openxmlformats.org/drawingml/2006/main" xmlns:r="http://schemas.openxmlformats.org/officeDocument/2006/relationships" xmlns:p="http://schemas.openxmlformats.org/presentationml/2006/main">
-  <p:cSld>
-    <p:spTree>
-      <p:nvGrpSpPr>
-        <p:cNvPr id="1" name=""/>
-        <p:cNvGrpSpPr/>
-        <p:nvPr/>
-      </p:nvGrpSpPr>
-      <p:grpSpPr>
-        <a:xfrm>
-          <a:off x="0" y="0"/>
-          <a:ext cx="0" cy="0"/>
-          <a:chOff x="0" y="0"/>
-          <a:chExt cx="0" cy="0"/>
-        </a:xfrm>
-      </p:grpSpPr>
-      <p:sp>
-        <p:nvSpPr>
-          <p:cNvPr id="2" name="Title 1"/>
-          <p:cNvSpPr>
-            <a:spLocks noGrp="1"/>
-          </p:cNvSpPr>
-          <p:nvPr>
-            <p:ph type="ctrTitle"/>
-          </p:nvPr>
-        </p:nvSpPr>
-        <p:spPr>
-          <a:xfrm>
-            <a:off x="335280" y="535376"/>
-            <a:ext cx="8625840" cy="1470025"/>
-          </a:xfrm>
-        </p:spPr>
-        <p:txBody>
-          <a:bodyPr/>
-          <a:lstStyle/>
-          <a:p>
-            <a:r>
-              <a:rPr lang="en-US" dirty="0" smtClean="0"/>
-              <a:t>Global agreement - Example</a:t>
-            </a:r>
-            <a:endParaRPr lang="en-US" dirty="0"/>
-          </a:p>
-        </p:txBody>
-      </p:sp>
-      <p:sp>
-        <p:nvSpPr>
-          <p:cNvPr id="6" name="TextBox 5"/>
-          <p:cNvSpPr txBox="1"/>
-          <p:nvPr/>
-        </p:nvSpPr>
-        <p:spPr>
-          <a:xfrm>
-            <a:off x="792480" y="2005400"/>
-            <a:ext cx="7528560" cy="1077218"/>
-          </a:xfrm>
-          <a:prstGeom prst="rect">
-            <a:avLst/>
-          </a:prstGeom>
-          <a:noFill/>
-        </p:spPr>
-        <p:txBody>
-          <a:bodyPr wrap="square" rtlCol="1">
-            <a:spAutoFit/>
-          </a:bodyPr>
-          <a:lstStyle/>
-          <a:p>
-            <a:endParaRPr lang="he-IL" sz="3200" dirty="0" smtClean="0"/>
-          </a:p>
-          <a:p>
-            <a:endParaRPr lang="he-IL" sz="3200" dirty="0"/>
-          </a:p>
-        </p:txBody>
-      </p:sp>
-    </p:spTree>
-    <p:extLst>
-      <p:ext uri="{BB962C8B-B14F-4D97-AF65-F5344CB8AC3E}">
-        <p14:creationId xmlns:p14="http://schemas.microsoft.com/office/powerpoint/2010/main" val="2087727253"/>
-      </p:ext>
-    </p:extLst>
-  </p:cSld>
-  <p:clrMapOvr>
-    <a:masterClrMapping/>
-  </p:clrMapOvr>
-  <p:timing>
-    <p:tnLst>
-      <p:par>
-        <p:cTn id="1" dur="indefinite" restart="never" nodeType="tmRoot"/>
-      </p:par>
-    </p:tnLst>
-  </p:timing>
-</p:sld>
-</file>
-
-<file path=ppt/slides/slide14.xml><?xml version="1.0" encoding="utf-8"?>
-<p:sld xmlns:a="http://schemas.openxmlformats.org/drawingml/2006/main" xmlns:r="http://schemas.openxmlformats.org/officeDocument/2006/relationships" xmlns:p="http://schemas.openxmlformats.org/presentationml/2006/main">
-  <p:cSld>
-    <p:spTree>
-      <p:nvGrpSpPr>
-        <p:cNvPr id="1" name=""/>
-        <p:cNvGrpSpPr/>
-        <p:nvPr/>
-      </p:nvGrpSpPr>
-      <p:grpSpPr>
-        <a:xfrm>
-          <a:off x="0" y="0"/>
-          <a:ext cx="0" cy="0"/>
-          <a:chOff x="0" y="0"/>
-          <a:chExt cx="0" cy="0"/>
-        </a:xfrm>
-      </p:grpSpPr>
-      <p:sp>
-        <p:nvSpPr>
-          <p:cNvPr id="2" name="Title 1"/>
-          <p:cNvSpPr>
-            <a:spLocks noGrp="1"/>
-          </p:cNvSpPr>
-          <p:nvPr>
-            <p:ph type="ctrTitle"/>
-          </p:nvPr>
-        </p:nvSpPr>
-        <p:spPr>
-          <a:xfrm>
-            <a:off x="693465" y="267335"/>
-            <a:ext cx="7772400" cy="1470025"/>
-          </a:xfrm>
-        </p:spPr>
-        <p:txBody>
-          <a:bodyPr/>
-          <a:lstStyle/>
-          <a:p>
-            <a:r>
-              <a:rPr lang="en-US" dirty="0" smtClean="0"/>
-              <a:t>Frequency - Motivation</a:t>
-            </a:r>
-            <a:endParaRPr lang="en-US" dirty="0"/>
-          </a:p>
-        </p:txBody>
-      </p:sp>
-      <p:sp>
-        <p:nvSpPr>
-          <p:cNvPr id="3" name="Subtitle 2"/>
-          <p:cNvSpPr>
-            <a:spLocks noGrp="1"/>
-          </p:cNvSpPr>
-          <p:nvPr>
-            <p:ph type="subTitle" idx="1"/>
-          </p:nvPr>
-        </p:nvSpPr>
-        <p:spPr>
-          <a:xfrm>
-            <a:off x="693465" y="1737360"/>
-            <a:ext cx="7581855" cy="2515985"/>
-          </a:xfrm>
-        </p:spPr>
-        <p:txBody>
-          <a:bodyPr>
-            <a:normAutofit/>
-          </a:bodyPr>
-          <a:lstStyle/>
-          <a:p>
-            <a:pPr algn="l"/>
-            <a:r>
-              <a:rPr lang="en-US" dirty="0" smtClean="0">
-                <a:solidFill>
-                  <a:schemeClr val="tx1"/>
-                </a:solidFill>
-              </a:rPr>
-              <a:t>Useful for:</a:t>
-            </a:r>
-          </a:p>
-          <a:p>
-            <a:pPr marL="514350" indent="-514350" algn="l"/>
-            <a:r>
-              <a:rPr lang="en-US" dirty="0" smtClean="0">
-                <a:solidFill>
-                  <a:schemeClr val="tx1"/>
-                </a:solidFill>
-              </a:rPr>
-              <a:t>Knowing who is the winner in an election.</a:t>
-            </a:r>
-          </a:p>
-          <a:p>
-            <a:pPr marL="514350" indent="-514350" algn="l"/>
-            <a:r>
-              <a:rPr lang="en-US" dirty="0" smtClean="0">
-                <a:solidFill>
-                  <a:schemeClr val="tx1"/>
-                </a:solidFill>
-              </a:rPr>
-              <a:t>(Vector of bits)</a:t>
-            </a:r>
-            <a:endParaRPr lang="en-US" dirty="0">
-              <a:solidFill>
-                <a:schemeClr val="tx1"/>
-              </a:solidFill>
-            </a:endParaRPr>
-          </a:p>
-        </p:txBody>
-      </p:sp>
-    </p:spTree>
-    <p:extLst>
-      <p:ext uri="{BB962C8B-B14F-4D97-AF65-F5344CB8AC3E}">
-        <p14:creationId xmlns:p14="http://schemas.microsoft.com/office/powerpoint/2010/main" val="813698840"/>
-      </p:ext>
-    </p:extLst>
-  </p:cSld>
-  <p:clrMapOvr>
-    <a:masterClrMapping/>
-  </p:clrMapOvr>
-  <p:timing>
-    <p:tnLst>
-      <p:par>
-        <p:cTn id="1" dur="indefinite" restart="never" nodeType="tmRoot"/>
-      </p:par>
-    </p:tnLst>
-  </p:timing>
-</p:sld>
-</file>
-
-<file path=ppt/slides/slide15.xml><?xml version="1.0" encoding="utf-8"?>
-<p:sld xmlns:a="http://schemas.openxmlformats.org/drawingml/2006/main" xmlns:r="http://schemas.openxmlformats.org/officeDocument/2006/relationships" xmlns:p="http://schemas.openxmlformats.org/presentationml/2006/main">
-  <p:cSld>
-    <p:spTree>
-      <p:nvGrpSpPr>
-        <p:cNvPr id="1" name=""/>
-        <p:cNvGrpSpPr/>
-        <p:nvPr/>
-      </p:nvGrpSpPr>
-      <p:grpSpPr>
-        <a:xfrm>
-          <a:off x="0" y="0"/>
-          <a:ext cx="0" cy="0"/>
-          <a:chOff x="0" y="0"/>
-          <a:chExt cx="0" cy="0"/>
-        </a:xfrm>
-      </p:grpSpPr>
-      <p:sp>
-        <p:nvSpPr>
-          <p:cNvPr id="2" name="Title 1"/>
-          <p:cNvSpPr>
-            <a:spLocks noGrp="1"/>
-          </p:cNvSpPr>
-          <p:nvPr>
-            <p:ph type="ctrTitle"/>
-          </p:nvPr>
-        </p:nvSpPr>
-        <p:spPr>
-          <a:xfrm>
-            <a:off x="693465" y="0"/>
-            <a:ext cx="7772400" cy="1470025"/>
-          </a:xfrm>
-        </p:spPr>
-        <p:txBody>
-          <a:bodyPr/>
-          <a:lstStyle/>
-          <a:p>
-            <a:r>
-              <a:rPr lang="en-US" dirty="0" smtClean="0"/>
-              <a:t>Frequency – implementation</a:t>
-            </a:r>
-            <a:endParaRPr lang="en-US" dirty="0"/>
-          </a:p>
-        </p:txBody>
-      </p:sp>
-      <p:sp>
-        <p:nvSpPr>
-          <p:cNvPr id="5" name="TextBox 4"/>
-          <p:cNvSpPr txBox="1"/>
-          <p:nvPr/>
-        </p:nvSpPr>
-        <p:spPr>
-          <a:xfrm>
-            <a:off x="1143000" y="1470025"/>
-            <a:ext cx="6918960" cy="4893647"/>
-          </a:xfrm>
-          <a:prstGeom prst="rect">
-            <a:avLst/>
-          </a:prstGeom>
-          <a:noFill/>
-        </p:spPr>
-        <p:txBody>
-          <a:bodyPr wrap="square" rtlCol="1">
-            <a:spAutoFit/>
-          </a:bodyPr>
-          <a:lstStyle/>
-          <a:p>
-            <a:r>
-              <a:rPr lang="en-US" sz="2400" dirty="0" smtClean="0"/>
-              <a:t>Phase 1 – input is Vector of integers. For each element(Candidate) run BGW with sum function.</a:t>
-            </a:r>
-          </a:p>
-          <a:p>
-            <a:r>
-              <a:rPr lang="en-US" sz="2400" dirty="0" smtClean="0"/>
-              <a:t>Phase 2 – input is vector of sum of votes for each candidate. V[</a:t>
-            </a:r>
-            <a:r>
-              <a:rPr lang="en-US" sz="2400" dirty="0" err="1" smtClean="0"/>
-              <a:t>i</a:t>
-            </a:r>
-            <a:r>
-              <a:rPr lang="en-US" sz="2400" dirty="0" smtClean="0"/>
-              <a:t>] is the sum for candidate </a:t>
-            </a:r>
-            <a:r>
-              <a:rPr lang="en-US" sz="2400" dirty="0" err="1" smtClean="0"/>
-              <a:t>i</a:t>
-            </a:r>
-            <a:r>
-              <a:rPr lang="en-US" sz="2400" dirty="0" smtClean="0"/>
-              <a:t>.</a:t>
-            </a:r>
-          </a:p>
-          <a:p>
-            <a:r>
-              <a:rPr lang="en-US" sz="2400" dirty="0" smtClean="0"/>
-              <a:t>From now on, no party (or t parties) can study anything from the Vector about the original secretes.</a:t>
-            </a:r>
-          </a:p>
-          <a:p>
-            <a:r>
-              <a:rPr lang="en-US" sz="2400" dirty="0" smtClean="0"/>
-              <a:t>Give V to one of the parties. He will calculates the maximum of V.</a:t>
-            </a:r>
-          </a:p>
-          <a:p>
-            <a:r>
-              <a:rPr lang="en-US" sz="2400" dirty="0" smtClean="0"/>
-              <a:t>Phase 3 – input – V(the sum vector), and the maximum.  Compare (binary Compare) the maximum for each V[</a:t>
-            </a:r>
-            <a:r>
-              <a:rPr lang="en-US" sz="2400" dirty="0" err="1" smtClean="0"/>
-              <a:t>i</a:t>
-            </a:r>
-            <a:r>
-              <a:rPr lang="en-US" sz="2400" dirty="0" smtClean="0"/>
-              <a:t>]. If match found – return </a:t>
-            </a:r>
-            <a:r>
-              <a:rPr lang="en-US" sz="2400" dirty="0" err="1" smtClean="0"/>
-              <a:t>i</a:t>
-            </a:r>
-            <a:r>
-              <a:rPr lang="en-US" sz="2400" dirty="0" smtClean="0"/>
-              <a:t>. </a:t>
-            </a:r>
-          </a:p>
-          <a:p>
-            <a:endParaRPr lang="en-US" sz="2400" dirty="0" smtClean="0"/>
-          </a:p>
-          <a:p>
-            <a:endParaRPr lang="he-IL" sz="2400" dirty="0"/>
-          </a:p>
-        </p:txBody>
-      </p:sp>
-    </p:spTree>
-    <p:extLst>
-      <p:ext uri="{BB962C8B-B14F-4D97-AF65-F5344CB8AC3E}">
-        <p14:creationId xmlns:p14="http://schemas.microsoft.com/office/powerpoint/2010/main" val="813698840"/>
-      </p:ext>
-    </p:extLst>
-  </p:cSld>
-  <p:clrMapOvr>
-    <a:masterClrMapping/>
-  </p:clrMapOvr>
-  <p:timing>
-    <p:tnLst>
-      <p:par>
-        <p:cTn id="1" dur="indefinite" restart="never" nodeType="tmRoot"/>
-      </p:par>
-    </p:tnLst>
-  </p:timing>
-</p:sld>
-</file>
-
-<file path=ppt/slides/slide16.xml><?xml version="1.0" encoding="utf-8"?>
-<p:sld xmlns:a="http://schemas.openxmlformats.org/drawingml/2006/main" xmlns:r="http://schemas.openxmlformats.org/officeDocument/2006/relationships" xmlns:p="http://schemas.openxmlformats.org/presentationml/2006/main">
-  <p:cSld>
-    <p:spTree>
-      <p:nvGrpSpPr>
-        <p:cNvPr id="1" name=""/>
-        <p:cNvGrpSpPr/>
-        <p:nvPr/>
-      </p:nvGrpSpPr>
-      <p:grpSpPr>
-        <a:xfrm>
-          <a:off x="0" y="0"/>
-          <a:ext cx="0" cy="0"/>
-          <a:chOff x="0" y="0"/>
-          <a:chExt cx="0" cy="0"/>
-        </a:xfrm>
-      </p:grpSpPr>
-      <p:sp>
-        <p:nvSpPr>
-          <p:cNvPr id="2" name="Title 1"/>
-          <p:cNvSpPr>
-            <a:spLocks noGrp="1"/>
-          </p:cNvSpPr>
-          <p:nvPr>
-            <p:ph type="ctrTitle"/>
-          </p:nvPr>
-        </p:nvSpPr>
-        <p:spPr>
-          <a:xfrm>
-            <a:off x="693465" y="0"/>
-            <a:ext cx="7772400" cy="1470025"/>
-          </a:xfrm>
-        </p:spPr>
-        <p:txBody>
-          <a:bodyPr/>
-          <a:lstStyle/>
-          <a:p>
-            <a:r>
-              <a:rPr lang="en-US" dirty="0" smtClean="0"/>
-              <a:t>Frequency – implementation</a:t>
-            </a:r>
-            <a:endParaRPr lang="en-US" dirty="0"/>
-          </a:p>
-        </p:txBody>
-      </p:sp>
-    </p:spTree>
-    <p:extLst>
-      <p:ext uri="{BB962C8B-B14F-4D97-AF65-F5344CB8AC3E}">
-        <p14:creationId xmlns:p14="http://schemas.microsoft.com/office/powerpoint/2010/main" val="4115421829"/>
-      </p:ext>
-    </p:extLst>
-  </p:cSld>
-  <p:clrMapOvr>
-    <a:masterClrMapping/>
-  </p:clrMapOvr>
-  <p:timing>
-    <p:tnLst>
-      <p:par>
-        <p:cTn id="1" dur="indefinite" restart="never" nodeType="tmRoot"/>
-      </p:par>
-    </p:tnLst>
-  </p:timing>
-</p:sld>
-</file>
-
-<file path=ppt/slides/slide17.xml><?xml version="1.0" encoding="utf-8"?>
-<p:sld xmlns:a="http://schemas.openxmlformats.org/drawingml/2006/main" xmlns:r="http://schemas.openxmlformats.org/officeDocument/2006/relationships" xmlns:p="http://schemas.openxmlformats.org/presentationml/2006/main">
-  <p:cSld>
-    <p:spTree>
-      <p:nvGrpSpPr>
-        <p:cNvPr id="1" name=""/>
-        <p:cNvGrpSpPr/>
-        <p:nvPr/>
-      </p:nvGrpSpPr>
-      <p:grpSpPr>
-        <a:xfrm>
-          <a:off x="0" y="0"/>
-          <a:ext cx="0" cy="0"/>
-          <a:chOff x="0" y="0"/>
-          <a:chExt cx="0" cy="0"/>
-        </a:xfrm>
-      </p:grpSpPr>
-      <p:sp>
-        <p:nvSpPr>
-          <p:cNvPr id="2" name="Title 1"/>
-          <p:cNvSpPr>
-            <a:spLocks noGrp="1"/>
-          </p:cNvSpPr>
-          <p:nvPr>
-            <p:ph type="title"/>
-          </p:nvPr>
-        </p:nvSpPr>
-        <p:spPr/>
-        <p:txBody>
-          <a:bodyPr/>
-          <a:lstStyle/>
-          <a:p>
-            <a:endParaRPr lang="he-IL"/>
-          </a:p>
-        </p:txBody>
-      </p:sp>
-      <p:sp>
-        <p:nvSpPr>
-          <p:cNvPr id="3" name="Content Placeholder 2"/>
-          <p:cNvSpPr>
-            <a:spLocks noGrp="1"/>
-          </p:cNvSpPr>
-          <p:nvPr>
-            <p:ph idx="1"/>
-          </p:nvPr>
-        </p:nvSpPr>
-        <p:spPr/>
-        <p:txBody>
-          <a:bodyPr/>
-          <a:lstStyle/>
-          <a:p>
-            <a:endParaRPr lang="he-IL"/>
-          </a:p>
-        </p:txBody>
-      </p:sp>
-    </p:spTree>
-    <p:extLst>
-      <p:ext uri="{BB962C8B-B14F-4D97-AF65-F5344CB8AC3E}">
-        <p14:creationId xmlns:p14="http://schemas.microsoft.com/office/powerpoint/2010/main" val="2727165143"/>
-      </p:ext>
-    </p:extLst>
-  </p:cSld>
-  <p:clrMapOvr>
-    <a:masterClrMapping/>
-  </p:clrMapOvr>
-</p:sld>
-</file>
-
-<file path=ppt/slides/slide2.xml><?xml version="1.0" encoding="utf-8"?>
-<p:sld xmlns:a="http://schemas.openxmlformats.org/drawingml/2006/main" xmlns:r="http://schemas.openxmlformats.org/officeDocument/2006/relationships" xmlns:p="http://schemas.openxmlformats.org/presentationml/2006/main">
-  <p:cSld>
-    <p:spTree>
-      <p:nvGrpSpPr>
-        <p:cNvPr id="1" name=""/>
-        <p:cNvGrpSpPr/>
-        <p:nvPr/>
-      </p:nvGrpSpPr>
-      <p:grpSpPr>
-        <a:xfrm>
-          <a:off x="0" y="0"/>
-          <a:ext cx="0" cy="0"/>
-          <a:chOff x="0" y="0"/>
-          <a:chExt cx="0" cy="0"/>
-        </a:xfrm>
-      </p:grpSpPr>
-      <p:sp>
-        <p:nvSpPr>
-          <p:cNvPr id="2" name="Title 1"/>
-          <p:cNvSpPr>
-            <a:spLocks noGrp="1"/>
-          </p:cNvSpPr>
-          <p:nvPr>
             <p:ph type="title"/>
           </p:nvPr>
         </p:nvSpPr>
@@ -5378,10 +5492,10 @@
               <a:rPr lang="en-US" dirty="0" smtClean="0"/>
             </a:br>
             <a:r>
-              <a:rPr lang="en-US" dirty="0" smtClean="0"/>
+              <a:rPr lang="en-US" u="sng" dirty="0" smtClean="0"/>
               <a:t>final design</a:t>
             </a:r>
-            <a:endParaRPr lang="he-IL" dirty="0"/>
+            <a:endParaRPr lang="he-IL" u="sng" dirty="0"/>
           </a:p>
         </p:txBody>
       </p:sp>
@@ -5397,7 +5511,7 @@
           <a:blip r:embed="rId2">
             <a:extLst>
               <a:ext uri="{28A0092B-C50C-407E-A947-70E740481C1C}">
-                <a14:useLocalDpi xmlns:a14="http://schemas.microsoft.com/office/drawing/2010/main" val="0"/>
+                <a14:useLocalDpi xmlns:a14="http://schemas.microsoft.com/office/drawing/2010/main" xmlns="" val="0"/>
               </a:ext>
             </a:extLst>
           </a:blip>
@@ -5417,7 +5531,7 @@
           <a:noFill/>
           <a:extLst>
             <a:ext uri="{909E8E84-426E-40DD-AFC4-6F175D3DCCD1}">
-              <a14:hiddenFill xmlns:a14="http://schemas.microsoft.com/office/drawing/2010/main">
+              <a14:hiddenFill xmlns:a14="http://schemas.microsoft.com/office/drawing/2010/main" xmlns="">
                 <a:solidFill>
                   <a:srgbClr val="FFFFFF"/>
                 </a:solidFill>
@@ -5429,347 +5543,7 @@
     </p:spTree>
     <p:extLst>
       <p:ext uri="{BB962C8B-B14F-4D97-AF65-F5344CB8AC3E}">
-        <p14:creationId xmlns:p14="http://schemas.microsoft.com/office/powerpoint/2010/main" val="723750216"/>
-      </p:ext>
-    </p:extLst>
-  </p:cSld>
-  <p:clrMapOvr>
-    <a:masterClrMapping/>
-  </p:clrMapOvr>
-  <p:timing>
-    <p:tnLst>
-      <p:par>
-        <p:cTn id="1" dur="indefinite" restart="never" nodeType="tmRoot"/>
-      </p:par>
-    </p:tnLst>
-  </p:timing>
-</p:sld>
-</file>
-
-<file path=ppt/slides/slide3.xml><?xml version="1.0" encoding="utf-8"?>
-<p:sld xmlns:a="http://schemas.openxmlformats.org/drawingml/2006/main" xmlns:r="http://schemas.openxmlformats.org/officeDocument/2006/relationships" xmlns:p="http://schemas.openxmlformats.org/presentationml/2006/main">
-  <p:cSld>
-    <p:spTree>
-      <p:nvGrpSpPr>
-        <p:cNvPr id="1" name=""/>
-        <p:cNvGrpSpPr/>
-        <p:nvPr/>
-      </p:nvGrpSpPr>
-      <p:grpSpPr>
-        <a:xfrm>
-          <a:off x="0" y="0"/>
-          <a:ext cx="0" cy="0"/>
-          <a:chOff x="0" y="0"/>
-          <a:chExt cx="0" cy="0"/>
-        </a:xfrm>
-      </p:grpSpPr>
-      <p:sp>
-        <p:nvSpPr>
-          <p:cNvPr id="2" name="Title 1"/>
-          <p:cNvSpPr>
-            <a:spLocks noGrp="1"/>
-          </p:cNvSpPr>
-          <p:nvPr>
-            <p:ph type="ctrTitle"/>
-          </p:nvPr>
-        </p:nvSpPr>
-        <p:spPr>
-          <a:xfrm>
-            <a:off x="611560" y="188640"/>
-            <a:ext cx="7772400" cy="1470025"/>
-          </a:xfrm>
-        </p:spPr>
-        <p:txBody>
-          <a:bodyPr/>
-          <a:lstStyle/>
-          <a:p>
-            <a:r>
-              <a:rPr lang="en-US" dirty="0" smtClean="0"/>
-              <a:t>Graph Representation </a:t>
-            </a:r>
-            <a:endParaRPr lang="he-IL" dirty="0"/>
-          </a:p>
-        </p:txBody>
-      </p:sp>
-      <p:sp>
-        <p:nvSpPr>
-          <p:cNvPr id="3" name="Subtitle 2"/>
-          <p:cNvSpPr>
-            <a:spLocks noGrp="1"/>
-          </p:cNvSpPr>
-          <p:nvPr>
-            <p:ph type="subTitle" idx="1"/>
-          </p:nvPr>
-        </p:nvSpPr>
-        <p:spPr>
-          <a:xfrm>
-            <a:off x="827584" y="1412776"/>
-            <a:ext cx="7704856" cy="5040560"/>
-          </a:xfrm>
-        </p:spPr>
-        <p:txBody>
-          <a:bodyPr>
-            <a:normAutofit fontScale="92500" lnSpcReduction="20000"/>
-          </a:bodyPr>
-          <a:lstStyle/>
-          <a:p>
-            <a:pPr algn="l" rtl="0">
-              <a:buFont typeface="Arial" pitchFamily="34" charset="0"/>
-              <a:buChar char="•"/>
-            </a:pPr>
-            <a:r>
-              <a:rPr lang="en-US" dirty="0" smtClean="0">
-                <a:solidFill>
-                  <a:schemeClr val="tx1"/>
-                </a:solidFill>
-              </a:rPr>
-              <a:t> Each arithmetic gate is a node in the graph</a:t>
-            </a:r>
-          </a:p>
-          <a:p>
-            <a:pPr algn="l" rtl="0">
-              <a:buFont typeface="Arial" pitchFamily="34" charset="0"/>
-              <a:buChar char="•"/>
-            </a:pPr>
-            <a:r>
-              <a:rPr lang="en-US" dirty="0" smtClean="0">
-                <a:solidFill>
-                  <a:schemeClr val="tx1"/>
-                </a:solidFill>
-              </a:rPr>
-              <a:t> Directed edge from node A to node B exists if the output of arithmetic gate A is the input of the arithmetic gate B.</a:t>
-            </a:r>
-          </a:p>
-          <a:p>
-            <a:pPr algn="l">
-              <a:buFont typeface="Arial" pitchFamily="34" charset="0"/>
-              <a:buChar char="•"/>
-            </a:pPr>
-            <a:r>
-              <a:rPr lang="en-US" dirty="0" smtClean="0">
-                <a:solidFill>
-                  <a:schemeClr val="tx1"/>
-                </a:solidFill>
-              </a:rPr>
-              <a:t> Class </a:t>
-            </a:r>
-            <a:r>
-              <a:rPr lang="en-US" dirty="0" smtClean="0">
-                <a:solidFill>
-                  <a:schemeClr val="tx1"/>
-                </a:solidFill>
-              </a:rPr>
-              <a:t>Sextuple contains:</a:t>
-            </a:r>
-            <a:endParaRPr lang="en-US" dirty="0" smtClean="0">
-              <a:solidFill>
-                <a:schemeClr val="tx1"/>
-              </a:solidFill>
-            </a:endParaRPr>
-          </a:p>
-          <a:p>
-            <a:pPr lvl="1" algn="l" rtl="0">
-              <a:buFont typeface="Arial" pitchFamily="34" charset="0"/>
-              <a:buChar char="•"/>
-            </a:pPr>
-            <a:r>
-              <a:rPr lang="en-US" dirty="0" smtClean="0">
-                <a:solidFill>
-                  <a:schemeClr val="tx1"/>
-                </a:solidFill>
-              </a:rPr>
-              <a:t> </a:t>
-            </a:r>
-            <a:r>
-              <a:rPr lang="en-US" dirty="0" smtClean="0">
-                <a:solidFill>
-                  <a:schemeClr val="tx1"/>
-                </a:solidFill>
-              </a:rPr>
-              <a:t>Reference to gate.</a:t>
-            </a:r>
-            <a:endParaRPr lang="en-US" dirty="0" smtClean="0">
-              <a:solidFill>
-                <a:schemeClr val="tx1"/>
-              </a:solidFill>
-            </a:endParaRPr>
-          </a:p>
-          <a:p>
-            <a:pPr lvl="1" algn="l" rtl="0">
-              <a:buFont typeface="Arial" pitchFamily="34" charset="0"/>
-              <a:buChar char="•"/>
-            </a:pPr>
-            <a:r>
-              <a:rPr lang="en-US" dirty="0" smtClean="0">
-                <a:solidFill>
-                  <a:schemeClr val="tx1"/>
-                </a:solidFill>
-              </a:rPr>
-              <a:t> </a:t>
-            </a:r>
-            <a:r>
-              <a:rPr lang="en-US" dirty="0" smtClean="0">
-                <a:solidFill>
-                  <a:schemeClr val="tx1"/>
-                </a:solidFill>
-              </a:rPr>
-              <a:t>2-dimensions array of secret shares - input</a:t>
-            </a:r>
-          </a:p>
-          <a:p>
-            <a:pPr lvl="1" algn="l" rtl="0">
-              <a:buFont typeface="Arial" pitchFamily="34" charset="0"/>
-              <a:buChar char="•"/>
-            </a:pPr>
-            <a:r>
-              <a:rPr lang="en-US" dirty="0">
-                <a:solidFill>
-                  <a:schemeClr val="tx1"/>
-                </a:solidFill>
-              </a:rPr>
-              <a:t> </a:t>
-            </a:r>
-            <a:r>
-              <a:rPr lang="en-US" dirty="0" smtClean="0">
-                <a:solidFill>
-                  <a:schemeClr val="tx1"/>
-                </a:solidFill>
-              </a:rPr>
-              <a:t>index of the gate</a:t>
-            </a:r>
-          </a:p>
-          <a:p>
-            <a:pPr lvl="1" algn="l" rtl="0">
-              <a:buFont typeface="Arial" pitchFamily="34" charset="0"/>
-              <a:buChar char="•"/>
-            </a:pPr>
-            <a:r>
-              <a:rPr lang="en-US" dirty="0">
-                <a:solidFill>
-                  <a:schemeClr val="tx1"/>
-                </a:solidFill>
-              </a:rPr>
-              <a:t> </a:t>
-            </a:r>
-            <a:r>
-              <a:rPr lang="en-US" dirty="0" smtClean="0">
-                <a:solidFill>
-                  <a:schemeClr val="tx1"/>
-                </a:solidFill>
-              </a:rPr>
-              <a:t>index of the output gate</a:t>
-            </a:r>
-          </a:p>
-          <a:p>
-            <a:pPr lvl="1" algn="l" rtl="0">
-              <a:buFont typeface="Arial" pitchFamily="34" charset="0"/>
-              <a:buChar char="•"/>
-            </a:pPr>
-            <a:r>
-              <a:rPr lang="en-US" dirty="0">
-                <a:solidFill>
-                  <a:schemeClr val="tx1"/>
-                </a:solidFill>
-              </a:rPr>
-              <a:t> </a:t>
-            </a:r>
-            <a:r>
-              <a:rPr lang="en-US" dirty="0" smtClean="0">
-                <a:solidFill>
-                  <a:schemeClr val="tx1"/>
-                </a:solidFill>
-              </a:rPr>
-              <a:t>type of the gate</a:t>
-            </a:r>
-          </a:p>
-          <a:p>
-            <a:pPr lvl="1" algn="l" rtl="0">
-              <a:buFont typeface="Arial" pitchFamily="34" charset="0"/>
-              <a:buChar char="•"/>
-            </a:pPr>
-            <a:r>
-              <a:rPr lang="en-US" dirty="0">
-                <a:solidFill>
-                  <a:schemeClr val="tx1"/>
-                </a:solidFill>
-              </a:rPr>
-              <a:t> </a:t>
-            </a:r>
-            <a:r>
-              <a:rPr lang="en-US" dirty="0" smtClean="0">
-                <a:solidFill>
-                  <a:schemeClr val="tx1"/>
-                </a:solidFill>
-              </a:rPr>
-              <a:t>array of secret share – output</a:t>
-            </a:r>
-          </a:p>
-          <a:p>
-            <a:pPr lvl="1" algn="l" rtl="0">
-              <a:buFont typeface="Arial" pitchFamily="34" charset="0"/>
-              <a:buChar char="•"/>
-            </a:pPr>
-            <a:r>
-              <a:rPr lang="en-US" dirty="0">
-                <a:solidFill>
-                  <a:schemeClr val="tx1"/>
-                </a:solidFill>
-              </a:rPr>
-              <a:t> </a:t>
-            </a:r>
-            <a:r>
-              <a:rPr lang="en-US" dirty="0" smtClean="0">
-                <a:solidFill>
-                  <a:schemeClr val="tx1"/>
-                </a:solidFill>
-              </a:rPr>
-              <a:t>constant – relevant only for </a:t>
-            </a:r>
-            <a:r>
-              <a:rPr lang="en-US" dirty="0" err="1" smtClean="0">
-                <a:solidFill>
-                  <a:schemeClr val="tx1"/>
-                </a:solidFill>
-              </a:rPr>
-              <a:t>constMult</a:t>
-            </a:r>
-            <a:r>
-              <a:rPr lang="en-US" dirty="0" smtClean="0">
-                <a:solidFill>
-                  <a:schemeClr val="tx1"/>
-                </a:solidFill>
-              </a:rPr>
-              <a:t> gate </a:t>
-            </a:r>
-          </a:p>
-          <a:p>
-            <a:pPr lvl="1" algn="l" rtl="0">
-              <a:buFont typeface="Arial" pitchFamily="34" charset="0"/>
-              <a:buChar char="•"/>
-            </a:pPr>
-            <a:endParaRPr lang="en-US" dirty="0" smtClean="0">
-              <a:solidFill>
-                <a:schemeClr val="tx1"/>
-              </a:solidFill>
-            </a:endParaRPr>
-          </a:p>
-          <a:p>
-            <a:pPr algn="l" rtl="0">
-              <a:buFont typeface="Arial" pitchFamily="34" charset="0"/>
-              <a:buChar char="•"/>
-            </a:pPr>
-            <a:endParaRPr lang="he-IL" dirty="0">
-              <a:solidFill>
-                <a:schemeClr val="tx1"/>
-              </a:solidFill>
-            </a:endParaRPr>
-          </a:p>
-        </p:txBody>
-      </p:sp>
-    </p:spTree>
-    <p:extLst>
-      <p:ext uri="{BB962C8B-B14F-4D97-AF65-F5344CB8AC3E}">
-        <p14:creationId xmlns:p14="http://schemas.microsoft.com/office/powerpoint/2010/main" val="3080280808"/>
+        <p14:creationId xmlns:p14="http://schemas.microsoft.com/office/powerpoint/2010/main" xmlns="" val="723750216"/>
       </p:ext>
     </p:extLst>
   </p:cSld>
@@ -5810,17 +5584,22 @@
             <a:spLocks noGrp="1"/>
           </p:cNvSpPr>
           <p:nvPr>
-            <p:ph type="title"/>
-          </p:nvPr>
-        </p:nvSpPr>
-        <p:spPr/>
+            <p:ph type="ctrTitle"/>
+          </p:nvPr>
+        </p:nvSpPr>
+        <p:spPr>
+          <a:xfrm>
+            <a:off x="611560" y="188640"/>
+            <a:ext cx="7772400" cy="1470025"/>
+          </a:xfrm>
+        </p:spPr>
         <p:txBody>
           <a:bodyPr/>
           <a:lstStyle/>
           <a:p>
             <a:r>
               <a:rPr lang="en-US" dirty="0" smtClean="0"/>
-              <a:t>Graph Computation</a:t>
+              <a:t>Graph Representation </a:t>
             </a:r>
             <a:endParaRPr lang="he-IL" dirty="0"/>
           </a:p>
@@ -5828,81 +5607,251 @@
       </p:sp>
       <p:sp>
         <p:nvSpPr>
-          <p:cNvPr id="3" name="Content Placeholder 2"/>
-          <p:cNvSpPr>
-            <a:spLocks noGrp="1"/>
-          </p:cNvSpPr>
-          <p:nvPr>
-            <p:ph idx="1"/>
-          </p:nvPr>
-        </p:nvSpPr>
-        <p:spPr/>
+          <p:cNvPr id="3" name="Subtitle 2"/>
+          <p:cNvSpPr>
+            <a:spLocks noGrp="1"/>
+          </p:cNvSpPr>
+          <p:nvPr>
+            <p:ph type="subTitle" idx="1"/>
+          </p:nvPr>
+        </p:nvSpPr>
+        <p:spPr>
+          <a:xfrm>
+            <a:off x="827584" y="1412776"/>
+            <a:ext cx="7704856" cy="5040560"/>
+          </a:xfrm>
+        </p:spPr>
         <p:txBody>
           <a:bodyPr>
-            <a:normAutofit lnSpcReduction="10000"/>
+            <a:normAutofit fontScale="92500" lnSpcReduction="20000"/>
           </a:bodyPr>
           <a:lstStyle/>
           <a:p>
-            <a:r>
-              <a:rPr lang="en-US" dirty="0" smtClean="0"/>
-              <a:t>Define a topological sort on the graph to solve synchronization </a:t>
-            </a:r>
-            <a:r>
-              <a:rPr lang="en-US" dirty="0" smtClean="0"/>
-              <a:t>problems (done by the programmer).</a:t>
-            </a:r>
-            <a:endParaRPr lang="en-US" dirty="0" smtClean="0"/>
-          </a:p>
-          <a:p>
-            <a:r>
-              <a:rPr lang="en-US" dirty="0" smtClean="0"/>
-              <a:t>Compute the function by the topological order.</a:t>
-            </a:r>
-          </a:p>
-          <a:p>
-            <a:r>
-              <a:rPr lang="en-US" dirty="0" smtClean="0"/>
-              <a:t>Three phases</a:t>
-            </a:r>
-            <a:r>
-              <a:rPr lang="en-US" dirty="0" smtClean="0"/>
-              <a:t>:</a:t>
-            </a:r>
-          </a:p>
-          <a:p>
-            <a:pPr lvl="1">
+            <a:pPr algn="l" rtl="0">
               <a:buFont typeface="Arial" pitchFamily="34" charset="0"/>
               <a:buChar char="•"/>
             </a:pPr>
             <a:r>
-              <a:rPr lang="en-US" dirty="0" smtClean="0"/>
-              <a:t>Calculation</a:t>
-            </a:r>
-          </a:p>
-          <a:p>
-            <a:pPr lvl="1">
+              <a:rPr lang="en-US" dirty="0" smtClean="0">
+                <a:solidFill>
+                  <a:schemeClr val="tx1"/>
+                </a:solidFill>
+              </a:rPr>
+              <a:t> Each arithmetic gate is a node in the graph</a:t>
+            </a:r>
+          </a:p>
+          <a:p>
+            <a:pPr algn="l" rtl="0">
               <a:buFont typeface="Arial" pitchFamily="34" charset="0"/>
               <a:buChar char="•"/>
             </a:pPr>
             <a:r>
-              <a:rPr lang="en-US" dirty="0" smtClean="0"/>
-              <a:t>Update output</a:t>
-            </a:r>
-          </a:p>
-          <a:p>
-            <a:pPr lvl="1">
+              <a:rPr lang="en-US" dirty="0" smtClean="0">
+                <a:solidFill>
+                  <a:schemeClr val="tx1"/>
+                </a:solidFill>
+              </a:rPr>
+              <a:t> Directed edge from node A to node B exists if the output of arithmetic gate A is the input of the arithmetic gate B.</a:t>
+            </a:r>
+          </a:p>
+          <a:p>
+            <a:pPr algn="l">
               <a:buFont typeface="Arial" pitchFamily="34" charset="0"/>
               <a:buChar char="•"/>
             </a:pPr>
             <a:r>
-              <a:rPr lang="en-US" dirty="0" smtClean="0"/>
-              <a:t>Update next sextuple input</a:t>
-            </a:r>
-            <a:endParaRPr lang="en-US" dirty="0" smtClean="0"/>
+              <a:rPr lang="en-US" dirty="0" smtClean="0">
+                <a:solidFill>
+                  <a:schemeClr val="tx1"/>
+                </a:solidFill>
+              </a:rPr>
+              <a:t> Class Sextuple contains:</a:t>
+            </a:r>
+          </a:p>
+          <a:p>
+            <a:pPr lvl="1" algn="l" rtl="0">
+              <a:buFont typeface="Arial" pitchFamily="34" charset="0"/>
+              <a:buChar char="•"/>
+            </a:pPr>
+            <a:r>
+              <a:rPr lang="en-US" dirty="0" smtClean="0">
+                <a:solidFill>
+                  <a:schemeClr val="tx1"/>
+                </a:solidFill>
+              </a:rPr>
+              <a:t> Reference to gate.</a:t>
+            </a:r>
+          </a:p>
+          <a:p>
+            <a:pPr lvl="1" algn="l" rtl="0">
+              <a:buFont typeface="Arial" pitchFamily="34" charset="0"/>
+              <a:buChar char="•"/>
+            </a:pPr>
+            <a:r>
+              <a:rPr lang="en-US" dirty="0" smtClean="0">
+                <a:solidFill>
+                  <a:schemeClr val="tx1"/>
+                </a:solidFill>
+              </a:rPr>
+              <a:t> 2-dimensions array of secret shares - input</a:t>
+            </a:r>
+          </a:p>
+          <a:p>
+            <a:pPr lvl="1" algn="l" rtl="0">
+              <a:buFont typeface="Arial" pitchFamily="34" charset="0"/>
+              <a:buChar char="•"/>
+            </a:pPr>
+            <a:r>
+              <a:rPr lang="en-US" dirty="0">
+                <a:solidFill>
+                  <a:schemeClr val="tx1"/>
+                </a:solidFill>
+              </a:rPr>
+              <a:t> </a:t>
+            </a:r>
+            <a:r>
+              <a:rPr lang="en-US" dirty="0" smtClean="0">
+                <a:solidFill>
+                  <a:schemeClr val="tx1"/>
+                </a:solidFill>
+              </a:rPr>
+              <a:t>index of the gate</a:t>
+            </a:r>
+          </a:p>
+          <a:p>
+            <a:pPr lvl="1" algn="l" rtl="0">
+              <a:buFont typeface="Arial" pitchFamily="34" charset="0"/>
+              <a:buChar char="•"/>
+            </a:pPr>
+            <a:r>
+              <a:rPr lang="en-US" dirty="0">
+                <a:solidFill>
+                  <a:schemeClr val="tx1"/>
+                </a:solidFill>
+              </a:rPr>
+              <a:t> </a:t>
+            </a:r>
+            <a:r>
+              <a:rPr lang="en-US" dirty="0" smtClean="0">
+                <a:solidFill>
+                  <a:schemeClr val="tx1"/>
+                </a:solidFill>
+              </a:rPr>
+              <a:t>index of the output gate</a:t>
+            </a:r>
+          </a:p>
+          <a:p>
+            <a:pPr lvl="1" algn="l" rtl="0">
+              <a:buFont typeface="Arial" pitchFamily="34" charset="0"/>
+              <a:buChar char="•"/>
+            </a:pPr>
+            <a:r>
+              <a:rPr lang="en-US" dirty="0">
+                <a:solidFill>
+                  <a:schemeClr val="tx1"/>
+                </a:solidFill>
+              </a:rPr>
+              <a:t> </a:t>
+            </a:r>
+            <a:r>
+              <a:rPr lang="en-US" dirty="0" smtClean="0">
+                <a:solidFill>
+                  <a:schemeClr val="tx1"/>
+                </a:solidFill>
+              </a:rPr>
+              <a:t>type of the gate</a:t>
+            </a:r>
+          </a:p>
+          <a:p>
+            <a:pPr lvl="1" algn="l" rtl="0">
+              <a:buFont typeface="Arial" pitchFamily="34" charset="0"/>
+              <a:buChar char="•"/>
+            </a:pPr>
+            <a:r>
+              <a:rPr lang="en-US" dirty="0">
+                <a:solidFill>
+                  <a:schemeClr val="tx1"/>
+                </a:solidFill>
+              </a:rPr>
+              <a:t> </a:t>
+            </a:r>
+            <a:r>
+              <a:rPr lang="en-US" dirty="0" smtClean="0">
+                <a:solidFill>
+                  <a:schemeClr val="tx1"/>
+                </a:solidFill>
+              </a:rPr>
+              <a:t>array of secret share – output</a:t>
+            </a:r>
+          </a:p>
+          <a:p>
+            <a:pPr lvl="1" algn="l" rtl="0">
+              <a:buFont typeface="Arial" pitchFamily="34" charset="0"/>
+              <a:buChar char="•"/>
+            </a:pPr>
+            <a:r>
+              <a:rPr lang="en-US" dirty="0">
+                <a:solidFill>
+                  <a:schemeClr val="tx1"/>
+                </a:solidFill>
+              </a:rPr>
+              <a:t> </a:t>
+            </a:r>
+            <a:r>
+              <a:rPr lang="en-US" dirty="0" smtClean="0">
+                <a:solidFill>
+                  <a:schemeClr val="tx1"/>
+                </a:solidFill>
+              </a:rPr>
+              <a:t>constant – relevant only for </a:t>
+            </a:r>
+            <a:r>
+              <a:rPr lang="en-US" dirty="0" err="1" smtClean="0">
+                <a:solidFill>
+                  <a:schemeClr val="tx1"/>
+                </a:solidFill>
+              </a:rPr>
+              <a:t>constMult</a:t>
+            </a:r>
+            <a:r>
+              <a:rPr lang="en-US" dirty="0" smtClean="0">
+                <a:solidFill>
+                  <a:schemeClr val="tx1"/>
+                </a:solidFill>
+              </a:rPr>
+              <a:t> gate </a:t>
+            </a:r>
+          </a:p>
+          <a:p>
+            <a:pPr lvl="1" algn="l" rtl="0">
+              <a:buFont typeface="Arial" pitchFamily="34" charset="0"/>
+              <a:buChar char="•"/>
+            </a:pPr>
+            <a:endParaRPr lang="en-US" dirty="0" smtClean="0">
+              <a:solidFill>
+                <a:schemeClr val="tx1"/>
+              </a:solidFill>
+            </a:endParaRPr>
+          </a:p>
+          <a:p>
+            <a:pPr algn="l" rtl="0">
+              <a:buFont typeface="Arial" pitchFamily="34" charset="0"/>
+              <a:buChar char="•"/>
+            </a:pPr>
+            <a:endParaRPr lang="he-IL" dirty="0">
+              <a:solidFill>
+                <a:schemeClr val="tx1"/>
+              </a:solidFill>
+            </a:endParaRPr>
           </a:p>
         </p:txBody>
       </p:sp>
     </p:spTree>
+    <p:extLst>
+      <p:ext uri="{BB962C8B-B14F-4D97-AF65-F5344CB8AC3E}">
+        <p14:creationId xmlns:p14="http://schemas.microsoft.com/office/powerpoint/2010/main" xmlns="" val="3080280808"/>
+      </p:ext>
+    </p:extLst>
   </p:cSld>
   <p:clrMapOvr>
     <a:masterClrMapping/>
@@ -5951,7 +5900,7 @@
           <a:p>
             <a:r>
               <a:rPr lang="en-US" dirty="0" smtClean="0"/>
-              <a:t>Functions</a:t>
+              <a:t>Graph Computation</a:t>
             </a:r>
             <a:endParaRPr lang="he-IL" dirty="0"/>
           </a:p>
@@ -5969,28 +5918,57 @@
         </p:nvSpPr>
         <p:spPr/>
         <p:txBody>
-          <a:bodyPr/>
+          <a:bodyPr>
+            <a:normAutofit lnSpcReduction="10000"/>
+          </a:bodyPr>
           <a:lstStyle/>
           <a:p>
             <a:r>
               <a:rPr lang="en-US" dirty="0" smtClean="0"/>
-              <a:t>Average.</a:t>
+              <a:t>Define a topological sort on the graph to solve synchronization problems (done by the programmer).</a:t>
             </a:r>
           </a:p>
           <a:p>
             <a:r>
               <a:rPr lang="en-US" dirty="0" smtClean="0"/>
-              <a:t>Global Agreement.</a:t>
+              <a:t>Compute the function by the topological order.</a:t>
             </a:r>
           </a:p>
           <a:p>
             <a:r>
               <a:rPr lang="en-US" dirty="0" smtClean="0"/>
-              <a:t>Frequency.</a:t>
-            </a:r>
-          </a:p>
-          <a:p>
-            <a:endParaRPr lang="he-IL" dirty="0"/>
+              <a:t>Three phases:</a:t>
+            </a:r>
+          </a:p>
+          <a:p>
+            <a:pPr lvl="1">
+              <a:buFont typeface="Arial" pitchFamily="34" charset="0"/>
+              <a:buChar char="•"/>
+            </a:pPr>
+            <a:r>
+              <a:rPr lang="en-US" dirty="0" smtClean="0"/>
+              <a:t>Calculation</a:t>
+            </a:r>
+          </a:p>
+          <a:p>
+            <a:pPr lvl="1">
+              <a:buFont typeface="Arial" pitchFamily="34" charset="0"/>
+              <a:buChar char="•"/>
+            </a:pPr>
+            <a:r>
+              <a:rPr lang="en-US" dirty="0" smtClean="0"/>
+              <a:t>Update output</a:t>
+            </a:r>
+          </a:p>
+          <a:p>
+            <a:pPr lvl="1">
+              <a:buFont typeface="Arial" pitchFamily="34" charset="0"/>
+              <a:buChar char="•"/>
+            </a:pPr>
+            <a:r>
+              <a:rPr lang="en-US" dirty="0" smtClean="0"/>
+              <a:t>Update next sextuple input</a:t>
+            </a:r>
           </a:p>
         </p:txBody>
       </p:sp>
@@ -6033,116 +6011,60 @@
             <a:spLocks noGrp="1"/>
           </p:cNvSpPr>
           <p:nvPr>
-            <p:ph type="ctrTitle"/>
-          </p:nvPr>
-        </p:nvSpPr>
-        <p:spPr>
-          <a:xfrm>
-            <a:off x="693465" y="182880"/>
-            <a:ext cx="7772400" cy="1470025"/>
-          </a:xfrm>
-        </p:spPr>
+            <p:ph type="title"/>
+          </p:nvPr>
+        </p:nvSpPr>
+        <p:spPr/>
         <p:txBody>
           <a:bodyPr/>
           <a:lstStyle/>
           <a:p>
             <a:r>
               <a:rPr lang="en-US" dirty="0" smtClean="0"/>
-              <a:t>Average - motivation</a:t>
-            </a:r>
-            <a:endParaRPr lang="en-US" dirty="0"/>
-          </a:p>
-        </p:txBody>
-      </p:sp>
-      <p:sp>
-        <p:nvSpPr>
-          <p:cNvPr id="3" name="Subtitle 2"/>
-          <p:cNvSpPr>
-            <a:spLocks noGrp="1"/>
-          </p:cNvSpPr>
-          <p:nvPr>
-            <p:ph type="subTitle" idx="1"/>
-          </p:nvPr>
-        </p:nvSpPr>
-        <p:spPr>
-          <a:xfrm>
-            <a:off x="457201" y="1652905"/>
-            <a:ext cx="7315200" cy="4273479"/>
-          </a:xfrm>
-        </p:spPr>
-        <p:txBody>
-          <a:bodyPr>
-            <a:noAutofit/>
-          </a:bodyPr>
-          <a:lstStyle/>
-          <a:p>
-            <a:pPr algn="l">
-              <a:buFont typeface="Arial" pitchFamily="34" charset="0"/>
-              <a:buChar char="•"/>
-            </a:pPr>
-            <a:r>
-              <a:rPr lang="en-US" sz="2800" dirty="0" smtClean="0">
-                <a:solidFill>
-                  <a:schemeClr val="tx1"/>
-                </a:solidFill>
-              </a:rPr>
-              <a:t>     Useful for:</a:t>
-            </a:r>
-          </a:p>
-          <a:p>
-            <a:pPr marL="514350" indent="-514350" algn="l">
-              <a:buAutoNum type="arabicPeriod"/>
-            </a:pPr>
-            <a:r>
-              <a:rPr lang="en-US" sz="2800" dirty="0" smtClean="0">
-                <a:solidFill>
-                  <a:schemeClr val="tx1"/>
-                </a:solidFill>
-              </a:rPr>
-              <a:t>Average of a course, without knowing other peoples grades.</a:t>
-            </a:r>
-          </a:p>
-          <a:p>
-            <a:pPr marL="514350" indent="-514350" algn="l">
-              <a:buAutoNum type="arabicPeriod"/>
-            </a:pPr>
-            <a:r>
-              <a:rPr lang="en-US" sz="2800" dirty="0" smtClean="0">
-                <a:solidFill>
-                  <a:schemeClr val="tx1"/>
-                </a:solidFill>
-              </a:rPr>
-              <a:t>Average Salaries in a company, without knowing the other employees salaries.</a:t>
-            </a:r>
-          </a:p>
-          <a:p>
-            <a:pPr marL="514350" indent="-514350" algn="l">
-              <a:buAutoNum type="arabicPeriod"/>
-            </a:pPr>
-            <a:endParaRPr lang="en-US" sz="2800" dirty="0" smtClean="0">
-              <a:solidFill>
-                <a:schemeClr val="tx1"/>
-              </a:solidFill>
-            </a:endParaRPr>
-          </a:p>
-          <a:p>
-            <a:pPr marL="514350" indent="-514350" algn="l">
-              <a:buAutoNum type="arabicPeriod"/>
-            </a:pPr>
-            <a:endParaRPr lang="en-US" sz="2800" dirty="0">
-              <a:solidFill>
-                <a:schemeClr val="tx1"/>
-              </a:solidFill>
-            </a:endParaRPr>
+              <a:t>Functions</a:t>
+            </a:r>
+            <a:endParaRPr lang="he-IL" dirty="0"/>
+          </a:p>
+        </p:txBody>
+      </p:sp>
+      <p:sp>
+        <p:nvSpPr>
+          <p:cNvPr id="3" name="Content Placeholder 2"/>
+          <p:cNvSpPr>
+            <a:spLocks noGrp="1"/>
+          </p:cNvSpPr>
+          <p:nvPr>
+            <p:ph idx="1"/>
+          </p:nvPr>
+        </p:nvSpPr>
+        <p:spPr/>
+        <p:txBody>
+          <a:bodyPr/>
+          <a:lstStyle/>
+          <a:p>
+            <a:r>
+              <a:rPr lang="en-US" dirty="0" smtClean="0"/>
+              <a:t>Average.</a:t>
+            </a:r>
+          </a:p>
+          <a:p>
+            <a:r>
+              <a:rPr lang="en-US" dirty="0" smtClean="0"/>
+              <a:t>Global Agreement.</a:t>
+            </a:r>
+          </a:p>
+          <a:p>
+            <a:r>
+              <a:rPr lang="en-US" dirty="0" smtClean="0"/>
+              <a:t>Frequency.</a:t>
+            </a:r>
+          </a:p>
+          <a:p>
+            <a:endParaRPr lang="he-IL" dirty="0"/>
           </a:p>
         </p:txBody>
       </p:sp>
     </p:spTree>
-    <p:extLst>
-      <p:ext uri="{BB962C8B-B14F-4D97-AF65-F5344CB8AC3E}">
-        <p14:creationId xmlns:p14="http://schemas.microsoft.com/office/powerpoint/2010/main" val="3509708932"/>
-      </p:ext>
-    </p:extLst>
   </p:cSld>
   <p:clrMapOvr>
     <a:masterClrMapping/>
@@ -6186,7 +6108,7 @@
         </p:nvSpPr>
         <p:spPr>
           <a:xfrm>
-            <a:off x="693465" y="535376"/>
+            <a:off x="693465" y="182880"/>
             <a:ext cx="7772400" cy="1470025"/>
           </a:xfrm>
         </p:spPr>
@@ -6196,7 +6118,7 @@
           <a:p>
             <a:r>
               <a:rPr lang="en-US" dirty="0" smtClean="0"/>
-              <a:t>Average - implementation</a:t>
+              <a:t>Average - motivation</a:t>
             </a:r>
             <a:endParaRPr lang="en-US" dirty="0"/>
           </a:p>
@@ -6204,50 +6126,91 @@
       </p:sp>
       <p:sp>
         <p:nvSpPr>
-          <p:cNvPr id="4" name="TextBox 3"/>
-          <p:cNvSpPr txBox="1"/>
-          <p:nvPr/>
+          <p:cNvPr id="3" name="Subtitle 2"/>
+          <p:cNvSpPr>
+            <a:spLocks noGrp="1"/>
+          </p:cNvSpPr>
+          <p:nvPr>
+            <p:ph type="subTitle" idx="1"/>
+          </p:nvPr>
         </p:nvSpPr>
         <p:spPr>
           <a:xfrm>
-            <a:off x="693465" y="2005401"/>
-            <a:ext cx="7772400" cy="2554545"/>
+            <a:off x="457201" y="1652905"/>
+            <a:ext cx="7315200" cy="4273479"/>
           </a:xfrm>
-          <a:prstGeom prst="rect">
-            <a:avLst/>
-          </a:prstGeom>
-          <a:noFill/>
         </p:spPr>
         <p:txBody>
-          <a:bodyPr wrap="square" rtlCol="1">
-            <a:spAutoFit/>
+          <a:bodyPr>
+            <a:noAutofit/>
           </a:bodyPr>
           <a:lstStyle/>
           <a:p>
-            <a:r>
-              <a:rPr lang="en-US" sz="3200" dirty="0" smtClean="0"/>
-              <a:t>Average function represents by arithmetic gates:</a:t>
-            </a:r>
-          </a:p>
-          <a:p>
-            <a:r>
-              <a:rPr lang="en-US" sz="3200" dirty="0" smtClean="0"/>
-              <a:t>level one - Addition gates.</a:t>
-            </a:r>
-          </a:p>
-          <a:p>
-            <a:r>
-              <a:rPr lang="en-US" sz="3200" dirty="0" smtClean="0"/>
-              <a:t>Level 2 – single multiplication gate of level one’s result and constant (1/n).</a:t>
-            </a:r>
-            <a:endParaRPr lang="he-IL" sz="3200" dirty="0"/>
+            <a:pPr algn="l">
+              <a:buFont typeface="Arial" pitchFamily="34" charset="0"/>
+              <a:buChar char="•"/>
+            </a:pPr>
+            <a:r>
+              <a:rPr lang="en-US" sz="2800" dirty="0" smtClean="0">
+                <a:solidFill>
+                  <a:schemeClr val="tx1"/>
+                </a:solidFill>
+              </a:rPr>
+              <a:t>     Useful for:</a:t>
+            </a:r>
+          </a:p>
+          <a:p>
+            <a:pPr marL="514350" indent="-514350" algn="l">
+              <a:buAutoNum type="arabicPeriod"/>
+            </a:pPr>
+            <a:r>
+              <a:rPr lang="en-US" sz="2800" dirty="0" smtClean="0">
+                <a:solidFill>
+                  <a:schemeClr val="tx1"/>
+                </a:solidFill>
+              </a:rPr>
+              <a:t>Average of a course, without knowing other peoples grades.</a:t>
+            </a:r>
+          </a:p>
+          <a:p>
+            <a:pPr marL="514350" indent="-514350" algn="l">
+              <a:buAutoNum type="arabicPeriod"/>
+            </a:pPr>
+            <a:r>
+              <a:rPr lang="en-US" sz="2800" dirty="0" smtClean="0">
+                <a:solidFill>
+                  <a:schemeClr val="tx1"/>
+                </a:solidFill>
+              </a:rPr>
+              <a:t>Average Salaries in a company, without knowing the other employees salaries.</a:t>
+            </a:r>
+          </a:p>
+          <a:p>
+            <a:pPr marL="514350" indent="-514350" algn="l">
+              <a:buAutoNum type="arabicPeriod"/>
+            </a:pPr>
+            <a:endParaRPr lang="en-US" sz="2800" dirty="0" smtClean="0">
+              <a:solidFill>
+                <a:schemeClr val="tx1"/>
+              </a:solidFill>
+            </a:endParaRPr>
+          </a:p>
+          <a:p>
+            <a:pPr marL="514350" indent="-514350" algn="l">
+              <a:buAutoNum type="arabicPeriod"/>
+            </a:pPr>
+            <a:endParaRPr lang="en-US" sz="2800" dirty="0">
+              <a:solidFill>
+                <a:schemeClr val="tx1"/>
+              </a:solidFill>
+            </a:endParaRPr>
           </a:p>
         </p:txBody>
       </p:sp>
     </p:spTree>
     <p:extLst>
       <p:ext uri="{BB962C8B-B14F-4D97-AF65-F5344CB8AC3E}">
-        <p14:creationId xmlns:p14="http://schemas.microsoft.com/office/powerpoint/2010/main" val="3509708932"/>
+        <p14:creationId xmlns:p14="http://schemas.microsoft.com/office/powerpoint/2010/main" xmlns="" val="3509708932"/>
       </p:ext>
     </p:extLst>
   </p:cSld>
@@ -6303,7 +6266,7 @@
           <a:p>
             <a:r>
               <a:rPr lang="en-US" dirty="0" smtClean="0"/>
-              <a:t>Average – Example</a:t>
+              <a:t>Average - implementation</a:t>
             </a:r>
             <a:endParaRPr lang="en-US" dirty="0"/>
           </a:p>
@@ -6318,7 +6281,7 @@
         <p:spPr>
           <a:xfrm>
             <a:off x="693465" y="2005401"/>
-            <a:ext cx="7772400" cy="4524315"/>
+            <a:ext cx="7772400" cy="2554545"/>
           </a:xfrm>
           <a:prstGeom prst="rect">
             <a:avLst/>
@@ -6333,84 +6296,28 @@
           <a:p>
             <a:r>
               <a:rPr lang="en-US" sz="3200" dirty="0" smtClean="0"/>
-              <a:t>3 secrets – s1=1, s2=2, s3=3.</a:t>
+              <a:t>Average function represents by arithmetic gates:</a:t>
             </a:r>
           </a:p>
           <a:p>
             <a:r>
               <a:rPr lang="en-US" sz="3200" dirty="0" smtClean="0"/>
-              <a:t>T=1, n  = 3, field = 7.</a:t>
-            </a:r>
-          </a:p>
-          <a:p>
-            <a:endParaRPr lang="en-US" sz="3200" dirty="0" smtClean="0"/>
-          </a:p>
-          <a:p>
-            <a:r>
-              <a:rPr lang="en-US" sz="3200" dirty="0"/>
-              <a:t>secret share for p1 (</a:t>
-            </a:r>
+              <a:t>level one - Addition gates.</a:t>
+            </a:r>
+          </a:p>
+          <a:p>
             <a:r>
               <a:rPr lang="en-US" sz="3200" dirty="0" smtClean="0"/>
-              <a:t>s1</a:t>
-            </a:r>
-            <a:r>
-              <a:rPr lang="en-US" sz="3200" dirty="0"/>
-              <a:t>)</a:t>
-            </a:r>
-          </a:p>
-          <a:p>
-            <a:r>
-              <a:rPr lang="he-IL" sz="3200" dirty="0"/>
-              <a:t>[(1,0)(2,6)(3,5)]</a:t>
-            </a:r>
-          </a:p>
-          <a:p>
-            <a:r>
-              <a:rPr lang="en-US" sz="3200" dirty="0"/>
-              <a:t>secret share for p1 (</a:t>
-            </a:r>
-            <a:r>
-              <a:rPr lang="en-US" sz="3200" dirty="0" smtClean="0"/>
-              <a:t>s2</a:t>
-            </a:r>
-            <a:r>
-              <a:rPr lang="en-US" sz="3200" dirty="0"/>
-              <a:t>)</a:t>
-            </a:r>
-          </a:p>
-          <a:p>
-            <a:r>
-              <a:rPr lang="he-IL" sz="3200" dirty="0"/>
-              <a:t>[(1,0)(2,5)(3,3)]</a:t>
-            </a:r>
-          </a:p>
-          <a:p>
-            <a:r>
-              <a:rPr lang="en-US" sz="3200" dirty="0"/>
-              <a:t>secret share for p1 (</a:t>
-            </a:r>
-            <a:r>
-              <a:rPr lang="en-US" sz="3200" dirty="0" smtClean="0"/>
-              <a:t>s3</a:t>
-            </a:r>
-            <a:r>
-              <a:rPr lang="en-US" sz="3200" dirty="0"/>
-              <a:t>)</a:t>
-            </a:r>
-          </a:p>
-          <a:p>
-            <a:r>
-              <a:rPr lang="he-IL" sz="3200" dirty="0"/>
-              <a:t>[(1,5)(2,0)(3,2)]</a:t>
-            </a:r>
+              <a:t>Level 2 – single multiplication gate of level one’s result and constant (1/n).</a:t>
+            </a:r>
+            <a:endParaRPr lang="he-IL" sz="3200" dirty="0"/>
           </a:p>
         </p:txBody>
       </p:sp>
     </p:spTree>
     <p:extLst>
       <p:ext uri="{BB962C8B-B14F-4D97-AF65-F5344CB8AC3E}">
-        <p14:creationId xmlns:p14="http://schemas.microsoft.com/office/powerpoint/2010/main" val="578136230"/>
+        <p14:creationId xmlns:p14="http://schemas.microsoft.com/office/powerpoint/2010/main" xmlns="" val="3509708932"/>
       </p:ext>
     </p:extLst>
   </p:cSld>
@@ -6481,7 +6388,7 @@
         <p:spPr>
           <a:xfrm>
             <a:off x="693465" y="2005401"/>
-            <a:ext cx="7772400" cy="3539430"/>
+            <a:ext cx="7772400" cy="4524315"/>
           </a:xfrm>
           <a:prstGeom prst="rect">
             <a:avLst/>
@@ -6496,49 +6403,124 @@
           <a:p>
             <a:r>
               <a:rPr lang="en-US" sz="3200" dirty="0" smtClean="0"/>
-              <a:t>Local computation (addition gates):</a:t>
+              <a:t>3 secrets – s1=1, s2=2, s3=3.</a:t>
             </a:r>
           </a:p>
           <a:p>
             <a:r>
               <a:rPr lang="en-US" sz="3200" dirty="0" smtClean="0"/>
-              <a:t>P1 = [3,5]</a:t>
-            </a:r>
-          </a:p>
-          <a:p>
+              <a:t>T=1, n  = 3, field = 7.</a:t>
+            </a:r>
+          </a:p>
+          <a:p>
+            <a:endParaRPr lang="en-US" sz="3200" dirty="0" smtClean="0"/>
+          </a:p>
+          <a:p>
+            <a:r>
+              <a:rPr lang="en-US" sz="3200" dirty="0"/>
+              <a:t>secret </a:t>
+            </a:r>
             <a:r>
               <a:rPr lang="en-US" sz="3200" dirty="0" smtClean="0"/>
-              <a:t>P2 = [6,4]</a:t>
-            </a:r>
-          </a:p>
-          <a:p>
+              <a:t>shares </a:t>
+            </a:r>
+            <a:r>
+              <a:rPr lang="en-US" sz="3200" dirty="0"/>
+              <a:t>for p1 (</a:t>
+            </a:r>
             <a:r>
               <a:rPr lang="en-US" sz="3200" dirty="0" smtClean="0"/>
-              <a:t>P3 = [2,3]</a:t>
-            </a:r>
-          </a:p>
-          <a:p>
-            <a:endParaRPr lang="en-US" sz="3200" dirty="0"/>
-          </a:p>
-          <a:p>
+              <a:t>s1</a:t>
+            </a:r>
+            <a:r>
+              <a:rPr lang="en-US" sz="3200" dirty="0"/>
+              <a:t>)</a:t>
+            </a:r>
+          </a:p>
+          <a:p>
+            <a:r>
+              <a:rPr lang="he-IL" sz="3200" dirty="0"/>
+              <a:t>[(1,0)(2,6)(3,5)]</a:t>
+            </a:r>
+          </a:p>
+          <a:p>
+            <a:r>
+              <a:rPr lang="en-US" sz="3200" dirty="0"/>
+              <a:t>secret </a:t>
+            </a:r>
             <a:r>
               <a:rPr lang="en-US" sz="3200" dirty="0" smtClean="0"/>
-              <a:t>Result = -54/12 (mod 7) = 6</a:t>
-            </a:r>
-          </a:p>
-          <a:p>
+              <a:t>shares </a:t>
+            </a:r>
+            <a:r>
+              <a:rPr lang="en-US" sz="3200" dirty="0"/>
+              <a:t>for </a:t>
+            </a:r>
             <a:r>
               <a:rPr lang="en-US" sz="3200" dirty="0" smtClean="0"/>
-              <a:t>And the average is 6/3(mod 7) = 2</a:t>
-            </a:r>
-            <a:endParaRPr lang="he-IL" sz="3200" dirty="0"/>
+              <a:t>p2 </a:t>
+            </a:r>
+            <a:r>
+              <a:rPr lang="en-US" sz="3200" dirty="0"/>
+              <a:t>(</a:t>
+            </a:r>
+            <a:r>
+              <a:rPr lang="en-US" sz="3200" dirty="0" smtClean="0"/>
+              <a:t>s2</a:t>
+            </a:r>
+            <a:r>
+              <a:rPr lang="en-US" sz="3200" dirty="0"/>
+              <a:t>)</a:t>
+            </a:r>
+          </a:p>
+          <a:p>
+            <a:r>
+              <a:rPr lang="he-IL" sz="3200" dirty="0"/>
+              <a:t>[(1,0)(2,5)(3,3)]</a:t>
+            </a:r>
+          </a:p>
+          <a:p>
+            <a:r>
+              <a:rPr lang="en-US" sz="3200" dirty="0"/>
+              <a:t>secret </a:t>
+            </a:r>
+            <a:r>
+              <a:rPr lang="en-US" sz="3200" dirty="0" smtClean="0"/>
+              <a:t>shares </a:t>
+            </a:r>
+            <a:r>
+              <a:rPr lang="en-US" sz="3200" dirty="0"/>
+              <a:t>for </a:t>
+            </a:r>
+            <a:r>
+              <a:rPr lang="en-US" sz="3200" dirty="0" smtClean="0"/>
+              <a:t>p3 </a:t>
+            </a:r>
+            <a:r>
+              <a:rPr lang="en-US" sz="3200" dirty="0"/>
+              <a:t>(</a:t>
+            </a:r>
+            <a:r>
+              <a:rPr lang="en-US" sz="3200" dirty="0" smtClean="0"/>
+              <a:t>s3</a:t>
+            </a:r>
+            <a:r>
+              <a:rPr lang="en-US" sz="3200" dirty="0"/>
+              <a:t>)</a:t>
+            </a:r>
+          </a:p>
+          <a:p>
+            <a:r>
+              <a:rPr lang="he-IL" sz="3200" dirty="0"/>
+              <a:t>[(1,5)(2,0)(3,2)]</a:t>
+            </a:r>
           </a:p>
         </p:txBody>
       </p:sp>
     </p:spTree>
     <p:extLst>
       <p:ext uri="{BB962C8B-B14F-4D97-AF65-F5344CB8AC3E}">
-        <p14:creationId xmlns:p14="http://schemas.microsoft.com/office/powerpoint/2010/main" val="1819452929"/>
+        <p14:creationId xmlns:p14="http://schemas.microsoft.com/office/powerpoint/2010/main" xmlns="" val="578136230"/>
       </p:ext>
     </p:extLst>
   </p:cSld>

--- a/Cryptography Project - meeting2.pptx
+++ b/Cryptography Project - meeting2.pptx
@@ -5,7 +5,7 @@
     <p:sldMasterId id="2147483648" r:id="rId1"/>
   </p:sldMasterIdLst>
   <p:notesMasterIdLst>
-    <p:notesMasterId r:id="rId19"/>
+    <p:notesMasterId r:id="rId20"/>
   </p:notesMasterIdLst>
   <p:sldIdLst>
     <p:sldId id="277" r:id="rId2"/>
@@ -18,13 +18,14 @@
     <p:sldId id="264" r:id="rId9"/>
     <p:sldId id="270" r:id="rId10"/>
     <p:sldId id="271" r:id="rId11"/>
-    <p:sldId id="258" r:id="rId12"/>
-    <p:sldId id="265" r:id="rId13"/>
-    <p:sldId id="272" r:id="rId14"/>
-    <p:sldId id="273" r:id="rId15"/>
-    <p:sldId id="257" r:id="rId16"/>
-    <p:sldId id="268" r:id="rId17"/>
-    <p:sldId id="276" r:id="rId18"/>
+    <p:sldId id="278" r:id="rId12"/>
+    <p:sldId id="258" r:id="rId13"/>
+    <p:sldId id="265" r:id="rId14"/>
+    <p:sldId id="272" r:id="rId15"/>
+    <p:sldId id="273" r:id="rId16"/>
+    <p:sldId id="257" r:id="rId17"/>
+    <p:sldId id="268" r:id="rId18"/>
+    <p:sldId id="276" r:id="rId19"/>
   </p:sldIdLst>
   <p:sldSz cx="9144000" cy="6858000" type="screen4x3"/>
   <p:notesSz cx="6858000" cy="9144000"/>
@@ -378,7 +379,7 @@
     </p:spTree>
     <p:extLst>
       <p:ext uri="{BB962C8B-B14F-4D97-AF65-F5344CB8AC3E}">
-        <p14:creationId xmlns:p14="http://schemas.microsoft.com/office/powerpoint/2010/main" xmlns="" val="4011433181"/>
+        <p14:creationId xmlns:p14="http://schemas.microsoft.com/office/powerpoint/2010/main" val="4011433181"/>
       </p:ext>
     </p:extLst>
   </p:cSld>
@@ -818,7 +819,7 @@
     </p:spTree>
     <p:extLst>
       <p:ext uri="{BB962C8B-B14F-4D97-AF65-F5344CB8AC3E}">
-        <p14:creationId xmlns:p14="http://schemas.microsoft.com/office/powerpoint/2010/main" xmlns="" val="3250338580"/>
+        <p14:creationId xmlns:p14="http://schemas.microsoft.com/office/powerpoint/2010/main" val="3250338580"/>
       </p:ext>
     </p:extLst>
   </p:cSld>
@@ -982,7 +983,7 @@
     </p:spTree>
     <p:extLst>
       <p:ext uri="{BB962C8B-B14F-4D97-AF65-F5344CB8AC3E}">
-        <p14:creationId xmlns:p14="http://schemas.microsoft.com/office/powerpoint/2010/main" xmlns="" val="3236920046"/>
+        <p14:creationId xmlns:p14="http://schemas.microsoft.com/office/powerpoint/2010/main" val="3236920046"/>
       </p:ext>
     </p:extLst>
   </p:cSld>
@@ -1064,7 +1065,7 @@
             <a:fld id="{71A030DD-CCE1-46BC-A70B-39D1A5376273}" type="slidenum">
               <a:rPr lang="he-IL" smtClean="0"/>
               <a:pPr/>
-              <a:t>13</a:t>
+              <a:t>14</a:t>
             </a:fld>
             <a:endParaRPr lang="he-IL"/>
           </a:p>
@@ -1073,7 +1074,7 @@
     </p:spTree>
     <p:extLst>
       <p:ext uri="{BB962C8B-B14F-4D97-AF65-F5344CB8AC3E}">
-        <p14:creationId xmlns:p14="http://schemas.microsoft.com/office/powerpoint/2010/main" xmlns="" val="3037502692"/>
+        <p14:creationId xmlns:p14="http://schemas.microsoft.com/office/powerpoint/2010/main" val="3037502692"/>
       </p:ext>
     </p:extLst>
   </p:cSld>
@@ -1167,7 +1168,11 @@
           <a:p>
             <a:r>
               <a:rPr lang="en-US" baseline="0" dirty="0" smtClean="0"/>
-              <a:t>a*z + (1-z)*z</a:t>
+              <a:t>a*z + (1-z</a:t>
+            </a:r>
+            <a:r>
+              <a:rPr lang="en-US" baseline="0" dirty="0" smtClean="0"/>
+              <a:t>)*b</a:t>
             </a:r>
             <a:endParaRPr lang="he-IL" baseline="0" dirty="0" smtClean="0"/>
           </a:p>
@@ -1207,7 +1212,7 @@
             <a:fld id="{71A030DD-CCE1-46BC-A70B-39D1A5376273}" type="slidenum">
               <a:rPr lang="he-IL" smtClean="0"/>
               <a:pPr/>
-              <a:t>17</a:t>
+              <a:t>18</a:t>
             </a:fld>
             <a:endParaRPr lang="he-IL"/>
           </a:p>
@@ -1216,7 +1221,7 @@
     </p:spTree>
     <p:extLst>
       <p:ext uri="{BB962C8B-B14F-4D97-AF65-F5344CB8AC3E}">
-        <p14:creationId xmlns:p14="http://schemas.microsoft.com/office/powerpoint/2010/main" xmlns="" val="585360157"/>
+        <p14:creationId xmlns:p14="http://schemas.microsoft.com/office/powerpoint/2010/main" val="585360157"/>
       </p:ext>
     </p:extLst>
   </p:cSld>
@@ -1460,7 +1465,7 @@
     </p:spTree>
     <p:extLst>
       <p:ext uri="{BB962C8B-B14F-4D97-AF65-F5344CB8AC3E}">
-        <p14:creationId xmlns:p14="http://schemas.microsoft.com/office/powerpoint/2010/main" xmlns="" val="489375733"/>
+        <p14:creationId xmlns:p14="http://schemas.microsoft.com/office/powerpoint/2010/main" val="489375733"/>
       </p:ext>
     </p:extLst>
   </p:cSld>
@@ -1632,7 +1637,7 @@
     </p:spTree>
     <p:extLst>
       <p:ext uri="{BB962C8B-B14F-4D97-AF65-F5344CB8AC3E}">
-        <p14:creationId xmlns:p14="http://schemas.microsoft.com/office/powerpoint/2010/main" xmlns="" val="2132658261"/>
+        <p14:creationId xmlns:p14="http://schemas.microsoft.com/office/powerpoint/2010/main" val="2132658261"/>
       </p:ext>
     </p:extLst>
   </p:cSld>
@@ -1814,7 +1819,7 @@
     </p:spTree>
     <p:extLst>
       <p:ext uri="{BB962C8B-B14F-4D97-AF65-F5344CB8AC3E}">
-        <p14:creationId xmlns:p14="http://schemas.microsoft.com/office/powerpoint/2010/main" xmlns="" val="1463802722"/>
+        <p14:creationId xmlns:p14="http://schemas.microsoft.com/office/powerpoint/2010/main" val="1463802722"/>
       </p:ext>
     </p:extLst>
   </p:cSld>
@@ -1986,7 +1991,7 @@
     </p:spTree>
     <p:extLst>
       <p:ext uri="{BB962C8B-B14F-4D97-AF65-F5344CB8AC3E}">
-        <p14:creationId xmlns:p14="http://schemas.microsoft.com/office/powerpoint/2010/main" xmlns="" val="1709900930"/>
+        <p14:creationId xmlns:p14="http://schemas.microsoft.com/office/powerpoint/2010/main" val="1709900930"/>
       </p:ext>
     </p:extLst>
   </p:cSld>
@@ -2234,7 +2239,7 @@
     </p:spTree>
     <p:extLst>
       <p:ext uri="{BB962C8B-B14F-4D97-AF65-F5344CB8AC3E}">
-        <p14:creationId xmlns:p14="http://schemas.microsoft.com/office/powerpoint/2010/main" xmlns="" val="2811630000"/>
+        <p14:creationId xmlns:p14="http://schemas.microsoft.com/office/powerpoint/2010/main" val="2811630000"/>
       </p:ext>
     </p:extLst>
   </p:cSld>
@@ -2524,7 +2529,7 @@
     </p:spTree>
     <p:extLst>
       <p:ext uri="{BB962C8B-B14F-4D97-AF65-F5344CB8AC3E}">
-        <p14:creationId xmlns:p14="http://schemas.microsoft.com/office/powerpoint/2010/main" xmlns="" val="4226307925"/>
+        <p14:creationId xmlns:p14="http://schemas.microsoft.com/office/powerpoint/2010/main" val="4226307925"/>
       </p:ext>
     </p:extLst>
   </p:cSld>
@@ -2948,7 +2953,7 @@
     </p:spTree>
     <p:extLst>
       <p:ext uri="{BB962C8B-B14F-4D97-AF65-F5344CB8AC3E}">
-        <p14:creationId xmlns:p14="http://schemas.microsoft.com/office/powerpoint/2010/main" xmlns="" val="136647977"/>
+        <p14:creationId xmlns:p14="http://schemas.microsoft.com/office/powerpoint/2010/main" val="136647977"/>
       </p:ext>
     </p:extLst>
   </p:cSld>
@@ -3068,7 +3073,7 @@
     </p:spTree>
     <p:extLst>
       <p:ext uri="{BB962C8B-B14F-4D97-AF65-F5344CB8AC3E}">
-        <p14:creationId xmlns:p14="http://schemas.microsoft.com/office/powerpoint/2010/main" xmlns="" val="3571128729"/>
+        <p14:creationId xmlns:p14="http://schemas.microsoft.com/office/powerpoint/2010/main" val="3571128729"/>
       </p:ext>
     </p:extLst>
   </p:cSld>
@@ -3165,7 +3170,7 @@
     </p:spTree>
     <p:extLst>
       <p:ext uri="{BB962C8B-B14F-4D97-AF65-F5344CB8AC3E}">
-        <p14:creationId xmlns:p14="http://schemas.microsoft.com/office/powerpoint/2010/main" xmlns="" val="84365399"/>
+        <p14:creationId xmlns:p14="http://schemas.microsoft.com/office/powerpoint/2010/main" val="84365399"/>
       </p:ext>
     </p:extLst>
   </p:cSld>
@@ -3444,7 +3449,7 @@
     </p:spTree>
     <p:extLst>
       <p:ext uri="{BB962C8B-B14F-4D97-AF65-F5344CB8AC3E}">
-        <p14:creationId xmlns:p14="http://schemas.microsoft.com/office/powerpoint/2010/main" xmlns="" val="4000632514"/>
+        <p14:creationId xmlns:p14="http://schemas.microsoft.com/office/powerpoint/2010/main" val="4000632514"/>
       </p:ext>
     </p:extLst>
   </p:cSld>
@@ -3699,7 +3704,7 @@
     </p:spTree>
     <p:extLst>
       <p:ext uri="{BB962C8B-B14F-4D97-AF65-F5344CB8AC3E}">
-        <p14:creationId xmlns:p14="http://schemas.microsoft.com/office/powerpoint/2010/main" xmlns="" val="176726723"/>
+        <p14:creationId xmlns:p14="http://schemas.microsoft.com/office/powerpoint/2010/main" val="176726723"/>
       </p:ext>
     </p:extLst>
   </p:cSld>
@@ -3950,7 +3955,7 @@
     </p:spTree>
     <p:extLst>
       <p:ext uri="{BB962C8B-B14F-4D97-AF65-F5344CB8AC3E}">
-        <p14:creationId xmlns:p14="http://schemas.microsoft.com/office/powerpoint/2010/main" xmlns="" val="1263949513"/>
+        <p14:creationId xmlns:p14="http://schemas.microsoft.com/office/powerpoint/2010/main" val="1263949513"/>
       </p:ext>
     </p:extLst>
   </p:cSld>
@@ -4323,7 +4328,19 @@
           <a:p>
             <a:r>
               <a:rPr lang="en-US" dirty="0" smtClean="0"/>
-              <a:t>Nir Amar, Etay Hazan and Yarden Eitan.</a:t>
+              <a:t>Nir Amar, </a:t>
+            </a:r>
+            <a:r>
+              <a:rPr lang="en-US" dirty="0" err="1" smtClean="0"/>
+              <a:t>Etai</a:t>
+            </a:r>
+            <a:r>
+              <a:rPr lang="en-US" dirty="0" smtClean="0"/>
+              <a:t> </a:t>
+            </a:r>
+            <a:r>
+              <a:rPr lang="en-US" dirty="0" smtClean="0"/>
+              <a:t>Hazan and Yarden Eitan.</a:t>
             </a:r>
             <a:endParaRPr lang="he-IL" dirty="0"/>
           </a:p>
@@ -4391,7 +4408,7 @@
         <p:spPr>
           <a:xfrm>
             <a:off x="693465" y="2005401"/>
-            <a:ext cx="7772400" cy="3539430"/>
+            <a:ext cx="7772400" cy="3970318"/>
           </a:xfrm>
           <a:prstGeom prst="rect">
             <a:avLst/>
@@ -4433,22 +4450,36 @@
           <a:p>
             <a:r>
               <a:rPr lang="en-US" sz="3200" dirty="0" smtClean="0"/>
-              <a:t>Result = -54/12 (mod 7) = 6</a:t>
-            </a:r>
+              <a:t>Result = 6</a:t>
+            </a:r>
+          </a:p>
+          <a:p>
+            <a:r>
+              <a:rPr lang="en-US" sz="2800" dirty="0" smtClean="0"/>
+              <a:t>Every party do local computation (1/</a:t>
+            </a:r>
+            <a:r>
+              <a:rPr lang="en-US" sz="2800" dirty="0" err="1" smtClean="0"/>
+              <a:t>numOfParties</a:t>
+            </a:r>
+            <a:r>
+              <a:rPr lang="en-US" sz="2800" dirty="0" smtClean="0"/>
+              <a:t>)</a:t>
+            </a:r>
+            <a:endParaRPr lang="en-US" sz="2800" dirty="0" smtClean="0"/>
           </a:p>
           <a:p>
             <a:r>
               <a:rPr lang="en-US" sz="3200" dirty="0" smtClean="0"/>
-              <a:t>And the average is 6/3(mod 7) = 2</a:t>
-            </a:r>
-            <a:endParaRPr lang="he-IL" sz="3200" dirty="0"/>
+              <a:t>Average = 6/3 = 2</a:t>
+            </a:r>
           </a:p>
         </p:txBody>
       </p:sp>
     </p:spTree>
     <p:extLst>
       <p:ext uri="{BB962C8B-B14F-4D97-AF65-F5344CB8AC3E}">
-        <p14:creationId xmlns:p14="http://schemas.microsoft.com/office/powerpoint/2010/main" xmlns="" val="1819452929"/>
+        <p14:creationId xmlns:p14="http://schemas.microsoft.com/office/powerpoint/2010/main" val="1819452929"/>
       </p:ext>
     </p:extLst>
   </p:cSld>
@@ -4504,89 +4535,1604 @@
           <a:p>
             <a:r>
               <a:rPr lang="en-US" dirty="0" smtClean="0"/>
-              <a:t>Global agreement - motivation</a:t>
+              <a:t>Average – Example</a:t>
             </a:r>
             <a:endParaRPr lang="en-US" dirty="0"/>
           </a:p>
         </p:txBody>
       </p:sp>
-      <p:sp>
-        <p:nvSpPr>
-          <p:cNvPr id="3" name="Subtitle 2"/>
-          <p:cNvSpPr>
-            <a:spLocks noGrp="1"/>
-          </p:cNvSpPr>
-          <p:nvPr>
-            <p:ph type="subTitle" idx="1"/>
-          </p:nvPr>
-        </p:nvSpPr>
+      <p:cxnSp>
+        <p:nvCxnSpPr>
+          <p:cNvPr id="73" name="Straight Connector 72"/>
+          <p:cNvCxnSpPr/>
+          <p:nvPr/>
+        </p:nvCxnSpPr>
         <p:spPr>
           <a:xfrm>
-            <a:off x="365760" y="2005400"/>
-            <a:ext cx="8564880" cy="3816279"/>
+            <a:off x="2800350" y="5143500"/>
+            <a:ext cx="0" cy="533400"/>
           </a:xfrm>
+          <a:prstGeom prst="line">
+            <a:avLst/>
+          </a:prstGeom>
         </p:spPr>
-        <p:txBody>
-          <a:bodyPr>
-            <a:noAutofit/>
+        <p:style>
+          <a:lnRef idx="2">
+            <a:schemeClr val="accent1"/>
+          </a:lnRef>
+          <a:fillRef idx="0">
+            <a:schemeClr val="accent1"/>
+          </a:fillRef>
+          <a:effectRef idx="1">
+            <a:schemeClr val="accent1"/>
+          </a:effectRef>
+          <a:fontRef idx="minor">
+            <a:schemeClr val="tx1"/>
+          </a:fontRef>
+        </p:style>
+      </p:cxnSp>
+      <p:cxnSp>
+        <p:nvCxnSpPr>
+          <p:cNvPr id="74" name="Straight Connector 73"/>
+          <p:cNvCxnSpPr/>
+          <p:nvPr/>
+        </p:nvCxnSpPr>
+        <p:spPr>
+          <a:xfrm>
+            <a:off x="5200650" y="5143500"/>
+            <a:ext cx="0" cy="819150"/>
+          </a:xfrm>
+          <a:prstGeom prst="line">
+            <a:avLst/>
+          </a:prstGeom>
+        </p:spPr>
+        <p:style>
+          <a:lnRef idx="2">
+            <a:schemeClr val="accent1"/>
+          </a:lnRef>
+          <a:fillRef idx="0">
+            <a:schemeClr val="accent1"/>
+          </a:fillRef>
+          <a:effectRef idx="1">
+            <a:schemeClr val="accent1"/>
+          </a:effectRef>
+          <a:fontRef idx="minor">
+            <a:schemeClr val="tx1"/>
+          </a:fontRef>
+        </p:style>
+      </p:cxnSp>
+      <p:cxnSp>
+        <p:nvCxnSpPr>
+          <p:cNvPr id="75" name="Straight Connector 74"/>
+          <p:cNvCxnSpPr/>
+          <p:nvPr/>
+        </p:nvCxnSpPr>
+        <p:spPr>
+          <a:xfrm>
+            <a:off x="7578067" y="5143500"/>
+            <a:ext cx="0" cy="533400"/>
+          </a:xfrm>
+          <a:prstGeom prst="line">
+            <a:avLst/>
+          </a:prstGeom>
+        </p:spPr>
+        <p:style>
+          <a:lnRef idx="2">
+            <a:schemeClr val="accent1"/>
+          </a:lnRef>
+          <a:fillRef idx="0">
+            <a:schemeClr val="accent1"/>
+          </a:fillRef>
+          <a:effectRef idx="1">
+            <a:schemeClr val="accent1"/>
+          </a:effectRef>
+          <a:fontRef idx="minor">
+            <a:schemeClr val="tx1"/>
+          </a:fontRef>
+        </p:style>
+      </p:cxnSp>
+      <p:cxnSp>
+        <p:nvCxnSpPr>
+          <p:cNvPr id="77" name="Straight Connector 76"/>
+          <p:cNvCxnSpPr/>
+          <p:nvPr/>
+        </p:nvCxnSpPr>
+        <p:spPr>
+          <a:xfrm>
+            <a:off x="2800350" y="5676900"/>
+            <a:ext cx="4777717" cy="0"/>
+          </a:xfrm>
+          <a:prstGeom prst="line">
+            <a:avLst/>
+          </a:prstGeom>
+        </p:spPr>
+        <p:style>
+          <a:lnRef idx="2">
+            <a:schemeClr val="accent1"/>
+          </a:lnRef>
+          <a:fillRef idx="0">
+            <a:schemeClr val="accent1"/>
+          </a:fillRef>
+          <a:effectRef idx="1">
+            <a:schemeClr val="accent1"/>
+          </a:effectRef>
+          <a:fontRef idx="minor">
+            <a:schemeClr val="tx1"/>
+          </a:fontRef>
+        </p:style>
+      </p:cxnSp>
+      <p:grpSp>
+        <p:nvGrpSpPr>
+          <p:cNvPr id="82" name="Group 81"/>
+          <p:cNvGrpSpPr/>
+          <p:nvPr/>
+        </p:nvGrpSpPr>
+        <p:grpSpPr>
+          <a:xfrm>
+            <a:off x="1226865" y="2343150"/>
+            <a:ext cx="1935435" cy="2800350"/>
+            <a:chOff x="1226865" y="1809750"/>
+            <a:chExt cx="1935435" cy="2800350"/>
+          </a:xfrm>
+        </p:grpSpPr>
+        <p:grpSp>
+          <p:nvGrpSpPr>
+            <p:cNvPr id="47" name="Group 46"/>
+            <p:cNvGrpSpPr/>
+            <p:nvPr/>
+          </p:nvGrpSpPr>
+          <p:grpSpPr>
+            <a:xfrm>
+              <a:off x="1226865" y="1809750"/>
+              <a:ext cx="1935435" cy="2800350"/>
+              <a:chOff x="1226865" y="1809750"/>
+              <a:chExt cx="1935435" cy="2800350"/>
+            </a:xfrm>
+          </p:grpSpPr>
+          <p:sp>
+            <p:nvSpPr>
+              <p:cNvPr id="3" name="Rectangle 2"/>
+              <p:cNvSpPr/>
+              <p:nvPr/>
+            </p:nvSpPr>
+            <p:spPr>
+              <a:xfrm>
+                <a:off x="1466850" y="2686050"/>
+                <a:ext cx="704850" cy="590550"/>
+              </a:xfrm>
+              <a:prstGeom prst="rect">
+                <a:avLst/>
+              </a:prstGeom>
+            </p:spPr>
+            <p:style>
+              <a:lnRef idx="1">
+                <a:schemeClr val="accent1"/>
+              </a:lnRef>
+              <a:fillRef idx="3">
+                <a:schemeClr val="accent1"/>
+              </a:fillRef>
+              <a:effectRef idx="2">
+                <a:schemeClr val="accent1"/>
+              </a:effectRef>
+              <a:fontRef idx="minor">
+                <a:schemeClr val="lt1"/>
+              </a:fontRef>
+            </p:style>
+            <p:txBody>
+              <a:bodyPr rtlCol="1" anchor="ctr"/>
+              <a:lstStyle/>
+              <a:p>
+                <a:pPr algn="ctr"/>
+                <a:r>
+                  <a:rPr lang="en-US" sz="3600" dirty="0" smtClean="0"/>
+                  <a:t>+</a:t>
+                </a:r>
+                <a:endParaRPr lang="he-IL" dirty="0"/>
+              </a:p>
+            </p:txBody>
+          </p:sp>
+          <p:sp>
+            <p:nvSpPr>
+              <p:cNvPr id="5" name="Rectangle 4"/>
+              <p:cNvSpPr/>
+              <p:nvPr/>
+            </p:nvSpPr>
+            <p:spPr>
+              <a:xfrm>
+                <a:off x="2438400" y="4000500"/>
+                <a:ext cx="723900" cy="609600"/>
+              </a:xfrm>
+              <a:prstGeom prst="rect">
+                <a:avLst/>
+              </a:prstGeom>
+            </p:spPr>
+            <p:style>
+              <a:lnRef idx="1">
+                <a:schemeClr val="accent1"/>
+              </a:lnRef>
+              <a:fillRef idx="3">
+                <a:schemeClr val="accent1"/>
+              </a:fillRef>
+              <a:effectRef idx="2">
+                <a:schemeClr val="accent1"/>
+              </a:effectRef>
+              <a:fontRef idx="minor">
+                <a:schemeClr val="lt1"/>
+              </a:fontRef>
+            </p:style>
+            <p:txBody>
+              <a:bodyPr rtlCol="1" anchor="ctr"/>
+              <a:lstStyle/>
+              <a:p>
+                <a:pPr algn="ctr"/>
+                <a:r>
+                  <a:rPr lang="en-US" sz="4000" dirty="0"/>
+                  <a:t>+</a:t>
+                </a:r>
+                <a:endParaRPr lang="he-IL" dirty="0"/>
+              </a:p>
+            </p:txBody>
+          </p:sp>
+          <p:sp>
+            <p:nvSpPr>
+              <p:cNvPr id="11" name="TextBox 10"/>
+              <p:cNvSpPr txBox="1"/>
+              <p:nvPr/>
+            </p:nvSpPr>
+            <p:spPr>
+              <a:xfrm>
+                <a:off x="1226865" y="1809750"/>
+                <a:ext cx="640035" cy="369332"/>
+              </a:xfrm>
+              <a:prstGeom prst="rect">
+                <a:avLst/>
+              </a:prstGeom>
+              <a:noFill/>
+            </p:spPr>
+            <p:txBody>
+              <a:bodyPr wrap="square" rtlCol="1">
+                <a:spAutoFit/>
+              </a:bodyPr>
+              <a:lstStyle/>
+              <a:p>
+                <a:r>
+                  <a:rPr lang="en-US" dirty="0" smtClean="0"/>
+                  <a:t>(1,0)</a:t>
+                </a:r>
+                <a:endParaRPr lang="he-IL" dirty="0"/>
+              </a:p>
+            </p:txBody>
+          </p:sp>
+          <p:sp>
+            <p:nvSpPr>
+              <p:cNvPr id="12" name="TextBox 11"/>
+              <p:cNvSpPr txBox="1"/>
+              <p:nvPr/>
+            </p:nvSpPr>
+            <p:spPr>
+              <a:xfrm>
+                <a:off x="1760265" y="1809750"/>
+                <a:ext cx="640035" cy="369332"/>
+              </a:xfrm>
+              <a:prstGeom prst="rect">
+                <a:avLst/>
+              </a:prstGeom>
+              <a:noFill/>
+            </p:spPr>
+            <p:txBody>
+              <a:bodyPr wrap="square" rtlCol="1">
+                <a:spAutoFit/>
+              </a:bodyPr>
+              <a:lstStyle/>
+              <a:p>
+                <a:r>
+                  <a:rPr lang="en-US" dirty="0" smtClean="0"/>
+                  <a:t>(1,0)</a:t>
+                </a:r>
+                <a:endParaRPr lang="he-IL" dirty="0"/>
+              </a:p>
+            </p:txBody>
+          </p:sp>
+          <p:cxnSp>
+            <p:nvCxnSpPr>
+              <p:cNvPr id="14" name="Straight Connector 13"/>
+              <p:cNvCxnSpPr/>
+              <p:nvPr/>
+            </p:nvCxnSpPr>
+            <p:spPr>
+              <a:xfrm>
+                <a:off x="1600200" y="2083832"/>
+                <a:ext cx="0" cy="602218"/>
+              </a:xfrm>
+              <a:prstGeom prst="line">
+                <a:avLst/>
+              </a:prstGeom>
+            </p:spPr>
+            <p:style>
+              <a:lnRef idx="2">
+                <a:schemeClr val="accent1"/>
+              </a:lnRef>
+              <a:fillRef idx="0">
+                <a:schemeClr val="accent1"/>
+              </a:fillRef>
+              <a:effectRef idx="1">
+                <a:schemeClr val="accent1"/>
+              </a:effectRef>
+              <a:fontRef idx="minor">
+                <a:schemeClr val="tx1"/>
+              </a:fontRef>
+            </p:style>
+          </p:cxnSp>
+          <p:cxnSp>
+            <p:nvCxnSpPr>
+              <p:cNvPr id="16" name="Straight Connector 15"/>
+              <p:cNvCxnSpPr/>
+              <p:nvPr/>
+            </p:nvCxnSpPr>
+            <p:spPr>
+              <a:xfrm>
+                <a:off x="2080282" y="2083832"/>
+                <a:ext cx="0" cy="602218"/>
+              </a:xfrm>
+              <a:prstGeom prst="line">
+                <a:avLst/>
+              </a:prstGeom>
+            </p:spPr>
+            <p:style>
+              <a:lnRef idx="2">
+                <a:schemeClr val="accent1"/>
+              </a:lnRef>
+              <a:fillRef idx="0">
+                <a:schemeClr val="accent1"/>
+              </a:fillRef>
+              <a:effectRef idx="1">
+                <a:schemeClr val="accent1"/>
+              </a:effectRef>
+              <a:fontRef idx="minor">
+                <a:schemeClr val="tx1"/>
+              </a:fontRef>
+            </p:style>
+          </p:cxnSp>
+          <p:sp>
+            <p:nvSpPr>
+              <p:cNvPr id="17" name="TextBox 16"/>
+              <p:cNvSpPr txBox="1"/>
+              <p:nvPr/>
+            </p:nvSpPr>
+            <p:spPr>
+              <a:xfrm>
+                <a:off x="2438400" y="1820735"/>
+                <a:ext cx="640035" cy="369332"/>
+              </a:xfrm>
+              <a:prstGeom prst="rect">
+                <a:avLst/>
+              </a:prstGeom>
+              <a:noFill/>
+            </p:spPr>
+            <p:txBody>
+              <a:bodyPr wrap="square" rtlCol="1">
+                <a:spAutoFit/>
+              </a:bodyPr>
+              <a:lstStyle/>
+              <a:p>
+                <a:r>
+                  <a:rPr lang="en-US" dirty="0" smtClean="0"/>
+                  <a:t>(1,5)</a:t>
+                </a:r>
+                <a:endParaRPr lang="he-IL" dirty="0"/>
+              </a:p>
+            </p:txBody>
+          </p:sp>
+          <p:cxnSp>
+            <p:nvCxnSpPr>
+              <p:cNvPr id="18" name="Straight Connector 17"/>
+              <p:cNvCxnSpPr/>
+              <p:nvPr/>
+            </p:nvCxnSpPr>
+            <p:spPr>
+              <a:xfrm>
+                <a:off x="2948917" y="2083832"/>
+                <a:ext cx="0" cy="1916668"/>
+              </a:xfrm>
+              <a:prstGeom prst="line">
+                <a:avLst/>
+              </a:prstGeom>
+            </p:spPr>
+            <p:style>
+              <a:lnRef idx="2">
+                <a:schemeClr val="accent1"/>
+              </a:lnRef>
+              <a:fillRef idx="0">
+                <a:schemeClr val="accent1"/>
+              </a:fillRef>
+              <a:effectRef idx="1">
+                <a:schemeClr val="accent1"/>
+              </a:effectRef>
+              <a:fontRef idx="minor">
+                <a:schemeClr val="tx1"/>
+              </a:fontRef>
+            </p:style>
+          </p:cxnSp>
+          <p:cxnSp>
+            <p:nvCxnSpPr>
+              <p:cNvPr id="39" name="Straight Connector 38"/>
+              <p:cNvCxnSpPr>
+                <a:stCxn id="3" idx="2"/>
+              </p:cNvCxnSpPr>
+              <p:nvPr/>
+            </p:nvCxnSpPr>
+            <p:spPr>
+              <a:xfrm>
+                <a:off x="1819275" y="3276600"/>
+                <a:ext cx="0" cy="342900"/>
+              </a:xfrm>
+              <a:prstGeom prst="line">
+                <a:avLst/>
+              </a:prstGeom>
+            </p:spPr>
+            <p:style>
+              <a:lnRef idx="2">
+                <a:schemeClr val="accent1"/>
+              </a:lnRef>
+              <a:fillRef idx="0">
+                <a:schemeClr val="accent1"/>
+              </a:fillRef>
+              <a:effectRef idx="1">
+                <a:schemeClr val="accent1"/>
+              </a:effectRef>
+              <a:fontRef idx="minor">
+                <a:schemeClr val="tx1"/>
+              </a:fontRef>
+            </p:style>
+          </p:cxnSp>
+          <p:cxnSp>
+            <p:nvCxnSpPr>
+              <p:cNvPr id="41" name="Straight Connector 40"/>
+              <p:cNvCxnSpPr/>
+              <p:nvPr/>
+            </p:nvCxnSpPr>
+            <p:spPr>
+              <a:xfrm>
+                <a:off x="1819275" y="3619500"/>
+                <a:ext cx="939142" cy="0"/>
+              </a:xfrm>
+              <a:prstGeom prst="line">
+                <a:avLst/>
+              </a:prstGeom>
+            </p:spPr>
+            <p:style>
+              <a:lnRef idx="2">
+                <a:schemeClr val="accent1"/>
+              </a:lnRef>
+              <a:fillRef idx="0">
+                <a:schemeClr val="accent1"/>
+              </a:fillRef>
+              <a:effectRef idx="1">
+                <a:schemeClr val="accent1"/>
+              </a:effectRef>
+              <a:fontRef idx="minor">
+                <a:schemeClr val="tx1"/>
+              </a:fontRef>
+            </p:style>
+          </p:cxnSp>
+          <p:cxnSp>
+            <p:nvCxnSpPr>
+              <p:cNvPr id="43" name="Straight Connector 42"/>
+              <p:cNvCxnSpPr>
+                <a:endCxn id="5" idx="0"/>
+              </p:cNvCxnSpPr>
+              <p:nvPr/>
+            </p:nvCxnSpPr>
+            <p:spPr>
+              <a:xfrm>
+                <a:off x="2800350" y="3619500"/>
+                <a:ext cx="0" cy="381000"/>
+              </a:xfrm>
+              <a:prstGeom prst="line">
+                <a:avLst/>
+              </a:prstGeom>
+            </p:spPr>
+            <p:style>
+              <a:lnRef idx="2">
+                <a:schemeClr val="accent1"/>
+              </a:lnRef>
+              <a:fillRef idx="0">
+                <a:schemeClr val="accent1"/>
+              </a:fillRef>
+              <a:effectRef idx="1">
+                <a:schemeClr val="accent1"/>
+              </a:effectRef>
+              <a:fontRef idx="minor">
+                <a:schemeClr val="tx1"/>
+              </a:fontRef>
+            </p:style>
+          </p:cxnSp>
+        </p:grpSp>
+        <p:sp>
+          <p:nvSpPr>
+            <p:cNvPr id="80" name="TextBox 79"/>
+            <p:cNvSpPr txBox="1"/>
+            <p:nvPr/>
+          </p:nvSpPr>
+          <p:spPr>
+            <a:xfrm>
+              <a:off x="1306897" y="3307318"/>
+              <a:ext cx="640035" cy="369332"/>
+            </a:xfrm>
+            <a:prstGeom prst="rect">
+              <a:avLst/>
+            </a:prstGeom>
+            <a:noFill/>
+          </p:spPr>
+          <p:txBody>
+            <a:bodyPr wrap="square" rtlCol="1">
+              <a:spAutoFit/>
+            </a:bodyPr>
+            <a:lstStyle/>
+            <a:p>
+              <a:r>
+                <a:rPr lang="en-US" dirty="0" smtClean="0"/>
+                <a:t>(2,0)</a:t>
+              </a:r>
+              <a:endParaRPr lang="he-IL" dirty="0"/>
+            </a:p>
+          </p:txBody>
+        </p:sp>
+      </p:grpSp>
+      <p:grpSp>
+        <p:nvGrpSpPr>
+          <p:cNvPr id="85" name="Group 84"/>
+          <p:cNvGrpSpPr/>
+          <p:nvPr/>
+        </p:nvGrpSpPr>
+        <p:grpSpPr>
+          <a:xfrm>
+            <a:off x="3627165" y="2400300"/>
+            <a:ext cx="1935435" cy="2800350"/>
+            <a:chOff x="3627165" y="1866900"/>
+            <a:chExt cx="1935435" cy="2800350"/>
+          </a:xfrm>
+        </p:grpSpPr>
+        <p:grpSp>
+          <p:nvGrpSpPr>
+            <p:cNvPr id="48" name="Group 47"/>
+            <p:cNvGrpSpPr/>
+            <p:nvPr/>
+          </p:nvGrpSpPr>
+          <p:grpSpPr>
+            <a:xfrm>
+              <a:off x="3627165" y="1866900"/>
+              <a:ext cx="1935435" cy="2800350"/>
+              <a:chOff x="1226865" y="1809750"/>
+              <a:chExt cx="1935435" cy="2800350"/>
+            </a:xfrm>
+          </p:grpSpPr>
+          <p:sp>
+            <p:nvSpPr>
+              <p:cNvPr id="49" name="Rectangle 48"/>
+              <p:cNvSpPr/>
+              <p:nvPr/>
+            </p:nvSpPr>
+            <p:spPr>
+              <a:xfrm>
+                <a:off x="1466850" y="2686050"/>
+                <a:ext cx="704850" cy="590550"/>
+              </a:xfrm>
+              <a:prstGeom prst="rect">
+                <a:avLst/>
+              </a:prstGeom>
+            </p:spPr>
+            <p:style>
+              <a:lnRef idx="1">
+                <a:schemeClr val="accent1"/>
+              </a:lnRef>
+              <a:fillRef idx="3">
+                <a:schemeClr val="accent1"/>
+              </a:fillRef>
+              <a:effectRef idx="2">
+                <a:schemeClr val="accent1"/>
+              </a:effectRef>
+              <a:fontRef idx="minor">
+                <a:schemeClr val="lt1"/>
+              </a:fontRef>
+            </p:style>
+            <p:txBody>
+              <a:bodyPr rtlCol="1" anchor="ctr"/>
+              <a:lstStyle/>
+              <a:p>
+                <a:pPr algn="ctr"/>
+                <a:r>
+                  <a:rPr lang="en-US" sz="3600" dirty="0" smtClean="0"/>
+                  <a:t>+</a:t>
+                </a:r>
+                <a:endParaRPr lang="he-IL" dirty="0"/>
+              </a:p>
+            </p:txBody>
+          </p:sp>
+          <p:sp>
+            <p:nvSpPr>
+              <p:cNvPr id="50" name="Rectangle 49"/>
+              <p:cNvSpPr/>
+              <p:nvPr/>
+            </p:nvSpPr>
+            <p:spPr>
+              <a:xfrm>
+                <a:off x="2438400" y="4000500"/>
+                <a:ext cx="723900" cy="609600"/>
+              </a:xfrm>
+              <a:prstGeom prst="rect">
+                <a:avLst/>
+              </a:prstGeom>
+            </p:spPr>
+            <p:style>
+              <a:lnRef idx="1">
+                <a:schemeClr val="accent1"/>
+              </a:lnRef>
+              <a:fillRef idx="3">
+                <a:schemeClr val="accent1"/>
+              </a:fillRef>
+              <a:effectRef idx="2">
+                <a:schemeClr val="accent1"/>
+              </a:effectRef>
+              <a:fontRef idx="minor">
+                <a:schemeClr val="lt1"/>
+              </a:fontRef>
+            </p:style>
+            <p:txBody>
+              <a:bodyPr rtlCol="1" anchor="ctr"/>
+              <a:lstStyle/>
+              <a:p>
+                <a:pPr algn="ctr"/>
+                <a:r>
+                  <a:rPr lang="en-US" sz="4000" dirty="0"/>
+                  <a:t>+</a:t>
+                </a:r>
+                <a:endParaRPr lang="he-IL" dirty="0"/>
+              </a:p>
+            </p:txBody>
+          </p:sp>
+          <p:sp>
+            <p:nvSpPr>
+              <p:cNvPr id="51" name="TextBox 50"/>
+              <p:cNvSpPr txBox="1"/>
+              <p:nvPr/>
+            </p:nvSpPr>
+            <p:spPr>
+              <a:xfrm>
+                <a:off x="1226865" y="1809750"/>
+                <a:ext cx="640035" cy="369332"/>
+              </a:xfrm>
+              <a:prstGeom prst="rect">
+                <a:avLst/>
+              </a:prstGeom>
+              <a:noFill/>
+            </p:spPr>
+            <p:txBody>
+              <a:bodyPr wrap="square" rtlCol="1">
+                <a:spAutoFit/>
+              </a:bodyPr>
+              <a:lstStyle/>
+              <a:p>
+                <a:r>
+                  <a:rPr lang="en-US" dirty="0" smtClean="0"/>
+                  <a:t>(2,6)</a:t>
+                </a:r>
+                <a:endParaRPr lang="he-IL" dirty="0"/>
+              </a:p>
+            </p:txBody>
+          </p:sp>
+          <p:sp>
+            <p:nvSpPr>
+              <p:cNvPr id="52" name="TextBox 51"/>
+              <p:cNvSpPr txBox="1"/>
+              <p:nvPr/>
+            </p:nvSpPr>
+            <p:spPr>
+              <a:xfrm>
+                <a:off x="1760265" y="1809750"/>
+                <a:ext cx="640035" cy="369332"/>
+              </a:xfrm>
+              <a:prstGeom prst="rect">
+                <a:avLst/>
+              </a:prstGeom>
+              <a:noFill/>
+            </p:spPr>
+            <p:txBody>
+              <a:bodyPr wrap="square" rtlCol="1">
+                <a:spAutoFit/>
+              </a:bodyPr>
+              <a:lstStyle/>
+              <a:p>
+                <a:r>
+                  <a:rPr lang="en-US" dirty="0" smtClean="0"/>
+                  <a:t>(2,5)</a:t>
+                </a:r>
+                <a:endParaRPr lang="he-IL" dirty="0"/>
+              </a:p>
+            </p:txBody>
+          </p:sp>
+          <p:cxnSp>
+            <p:nvCxnSpPr>
+              <p:cNvPr id="53" name="Straight Connector 52"/>
+              <p:cNvCxnSpPr/>
+              <p:nvPr/>
+            </p:nvCxnSpPr>
+            <p:spPr>
+              <a:xfrm>
+                <a:off x="1600200" y="2083832"/>
+                <a:ext cx="0" cy="602218"/>
+              </a:xfrm>
+              <a:prstGeom prst="line">
+                <a:avLst/>
+              </a:prstGeom>
+            </p:spPr>
+            <p:style>
+              <a:lnRef idx="2">
+                <a:schemeClr val="accent1"/>
+              </a:lnRef>
+              <a:fillRef idx="0">
+                <a:schemeClr val="accent1"/>
+              </a:fillRef>
+              <a:effectRef idx="1">
+                <a:schemeClr val="accent1"/>
+              </a:effectRef>
+              <a:fontRef idx="minor">
+                <a:schemeClr val="tx1"/>
+              </a:fontRef>
+            </p:style>
+          </p:cxnSp>
+          <p:cxnSp>
+            <p:nvCxnSpPr>
+              <p:cNvPr id="54" name="Straight Connector 53"/>
+              <p:cNvCxnSpPr/>
+              <p:nvPr/>
+            </p:nvCxnSpPr>
+            <p:spPr>
+              <a:xfrm>
+                <a:off x="2080282" y="2083832"/>
+                <a:ext cx="0" cy="602218"/>
+              </a:xfrm>
+              <a:prstGeom prst="line">
+                <a:avLst/>
+              </a:prstGeom>
+            </p:spPr>
+            <p:style>
+              <a:lnRef idx="2">
+                <a:schemeClr val="accent1"/>
+              </a:lnRef>
+              <a:fillRef idx="0">
+                <a:schemeClr val="accent1"/>
+              </a:fillRef>
+              <a:effectRef idx="1">
+                <a:schemeClr val="accent1"/>
+              </a:effectRef>
+              <a:fontRef idx="minor">
+                <a:schemeClr val="tx1"/>
+              </a:fontRef>
+            </p:style>
+          </p:cxnSp>
+          <p:sp>
+            <p:nvSpPr>
+              <p:cNvPr id="55" name="TextBox 54"/>
+              <p:cNvSpPr txBox="1"/>
+              <p:nvPr/>
+            </p:nvSpPr>
+            <p:spPr>
+              <a:xfrm>
+                <a:off x="2438400" y="1820735"/>
+                <a:ext cx="640035" cy="369332"/>
+              </a:xfrm>
+              <a:prstGeom prst="rect">
+                <a:avLst/>
+              </a:prstGeom>
+              <a:noFill/>
+            </p:spPr>
+            <p:txBody>
+              <a:bodyPr wrap="square" rtlCol="1">
+                <a:spAutoFit/>
+              </a:bodyPr>
+              <a:lstStyle/>
+              <a:p>
+                <a:r>
+                  <a:rPr lang="en-US" dirty="0" smtClean="0"/>
+                  <a:t>(2,0)</a:t>
+                </a:r>
+                <a:endParaRPr lang="he-IL" dirty="0"/>
+              </a:p>
+            </p:txBody>
+          </p:sp>
+          <p:cxnSp>
+            <p:nvCxnSpPr>
+              <p:cNvPr id="56" name="Straight Connector 55"/>
+              <p:cNvCxnSpPr/>
+              <p:nvPr/>
+            </p:nvCxnSpPr>
+            <p:spPr>
+              <a:xfrm>
+                <a:off x="2948917" y="2083832"/>
+                <a:ext cx="0" cy="1916668"/>
+              </a:xfrm>
+              <a:prstGeom prst="line">
+                <a:avLst/>
+              </a:prstGeom>
+            </p:spPr>
+            <p:style>
+              <a:lnRef idx="2">
+                <a:schemeClr val="accent1"/>
+              </a:lnRef>
+              <a:fillRef idx="0">
+                <a:schemeClr val="accent1"/>
+              </a:fillRef>
+              <a:effectRef idx="1">
+                <a:schemeClr val="accent1"/>
+              </a:effectRef>
+              <a:fontRef idx="minor">
+                <a:schemeClr val="tx1"/>
+              </a:fontRef>
+            </p:style>
+          </p:cxnSp>
+          <p:cxnSp>
+            <p:nvCxnSpPr>
+              <p:cNvPr id="57" name="Straight Connector 56"/>
+              <p:cNvCxnSpPr>
+                <a:stCxn id="49" idx="2"/>
+              </p:cNvCxnSpPr>
+              <p:nvPr/>
+            </p:nvCxnSpPr>
+            <p:spPr>
+              <a:xfrm>
+                <a:off x="1819275" y="3276600"/>
+                <a:ext cx="0" cy="342900"/>
+              </a:xfrm>
+              <a:prstGeom prst="line">
+                <a:avLst/>
+              </a:prstGeom>
+            </p:spPr>
+            <p:style>
+              <a:lnRef idx="2">
+                <a:schemeClr val="accent1"/>
+              </a:lnRef>
+              <a:fillRef idx="0">
+                <a:schemeClr val="accent1"/>
+              </a:fillRef>
+              <a:effectRef idx="1">
+                <a:schemeClr val="accent1"/>
+              </a:effectRef>
+              <a:fontRef idx="minor">
+                <a:schemeClr val="tx1"/>
+              </a:fontRef>
+            </p:style>
+          </p:cxnSp>
+          <p:cxnSp>
+            <p:nvCxnSpPr>
+              <p:cNvPr id="58" name="Straight Connector 57"/>
+              <p:cNvCxnSpPr/>
+              <p:nvPr/>
+            </p:nvCxnSpPr>
+            <p:spPr>
+              <a:xfrm>
+                <a:off x="1819275" y="3619500"/>
+                <a:ext cx="939142" cy="0"/>
+              </a:xfrm>
+              <a:prstGeom prst="line">
+                <a:avLst/>
+              </a:prstGeom>
+            </p:spPr>
+            <p:style>
+              <a:lnRef idx="2">
+                <a:schemeClr val="accent1"/>
+              </a:lnRef>
+              <a:fillRef idx="0">
+                <a:schemeClr val="accent1"/>
+              </a:fillRef>
+              <a:effectRef idx="1">
+                <a:schemeClr val="accent1"/>
+              </a:effectRef>
+              <a:fontRef idx="minor">
+                <a:schemeClr val="tx1"/>
+              </a:fontRef>
+            </p:style>
+          </p:cxnSp>
+          <p:cxnSp>
+            <p:nvCxnSpPr>
+              <p:cNvPr id="59" name="Straight Connector 58"/>
+              <p:cNvCxnSpPr>
+                <a:endCxn id="50" idx="0"/>
+              </p:cNvCxnSpPr>
+              <p:nvPr/>
+            </p:nvCxnSpPr>
+            <p:spPr>
+              <a:xfrm>
+                <a:off x="2800350" y="3619500"/>
+                <a:ext cx="0" cy="381000"/>
+              </a:xfrm>
+              <a:prstGeom prst="line">
+                <a:avLst/>
+              </a:prstGeom>
+            </p:spPr>
+            <p:style>
+              <a:lnRef idx="2">
+                <a:schemeClr val="accent1"/>
+              </a:lnRef>
+              <a:fillRef idx="0">
+                <a:schemeClr val="accent1"/>
+              </a:fillRef>
+              <a:effectRef idx="1">
+                <a:schemeClr val="accent1"/>
+              </a:effectRef>
+              <a:fontRef idx="minor">
+                <a:schemeClr val="tx1"/>
+              </a:fontRef>
+            </p:style>
+          </p:cxnSp>
+        </p:grpSp>
+        <p:sp>
+          <p:nvSpPr>
+            <p:cNvPr id="83" name="TextBox 82"/>
+            <p:cNvSpPr txBox="1"/>
+            <p:nvPr/>
+          </p:nvSpPr>
+          <p:spPr>
+            <a:xfrm>
+              <a:off x="3699532" y="3344735"/>
+              <a:ext cx="640035" cy="369332"/>
+            </a:xfrm>
+            <a:prstGeom prst="rect">
+              <a:avLst/>
+            </a:prstGeom>
+            <a:noFill/>
+          </p:spPr>
+          <p:txBody>
+            <a:bodyPr wrap="square" rtlCol="1">
+              <a:spAutoFit/>
+            </a:bodyPr>
+            <a:lstStyle/>
+            <a:p>
+              <a:r>
+                <a:rPr lang="en-US" dirty="0" smtClean="0"/>
+                <a:t>(4,4)</a:t>
+              </a:r>
+              <a:endParaRPr lang="he-IL" dirty="0"/>
+            </a:p>
+          </p:txBody>
+        </p:sp>
+      </p:grpSp>
+      <p:grpSp>
+        <p:nvGrpSpPr>
+          <p:cNvPr id="86" name="Group 85"/>
+          <p:cNvGrpSpPr/>
+          <p:nvPr/>
+        </p:nvGrpSpPr>
+        <p:grpSpPr>
+          <a:xfrm>
+            <a:off x="6004582" y="2411285"/>
+            <a:ext cx="1935435" cy="2800350"/>
+            <a:chOff x="6004582" y="1877885"/>
+            <a:chExt cx="1935435" cy="2800350"/>
+          </a:xfrm>
+        </p:grpSpPr>
+        <p:grpSp>
+          <p:nvGrpSpPr>
+            <p:cNvPr id="60" name="Group 59"/>
+            <p:cNvGrpSpPr/>
+            <p:nvPr/>
+          </p:nvGrpSpPr>
+          <p:grpSpPr>
+            <a:xfrm>
+              <a:off x="6004582" y="1877885"/>
+              <a:ext cx="1935435" cy="2800350"/>
+              <a:chOff x="1226865" y="1809750"/>
+              <a:chExt cx="1935435" cy="2800350"/>
+            </a:xfrm>
+          </p:grpSpPr>
+          <p:sp>
+            <p:nvSpPr>
+              <p:cNvPr id="61" name="Rectangle 60"/>
+              <p:cNvSpPr/>
+              <p:nvPr/>
+            </p:nvSpPr>
+            <p:spPr>
+              <a:xfrm>
+                <a:off x="1466850" y="2686050"/>
+                <a:ext cx="704850" cy="590550"/>
+              </a:xfrm>
+              <a:prstGeom prst="rect">
+                <a:avLst/>
+              </a:prstGeom>
+            </p:spPr>
+            <p:style>
+              <a:lnRef idx="1">
+                <a:schemeClr val="accent1"/>
+              </a:lnRef>
+              <a:fillRef idx="3">
+                <a:schemeClr val="accent1"/>
+              </a:fillRef>
+              <a:effectRef idx="2">
+                <a:schemeClr val="accent1"/>
+              </a:effectRef>
+              <a:fontRef idx="minor">
+                <a:schemeClr val="lt1"/>
+              </a:fontRef>
+            </p:style>
+            <p:txBody>
+              <a:bodyPr rtlCol="1" anchor="ctr"/>
+              <a:lstStyle/>
+              <a:p>
+                <a:pPr algn="ctr"/>
+                <a:r>
+                  <a:rPr lang="en-US" sz="3600" dirty="0" smtClean="0"/>
+                  <a:t>+</a:t>
+                </a:r>
+                <a:endParaRPr lang="he-IL" dirty="0"/>
+              </a:p>
+            </p:txBody>
+          </p:sp>
+          <p:sp>
+            <p:nvSpPr>
+              <p:cNvPr id="62" name="Rectangle 61"/>
+              <p:cNvSpPr/>
+              <p:nvPr/>
+            </p:nvSpPr>
+            <p:spPr>
+              <a:xfrm>
+                <a:off x="2438400" y="4000500"/>
+                <a:ext cx="723900" cy="609600"/>
+              </a:xfrm>
+              <a:prstGeom prst="rect">
+                <a:avLst/>
+              </a:prstGeom>
+            </p:spPr>
+            <p:style>
+              <a:lnRef idx="1">
+                <a:schemeClr val="accent1"/>
+              </a:lnRef>
+              <a:fillRef idx="3">
+                <a:schemeClr val="accent1"/>
+              </a:fillRef>
+              <a:effectRef idx="2">
+                <a:schemeClr val="accent1"/>
+              </a:effectRef>
+              <a:fontRef idx="minor">
+                <a:schemeClr val="lt1"/>
+              </a:fontRef>
+            </p:style>
+            <p:txBody>
+              <a:bodyPr rtlCol="1" anchor="ctr"/>
+              <a:lstStyle/>
+              <a:p>
+                <a:pPr algn="ctr"/>
+                <a:r>
+                  <a:rPr lang="en-US" sz="4000" dirty="0"/>
+                  <a:t>+</a:t>
+                </a:r>
+                <a:endParaRPr lang="he-IL" dirty="0"/>
+              </a:p>
+            </p:txBody>
+          </p:sp>
+          <p:sp>
+            <p:nvSpPr>
+              <p:cNvPr id="63" name="TextBox 62"/>
+              <p:cNvSpPr txBox="1"/>
+              <p:nvPr/>
+            </p:nvSpPr>
+            <p:spPr>
+              <a:xfrm>
+                <a:off x="1226865" y="1809750"/>
+                <a:ext cx="640035" cy="369332"/>
+              </a:xfrm>
+              <a:prstGeom prst="rect">
+                <a:avLst/>
+              </a:prstGeom>
+              <a:noFill/>
+            </p:spPr>
+            <p:txBody>
+              <a:bodyPr wrap="square" rtlCol="1">
+                <a:spAutoFit/>
+              </a:bodyPr>
+              <a:lstStyle/>
+              <a:p>
+                <a:r>
+                  <a:rPr lang="en-US" dirty="0" smtClean="0"/>
+                  <a:t>(3,5)</a:t>
+                </a:r>
+                <a:endParaRPr lang="he-IL" dirty="0"/>
+              </a:p>
+            </p:txBody>
+          </p:sp>
+          <p:sp>
+            <p:nvSpPr>
+              <p:cNvPr id="64" name="TextBox 63"/>
+              <p:cNvSpPr txBox="1"/>
+              <p:nvPr/>
+            </p:nvSpPr>
+            <p:spPr>
+              <a:xfrm>
+                <a:off x="1760265" y="1809750"/>
+                <a:ext cx="640035" cy="369332"/>
+              </a:xfrm>
+              <a:prstGeom prst="rect">
+                <a:avLst/>
+              </a:prstGeom>
+              <a:noFill/>
+            </p:spPr>
+            <p:txBody>
+              <a:bodyPr wrap="square" rtlCol="1">
+                <a:spAutoFit/>
+              </a:bodyPr>
+              <a:lstStyle/>
+              <a:p>
+                <a:r>
+                  <a:rPr lang="en-US" dirty="0" smtClean="0"/>
+                  <a:t>(3,3)</a:t>
+                </a:r>
+                <a:endParaRPr lang="he-IL" dirty="0"/>
+              </a:p>
+            </p:txBody>
+          </p:sp>
+          <p:cxnSp>
+            <p:nvCxnSpPr>
+              <p:cNvPr id="65" name="Straight Connector 64"/>
+              <p:cNvCxnSpPr/>
+              <p:nvPr/>
+            </p:nvCxnSpPr>
+            <p:spPr>
+              <a:xfrm>
+                <a:off x="1600200" y="2083832"/>
+                <a:ext cx="0" cy="602218"/>
+              </a:xfrm>
+              <a:prstGeom prst="line">
+                <a:avLst/>
+              </a:prstGeom>
+            </p:spPr>
+            <p:style>
+              <a:lnRef idx="2">
+                <a:schemeClr val="accent1"/>
+              </a:lnRef>
+              <a:fillRef idx="0">
+                <a:schemeClr val="accent1"/>
+              </a:fillRef>
+              <a:effectRef idx="1">
+                <a:schemeClr val="accent1"/>
+              </a:effectRef>
+              <a:fontRef idx="minor">
+                <a:schemeClr val="tx1"/>
+              </a:fontRef>
+            </p:style>
+          </p:cxnSp>
+          <p:cxnSp>
+            <p:nvCxnSpPr>
+              <p:cNvPr id="66" name="Straight Connector 65"/>
+              <p:cNvCxnSpPr/>
+              <p:nvPr/>
+            </p:nvCxnSpPr>
+            <p:spPr>
+              <a:xfrm>
+                <a:off x="2080282" y="2083832"/>
+                <a:ext cx="0" cy="602218"/>
+              </a:xfrm>
+              <a:prstGeom prst="line">
+                <a:avLst/>
+              </a:prstGeom>
+            </p:spPr>
+            <p:style>
+              <a:lnRef idx="2">
+                <a:schemeClr val="accent1"/>
+              </a:lnRef>
+              <a:fillRef idx="0">
+                <a:schemeClr val="accent1"/>
+              </a:fillRef>
+              <a:effectRef idx="1">
+                <a:schemeClr val="accent1"/>
+              </a:effectRef>
+              <a:fontRef idx="minor">
+                <a:schemeClr val="tx1"/>
+              </a:fontRef>
+            </p:style>
+          </p:cxnSp>
+          <p:sp>
+            <p:nvSpPr>
+              <p:cNvPr id="67" name="TextBox 66"/>
+              <p:cNvSpPr txBox="1"/>
+              <p:nvPr/>
+            </p:nvSpPr>
+            <p:spPr>
+              <a:xfrm>
+                <a:off x="2438400" y="1820735"/>
+                <a:ext cx="640035" cy="369332"/>
+              </a:xfrm>
+              <a:prstGeom prst="rect">
+                <a:avLst/>
+              </a:prstGeom>
+              <a:noFill/>
+            </p:spPr>
+            <p:txBody>
+              <a:bodyPr wrap="square" rtlCol="1">
+                <a:spAutoFit/>
+              </a:bodyPr>
+              <a:lstStyle/>
+              <a:p>
+                <a:r>
+                  <a:rPr lang="en-US" dirty="0" smtClean="0"/>
+                  <a:t>(3,2)</a:t>
+                </a:r>
+                <a:endParaRPr lang="he-IL" dirty="0"/>
+              </a:p>
+            </p:txBody>
+          </p:sp>
+          <p:cxnSp>
+            <p:nvCxnSpPr>
+              <p:cNvPr id="68" name="Straight Connector 67"/>
+              <p:cNvCxnSpPr/>
+              <p:nvPr/>
+            </p:nvCxnSpPr>
+            <p:spPr>
+              <a:xfrm>
+                <a:off x="2948917" y="2083832"/>
+                <a:ext cx="0" cy="1916668"/>
+              </a:xfrm>
+              <a:prstGeom prst="line">
+                <a:avLst/>
+              </a:prstGeom>
+            </p:spPr>
+            <p:style>
+              <a:lnRef idx="2">
+                <a:schemeClr val="accent1"/>
+              </a:lnRef>
+              <a:fillRef idx="0">
+                <a:schemeClr val="accent1"/>
+              </a:fillRef>
+              <a:effectRef idx="1">
+                <a:schemeClr val="accent1"/>
+              </a:effectRef>
+              <a:fontRef idx="minor">
+                <a:schemeClr val="tx1"/>
+              </a:fontRef>
+            </p:style>
+          </p:cxnSp>
+          <p:cxnSp>
+            <p:nvCxnSpPr>
+              <p:cNvPr id="69" name="Straight Connector 68"/>
+              <p:cNvCxnSpPr>
+                <a:stCxn id="61" idx="2"/>
+              </p:cNvCxnSpPr>
+              <p:nvPr/>
+            </p:nvCxnSpPr>
+            <p:spPr>
+              <a:xfrm>
+                <a:off x="1819275" y="3276600"/>
+                <a:ext cx="0" cy="342900"/>
+              </a:xfrm>
+              <a:prstGeom prst="line">
+                <a:avLst/>
+              </a:prstGeom>
+            </p:spPr>
+            <p:style>
+              <a:lnRef idx="2">
+                <a:schemeClr val="accent1"/>
+              </a:lnRef>
+              <a:fillRef idx="0">
+                <a:schemeClr val="accent1"/>
+              </a:fillRef>
+              <a:effectRef idx="1">
+                <a:schemeClr val="accent1"/>
+              </a:effectRef>
+              <a:fontRef idx="minor">
+                <a:schemeClr val="tx1"/>
+              </a:fontRef>
+            </p:style>
+          </p:cxnSp>
+          <p:cxnSp>
+            <p:nvCxnSpPr>
+              <p:cNvPr id="70" name="Straight Connector 69"/>
+              <p:cNvCxnSpPr/>
+              <p:nvPr/>
+            </p:nvCxnSpPr>
+            <p:spPr>
+              <a:xfrm>
+                <a:off x="1819275" y="3619500"/>
+                <a:ext cx="939142" cy="0"/>
+              </a:xfrm>
+              <a:prstGeom prst="line">
+                <a:avLst/>
+              </a:prstGeom>
+            </p:spPr>
+            <p:style>
+              <a:lnRef idx="2">
+                <a:schemeClr val="accent1"/>
+              </a:lnRef>
+              <a:fillRef idx="0">
+                <a:schemeClr val="accent1"/>
+              </a:fillRef>
+              <a:effectRef idx="1">
+                <a:schemeClr val="accent1"/>
+              </a:effectRef>
+              <a:fontRef idx="minor">
+                <a:schemeClr val="tx1"/>
+              </a:fontRef>
+            </p:style>
+          </p:cxnSp>
+          <p:cxnSp>
+            <p:nvCxnSpPr>
+              <p:cNvPr id="71" name="Straight Connector 70"/>
+              <p:cNvCxnSpPr>
+                <a:endCxn id="62" idx="0"/>
+              </p:cNvCxnSpPr>
+              <p:nvPr/>
+            </p:nvCxnSpPr>
+            <p:spPr>
+              <a:xfrm>
+                <a:off x="2800350" y="3619500"/>
+                <a:ext cx="0" cy="381000"/>
+              </a:xfrm>
+              <a:prstGeom prst="line">
+                <a:avLst/>
+              </a:prstGeom>
+            </p:spPr>
+            <p:style>
+              <a:lnRef idx="2">
+                <a:schemeClr val="accent1"/>
+              </a:lnRef>
+              <a:fillRef idx="0">
+                <a:schemeClr val="accent1"/>
+              </a:fillRef>
+              <a:effectRef idx="1">
+                <a:schemeClr val="accent1"/>
+              </a:effectRef>
+              <a:fontRef idx="minor">
+                <a:schemeClr val="tx1"/>
+              </a:fontRef>
+            </p:style>
+          </p:cxnSp>
+        </p:grpSp>
+        <p:sp>
+          <p:nvSpPr>
+            <p:cNvPr id="84" name="TextBox 83"/>
+            <p:cNvSpPr txBox="1"/>
+            <p:nvPr/>
+          </p:nvSpPr>
+          <p:spPr>
+            <a:xfrm>
+              <a:off x="6057899" y="3394503"/>
+              <a:ext cx="640035" cy="369332"/>
+            </a:xfrm>
+            <a:prstGeom prst="rect">
+              <a:avLst/>
+            </a:prstGeom>
+            <a:noFill/>
+          </p:spPr>
+          <p:txBody>
+            <a:bodyPr wrap="square" rtlCol="1">
+              <a:spAutoFit/>
+            </a:bodyPr>
+            <a:lstStyle/>
+            <a:p>
+              <a:r>
+                <a:rPr lang="en-US" dirty="0" smtClean="0"/>
+                <a:t>(6,1)</a:t>
+              </a:r>
+              <a:endParaRPr lang="he-IL" dirty="0"/>
+            </a:p>
+          </p:txBody>
+        </p:sp>
+      </p:grpSp>
+      <p:sp>
+        <p:nvSpPr>
+          <p:cNvPr id="87" name="TextBox 86"/>
+          <p:cNvSpPr txBox="1"/>
+          <p:nvPr/>
+        </p:nvSpPr>
+        <p:spPr>
+          <a:xfrm>
+            <a:off x="1466850" y="1619250"/>
+            <a:ext cx="1333500" cy="461665"/>
+          </a:xfrm>
+          <a:prstGeom prst="rect">
+            <a:avLst/>
+          </a:prstGeom>
+          <a:noFill/>
+        </p:spPr>
+        <p:txBody>
+          <a:bodyPr wrap="square" rtlCol="1">
+            <a:spAutoFit/>
           </a:bodyPr>
           <a:lstStyle/>
           <a:p>
-            <a:pPr algn="l">
-              <a:buFont typeface="Arial" pitchFamily="34" charset="0"/>
-              <a:buChar char="•"/>
-            </a:pPr>
-            <a:r>
-              <a:rPr lang="en-US" sz="3600" dirty="0" smtClean="0">
-                <a:solidFill>
-                  <a:schemeClr val="tx1"/>
-                </a:solidFill>
-              </a:rPr>
-              <a:t>   Useful for:</a:t>
-            </a:r>
-          </a:p>
-          <a:p>
-            <a:pPr marL="514350" indent="-514350" algn="l">
-              <a:buAutoNum type="arabicPeriod"/>
-            </a:pPr>
-            <a:r>
-              <a:rPr lang="en-US" sz="3600" dirty="0" smtClean="0">
-                <a:solidFill>
-                  <a:schemeClr val="tx1"/>
-                </a:solidFill>
-              </a:rPr>
-              <a:t>For peace in the Middle East.</a:t>
-            </a:r>
-          </a:p>
-          <a:p>
-            <a:pPr marL="514350" indent="-514350" algn="l">
-              <a:buAutoNum type="arabicPeriod"/>
-            </a:pPr>
-            <a:r>
-              <a:rPr lang="en-US" sz="3600" dirty="0" smtClean="0">
-                <a:solidFill>
-                  <a:schemeClr val="tx1"/>
-                </a:solidFill>
-              </a:rPr>
-              <a:t>Global agreements in Business meetings.</a:t>
-            </a:r>
-          </a:p>
-          <a:p>
-            <a:pPr marL="514350" indent="-514350" algn="l">
-              <a:buAutoNum type="arabicPeriod"/>
-            </a:pPr>
-            <a:endParaRPr lang="en-US" sz="3600" dirty="0">
-              <a:solidFill>
-                <a:schemeClr val="tx1"/>
-              </a:solidFill>
-            </a:endParaRPr>
+            <a:pPr algn="ctr"/>
+            <a:r>
+              <a:rPr lang="en-US" sz="2400" dirty="0" smtClean="0"/>
+              <a:t>P1</a:t>
+            </a:r>
+            <a:endParaRPr lang="he-IL" dirty="0"/>
+          </a:p>
+        </p:txBody>
+      </p:sp>
+      <p:sp>
+        <p:nvSpPr>
+          <p:cNvPr id="88" name="TextBox 87"/>
+          <p:cNvSpPr txBox="1"/>
+          <p:nvPr/>
+        </p:nvSpPr>
+        <p:spPr>
+          <a:xfrm>
+            <a:off x="3699532" y="1619250"/>
+            <a:ext cx="1333500" cy="461665"/>
+          </a:xfrm>
+          <a:prstGeom prst="rect">
+            <a:avLst/>
+          </a:prstGeom>
+          <a:noFill/>
+        </p:spPr>
+        <p:txBody>
+          <a:bodyPr wrap="square" rtlCol="1">
+            <a:spAutoFit/>
+          </a:bodyPr>
+          <a:lstStyle/>
+          <a:p>
+            <a:pPr algn="ctr"/>
+            <a:r>
+              <a:rPr lang="en-US" sz="2400" dirty="0" smtClean="0"/>
+              <a:t>P2</a:t>
+            </a:r>
+            <a:endParaRPr lang="he-IL" dirty="0"/>
+          </a:p>
+        </p:txBody>
+      </p:sp>
+      <p:sp>
+        <p:nvSpPr>
+          <p:cNvPr id="89" name="TextBox 88"/>
+          <p:cNvSpPr txBox="1"/>
+          <p:nvPr/>
+        </p:nvSpPr>
+        <p:spPr>
+          <a:xfrm>
+            <a:off x="6282667" y="1619250"/>
+            <a:ext cx="1333500" cy="461665"/>
+          </a:xfrm>
+          <a:prstGeom prst="rect">
+            <a:avLst/>
+          </a:prstGeom>
+          <a:noFill/>
+        </p:spPr>
+        <p:txBody>
+          <a:bodyPr wrap="square" rtlCol="1">
+            <a:spAutoFit/>
+          </a:bodyPr>
+          <a:lstStyle/>
+          <a:p>
+            <a:pPr algn="ctr"/>
+            <a:r>
+              <a:rPr lang="en-US" sz="2400" dirty="0" smtClean="0"/>
+              <a:t>P3</a:t>
+            </a:r>
+            <a:endParaRPr lang="he-IL" dirty="0"/>
+          </a:p>
+        </p:txBody>
+      </p:sp>
+      <p:sp>
+        <p:nvSpPr>
+          <p:cNvPr id="90" name="TextBox 89"/>
+          <p:cNvSpPr txBox="1"/>
+          <p:nvPr/>
+        </p:nvSpPr>
+        <p:spPr>
+          <a:xfrm>
+            <a:off x="2251732" y="5307568"/>
+            <a:ext cx="640035" cy="369332"/>
+          </a:xfrm>
+          <a:prstGeom prst="rect">
+            <a:avLst/>
+          </a:prstGeom>
+          <a:noFill/>
+        </p:spPr>
+        <p:txBody>
+          <a:bodyPr wrap="square" rtlCol="1">
+            <a:spAutoFit/>
+          </a:bodyPr>
+          <a:lstStyle/>
+          <a:p>
+            <a:r>
+              <a:rPr lang="en-US" dirty="0" smtClean="0"/>
+              <a:t>(3,5)</a:t>
+            </a:r>
+            <a:endParaRPr lang="he-IL" dirty="0"/>
+          </a:p>
+        </p:txBody>
+      </p:sp>
+      <p:sp>
+        <p:nvSpPr>
+          <p:cNvPr id="91" name="TextBox 90"/>
+          <p:cNvSpPr txBox="1"/>
+          <p:nvPr/>
+        </p:nvSpPr>
+        <p:spPr>
+          <a:xfrm>
+            <a:off x="4545340" y="5275302"/>
+            <a:ext cx="640035" cy="369332"/>
+          </a:xfrm>
+          <a:prstGeom prst="rect">
+            <a:avLst/>
+          </a:prstGeom>
+          <a:noFill/>
+        </p:spPr>
+        <p:txBody>
+          <a:bodyPr wrap="square" rtlCol="1">
+            <a:spAutoFit/>
+          </a:bodyPr>
+          <a:lstStyle/>
+          <a:p>
+            <a:r>
+              <a:rPr lang="en-US" dirty="0" smtClean="0"/>
+              <a:t>(6,4)</a:t>
+            </a:r>
+            <a:endParaRPr lang="he-IL" dirty="0"/>
+          </a:p>
+        </p:txBody>
+      </p:sp>
+      <p:sp>
+        <p:nvSpPr>
+          <p:cNvPr id="92" name="TextBox 91"/>
+          <p:cNvSpPr txBox="1"/>
+          <p:nvPr/>
+        </p:nvSpPr>
+        <p:spPr>
+          <a:xfrm>
+            <a:off x="6949417" y="5267920"/>
+            <a:ext cx="640035" cy="369332"/>
+          </a:xfrm>
+          <a:prstGeom prst="rect">
+            <a:avLst/>
+          </a:prstGeom>
+          <a:noFill/>
+        </p:spPr>
+        <p:txBody>
+          <a:bodyPr wrap="square" rtlCol="1">
+            <a:spAutoFit/>
+          </a:bodyPr>
+          <a:lstStyle/>
+          <a:p>
+            <a:r>
+              <a:rPr lang="en-US" dirty="0" smtClean="0"/>
+              <a:t>(2,3)</a:t>
+            </a:r>
+            <a:endParaRPr lang="he-IL" dirty="0"/>
+          </a:p>
+        </p:txBody>
+      </p:sp>
+      <p:sp>
+        <p:nvSpPr>
+          <p:cNvPr id="94" name="TextBox 93"/>
+          <p:cNvSpPr txBox="1"/>
+          <p:nvPr/>
+        </p:nvSpPr>
+        <p:spPr>
+          <a:xfrm>
+            <a:off x="4480582" y="6115050"/>
+            <a:ext cx="1524000" cy="523220"/>
+          </a:xfrm>
+          <a:prstGeom prst="rect">
+            <a:avLst/>
+          </a:prstGeom>
+          <a:noFill/>
+        </p:spPr>
+        <p:txBody>
+          <a:bodyPr wrap="square" rtlCol="1">
+            <a:spAutoFit/>
+          </a:bodyPr>
+          <a:lstStyle/>
+          <a:p>
+            <a:pPr algn="ctr"/>
+            <a:r>
+              <a:rPr lang="en-US" sz="2800" dirty="0"/>
+              <a:t>6</a:t>
+            </a:r>
+            <a:endParaRPr lang="he-IL" dirty="0"/>
           </a:p>
         </p:txBody>
       </p:sp>
     </p:spTree>
     <p:extLst>
       <p:ext uri="{BB962C8B-B14F-4D97-AF65-F5344CB8AC3E}">
-        <p14:creationId xmlns:p14="http://schemas.microsoft.com/office/powerpoint/2010/main" xmlns="" val="2400644727"/>
+        <p14:creationId xmlns:p14="http://schemas.microsoft.com/office/powerpoint/2010/main" val="942467042"/>
       </p:ext>
     </p:extLst>
   </p:cSld>
@@ -4632,8 +6178,8 @@
         </p:nvSpPr>
         <p:spPr>
           <a:xfrm>
-            <a:off x="335280" y="535376"/>
-            <a:ext cx="8625840" cy="1470025"/>
+            <a:off x="693465" y="535376"/>
+            <a:ext cx="7772400" cy="1470025"/>
           </a:xfrm>
         </p:spPr>
         <p:txBody>
@@ -4642,7 +6188,7 @@
           <a:p>
             <a:r>
               <a:rPr lang="en-US" dirty="0" smtClean="0"/>
-              <a:t>Global agreement - implementation</a:t>
+              <a:t>Global agreement - motivation</a:t>
             </a:r>
             <a:endParaRPr lang="en-US" dirty="0"/>
           </a:p>
@@ -4650,47 +6196,81 @@
       </p:sp>
       <p:sp>
         <p:nvSpPr>
-          <p:cNvPr id="6" name="TextBox 5"/>
-          <p:cNvSpPr txBox="1"/>
-          <p:nvPr/>
+          <p:cNvPr id="3" name="Subtitle 2"/>
+          <p:cNvSpPr>
+            <a:spLocks noGrp="1"/>
+          </p:cNvSpPr>
+          <p:nvPr>
+            <p:ph type="subTitle" idx="1"/>
+          </p:nvPr>
         </p:nvSpPr>
         <p:spPr>
           <a:xfrm>
-            <a:off x="792480" y="2005400"/>
-            <a:ext cx="7528560" cy="2062103"/>
+            <a:off x="365760" y="2005400"/>
+            <a:ext cx="8564880" cy="3816279"/>
           </a:xfrm>
-          <a:prstGeom prst="rect">
-            <a:avLst/>
-          </a:prstGeom>
-          <a:noFill/>
         </p:spPr>
         <p:txBody>
-          <a:bodyPr wrap="square" rtlCol="1">
-            <a:spAutoFit/>
+          <a:bodyPr>
+            <a:noAutofit/>
           </a:bodyPr>
           <a:lstStyle/>
           <a:p>
-            <a:r>
-              <a:rPr lang="en-US" sz="3200" dirty="0" smtClean="0"/>
-              <a:t>Global Agreement function represents by Boolean gates:</a:t>
-            </a:r>
-          </a:p>
-          <a:p>
-            <a:r>
-              <a:rPr lang="en-US" sz="3200" dirty="0" smtClean="0"/>
-              <a:t>And gates of all inputs.</a:t>
-            </a:r>
-            <a:endParaRPr lang="he-IL" sz="3200" dirty="0" smtClean="0"/>
-          </a:p>
-          <a:p>
-            <a:endParaRPr lang="he-IL" sz="3200" dirty="0"/>
+            <a:pPr algn="l">
+              <a:buFont typeface="Arial" pitchFamily="34" charset="0"/>
+              <a:buChar char="•"/>
+            </a:pPr>
+            <a:r>
+              <a:rPr lang="en-US" sz="3600" dirty="0" smtClean="0">
+                <a:solidFill>
+                  <a:schemeClr val="tx1"/>
+                </a:solidFill>
+              </a:rPr>
+              <a:t>   Useful for:</a:t>
+            </a:r>
+          </a:p>
+          <a:p>
+            <a:pPr marL="514350" indent="-514350" algn="l">
+              <a:buAutoNum type="arabicPeriod"/>
+            </a:pPr>
+            <a:r>
+              <a:rPr lang="en-US" sz="3600" dirty="0" smtClean="0">
+                <a:solidFill>
+                  <a:schemeClr val="tx1"/>
+                </a:solidFill>
+              </a:rPr>
+              <a:t>For peace in the Middle East.</a:t>
+            </a:r>
+          </a:p>
+          <a:p>
+            <a:pPr marL="514350" indent="-514350" algn="l">
+              <a:buAutoNum type="arabicPeriod"/>
+            </a:pPr>
+            <a:r>
+              <a:rPr lang="en-US" sz="3600" dirty="0" smtClean="0">
+                <a:solidFill>
+                  <a:schemeClr val="tx1"/>
+                </a:solidFill>
+              </a:rPr>
+              <a:t>Global agreements in Business meetings.</a:t>
+            </a:r>
+          </a:p>
+          <a:p>
+            <a:pPr marL="514350" indent="-514350" algn="l">
+              <a:buAutoNum type="arabicPeriod"/>
+            </a:pPr>
+            <a:endParaRPr lang="en-US" sz="3600" dirty="0">
+              <a:solidFill>
+                <a:schemeClr val="tx1"/>
+              </a:solidFill>
+            </a:endParaRPr>
           </a:p>
         </p:txBody>
       </p:sp>
     </p:spTree>
     <p:extLst>
       <p:ext uri="{BB962C8B-B14F-4D97-AF65-F5344CB8AC3E}">
-        <p14:creationId xmlns:p14="http://schemas.microsoft.com/office/powerpoint/2010/main" xmlns="" val="2400644727"/>
+        <p14:creationId xmlns:p14="http://schemas.microsoft.com/office/powerpoint/2010/main" val="2400644727"/>
       </p:ext>
     </p:extLst>
   </p:cSld>
@@ -4746,7 +6326,7 @@
           <a:p>
             <a:r>
               <a:rPr lang="en-US" dirty="0" smtClean="0"/>
-              <a:t>Global agreement - Example</a:t>
+              <a:t>Global agreement - implementation</a:t>
             </a:r>
             <a:endParaRPr lang="en-US" dirty="0"/>
           </a:p>
@@ -4761,7 +6341,7 @@
         <p:spPr>
           <a:xfrm>
             <a:off x="792480" y="2005400"/>
-            <a:ext cx="7528560" cy="1077218"/>
+            <a:ext cx="7528560" cy="2062103"/>
           </a:xfrm>
           <a:prstGeom prst="rect">
             <a:avLst/>
@@ -4774,125 +6354,27 @@
           </a:bodyPr>
           <a:lstStyle/>
           <a:p>
+            <a:r>
+              <a:rPr lang="en-US" sz="3200" dirty="0" smtClean="0"/>
+              <a:t>Global Agreement function represents by Boolean gates:</a:t>
+            </a:r>
+          </a:p>
+          <a:p>
+            <a:r>
+              <a:rPr lang="en-US" sz="3200" dirty="0" smtClean="0"/>
+              <a:t>And gates of all inputs.</a:t>
+            </a:r>
             <a:endParaRPr lang="he-IL" sz="3200" dirty="0" smtClean="0"/>
           </a:p>
           <a:p>
             <a:endParaRPr lang="he-IL" sz="3200" dirty="0"/>
-          </a:p>
-        </p:txBody>
-      </p:sp>
-      <p:sp>
-        <p:nvSpPr>
-          <p:cNvPr id="4" name="TextBox 3"/>
-          <p:cNvSpPr txBox="1"/>
-          <p:nvPr/>
-        </p:nvSpPr>
-        <p:spPr>
-          <a:xfrm>
-            <a:off x="693465" y="2005401"/>
-            <a:ext cx="7772400" cy="4524315"/>
-          </a:xfrm>
-          <a:prstGeom prst="rect">
-            <a:avLst/>
-          </a:prstGeom>
-          <a:noFill/>
-        </p:spPr>
-        <p:txBody>
-          <a:bodyPr wrap="square" rtlCol="1">
-            <a:spAutoFit/>
-          </a:bodyPr>
-          <a:lstStyle/>
-          <a:p>
-            <a:r>
-              <a:rPr lang="en-US" sz="3200" dirty="0" smtClean="0"/>
-              <a:t>3 secrets – s1=1, s2=0, s3=1.</a:t>
-            </a:r>
-          </a:p>
-          <a:p>
-            <a:r>
-              <a:rPr lang="en-US" sz="3200" dirty="0" smtClean="0"/>
-              <a:t>T=1, n  = 3, field = 7.</a:t>
-            </a:r>
-          </a:p>
-          <a:p>
-            <a:endParaRPr lang="en-US" sz="3200" dirty="0" smtClean="0"/>
-          </a:p>
-          <a:p>
-            <a:r>
-              <a:rPr lang="en-US" sz="3200" dirty="0"/>
-              <a:t>secret share for p1 (</a:t>
-            </a:r>
-            <a:r>
-              <a:rPr lang="en-US" sz="3200" dirty="0" smtClean="0"/>
-              <a:t>s1</a:t>
-            </a:r>
-            <a:r>
-              <a:rPr lang="en-US" sz="3200" dirty="0"/>
-              <a:t>)</a:t>
-            </a:r>
-          </a:p>
-          <a:p>
-            <a:r>
-              <a:rPr lang="he-IL" sz="3200" dirty="0"/>
-              <a:t>[(1,0)(2,6)(3,5)]</a:t>
-            </a:r>
-          </a:p>
-          <a:p>
-            <a:r>
-              <a:rPr lang="en-US" sz="3200" dirty="0"/>
-              <a:t>secret share for </a:t>
-            </a:r>
-            <a:r>
-              <a:rPr lang="en-US" sz="3200" dirty="0" smtClean="0"/>
-              <a:t>p2 </a:t>
-            </a:r>
-            <a:r>
-              <a:rPr lang="en-US" sz="3200" dirty="0"/>
-              <a:t>(</a:t>
-            </a:r>
-            <a:r>
-              <a:rPr lang="en-US" sz="3200" dirty="0" smtClean="0"/>
-              <a:t>s2)</a:t>
-            </a:r>
-            <a:endParaRPr lang="en-US" sz="3200" dirty="0"/>
-          </a:p>
-          <a:p>
-            <a:r>
-              <a:rPr lang="he-IL" sz="3200" dirty="0"/>
-              <a:t>[(1,5)(2,3)(3,1)]</a:t>
-            </a:r>
-          </a:p>
-          <a:p>
-            <a:r>
-              <a:rPr lang="en-US" sz="3200" dirty="0"/>
-              <a:t>secret share for </a:t>
-            </a:r>
-            <a:r>
-              <a:rPr lang="en-US" sz="3200" dirty="0" smtClean="0"/>
-              <a:t>p3 </a:t>
-            </a:r>
-            <a:r>
-              <a:rPr lang="en-US" sz="3200" dirty="0"/>
-              <a:t>(</a:t>
-            </a:r>
-            <a:r>
-              <a:rPr lang="en-US" sz="3200" dirty="0" smtClean="0"/>
-              <a:t>s3)</a:t>
-            </a:r>
-            <a:endParaRPr lang="en-US" sz="3200" dirty="0"/>
-          </a:p>
-          <a:p>
-            <a:r>
-              <a:rPr lang="he-IL" sz="3200" dirty="0"/>
-              <a:t>[(1,4)(2,0)(3,3)]</a:t>
-            </a:r>
           </a:p>
         </p:txBody>
       </p:sp>
     </p:spTree>
     <p:extLst>
       <p:ext uri="{BB962C8B-B14F-4D97-AF65-F5344CB8AC3E}">
-        <p14:creationId xmlns:p14="http://schemas.microsoft.com/office/powerpoint/2010/main" xmlns="" val="3481794422"/>
+        <p14:creationId xmlns:p14="http://schemas.microsoft.com/office/powerpoint/2010/main" val="2400644727"/>
       </p:ext>
     </p:extLst>
   </p:cSld>
@@ -4983,10 +6465,118 @@
           </a:p>
         </p:txBody>
       </p:sp>
+      <p:sp>
+        <p:nvSpPr>
+          <p:cNvPr id="4" name="TextBox 3"/>
+          <p:cNvSpPr txBox="1"/>
+          <p:nvPr/>
+        </p:nvSpPr>
+        <p:spPr>
+          <a:xfrm>
+            <a:off x="693465" y="2005401"/>
+            <a:ext cx="7772400" cy="4524315"/>
+          </a:xfrm>
+          <a:prstGeom prst="rect">
+            <a:avLst/>
+          </a:prstGeom>
+          <a:noFill/>
+        </p:spPr>
+        <p:txBody>
+          <a:bodyPr wrap="square" rtlCol="1">
+            <a:spAutoFit/>
+          </a:bodyPr>
+          <a:lstStyle/>
+          <a:p>
+            <a:r>
+              <a:rPr lang="en-US" sz="3200" dirty="0" smtClean="0"/>
+              <a:t>3 secrets – s1=1, s2=0, s3=1.</a:t>
+            </a:r>
+          </a:p>
+          <a:p>
+            <a:r>
+              <a:rPr lang="en-US" sz="3200" dirty="0" smtClean="0"/>
+              <a:t>T=1, n  = 3, field = 7.</a:t>
+            </a:r>
+          </a:p>
+          <a:p>
+            <a:endParaRPr lang="en-US" sz="3200" dirty="0" smtClean="0"/>
+          </a:p>
+          <a:p>
+            <a:r>
+              <a:rPr lang="en-US" sz="3200" dirty="0"/>
+              <a:t>secret share for p1 (</a:t>
+            </a:r>
+            <a:r>
+              <a:rPr lang="en-US" sz="3200" dirty="0" smtClean="0"/>
+              <a:t>s1</a:t>
+            </a:r>
+            <a:r>
+              <a:rPr lang="en-US" sz="3200" dirty="0"/>
+              <a:t>)</a:t>
+            </a:r>
+          </a:p>
+          <a:p>
+            <a:r>
+              <a:rPr lang="he-IL" sz="3200" dirty="0"/>
+              <a:t>[(1,0)(2,6)(3,5)]</a:t>
+            </a:r>
+          </a:p>
+          <a:p>
+            <a:r>
+              <a:rPr lang="en-US" sz="3200" dirty="0"/>
+              <a:t>secret share for </a:t>
+            </a:r>
+            <a:r>
+              <a:rPr lang="en-US" sz="3200" dirty="0" smtClean="0"/>
+              <a:t>p2 </a:t>
+            </a:r>
+            <a:r>
+              <a:rPr lang="en-US" sz="3200" dirty="0"/>
+              <a:t>(</a:t>
+            </a:r>
+            <a:r>
+              <a:rPr lang="en-US" sz="3200" dirty="0" smtClean="0"/>
+              <a:t>s2)</a:t>
+            </a:r>
+            <a:endParaRPr lang="en-US" sz="3200" dirty="0"/>
+          </a:p>
+          <a:p>
+            <a:r>
+              <a:rPr lang="he-IL" sz="3200" dirty="0"/>
+              <a:t>[(1,5)(2,3)(3,1)]</a:t>
+            </a:r>
+          </a:p>
+          <a:p>
+            <a:r>
+              <a:rPr lang="en-US" sz="3200" dirty="0"/>
+              <a:t>secret share for </a:t>
+            </a:r>
+            <a:r>
+              <a:rPr lang="en-US" sz="3200" dirty="0" smtClean="0"/>
+              <a:t>p3 </a:t>
+            </a:r>
+            <a:r>
+              <a:rPr lang="en-US" sz="3200" dirty="0"/>
+              <a:t>(</a:t>
+            </a:r>
+            <a:r>
+              <a:rPr lang="en-US" sz="3200" dirty="0" smtClean="0"/>
+              <a:t>s3)</a:t>
+            </a:r>
+            <a:endParaRPr lang="en-US" sz="3200" dirty="0"/>
+          </a:p>
+          <a:p>
+            <a:r>
+              <a:rPr lang="he-IL" sz="3200" dirty="0"/>
+              <a:t>[(1,4)(2,0)(3,3)]</a:t>
+            </a:r>
+          </a:p>
+        </p:txBody>
+      </p:sp>
     </p:spTree>
     <p:extLst>
       <p:ext uri="{BB962C8B-B14F-4D97-AF65-F5344CB8AC3E}">
-        <p14:creationId xmlns:p14="http://schemas.microsoft.com/office/powerpoint/2010/main" xmlns="" val="2087727253"/>
+        <p14:creationId xmlns:p14="http://schemas.microsoft.com/office/powerpoint/2010/main" val="3481794422"/>
       </p:ext>
     </p:extLst>
   </p:cSld>
@@ -5032,8 +6622,8 @@
         </p:nvSpPr>
         <p:spPr>
           <a:xfrm>
-            <a:off x="693465" y="267335"/>
-            <a:ext cx="7772400" cy="1470025"/>
+            <a:off x="335280" y="535376"/>
+            <a:ext cx="8625840" cy="1470025"/>
           </a:xfrm>
         </p:spPr>
         <p:txBody>
@@ -5042,7 +6632,7 @@
           <a:p>
             <a:r>
               <a:rPr lang="en-US" dirty="0" smtClean="0"/>
-              <a:t>Frequency - Motivation</a:t>
+              <a:t>Global agreement - Example</a:t>
             </a:r>
             <a:endParaRPr lang="en-US" dirty="0"/>
           </a:p>
@@ -5050,69 +6640,37 @@
       </p:sp>
       <p:sp>
         <p:nvSpPr>
-          <p:cNvPr id="3" name="Subtitle 2"/>
-          <p:cNvSpPr>
-            <a:spLocks noGrp="1"/>
-          </p:cNvSpPr>
-          <p:nvPr>
-            <p:ph type="subTitle" idx="1"/>
-          </p:nvPr>
+          <p:cNvPr id="6" name="TextBox 5"/>
+          <p:cNvSpPr txBox="1"/>
+          <p:nvPr/>
         </p:nvSpPr>
         <p:spPr>
           <a:xfrm>
-            <a:off x="693465" y="1737360"/>
-            <a:ext cx="7581855" cy="2515985"/>
+            <a:off x="792480" y="2005400"/>
+            <a:ext cx="7528560" cy="1077218"/>
           </a:xfrm>
+          <a:prstGeom prst="rect">
+            <a:avLst/>
+          </a:prstGeom>
+          <a:noFill/>
         </p:spPr>
         <p:txBody>
-          <a:bodyPr>
-            <a:normAutofit/>
+          <a:bodyPr wrap="square" rtlCol="1">
+            <a:spAutoFit/>
           </a:bodyPr>
           <a:lstStyle/>
           <a:p>
-            <a:pPr algn="l"/>
-            <a:r>
-              <a:rPr lang="en-US" dirty="0" smtClean="0">
-                <a:solidFill>
-                  <a:schemeClr val="tx1"/>
-                </a:solidFill>
-              </a:rPr>
-              <a:t>Useful for:</a:t>
-            </a:r>
-          </a:p>
-          <a:p>
-            <a:pPr marL="514350" indent="-514350" algn="l"/>
-            <a:r>
-              <a:rPr lang="en-US" dirty="0" smtClean="0">
-                <a:solidFill>
-                  <a:schemeClr val="tx1"/>
-                </a:solidFill>
-              </a:rPr>
-              <a:t>Knowing who is the winner in an election.</a:t>
-            </a:r>
-          </a:p>
-          <a:p>
-            <a:pPr marL="514350" indent="-514350" algn="l"/>
-            <a:r>
-              <a:rPr lang="en-US" dirty="0" smtClean="0">
-                <a:solidFill>
-                  <a:schemeClr val="tx1"/>
-                </a:solidFill>
-              </a:rPr>
-              <a:t>(Vector of bits)</a:t>
-            </a:r>
-            <a:endParaRPr lang="en-US" dirty="0">
-              <a:solidFill>
-                <a:schemeClr val="tx1"/>
-              </a:solidFill>
-            </a:endParaRPr>
+            <a:endParaRPr lang="he-IL" sz="3200" dirty="0" smtClean="0"/>
+          </a:p>
+          <a:p>
+            <a:endParaRPr lang="he-IL" sz="3200" dirty="0"/>
           </a:p>
         </p:txBody>
       </p:sp>
     </p:spTree>
     <p:extLst>
       <p:ext uri="{BB962C8B-B14F-4D97-AF65-F5344CB8AC3E}">
-        <p14:creationId xmlns:p14="http://schemas.microsoft.com/office/powerpoint/2010/main" xmlns="" val="813698840"/>
+        <p14:creationId xmlns:p14="http://schemas.microsoft.com/office/powerpoint/2010/main" val="2087727253"/>
       </p:ext>
     </p:extLst>
   </p:cSld>
@@ -5158,7 +6716,7 @@
         </p:nvSpPr>
         <p:spPr>
           <a:xfrm>
-            <a:off x="693465" y="0"/>
+            <a:off x="693465" y="267335"/>
             <a:ext cx="7772400" cy="1470025"/>
           </a:xfrm>
         </p:spPr>
@@ -5168,7 +6726,7 @@
           <a:p>
             <a:r>
               <a:rPr lang="en-US" dirty="0" smtClean="0"/>
-              <a:t>Frequency – implementation</a:t>
+              <a:t>Frequency - Motivation</a:t>
             </a:r>
             <a:endParaRPr lang="en-US" dirty="0"/>
           </a:p>
@@ -5176,99 +6734,69 @@
       </p:sp>
       <p:sp>
         <p:nvSpPr>
-          <p:cNvPr id="5" name="TextBox 4"/>
-          <p:cNvSpPr txBox="1"/>
-          <p:nvPr/>
+          <p:cNvPr id="3" name="Subtitle 2"/>
+          <p:cNvSpPr>
+            <a:spLocks noGrp="1"/>
+          </p:cNvSpPr>
+          <p:nvPr>
+            <p:ph type="subTitle" idx="1"/>
+          </p:nvPr>
         </p:nvSpPr>
         <p:spPr>
           <a:xfrm>
-            <a:off x="1143000" y="1470025"/>
-            <a:ext cx="6918960" cy="4893647"/>
+            <a:off x="693465" y="1737360"/>
+            <a:ext cx="7581855" cy="2515985"/>
           </a:xfrm>
-          <a:prstGeom prst="rect">
-            <a:avLst/>
-          </a:prstGeom>
-          <a:noFill/>
         </p:spPr>
         <p:txBody>
-          <a:bodyPr wrap="square" rtlCol="1">
-            <a:spAutoFit/>
+          <a:bodyPr>
+            <a:normAutofit/>
           </a:bodyPr>
           <a:lstStyle/>
           <a:p>
-            <a:r>
-              <a:rPr lang="en-US" sz="2400" dirty="0" smtClean="0"/>
-              <a:t>Phase 1 – input is Vector of integers. For each element(Candidate) run BGW with sum function.</a:t>
-            </a:r>
-          </a:p>
-          <a:p>
-            <a:r>
-              <a:rPr lang="en-US" sz="2400" dirty="0" smtClean="0"/>
-              <a:t>Phase 2 – input is vector of sum of votes for each candidate. V[</a:t>
-            </a:r>
-            <a:r>
-              <a:rPr lang="en-US" sz="2400" dirty="0" err="1" smtClean="0"/>
-              <a:t>i</a:t>
-            </a:r>
-            <a:r>
-              <a:rPr lang="en-US" sz="2400" dirty="0" smtClean="0"/>
-              <a:t>] is the sum for candidate </a:t>
-            </a:r>
-            <a:r>
-              <a:rPr lang="en-US" sz="2400" dirty="0" err="1" smtClean="0"/>
-              <a:t>i</a:t>
-            </a:r>
-            <a:r>
-              <a:rPr lang="en-US" sz="2400" dirty="0" smtClean="0"/>
-              <a:t>.</a:t>
-            </a:r>
-          </a:p>
-          <a:p>
-            <a:r>
-              <a:rPr lang="en-US" sz="2400" dirty="0" smtClean="0"/>
-              <a:t>From now on, no party (or t parties) can study anything from the Vector about the original secretes.</a:t>
-            </a:r>
-          </a:p>
-          <a:p>
-            <a:r>
-              <a:rPr lang="en-US" sz="2400" dirty="0" smtClean="0"/>
-              <a:t>Give V to one of the parties. He will calculates the maximum of V.</a:t>
-            </a:r>
-          </a:p>
-          <a:p>
-            <a:r>
-              <a:rPr lang="en-US" sz="2400" dirty="0" smtClean="0"/>
-              <a:t>Phase 3 – input – V(the sum vector), and the maximum.  Compare (binary Compare) the maximum for each V[</a:t>
-            </a:r>
-            <a:r>
-              <a:rPr lang="en-US" sz="2400" dirty="0" err="1" smtClean="0"/>
-              <a:t>i</a:t>
-            </a:r>
-            <a:r>
-              <a:rPr lang="en-US" sz="2400" dirty="0" smtClean="0"/>
-              <a:t>]. If match found – return </a:t>
-            </a:r>
-            <a:r>
-              <a:rPr lang="en-US" sz="2400" dirty="0" err="1" smtClean="0"/>
-              <a:t>i</a:t>
-            </a:r>
-            <a:r>
-              <a:rPr lang="en-US" sz="2400" dirty="0" smtClean="0"/>
-              <a:t>. </a:t>
-            </a:r>
-          </a:p>
-          <a:p>
-            <a:endParaRPr lang="en-US" sz="2400" dirty="0" smtClean="0"/>
-          </a:p>
-          <a:p>
-            <a:endParaRPr lang="he-IL" sz="2400" dirty="0"/>
+            <a:pPr algn="l"/>
+            <a:r>
+              <a:rPr lang="en-US" dirty="0" smtClean="0">
+                <a:solidFill>
+                  <a:schemeClr val="tx1"/>
+                </a:solidFill>
+              </a:rPr>
+              <a:t>Useful for:</a:t>
+            </a:r>
+          </a:p>
+          <a:p>
+            <a:pPr marL="514350" indent="-514350" algn="l"/>
+            <a:r>
+              <a:rPr lang="en-US" dirty="0" smtClean="0">
+                <a:solidFill>
+                  <a:schemeClr val="tx1"/>
+                </a:solidFill>
+              </a:rPr>
+              <a:t>Knowing who is the winner in an election.</a:t>
+            </a:r>
+          </a:p>
+          <a:p>
+            <a:pPr marL="514350" indent="-514350" algn="l"/>
+            <a:r>
+              <a:rPr lang="en-US" dirty="0" smtClean="0">
+                <a:solidFill>
+                  <a:schemeClr val="tx1"/>
+                </a:solidFill>
+              </a:rPr>
+              <a:t>(Vector of bits)</a:t>
+            </a:r>
+            <a:endParaRPr lang="en-US" dirty="0">
+              <a:solidFill>
+                <a:schemeClr val="tx1"/>
+              </a:solidFill>
+            </a:endParaRPr>
           </a:p>
         </p:txBody>
       </p:sp>
     </p:spTree>
     <p:extLst>
       <p:ext uri="{BB962C8B-B14F-4D97-AF65-F5344CB8AC3E}">
-        <p14:creationId xmlns:p14="http://schemas.microsoft.com/office/powerpoint/2010/main" xmlns="" val="813698840"/>
+        <p14:creationId xmlns:p14="http://schemas.microsoft.com/office/powerpoint/2010/main" val="813698840"/>
       </p:ext>
     </p:extLst>
   </p:cSld>
@@ -5330,10 +6858,166 @@
           </a:p>
         </p:txBody>
       </p:sp>
+      <p:sp>
+        <p:nvSpPr>
+          <p:cNvPr id="5" name="TextBox 4"/>
+          <p:cNvSpPr txBox="1"/>
+          <p:nvPr/>
+        </p:nvSpPr>
+        <p:spPr>
+          <a:xfrm>
+            <a:off x="1143000" y="1470025"/>
+            <a:ext cx="6918960" cy="4893647"/>
+          </a:xfrm>
+          <a:prstGeom prst="rect">
+            <a:avLst/>
+          </a:prstGeom>
+          <a:noFill/>
+        </p:spPr>
+        <p:txBody>
+          <a:bodyPr wrap="square" rtlCol="1">
+            <a:spAutoFit/>
+          </a:bodyPr>
+          <a:lstStyle/>
+          <a:p>
+            <a:r>
+              <a:rPr lang="en-US" sz="2400" dirty="0" smtClean="0"/>
+              <a:t>Phase 1 – input is Vector of integers. For each element(Candidate) run BGW with sum function.</a:t>
+            </a:r>
+          </a:p>
+          <a:p>
+            <a:r>
+              <a:rPr lang="en-US" sz="2400" dirty="0" smtClean="0"/>
+              <a:t>Phase 2 – input is vector of sum of votes for each candidate. V[</a:t>
+            </a:r>
+            <a:r>
+              <a:rPr lang="en-US" sz="2400" dirty="0" err="1" smtClean="0"/>
+              <a:t>i</a:t>
+            </a:r>
+            <a:r>
+              <a:rPr lang="en-US" sz="2400" dirty="0" smtClean="0"/>
+              <a:t>] is the sum for candidate </a:t>
+            </a:r>
+            <a:r>
+              <a:rPr lang="en-US" sz="2400" dirty="0" err="1" smtClean="0"/>
+              <a:t>i</a:t>
+            </a:r>
+            <a:r>
+              <a:rPr lang="en-US" sz="2400" dirty="0" smtClean="0"/>
+              <a:t>.</a:t>
+            </a:r>
+          </a:p>
+          <a:p>
+            <a:r>
+              <a:rPr lang="en-US" sz="2400" dirty="0" smtClean="0"/>
+              <a:t>From now on, no party (or t parties) can study anything from the Vector about the original secretes.</a:t>
+            </a:r>
+          </a:p>
+          <a:p>
+            <a:r>
+              <a:rPr lang="en-US" sz="2400" dirty="0" smtClean="0"/>
+              <a:t>Give V to one of the parties. He will calculates the maximum of V.</a:t>
+            </a:r>
+          </a:p>
+          <a:p>
+            <a:r>
+              <a:rPr lang="en-US" sz="2400" dirty="0" smtClean="0"/>
+              <a:t>Phase 3 – input – V(the sum vector), and the maximum.  Compare (binary Compare) the maximum for each V[</a:t>
+            </a:r>
+            <a:r>
+              <a:rPr lang="en-US" sz="2400" dirty="0" err="1" smtClean="0"/>
+              <a:t>i</a:t>
+            </a:r>
+            <a:r>
+              <a:rPr lang="en-US" sz="2400" dirty="0" smtClean="0"/>
+              <a:t>]. If match found – return </a:t>
+            </a:r>
+            <a:r>
+              <a:rPr lang="en-US" sz="2400" dirty="0" err="1" smtClean="0"/>
+              <a:t>i</a:t>
+            </a:r>
+            <a:r>
+              <a:rPr lang="en-US" sz="2400" dirty="0" smtClean="0"/>
+              <a:t>. </a:t>
+            </a:r>
+          </a:p>
+          <a:p>
+            <a:endParaRPr lang="en-US" sz="2400" dirty="0" smtClean="0"/>
+          </a:p>
+          <a:p>
+            <a:endParaRPr lang="he-IL" sz="2400" dirty="0"/>
+          </a:p>
+        </p:txBody>
+      </p:sp>
     </p:spTree>
     <p:extLst>
       <p:ext uri="{BB962C8B-B14F-4D97-AF65-F5344CB8AC3E}">
-        <p14:creationId xmlns:p14="http://schemas.microsoft.com/office/powerpoint/2010/main" xmlns="" val="4115421829"/>
+        <p14:creationId xmlns:p14="http://schemas.microsoft.com/office/powerpoint/2010/main" val="813698840"/>
+      </p:ext>
+    </p:extLst>
+  </p:cSld>
+  <p:clrMapOvr>
+    <a:masterClrMapping/>
+  </p:clrMapOvr>
+  <p:timing>
+    <p:tnLst>
+      <p:par>
+        <p:cTn id="1" dur="indefinite" restart="never" nodeType="tmRoot"/>
+      </p:par>
+    </p:tnLst>
+  </p:timing>
+</p:sld>
+</file>
+
+<file path=ppt/slides/slide18.xml><?xml version="1.0" encoding="utf-8"?>
+<p:sld xmlns:a="http://schemas.openxmlformats.org/drawingml/2006/main" xmlns:r="http://schemas.openxmlformats.org/officeDocument/2006/relationships" xmlns:p="http://schemas.openxmlformats.org/presentationml/2006/main">
+  <p:cSld>
+    <p:spTree>
+      <p:nvGrpSpPr>
+        <p:cNvPr id="1" name=""/>
+        <p:cNvGrpSpPr/>
+        <p:nvPr/>
+      </p:nvGrpSpPr>
+      <p:grpSpPr>
+        <a:xfrm>
+          <a:off x="0" y="0"/>
+          <a:ext cx="0" cy="0"/>
+          <a:chOff x="0" y="0"/>
+          <a:chExt cx="0" cy="0"/>
+        </a:xfrm>
+      </p:grpSpPr>
+      <p:sp>
+        <p:nvSpPr>
+          <p:cNvPr id="2" name="Title 1"/>
+          <p:cNvSpPr>
+            <a:spLocks noGrp="1"/>
+          </p:cNvSpPr>
+          <p:nvPr>
+            <p:ph type="ctrTitle"/>
+          </p:nvPr>
+        </p:nvSpPr>
+        <p:spPr>
+          <a:xfrm>
+            <a:off x="693465" y="0"/>
+            <a:ext cx="7772400" cy="1470025"/>
+          </a:xfrm>
+        </p:spPr>
+        <p:txBody>
+          <a:bodyPr/>
+          <a:lstStyle/>
+          <a:p>
+            <a:r>
+              <a:rPr lang="en-US" dirty="0" smtClean="0"/>
+              <a:t>Frequency – implementation</a:t>
+            </a:r>
+            <a:endParaRPr lang="en-US" dirty="0"/>
+          </a:p>
+        </p:txBody>
+      </p:sp>
+    </p:spTree>
+    <p:extLst>
+      <p:ext uri="{BB962C8B-B14F-4D97-AF65-F5344CB8AC3E}">
+        <p14:creationId xmlns:p14="http://schemas.microsoft.com/office/powerpoint/2010/main" val="4115421829"/>
       </p:ext>
     </p:extLst>
   </p:cSld>
@@ -5511,7 +7195,7 @@
           <a:blip r:embed="rId2">
             <a:extLst>
               <a:ext uri="{28A0092B-C50C-407E-A947-70E740481C1C}">
-                <a14:useLocalDpi xmlns:a14="http://schemas.microsoft.com/office/drawing/2010/main" xmlns="" val="0"/>
+                <a14:useLocalDpi xmlns:a14="http://schemas.microsoft.com/office/drawing/2010/main" val="0"/>
               </a:ext>
             </a:extLst>
           </a:blip>
@@ -5531,7 +7215,7 @@
           <a:noFill/>
           <a:extLst>
             <a:ext uri="{909E8E84-426E-40DD-AFC4-6F175D3DCCD1}">
-              <a14:hiddenFill xmlns:a14="http://schemas.microsoft.com/office/drawing/2010/main" xmlns="">
+              <a14:hiddenFill xmlns:a14="http://schemas.microsoft.com/office/drawing/2010/main">
                 <a:solidFill>
                   <a:srgbClr val="FFFFFF"/>
                 </a:solidFill>
@@ -5543,7 +7227,7 @@
     </p:spTree>
     <p:extLst>
       <p:ext uri="{BB962C8B-B14F-4D97-AF65-F5344CB8AC3E}">
-        <p14:creationId xmlns:p14="http://schemas.microsoft.com/office/powerpoint/2010/main" xmlns="" val="723750216"/>
+        <p14:creationId xmlns:p14="http://schemas.microsoft.com/office/powerpoint/2010/main" val="723750216"/>
       </p:ext>
     </p:extLst>
   </p:cSld>
@@ -5849,7 +7533,7 @@
     </p:spTree>
     <p:extLst>
       <p:ext uri="{BB962C8B-B14F-4D97-AF65-F5344CB8AC3E}">
-        <p14:creationId xmlns:p14="http://schemas.microsoft.com/office/powerpoint/2010/main" xmlns="" val="3080280808"/>
+        <p14:creationId xmlns:p14="http://schemas.microsoft.com/office/powerpoint/2010/main" val="3080280808"/>
       </p:ext>
     </p:extLst>
   </p:cSld>
@@ -6210,7 +7894,7 @@
     </p:spTree>
     <p:extLst>
       <p:ext uri="{BB962C8B-B14F-4D97-AF65-F5344CB8AC3E}">
-        <p14:creationId xmlns:p14="http://schemas.microsoft.com/office/powerpoint/2010/main" xmlns="" val="3509708932"/>
+        <p14:creationId xmlns:p14="http://schemas.microsoft.com/office/powerpoint/2010/main" val="3509708932"/>
       </p:ext>
     </p:extLst>
   </p:cSld>
@@ -6281,7 +7965,7 @@
         <p:spPr>
           <a:xfrm>
             <a:off x="693465" y="2005401"/>
-            <a:ext cx="7772400" cy="2554545"/>
+            <a:ext cx="7772400" cy="2062103"/>
           </a:xfrm>
           <a:prstGeom prst="rect">
             <a:avLst/>
@@ -6308,7 +7992,15 @@
           <a:p>
             <a:r>
               <a:rPr lang="en-US" sz="3200" dirty="0" smtClean="0"/>
-              <a:t>Level 2 – single multiplication gate of level one’s result and constant (1/n).</a:t>
+              <a:t>Level 2 – </a:t>
+            </a:r>
+            <a:r>
+              <a:rPr lang="en-US" sz="3200" dirty="0" smtClean="0"/>
+              <a:t>local computation (1/n</a:t>
+            </a:r>
+            <a:r>
+              <a:rPr lang="en-US" sz="3200" dirty="0" smtClean="0"/>
+              <a:t>).</a:t>
             </a:r>
             <a:endParaRPr lang="he-IL" sz="3200" dirty="0"/>
           </a:p>
@@ -6317,7 +8009,7 @@
     </p:spTree>
     <p:extLst>
       <p:ext uri="{BB962C8B-B14F-4D97-AF65-F5344CB8AC3E}">
-        <p14:creationId xmlns:p14="http://schemas.microsoft.com/office/powerpoint/2010/main" xmlns="" val="3509708932"/>
+        <p14:creationId xmlns:p14="http://schemas.microsoft.com/office/powerpoint/2010/main" val="3509708932"/>
       </p:ext>
     </p:extLst>
   </p:cSld>
@@ -6520,7 +8212,7 @@
     </p:spTree>
     <p:extLst>
       <p:ext uri="{BB962C8B-B14F-4D97-AF65-F5344CB8AC3E}">
-        <p14:creationId xmlns:p14="http://schemas.microsoft.com/office/powerpoint/2010/main" xmlns="" val="578136230"/>
+        <p14:creationId xmlns:p14="http://schemas.microsoft.com/office/powerpoint/2010/main" val="578136230"/>
       </p:ext>
     </p:extLst>
   </p:cSld>
